--- a/Dust Attack .pptx
+++ b/Dust Attack .pptx
@@ -29,24 +29,23 @@
     <p:sldId id="274" r:id="rId24"/>
     <p:sldId id="275" r:id="rId25"/>
     <p:sldId id="276" r:id="rId26"/>
-    <p:sldId id="277" r:id="rId27"/>
   </p:sldIdLst>
   <p:sldSz cy="5143500" cx="9144000"/>
   <p:notesSz cx="6858000" cy="9144000"/>
   <p:embeddedFontLst>
     <p:embeddedFont>
       <p:font typeface="Montserrat"/>
-      <p:regular r:id="rId28"/>
-      <p:bold r:id="rId29"/>
-      <p:italic r:id="rId30"/>
-      <p:boldItalic r:id="rId31"/>
+      <p:regular r:id="rId27"/>
+      <p:bold r:id="rId28"/>
+      <p:italic r:id="rId29"/>
+      <p:boldItalic r:id="rId30"/>
     </p:embeddedFont>
     <p:embeddedFont>
       <p:font typeface="Karla"/>
-      <p:regular r:id="rId32"/>
-      <p:bold r:id="rId33"/>
-      <p:italic r:id="rId34"/>
-      <p:boldItalic r:id="rId35"/>
+      <p:regular r:id="rId31"/>
+      <p:bold r:id="rId32"/>
+      <p:italic r:id="rId33"/>
+      <p:boldItalic r:id="rId34"/>
     </p:embeddedFont>
   </p:embeddedFontLst>
   <p:defaultTextStyle>
@@ -1108,7 +1107,7 @@
   <p:cSld>
     <p:spTree>
       <p:nvGrpSpPr>
-        <p:cNvPr id="210" name="Shape 210"/>
+        <p:cNvPr id="211" name="Shape 211"/>
         <p:cNvGrpSpPr/>
         <p:nvPr/>
       </p:nvGrpSpPr>
@@ -1122,7 +1121,7 @@
       </p:grpSpPr>
       <p:sp>
         <p:nvSpPr>
-          <p:cNvPr id="211" name="Google Shape;211;g19a78019844_0_21:notes"/>
+          <p:cNvPr id="212" name="Google Shape;212;g19a78019844_0_21:notes"/>
           <p:cNvSpPr/>
           <p:nvPr>
             <p:ph idx="2" type="sldImg"/>
@@ -1157,7 +1156,7 @@
       </p:sp>
       <p:sp>
         <p:nvSpPr>
-          <p:cNvPr id="212" name="Google Shape;212;g19a78019844_0_21:notes"/>
+          <p:cNvPr id="213" name="Google Shape;213;g19a78019844_0_21:notes"/>
           <p:cNvSpPr txBox="1"/>
           <p:nvPr>
             <p:ph idx="1" type="body"/>
@@ -1207,7 +1206,7 @@
   <p:cSld>
     <p:spTree>
       <p:nvGrpSpPr>
-        <p:cNvPr id="218" name="Shape 218"/>
+        <p:cNvPr id="221" name="Shape 221"/>
         <p:cNvGrpSpPr/>
         <p:nvPr/>
       </p:nvGrpSpPr>
@@ -1221,7 +1220,7 @@
       </p:grpSpPr>
       <p:sp>
         <p:nvSpPr>
-          <p:cNvPr id="219" name="Google Shape;219;g19a78019844_0_26:notes"/>
+          <p:cNvPr id="222" name="Google Shape;222;g19a78019844_0_26:notes"/>
           <p:cNvSpPr/>
           <p:nvPr>
             <p:ph idx="2" type="sldImg"/>
@@ -1256,7 +1255,7 @@
       </p:sp>
       <p:sp>
         <p:nvSpPr>
-          <p:cNvPr id="220" name="Google Shape;220;g19a78019844_0_26:notes"/>
+          <p:cNvPr id="223" name="Google Shape;223;g19a78019844_0_26:notes"/>
           <p:cNvSpPr txBox="1"/>
           <p:nvPr>
             <p:ph idx="1" type="body"/>
@@ -1306,7 +1305,7 @@
   <p:cSld>
     <p:spTree>
       <p:nvGrpSpPr>
-        <p:cNvPr id="226" name="Shape 226"/>
+        <p:cNvPr id="230" name="Shape 230"/>
         <p:cNvGrpSpPr/>
         <p:nvPr/>
       </p:nvGrpSpPr>
@@ -1320,7 +1319,7 @@
       </p:grpSpPr>
       <p:sp>
         <p:nvSpPr>
-          <p:cNvPr id="227" name="Google Shape;227;g19a78019844_0_31:notes"/>
+          <p:cNvPr id="231" name="Google Shape;231;g19a78019844_0_31:notes"/>
           <p:cNvSpPr/>
           <p:nvPr>
             <p:ph idx="2" type="sldImg"/>
@@ -1355,7 +1354,7 @@
       </p:sp>
       <p:sp>
         <p:nvSpPr>
-          <p:cNvPr id="228" name="Google Shape;228;g19a78019844_0_31:notes"/>
+          <p:cNvPr id="232" name="Google Shape;232;g19a78019844_0_31:notes"/>
           <p:cNvSpPr txBox="1"/>
           <p:nvPr>
             <p:ph idx="1" type="body"/>
@@ -1405,7 +1404,7 @@
   <p:cSld>
     <p:spTree>
       <p:nvGrpSpPr>
-        <p:cNvPr id="234" name="Shape 234"/>
+        <p:cNvPr id="238" name="Shape 238"/>
         <p:cNvGrpSpPr/>
         <p:nvPr/>
       </p:nvGrpSpPr>
@@ -1419,7 +1418,7 @@
       </p:grpSpPr>
       <p:sp>
         <p:nvSpPr>
-          <p:cNvPr id="235" name="Google Shape;235;g19a78019844_0_36:notes"/>
+          <p:cNvPr id="239" name="Google Shape;239;g19a78019844_0_41:notes"/>
           <p:cNvSpPr/>
           <p:nvPr>
             <p:ph idx="2" type="sldImg"/>
@@ -1454,7 +1453,7 @@
       </p:sp>
       <p:sp>
         <p:nvSpPr>
-          <p:cNvPr id="236" name="Google Shape;236;g19a78019844_0_36:notes"/>
+          <p:cNvPr id="240" name="Google Shape;240;g19a78019844_0_41:notes"/>
           <p:cNvSpPr txBox="1"/>
           <p:nvPr>
             <p:ph idx="1" type="body"/>
@@ -1504,7 +1503,7 @@
   <p:cSld>
     <p:spTree>
       <p:nvGrpSpPr>
-        <p:cNvPr id="240" name="Shape 240"/>
+        <p:cNvPr id="247" name="Shape 247"/>
         <p:cNvGrpSpPr/>
         <p:nvPr/>
       </p:nvGrpSpPr>
@@ -1518,7 +1517,7 @@
       </p:grpSpPr>
       <p:sp>
         <p:nvSpPr>
-          <p:cNvPr id="241" name="Google Shape;241;g19a78019844_0_41:notes"/>
+          <p:cNvPr id="248" name="Google Shape;248;g19a78019844_0_36:notes"/>
           <p:cNvSpPr/>
           <p:nvPr>
             <p:ph idx="2" type="sldImg"/>
@@ -1553,7 +1552,7 @@
       </p:sp>
       <p:sp>
         <p:nvSpPr>
-          <p:cNvPr id="242" name="Google Shape;242;g19a78019844_0_41:notes"/>
+          <p:cNvPr id="249" name="Google Shape;249;g19a78019844_0_36:notes"/>
           <p:cNvSpPr txBox="1"/>
           <p:nvPr>
             <p:ph idx="1" type="body"/>
@@ -1603,7 +1602,7 @@
   <p:cSld>
     <p:spTree>
       <p:nvGrpSpPr>
-        <p:cNvPr id="246" name="Shape 246"/>
+        <p:cNvPr id="258" name="Shape 258"/>
         <p:cNvGrpSpPr/>
         <p:nvPr/>
       </p:nvGrpSpPr>
@@ -1617,7 +1616,7 @@
       </p:grpSpPr>
       <p:sp>
         <p:nvSpPr>
-          <p:cNvPr id="247" name="Google Shape;247;g19a78019844_0_46:notes"/>
+          <p:cNvPr id="259" name="Google Shape;259;g19a78019844_0_51:notes"/>
           <p:cNvSpPr/>
           <p:nvPr>
             <p:ph idx="2" type="sldImg"/>
@@ -1652,7 +1651,7 @@
       </p:sp>
       <p:sp>
         <p:nvSpPr>
-          <p:cNvPr id="248" name="Google Shape;248;g19a78019844_0_46:notes"/>
+          <p:cNvPr id="260" name="Google Shape;260;g19a78019844_0_51:notes"/>
           <p:cNvSpPr txBox="1"/>
           <p:nvPr>
             <p:ph idx="1" type="body"/>
@@ -1702,7 +1701,7 @@
   <p:cSld>
     <p:spTree>
       <p:nvGrpSpPr>
-        <p:cNvPr id="252" name="Shape 252"/>
+        <p:cNvPr id="266" name="Shape 266"/>
         <p:cNvGrpSpPr/>
         <p:nvPr/>
       </p:nvGrpSpPr>
@@ -1716,7 +1715,7 @@
       </p:grpSpPr>
       <p:sp>
         <p:nvSpPr>
-          <p:cNvPr id="253" name="Google Shape;253;g19a78019844_0_51:notes"/>
+          <p:cNvPr id="267" name="Google Shape;267;g19a78019844_0_56:notes"/>
           <p:cNvSpPr/>
           <p:nvPr>
             <p:ph idx="2" type="sldImg"/>
@@ -1751,7 +1750,7 @@
       </p:sp>
       <p:sp>
         <p:nvSpPr>
-          <p:cNvPr id="254" name="Google Shape;254;g19a78019844_0_51:notes"/>
+          <p:cNvPr id="268" name="Google Shape;268;g19a78019844_0_56:notes"/>
           <p:cNvSpPr txBox="1"/>
           <p:nvPr>
             <p:ph idx="1" type="body"/>
@@ -1900,7 +1899,7 @@
   <p:cSld>
     <p:spTree>
       <p:nvGrpSpPr>
-        <p:cNvPr id="258" name="Shape 258"/>
+        <p:cNvPr id="299" name="Shape 299"/>
         <p:cNvGrpSpPr/>
         <p:nvPr/>
       </p:nvGrpSpPr>
@@ -1914,7 +1913,7 @@
       </p:grpSpPr>
       <p:sp>
         <p:nvSpPr>
-          <p:cNvPr id="259" name="Google Shape;259;g19a78019844_0_56:notes"/>
+          <p:cNvPr id="300" name="Google Shape;300;g19a78019844_0_61:notes"/>
           <p:cNvSpPr/>
           <p:nvPr>
             <p:ph idx="2" type="sldImg"/>
@@ -1949,7 +1948,7 @@
       </p:sp>
       <p:sp>
         <p:nvSpPr>
-          <p:cNvPr id="260" name="Google Shape;260;g19a78019844_0_56:notes"/>
+          <p:cNvPr id="301" name="Google Shape;301;g19a78019844_0_61:notes"/>
           <p:cNvSpPr txBox="1"/>
           <p:nvPr>
             <p:ph idx="1" type="body"/>
@@ -1999,7 +1998,7 @@
   <p:cSld>
     <p:spTree>
       <p:nvGrpSpPr>
-        <p:cNvPr id="264" name="Shape 264"/>
+        <p:cNvPr id="305" name="Shape 305"/>
         <p:cNvGrpSpPr/>
         <p:nvPr/>
       </p:nvGrpSpPr>
@@ -2013,7 +2012,7 @@
       </p:grpSpPr>
       <p:sp>
         <p:nvSpPr>
-          <p:cNvPr id="265" name="Google Shape;265;g19a78019844_0_61:notes"/>
+          <p:cNvPr id="306" name="Google Shape;306;g19a78019844_0_481:notes"/>
           <p:cNvSpPr/>
           <p:nvPr>
             <p:ph idx="2" type="sldImg"/>
@@ -2048,106 +2047,7 @@
       </p:sp>
       <p:sp>
         <p:nvSpPr>
-          <p:cNvPr id="266" name="Google Shape;266;g19a78019844_0_61:notes"/>
-          <p:cNvSpPr txBox="1"/>
-          <p:nvPr>
-            <p:ph idx="1" type="body"/>
-          </p:nvPr>
-        </p:nvSpPr>
-        <p:spPr>
-          <a:xfrm>
-            <a:off x="685800" y="4343400"/>
-            <a:ext cx="5486400" cy="4114800"/>
-          </a:xfrm>
-          <a:prstGeom prst="rect">
-            <a:avLst/>
-          </a:prstGeom>
-        </p:spPr>
-        <p:txBody>
-          <a:bodyPr anchorCtr="0" anchor="t" bIns="91425" lIns="91425" spcFirstLastPara="1" rIns="91425" wrap="square" tIns="91425">
-            <a:noAutofit/>
-          </a:bodyPr>
-          <a:lstStyle/>
-          <a:p>
-            <a:pPr indent="0" lvl="0" marL="0" rtl="0" algn="l">
-              <a:spcBef>
-                <a:spcPts val="0"/>
-              </a:spcBef>
-              <a:spcAft>
-                <a:spcPts val="0"/>
-              </a:spcAft>
-              <a:buNone/>
-            </a:pPr>
-            <a:r>
-              <a:t/>
-            </a:r>
-            <a:endParaRPr/>
-          </a:p>
-        </p:txBody>
-      </p:sp>
-    </p:spTree>
-  </p:cSld>
-  <p:clrMapOvr>
-    <a:masterClrMapping/>
-  </p:clrMapOvr>
-</p:notes>
-</file>
-
-<file path=ppt/notesSlides/notesSlide22.xml><?xml version="1.0" encoding="utf-8"?>
-<p:notes xmlns:a="http://schemas.openxmlformats.org/drawingml/2006/main" xmlns:r="http://schemas.openxmlformats.org/officeDocument/2006/relationships" xmlns:mc="http://schemas.openxmlformats.org/markup-compatibility/2006" xmlns:mv="urn:schemas-microsoft-com:mac:vml" xmlns:p="http://schemas.openxmlformats.org/presentationml/2006/main" xmlns:c="http://schemas.openxmlformats.org/drawingml/2006/chart" xmlns:dgm="http://schemas.openxmlformats.org/drawingml/2006/diagram" xmlns:o="urn:schemas-microsoft-com:office:office" xmlns:v="urn:schemas-microsoft-com:vml" xmlns:pvml="urn:schemas-microsoft-com:office:powerpoint" xmlns:com="http://schemas.openxmlformats.org/drawingml/2006/compatibility" xmlns:p14="http://schemas.microsoft.com/office/powerpoint/2010/main" xmlns:p15="http://schemas.microsoft.com/office/powerpoint/2012/main" xmlns:ahyp="http://schemas.microsoft.com/office/drawing/2018/hyperlinkcolor" showMasterPhAnim="0" showMasterSp="0">
-  <p:cSld>
-    <p:spTree>
-      <p:nvGrpSpPr>
-        <p:cNvPr id="270" name="Shape 270"/>
-        <p:cNvGrpSpPr/>
-        <p:nvPr/>
-      </p:nvGrpSpPr>
-      <p:grpSpPr>
-        <a:xfrm>
-          <a:off x="0" y="0"/>
-          <a:ext cx="0" cy="0"/>
-          <a:chOff x="0" y="0"/>
-          <a:chExt cx="0" cy="0"/>
-        </a:xfrm>
-      </p:grpSpPr>
-      <p:sp>
-        <p:nvSpPr>
-          <p:cNvPr id="271" name="Google Shape;271;g19a78019844_0_481:notes"/>
-          <p:cNvSpPr/>
-          <p:nvPr>
-            <p:ph idx="2" type="sldImg"/>
-          </p:nvPr>
-        </p:nvSpPr>
-        <p:spPr>
-          <a:xfrm>
-            <a:off x="381175" y="685800"/>
-            <a:ext cx="6096300" cy="3429000"/>
-          </a:xfrm>
-          <a:custGeom>
-            <a:rect b="b" l="l" r="r" t="t"/>
-            <a:pathLst>
-              <a:path extrusionOk="0" h="120000" w="120000">
-                <a:moveTo>
-                  <a:pt x="0" y="0"/>
-                </a:moveTo>
-                <a:lnTo>
-                  <a:pt x="120000" y="0"/>
-                </a:lnTo>
-                <a:lnTo>
-                  <a:pt x="120000" y="120000"/>
-                </a:lnTo>
-                <a:lnTo>
-                  <a:pt x="0" y="120000"/>
-                </a:lnTo>
-                <a:close/>
-              </a:path>
-            </a:pathLst>
-          </a:custGeom>
-        </p:spPr>
-      </p:sp>
-      <p:sp>
-        <p:nvSpPr>
-          <p:cNvPr id="272" name="Google Shape;272;g19a78019844_0_481:notes"/>
+          <p:cNvPr id="307" name="Google Shape;307;g19a78019844_0_481:notes"/>
           <p:cNvSpPr txBox="1"/>
           <p:nvPr>
             <p:ph idx="1" type="body"/>
@@ -9112,7 +9012,7 @@
         </p:nvSpPr>
         <p:spPr>
           <a:xfrm>
-            <a:off x="872525" y="383513"/>
+            <a:off x="872525" y="191750"/>
             <a:ext cx="5892900" cy="489000"/>
           </a:xfrm>
           <a:prstGeom prst="rect">
@@ -9194,7 +9094,7 @@
         </p:nvSpPr>
         <p:spPr>
           <a:xfrm>
-            <a:off x="872525" y="1329950"/>
+            <a:off x="872525" y="1082300"/>
             <a:ext cx="6354300" cy="1708500"/>
           </a:xfrm>
           <a:prstGeom prst="rect">
@@ -9489,7 +9389,7 @@
         </p:nvSpPr>
         <p:spPr>
           <a:xfrm>
-            <a:off x="872525" y="463025"/>
+            <a:off x="872525" y="231513"/>
             <a:ext cx="4801500" cy="409500"/>
           </a:xfrm>
           <a:prstGeom prst="rect">
@@ -9571,7 +9471,7 @@
         </p:nvSpPr>
         <p:spPr>
           <a:xfrm>
-            <a:off x="872525" y="1289275"/>
+            <a:off x="872525" y="886350"/>
             <a:ext cx="7260600" cy="3370800"/>
           </a:xfrm>
           <a:prstGeom prst="rect">
@@ -9829,7 +9729,7 @@
     <p:bg>
       <p:bgPr>
         <a:solidFill>
-          <a:srgbClr val="073763"/>
+          <a:schemeClr val="lt1"/>
         </a:solidFill>
       </p:bgPr>
     </p:bg>
@@ -9852,12 +9752,12 @@
           <p:cNvPr id="206" name="Google Shape;206;p25"/>
           <p:cNvSpPr txBox="1"/>
           <p:nvPr>
-            <p:ph type="title"/>
+            <p:ph idx="4294967295" type="title"/>
           </p:nvPr>
         </p:nvSpPr>
         <p:spPr>
           <a:xfrm>
-            <a:off x="872525" y="463025"/>
+            <a:off x="872525" y="231500"/>
             <a:ext cx="4801500" cy="409500"/>
           </a:xfrm>
           <a:prstGeom prst="rect">
@@ -9947,8 +9847,8 @@
         </p:blipFill>
         <p:spPr>
           <a:xfrm>
-            <a:off x="0" y="1682825"/>
-            <a:ext cx="7092226" cy="3419949"/>
+            <a:off x="400350" y="1642100"/>
+            <a:ext cx="8203827" cy="3419949"/>
           </a:xfrm>
           <a:prstGeom prst="rect">
             <a:avLst/>
@@ -9967,7 +9867,7 @@
         </p:nvSpPr>
         <p:spPr>
           <a:xfrm>
-            <a:off x="1384275" y="872525"/>
+            <a:off x="1067975" y="709675"/>
             <a:ext cx="4410600" cy="738900"/>
           </a:xfrm>
           <a:prstGeom prst="rect">
@@ -10045,6 +9945,46 @@
               <a:cs typeface="Karla"/>
               <a:sym typeface="Karla"/>
             </a:endParaRPr>
+          </a:p>
+        </p:txBody>
+      </p:sp>
+      <p:sp>
+        <p:nvSpPr>
+          <p:cNvPr id="210" name="Google Shape;210;p25"/>
+          <p:cNvSpPr txBox="1"/>
+          <p:nvPr>
+            <p:ph idx="12" type="sldNum"/>
+          </p:nvPr>
+        </p:nvSpPr>
+        <p:spPr>
+          <a:xfrm>
+            <a:off x="8543227" y="4749851"/>
+            <a:ext cx="548700" cy="393600"/>
+          </a:xfrm>
+          <a:prstGeom prst="rect">
+            <a:avLst/>
+          </a:prstGeom>
+        </p:spPr>
+        <p:txBody>
+          <a:bodyPr anchorCtr="0" anchor="t" bIns="91425" lIns="91425" spcFirstLastPara="1" rIns="91425" wrap="square" tIns="91425">
+            <a:noAutofit/>
+          </a:bodyPr>
+          <a:lstStyle/>
+          <a:p>
+            <a:pPr indent="0" lvl="0" marL="0" rtl="0" algn="r">
+              <a:spcBef>
+                <a:spcPts val="0"/>
+              </a:spcBef>
+              <a:spcAft>
+                <a:spcPts val="0"/>
+              </a:spcAft>
+              <a:buNone/>
+            </a:pPr>
+            <a:fld id="{00000000-1234-1234-1234-123412341234}" type="slidenum">
+              <a:rPr lang="en"/>
+              <a:t>‹#›</a:t>
+            </a:fld>
+            <a:endParaRPr/>
           </a:p>
         </p:txBody>
       </p:sp>
@@ -10062,13 +10002,13 @@
     <p:bg>
       <p:bgPr>
         <a:solidFill>
-          <a:srgbClr val="073763"/>
+          <a:schemeClr val="lt1"/>
         </a:solidFill>
       </p:bgPr>
     </p:bg>
     <p:spTree>
       <p:nvGrpSpPr>
-        <p:cNvPr id="213" name="Shape 213"/>
+        <p:cNvPr id="214" name="Shape 214"/>
         <p:cNvGrpSpPr/>
         <p:nvPr/>
       </p:nvGrpSpPr>
@@ -10082,15 +10022,15 @@
       </p:grpSpPr>
       <p:sp>
         <p:nvSpPr>
-          <p:cNvPr id="214" name="Google Shape;214;p26"/>
+          <p:cNvPr id="215" name="Google Shape;215;p26"/>
           <p:cNvSpPr txBox="1"/>
           <p:nvPr>
-            <p:ph type="title"/>
+            <p:ph idx="4294967295" type="title"/>
           </p:nvPr>
         </p:nvSpPr>
         <p:spPr>
           <a:xfrm>
-            <a:off x="1120975" y="278225"/>
+            <a:off x="1035375" y="139113"/>
             <a:ext cx="4801500" cy="594300"/>
           </a:xfrm>
           <a:prstGeom prst="rect">
@@ -10138,7 +10078,7 @@
       </p:sp>
       <p:pic>
         <p:nvPicPr>
-          <p:cNvPr id="215" name="Google Shape;215;p26"/>
+          <p:cNvPr id="216" name="Google Shape;216;p26"/>
           <p:cNvPicPr preferRelativeResize="0"/>
           <p:nvPr/>
         </p:nvPicPr>
@@ -10164,9 +10104,91 @@
           </a:ln>
         </p:spPr>
       </p:pic>
+      <p:sp>
+        <p:nvSpPr>
+          <p:cNvPr id="217" name="Google Shape;217;p26"/>
+          <p:cNvSpPr txBox="1"/>
+          <p:nvPr/>
+        </p:nvSpPr>
+        <p:spPr>
+          <a:xfrm>
+            <a:off x="0" y="1267350"/>
+            <a:ext cx="5345700" cy="738900"/>
+          </a:xfrm>
+          <a:prstGeom prst="rect">
+            <a:avLst/>
+          </a:prstGeom>
+          <a:noFill/>
+          <a:ln>
+            <a:noFill/>
+          </a:ln>
+        </p:spPr>
+        <p:txBody>
+          <a:bodyPr anchorCtr="0" anchor="t" bIns="91425" lIns="91425" spcFirstLastPara="1" rIns="91425" wrap="square" tIns="91425">
+            <a:spAutoFit/>
+          </a:bodyPr>
+          <a:lstStyle/>
+          <a:p>
+            <a:pPr indent="-342900" lvl="0" marL="457200" rtl="0" algn="l">
+              <a:spcBef>
+                <a:spcPts val="0"/>
+              </a:spcBef>
+              <a:spcAft>
+                <a:spcPts val="0"/>
+              </a:spcAft>
+              <a:buSzPts val="1800"/>
+              <a:buFont typeface="Times"/>
+              <a:buChar char="●"/>
+            </a:pPr>
+            <a:r>
+              <a:rPr lang="en" sz="1800">
+                <a:latin typeface="Times"/>
+                <a:ea typeface="Times"/>
+                <a:cs typeface="Times"/>
+                <a:sym typeface="Times"/>
+              </a:rPr>
+              <a:t>Filtrati gli output con script OP_RETURN;</a:t>
+            </a:r>
+            <a:endParaRPr sz="1800">
+              <a:latin typeface="Times"/>
+              <a:ea typeface="Times"/>
+              <a:cs typeface="Times"/>
+              <a:sym typeface="Times"/>
+            </a:endParaRPr>
+          </a:p>
+          <a:p>
+            <a:pPr indent="-342900" lvl="0" marL="457200" rtl="0" algn="l">
+              <a:spcBef>
+                <a:spcPts val="0"/>
+              </a:spcBef>
+              <a:spcAft>
+                <a:spcPts val="0"/>
+              </a:spcAft>
+              <a:buSzPts val="1800"/>
+              <a:buFont typeface="Times"/>
+              <a:buChar char="●"/>
+            </a:pPr>
+            <a:r>
+              <a:rPr lang="en" sz="1800">
+                <a:latin typeface="Times"/>
+                <a:ea typeface="Times"/>
+                <a:cs typeface="Times"/>
+                <a:sym typeface="Times"/>
+              </a:rPr>
+              <a:t>Totale output dust generati: 2 893 877.</a:t>
+            </a:r>
+            <a:endParaRPr sz="1800">
+              <a:latin typeface="Times"/>
+              <a:ea typeface="Times"/>
+              <a:cs typeface="Times"/>
+              <a:sym typeface="Times"/>
+            </a:endParaRPr>
+          </a:p>
+        </p:txBody>
+      </p:sp>
       <p:pic>
         <p:nvPicPr>
-          <p:cNvPr id="216" name="Google Shape;216;p26"/>
+          <p:cNvPr id="218" name="Google Shape;218;p26"/>
           <p:cNvPicPr preferRelativeResize="0"/>
           <p:nvPr/>
         </p:nvPicPr>
@@ -10180,8 +10202,8 @@
         </p:blipFill>
         <p:spPr>
           <a:xfrm>
-            <a:off x="-12" y="1920325"/>
-            <a:ext cx="7043473" cy="3141751"/>
+            <a:off x="4954590" y="1673750"/>
+            <a:ext cx="4076259" cy="3076099"/>
           </a:xfrm>
           <a:prstGeom prst="rect">
             <a:avLst/>
@@ -10194,14 +10216,14 @@
       </p:pic>
       <p:sp>
         <p:nvSpPr>
-          <p:cNvPr id="217" name="Google Shape;217;p26"/>
+          <p:cNvPr id="219" name="Google Shape;219;p26"/>
           <p:cNvSpPr txBox="1"/>
           <p:nvPr/>
         </p:nvSpPr>
         <p:spPr>
           <a:xfrm>
-            <a:off x="872525" y="934850"/>
-            <a:ext cx="5345700" cy="738900"/>
+            <a:off x="0" y="2625000"/>
+            <a:ext cx="4663800" cy="2225700"/>
           </a:xfrm>
           <a:prstGeom prst="rect">
             <a:avLst/>
@@ -10217,27 +10239,30 @@
           </a:bodyPr>
           <a:lstStyle/>
           <a:p>
-            <a:pPr indent="-342900" lvl="0" marL="457200" rtl="0" algn="l">
-              <a:spcBef>
-                <a:spcPts val="0"/>
-              </a:spcBef>
-              <a:spcAft>
-                <a:spcPts val="0"/>
-              </a:spcAft>
-              <a:buSzPts val="1800"/>
+            <a:pPr indent="-336550" lvl="0" marL="457200" rtl="0" algn="l">
+              <a:lnSpc>
+                <a:spcPct val="150000"/>
+              </a:lnSpc>
+              <a:spcBef>
+                <a:spcPts val="0"/>
+              </a:spcBef>
+              <a:spcAft>
+                <a:spcPts val="0"/>
+              </a:spcAft>
+              <a:buSzPts val="1700"/>
               <a:buFont typeface="Times"/>
               <a:buChar char="●"/>
             </a:pPr>
             <a:r>
-              <a:rPr lang="en" sz="1800">
+              <a:rPr lang="en" sz="1700">
                 <a:latin typeface="Times"/>
                 <a:ea typeface="Times"/>
                 <a:cs typeface="Times"/>
                 <a:sym typeface="Times"/>
               </a:rPr>
-              <a:t>Filtrati gli output dust con script OP_RETURN;</a:t>
-            </a:r>
-            <a:endParaRPr sz="1800">
+              <a:t>Fenomeno “Enjoy Sochi”:</a:t>
+            </a:r>
+            <a:endParaRPr sz="1700">
               <a:latin typeface="Times"/>
               <a:ea typeface="Times"/>
               <a:cs typeface="Times"/>
@@ -10245,32 +10270,217 @@
             </a:endParaRPr>
           </a:p>
           <a:p>
-            <a:pPr indent="-342900" lvl="0" marL="457200" rtl="0" algn="l">
-              <a:spcBef>
-                <a:spcPts val="0"/>
-              </a:spcBef>
-              <a:spcAft>
-                <a:spcPts val="0"/>
-              </a:spcAft>
-              <a:buSzPts val="1800"/>
+            <a:pPr indent="-336550" lvl="1" marL="914400" rtl="0" algn="l">
+              <a:lnSpc>
+                <a:spcPct val="115000"/>
+              </a:lnSpc>
+              <a:spcBef>
+                <a:spcPts val="0"/>
+              </a:spcBef>
+              <a:spcAft>
+                <a:spcPts val="0"/>
+              </a:spcAft>
+              <a:buSzPts val="1700"/>
               <a:buFont typeface="Times"/>
-              <a:buChar char="●"/>
-            </a:pPr>
-            <a:r>
-              <a:rPr lang="en" sz="1800">
+              <a:buChar char="○"/>
+            </a:pPr>
+            <a:r>
+              <a:rPr lang="en" sz="1700">
                 <a:latin typeface="Times"/>
                 <a:ea typeface="Times"/>
                 <a:cs typeface="Times"/>
                 <a:sym typeface="Times"/>
               </a:rPr>
-              <a:t>Totale output dust generati: 2 893 877.</a:t>
-            </a:r>
-            <a:endParaRPr sz="1800">
+              <a:t>2014: 48 750 output;</a:t>
+            </a:r>
+            <a:endParaRPr sz="1700">
               <a:latin typeface="Times"/>
               <a:ea typeface="Times"/>
               <a:cs typeface="Times"/>
               <a:sym typeface="Times"/>
             </a:endParaRPr>
+          </a:p>
+          <a:p>
+            <a:pPr indent="-336550" lvl="1" marL="914400" rtl="0" algn="l">
+              <a:lnSpc>
+                <a:spcPct val="115000"/>
+              </a:lnSpc>
+              <a:spcBef>
+                <a:spcPts val="0"/>
+              </a:spcBef>
+              <a:spcAft>
+                <a:spcPts val="0"/>
+              </a:spcAft>
+              <a:buSzPts val="1700"/>
+              <a:buFont typeface="Times"/>
+              <a:buChar char="○"/>
+            </a:pPr>
+            <a:r>
+              <a:rPr lang="en" sz="1700">
+                <a:latin typeface="Times"/>
+                <a:ea typeface="Times"/>
+                <a:cs typeface="Times"/>
+                <a:sym typeface="Times"/>
+              </a:rPr>
+              <a:t>2015: 17 250 output;</a:t>
+            </a:r>
+            <a:endParaRPr sz="1700">
+              <a:latin typeface="Times"/>
+              <a:ea typeface="Times"/>
+              <a:cs typeface="Times"/>
+              <a:sym typeface="Times"/>
+            </a:endParaRPr>
+          </a:p>
+          <a:p>
+            <a:pPr indent="-336550" lvl="1" marL="914400" rtl="0" algn="l">
+              <a:lnSpc>
+                <a:spcPct val="150000"/>
+              </a:lnSpc>
+              <a:spcBef>
+                <a:spcPts val="0"/>
+              </a:spcBef>
+              <a:spcAft>
+                <a:spcPts val="0"/>
+              </a:spcAft>
+              <a:buSzPts val="1700"/>
+              <a:buFont typeface="Times"/>
+              <a:buChar char="○"/>
+            </a:pPr>
+            <a:r>
+              <a:rPr lang="en" sz="1700">
+                <a:latin typeface="Times"/>
+                <a:ea typeface="Times"/>
+                <a:cs typeface="Times"/>
+                <a:sym typeface="Times"/>
+              </a:rPr>
+              <a:t>2017: 189 495 output.</a:t>
+            </a:r>
+            <a:endParaRPr sz="1700">
+              <a:latin typeface="Times"/>
+              <a:ea typeface="Times"/>
+              <a:cs typeface="Times"/>
+              <a:sym typeface="Times"/>
+            </a:endParaRPr>
+          </a:p>
+          <a:p>
+            <a:pPr indent="-336550" lvl="0" marL="457200" rtl="0" algn="l">
+              <a:lnSpc>
+                <a:spcPct val="150000"/>
+              </a:lnSpc>
+              <a:spcBef>
+                <a:spcPts val="0"/>
+              </a:spcBef>
+              <a:spcAft>
+                <a:spcPts val="0"/>
+              </a:spcAft>
+              <a:buSzPts val="1700"/>
+              <a:buFont typeface="Times"/>
+              <a:buChar char="●"/>
+            </a:pPr>
+            <a:r>
+              <a:rPr i="1" lang="en" sz="1700">
+                <a:latin typeface="Times"/>
+                <a:ea typeface="Times"/>
+                <a:cs typeface="Times"/>
+                <a:sym typeface="Times"/>
+              </a:rPr>
+              <a:t>1Enjoy1C4bYBr3tN4sM KxvvJDqG8NkdR4Z</a:t>
+            </a:r>
+            <a:r>
+              <a:rPr lang="en" sz="1700">
+                <a:latin typeface="Times"/>
+                <a:ea typeface="Times"/>
+                <a:cs typeface="Times"/>
+                <a:sym typeface="Times"/>
+              </a:rPr>
+              <a:t>;</a:t>
+            </a:r>
+            <a:endParaRPr sz="1700">
+              <a:latin typeface="Times"/>
+              <a:ea typeface="Times"/>
+              <a:cs typeface="Times"/>
+              <a:sym typeface="Times"/>
+            </a:endParaRPr>
+          </a:p>
+          <a:p>
+            <a:pPr indent="-336550" lvl="0" marL="457200" rtl="0" algn="l">
+              <a:lnSpc>
+                <a:spcPct val="150000"/>
+              </a:lnSpc>
+              <a:spcBef>
+                <a:spcPts val="0"/>
+              </a:spcBef>
+              <a:spcAft>
+                <a:spcPts val="0"/>
+              </a:spcAft>
+              <a:buSzPts val="1700"/>
+              <a:buFont typeface="Times"/>
+              <a:buChar char="●"/>
+            </a:pPr>
+            <a:r>
+              <a:rPr i="1" lang="en" sz="1700">
+                <a:latin typeface="Times"/>
+                <a:ea typeface="Times"/>
+                <a:cs typeface="Times"/>
+                <a:sym typeface="Times"/>
+              </a:rPr>
+              <a:t>1SochiWwFFySPjQoi2biVftXn8NRPCSQC</a:t>
+            </a:r>
+            <a:r>
+              <a:rPr lang="en" sz="1700">
+                <a:latin typeface="Times"/>
+                <a:ea typeface="Times"/>
+                <a:cs typeface="Times"/>
+                <a:sym typeface="Times"/>
+              </a:rPr>
+              <a:t>.</a:t>
+            </a:r>
+            <a:endParaRPr sz="1700">
+              <a:latin typeface="Times"/>
+              <a:ea typeface="Times"/>
+              <a:cs typeface="Times"/>
+              <a:sym typeface="Times"/>
+            </a:endParaRPr>
+          </a:p>
+        </p:txBody>
+      </p:sp>
+      <p:sp>
+        <p:nvSpPr>
+          <p:cNvPr id="220" name="Google Shape;220;p26"/>
+          <p:cNvSpPr txBox="1"/>
+          <p:nvPr>
+            <p:ph idx="12" type="sldNum"/>
+          </p:nvPr>
+        </p:nvSpPr>
+        <p:spPr>
+          <a:xfrm>
+            <a:off x="8543227" y="4749851"/>
+            <a:ext cx="548700" cy="393600"/>
+          </a:xfrm>
+          <a:prstGeom prst="rect">
+            <a:avLst/>
+          </a:prstGeom>
+        </p:spPr>
+        <p:txBody>
+          <a:bodyPr anchorCtr="0" anchor="t" bIns="91425" lIns="91425" spcFirstLastPara="1" rIns="91425" wrap="square" tIns="91425">
+            <a:noAutofit/>
+          </a:bodyPr>
+          <a:lstStyle/>
+          <a:p>
+            <a:pPr indent="0" lvl="0" marL="0" rtl="0" algn="r">
+              <a:spcBef>
+                <a:spcPts val="0"/>
+              </a:spcBef>
+              <a:spcAft>
+                <a:spcPts val="0"/>
+              </a:spcAft>
+              <a:buNone/>
+            </a:pPr>
+            <a:fld id="{00000000-1234-1234-1234-123412341234}" type="slidenum">
+              <a:rPr lang="en"/>
+              <a:t>‹#›</a:t>
+            </a:fld>
+            <a:endParaRPr/>
           </a:p>
         </p:txBody>
       </p:sp>
@@ -10288,13 +10498,13 @@
     <p:bg>
       <p:bgPr>
         <a:solidFill>
-          <a:srgbClr val="073763"/>
+          <a:schemeClr val="lt1"/>
         </a:solidFill>
       </p:bgPr>
     </p:bg>
     <p:spTree>
       <p:nvGrpSpPr>
-        <p:cNvPr id="221" name="Shape 221"/>
+        <p:cNvPr id="224" name="Shape 224"/>
         <p:cNvGrpSpPr/>
         <p:nvPr/>
       </p:nvGrpSpPr>
@@ -10308,15 +10518,15 @@
       </p:grpSpPr>
       <p:sp>
         <p:nvSpPr>
-          <p:cNvPr id="222" name="Google Shape;222;p27"/>
+          <p:cNvPr id="225" name="Google Shape;225;p27"/>
           <p:cNvSpPr txBox="1"/>
           <p:nvPr>
-            <p:ph type="title"/>
+            <p:ph idx="4294967295" type="title"/>
           </p:nvPr>
         </p:nvSpPr>
         <p:spPr>
           <a:xfrm>
-            <a:off x="872525" y="463025"/>
+            <a:off x="872525" y="231513"/>
             <a:ext cx="4801500" cy="409500"/>
           </a:xfrm>
           <a:prstGeom prst="rect">
@@ -10364,7 +10574,7 @@
       </p:sp>
       <p:pic>
         <p:nvPicPr>
-          <p:cNvPr id="223" name="Google Shape;223;p27"/>
+          <p:cNvPr id="226" name="Google Shape;226;p27"/>
           <p:cNvPicPr preferRelativeResize="0"/>
           <p:nvPr/>
         </p:nvPicPr>
@@ -10392,7 +10602,7 @@
       </p:pic>
       <p:pic>
         <p:nvPicPr>
-          <p:cNvPr id="224" name="Google Shape;224;p27"/>
+          <p:cNvPr id="227" name="Google Shape;227;p27"/>
           <p:cNvPicPr preferRelativeResize="0"/>
           <p:nvPr/>
         </p:nvPicPr>
@@ -10406,8 +10616,8 @@
         </p:blipFill>
         <p:spPr>
           <a:xfrm>
-            <a:off x="0" y="1709975"/>
-            <a:ext cx="7124900" cy="3281101"/>
+            <a:off x="795500" y="1611425"/>
+            <a:ext cx="7507774" cy="3457425"/>
           </a:xfrm>
           <a:prstGeom prst="rect">
             <a:avLst/>
@@ -10420,13 +10630,13 @@
       </p:pic>
       <p:sp>
         <p:nvSpPr>
-          <p:cNvPr id="225" name="Google Shape;225;p27"/>
+          <p:cNvPr id="228" name="Google Shape;228;p27"/>
           <p:cNvSpPr txBox="1"/>
           <p:nvPr/>
         </p:nvSpPr>
         <p:spPr>
           <a:xfrm>
-            <a:off x="872525" y="872525"/>
+            <a:off x="872513" y="689325"/>
             <a:ext cx="2965200" cy="738900"/>
           </a:xfrm>
           <a:prstGeom prst="rect">
@@ -10497,6 +10707,46 @@
               <a:cs typeface="Times"/>
               <a:sym typeface="Times"/>
             </a:endParaRPr>
+          </a:p>
+        </p:txBody>
+      </p:sp>
+      <p:sp>
+        <p:nvSpPr>
+          <p:cNvPr id="229" name="Google Shape;229;p27"/>
+          <p:cNvSpPr txBox="1"/>
+          <p:nvPr>
+            <p:ph idx="12" type="sldNum"/>
+          </p:nvPr>
+        </p:nvSpPr>
+        <p:spPr>
+          <a:xfrm>
+            <a:off x="8543227" y="4749851"/>
+            <a:ext cx="548700" cy="393600"/>
+          </a:xfrm>
+          <a:prstGeom prst="rect">
+            <a:avLst/>
+          </a:prstGeom>
+        </p:spPr>
+        <p:txBody>
+          <a:bodyPr anchorCtr="0" anchor="t" bIns="91425" lIns="91425" spcFirstLastPara="1" rIns="91425" wrap="square" tIns="91425">
+            <a:noAutofit/>
+          </a:bodyPr>
+          <a:lstStyle/>
+          <a:p>
+            <a:pPr indent="0" lvl="0" marL="0" rtl="0" algn="r">
+              <a:spcBef>
+                <a:spcPts val="0"/>
+              </a:spcBef>
+              <a:spcAft>
+                <a:spcPts val="0"/>
+              </a:spcAft>
+              <a:buNone/>
+            </a:pPr>
+            <a:fld id="{00000000-1234-1234-1234-123412341234}" type="slidenum">
+              <a:rPr lang="en"/>
+              <a:t>‹#›</a:t>
+            </a:fld>
+            <a:endParaRPr/>
           </a:p>
         </p:txBody>
       </p:sp>
@@ -10520,7 +10770,7 @@
     </p:bg>
     <p:spTree>
       <p:nvGrpSpPr>
-        <p:cNvPr id="229" name="Shape 229"/>
+        <p:cNvPr id="233" name="Shape 233"/>
         <p:cNvGrpSpPr/>
         <p:nvPr/>
       </p:nvGrpSpPr>
@@ -10534,7 +10784,7 @@
       </p:grpSpPr>
       <p:sp>
         <p:nvSpPr>
-          <p:cNvPr id="230" name="Google Shape;230;p28"/>
+          <p:cNvPr id="234" name="Google Shape;234;p28"/>
           <p:cNvSpPr txBox="1"/>
           <p:nvPr>
             <p:ph type="title"/>
@@ -10542,7 +10792,7 @@
         </p:nvSpPr>
         <p:spPr>
           <a:xfrm>
-            <a:off x="872525" y="463025"/>
+            <a:off x="872525" y="231513"/>
             <a:ext cx="5499300" cy="409500"/>
           </a:xfrm>
           <a:prstGeom prst="rect">
@@ -10590,7 +10840,7 @@
       </p:sp>
       <p:pic>
         <p:nvPicPr>
-          <p:cNvPr id="231" name="Google Shape;231;p28"/>
+          <p:cNvPr id="235" name="Google Shape;235;p28"/>
           <p:cNvPicPr preferRelativeResize="0"/>
           <p:nvPr/>
         </p:nvPicPr>
@@ -10618,13 +10868,13 @@
       </p:pic>
       <p:sp>
         <p:nvSpPr>
-          <p:cNvPr id="232" name="Google Shape;232;p28"/>
+          <p:cNvPr id="236" name="Google Shape;236;p28"/>
           <p:cNvSpPr txBox="1"/>
           <p:nvPr/>
         </p:nvSpPr>
         <p:spPr>
           <a:xfrm>
-            <a:off x="872525" y="1107050"/>
+            <a:off x="872525" y="910275"/>
             <a:ext cx="5078400" cy="1930200"/>
           </a:xfrm>
           <a:prstGeom prst="rect">
@@ -10693,7 +10943,7 @@
                 <a:cs typeface="Times"/>
                 <a:sym typeface="Times"/>
               </a:rPr>
-              <a:t>Le transazioni sono divise in:</a:t>
+              <a:t>Queste transazioni sono divise in tre categorie:</a:t>
             </a:r>
             <a:endParaRPr sz="1800">
               <a:latin typeface="Times"/>
@@ -10799,7 +11049,7 @@
       </p:sp>
       <p:graphicFrame>
         <p:nvGraphicFramePr>
-          <p:cNvPr id="233" name="Google Shape;233;p28"/>
+          <p:cNvPr id="237" name="Google Shape;237;p28"/>
           <p:cNvGraphicFramePr/>
           <p:nvPr/>
         </p:nvGraphicFramePr>
@@ -10812,7 +11062,7 @@
             <a:tbl>
               <a:tblPr>
                 <a:noFill/>
-                <a:tableStyleId>{2CEB81B5-F392-481A-AD76-91E92EB1663D}</a:tableStyleId>
+                <a:tableStyleId>{73604AA3-7F92-4932-9861-DAED42AD01AF}</a:tableStyleId>
               </a:tblPr>
               <a:tblGrid>
                 <a:gridCol w="2342125"/>
@@ -10853,7 +11103,7 @@
                   <a:tcPr marT="91425" marB="91425" marR="91425" marL="91425">
                     <a:lnL cap="flat" cmpd="sng" w="9525">
                       <a:solidFill>
-                        <a:srgbClr val="000000"/>
+                        <a:srgbClr val="073763"/>
                       </a:solidFill>
                       <a:prstDash val="solid"/>
                       <a:round/>
@@ -10862,7 +11112,7 @@
                     </a:lnL>
                     <a:lnR cap="flat" cmpd="sng" w="9525">
                       <a:solidFill>
-                        <a:srgbClr val="000000"/>
+                        <a:srgbClr val="073763"/>
                       </a:solidFill>
                       <a:prstDash val="solid"/>
                       <a:round/>
@@ -10871,7 +11121,7 @@
                     </a:lnR>
                     <a:lnT cap="flat" cmpd="sng" w="9525">
                       <a:solidFill>
-                        <a:srgbClr val="000000"/>
+                        <a:srgbClr val="073763"/>
                       </a:solidFill>
                       <a:prstDash val="solid"/>
                       <a:round/>
@@ -10880,7 +11130,7 @@
                     </a:lnT>
                     <a:lnB cap="flat" cmpd="sng" w="9525">
                       <a:solidFill>
-                        <a:srgbClr val="000000"/>
+                        <a:srgbClr val="073763"/>
                       </a:solidFill>
                       <a:prstDash val="solid"/>
                       <a:round/>
@@ -10923,7 +11173,7 @@
                   <a:tcPr marT="91425" marB="91425" marR="91425" marL="91425">
                     <a:lnL cap="flat" cmpd="sng" w="9525">
                       <a:solidFill>
-                        <a:srgbClr val="000000"/>
+                        <a:srgbClr val="073763"/>
                       </a:solidFill>
                       <a:prstDash val="solid"/>
                       <a:round/>
@@ -10932,7 +11182,7 @@
                     </a:lnL>
                     <a:lnR cap="flat" cmpd="sng" w="9525">
                       <a:solidFill>
-                        <a:srgbClr val="000000"/>
+                        <a:srgbClr val="073763"/>
                       </a:solidFill>
                       <a:prstDash val="solid"/>
                       <a:round/>
@@ -10941,7 +11191,7 @@
                     </a:lnR>
                     <a:lnT cap="flat" cmpd="sng" w="9525">
                       <a:solidFill>
-                        <a:srgbClr val="000000"/>
+                        <a:srgbClr val="073763"/>
                       </a:solidFill>
                       <a:prstDash val="solid"/>
                       <a:round/>
@@ -10950,7 +11200,7 @@
                     </a:lnT>
                     <a:lnB cap="flat" cmpd="sng" w="9525">
                       <a:solidFill>
-                        <a:srgbClr val="000000"/>
+                        <a:srgbClr val="073763"/>
                       </a:solidFill>
                       <a:prstDash val="solid"/>
                       <a:round/>
@@ -10995,7 +11245,7 @@
                   <a:tcPr marT="91425" marB="91425" marR="91425" marL="91425">
                     <a:lnL cap="flat" cmpd="sng" w="9525">
                       <a:solidFill>
-                        <a:srgbClr val="000000"/>
+                        <a:srgbClr val="073763"/>
                       </a:solidFill>
                       <a:prstDash val="solid"/>
                       <a:round/>
@@ -11004,7 +11254,7 @@
                     </a:lnL>
                     <a:lnR cap="flat" cmpd="sng" w="9525">
                       <a:solidFill>
-                        <a:srgbClr val="000000"/>
+                        <a:srgbClr val="073763"/>
                       </a:solidFill>
                       <a:prstDash val="solid"/>
                       <a:round/>
@@ -11013,7 +11263,7 @@
                     </a:lnR>
                     <a:lnT cap="flat" cmpd="sng" w="9525">
                       <a:solidFill>
-                        <a:srgbClr val="000000"/>
+                        <a:srgbClr val="073763"/>
                       </a:solidFill>
                       <a:prstDash val="solid"/>
                       <a:round/>
@@ -11022,7 +11272,7 @@
                     </a:lnT>
                     <a:lnB cap="flat" cmpd="sng" w="9525">
                       <a:solidFill>
-                        <a:srgbClr val="000000"/>
+                        <a:srgbClr val="073763"/>
                       </a:solidFill>
                       <a:prstDash val="solid"/>
                       <a:round/>
@@ -11065,7 +11315,7 @@
                   <a:tcPr marT="91425" marB="91425" marR="91425" marL="91425">
                     <a:lnL cap="flat" cmpd="sng" w="9525">
                       <a:solidFill>
-                        <a:srgbClr val="000000"/>
+                        <a:srgbClr val="073763"/>
                       </a:solidFill>
                       <a:prstDash val="solid"/>
                       <a:round/>
@@ -11074,7 +11324,7 @@
                     </a:lnL>
                     <a:lnR cap="flat" cmpd="sng" w="9525">
                       <a:solidFill>
-                        <a:srgbClr val="000000"/>
+                        <a:srgbClr val="073763"/>
                       </a:solidFill>
                       <a:prstDash val="solid"/>
                       <a:round/>
@@ -11083,7 +11333,7 @@
                     </a:lnR>
                     <a:lnT cap="flat" cmpd="sng" w="9525">
                       <a:solidFill>
-                        <a:srgbClr val="000000"/>
+                        <a:srgbClr val="073763"/>
                       </a:solidFill>
                       <a:prstDash val="solid"/>
                       <a:round/>
@@ -11092,7 +11342,7 @@
                     </a:lnT>
                     <a:lnB cap="flat" cmpd="sng" w="9525">
                       <a:solidFill>
-                        <a:srgbClr val="000000"/>
+                        <a:srgbClr val="073763"/>
                       </a:solidFill>
                       <a:prstDash val="solid"/>
                       <a:round/>
@@ -11137,7 +11387,7 @@
                   <a:tcPr marT="91425" marB="91425" marR="91425" marL="91425">
                     <a:lnL cap="flat" cmpd="sng" w="9525">
                       <a:solidFill>
-                        <a:srgbClr val="000000"/>
+                        <a:srgbClr val="073763"/>
                       </a:solidFill>
                       <a:prstDash val="solid"/>
                       <a:round/>
@@ -11146,7 +11396,7 @@
                     </a:lnL>
                     <a:lnR cap="flat" cmpd="sng" w="9525">
                       <a:solidFill>
-                        <a:srgbClr val="000000"/>
+                        <a:srgbClr val="073763"/>
                       </a:solidFill>
                       <a:prstDash val="solid"/>
                       <a:round/>
@@ -11155,7 +11405,7 @@
                     </a:lnR>
                     <a:lnT cap="flat" cmpd="sng" w="9525">
                       <a:solidFill>
-                        <a:srgbClr val="000000"/>
+                        <a:srgbClr val="073763"/>
                       </a:solidFill>
                       <a:prstDash val="solid"/>
                       <a:round/>
@@ -11164,7 +11414,7 @@
                     </a:lnT>
                     <a:lnB cap="flat" cmpd="sng" w="9525">
                       <a:solidFill>
-                        <a:srgbClr val="000000"/>
+                        <a:srgbClr val="073763"/>
                       </a:solidFill>
                       <a:prstDash val="solid"/>
                       <a:round/>
@@ -11207,7 +11457,7 @@
                   <a:tcPr marT="91425" marB="91425" marR="91425" marL="91425">
                     <a:lnL cap="flat" cmpd="sng" w="9525">
                       <a:solidFill>
-                        <a:srgbClr val="000000"/>
+                        <a:srgbClr val="073763"/>
                       </a:solidFill>
                       <a:prstDash val="solid"/>
                       <a:round/>
@@ -11216,7 +11466,7 @@
                     </a:lnL>
                     <a:lnR cap="flat" cmpd="sng" w="9525">
                       <a:solidFill>
-                        <a:srgbClr val="000000"/>
+                        <a:srgbClr val="073763"/>
                       </a:solidFill>
                       <a:prstDash val="solid"/>
                       <a:round/>
@@ -11225,7 +11475,7 @@
                     </a:lnR>
                     <a:lnT cap="flat" cmpd="sng" w="9525">
                       <a:solidFill>
-                        <a:srgbClr val="000000"/>
+                        <a:srgbClr val="073763"/>
                       </a:solidFill>
                       <a:prstDash val="solid"/>
                       <a:round/>
@@ -11234,7 +11484,7 @@
                     </a:lnT>
                     <a:lnB cap="flat" cmpd="sng" w="9525">
                       <a:solidFill>
-                        <a:srgbClr val="000000"/>
+                        <a:srgbClr val="073763"/>
                       </a:solidFill>
                       <a:prstDash val="solid"/>
                       <a:round/>
@@ -11268,7 +11518,7 @@
     </p:bg>
     <p:spTree>
       <p:nvGrpSpPr>
-        <p:cNvPr id="237" name="Shape 237"/>
+        <p:cNvPr id="241" name="Shape 241"/>
         <p:cNvGrpSpPr/>
         <p:nvPr/>
       </p:nvGrpSpPr>
@@ -11282,7 +11532,7 @@
       </p:grpSpPr>
       <p:sp>
         <p:nvSpPr>
-          <p:cNvPr id="238" name="Google Shape;238;p29"/>
+          <p:cNvPr id="242" name="Google Shape;242;p29"/>
           <p:cNvSpPr txBox="1"/>
           <p:nvPr>
             <p:ph type="title"/>
@@ -11290,7 +11540,7 @@
         </p:nvSpPr>
         <p:spPr>
           <a:xfrm>
-            <a:off x="872525" y="463025"/>
+            <a:off x="872525" y="231513"/>
             <a:ext cx="4801500" cy="409500"/>
           </a:xfrm>
           <a:prstGeom prst="rect">
@@ -11322,7 +11572,7 @@
                 <a:cs typeface="Times"/>
                 <a:sym typeface="Times"/>
               </a:rPr>
-              <a:t>TITOLO</a:t>
+              <a:t>Categoria 1 indirizzo</a:t>
             </a:r>
             <a:endParaRPr sz="3000">
               <a:solidFill>
@@ -11338,7 +11588,7 @@
       </p:sp>
       <p:pic>
         <p:nvPicPr>
-          <p:cNvPr id="239" name="Google Shape;239;p29"/>
+          <p:cNvPr id="243" name="Google Shape;243;p29"/>
           <p:cNvPicPr preferRelativeResize="0"/>
           <p:nvPr/>
         </p:nvPicPr>
@@ -11364,6 +11614,780 @@
           </a:ln>
         </p:spPr>
       </p:pic>
+      <p:graphicFrame>
+        <p:nvGraphicFramePr>
+          <p:cNvPr id="244" name="Google Shape;244;p29"/>
+          <p:cNvGraphicFramePr/>
+          <p:nvPr/>
+        </p:nvGraphicFramePr>
+        <p:xfrm>
+          <a:off x="3726850" y="1169542"/>
+          <a:ext cx="3000000" cy="3000000"/>
+        </p:xfrm>
+        <a:graphic>
+          <a:graphicData uri="http://schemas.openxmlformats.org/drawingml/2006/table">
+            <a:tbl>
+              <a:tblPr>
+                <a:noFill/>
+                <a:tableStyleId>{73604AA3-7F92-4932-9861-DAED42AD01AF}</a:tableStyleId>
+              </a:tblPr>
+              <a:tblGrid>
+                <a:gridCol w="1112425"/>
+                <a:gridCol w="1112425"/>
+                <a:gridCol w="1112425"/>
+              </a:tblGrid>
+              <a:tr h="640525">
+                <a:tc>
+                  <a:txBody>
+                    <a:bodyPr/>
+                    <a:lstStyle/>
+                    <a:p>
+                      <a:pPr indent="0" lvl="0" marL="0" rtl="0" algn="ctr">
+                        <a:spcBef>
+                          <a:spcPts val="0"/>
+                        </a:spcBef>
+                        <a:spcAft>
+                          <a:spcPts val="0"/>
+                        </a:spcAft>
+                        <a:buNone/>
+                      </a:pPr>
+                      <a:r>
+                        <a:rPr lang="en" sz="1800">
+                          <a:latin typeface="Times"/>
+                          <a:ea typeface="Times"/>
+                          <a:cs typeface="Times"/>
+                          <a:sym typeface="Times"/>
+                        </a:rPr>
+                        <a:t>NOD</a:t>
+                      </a:r>
+                      <a:endParaRPr sz="1800">
+                        <a:latin typeface="Times"/>
+                        <a:ea typeface="Times"/>
+                        <a:cs typeface="Times"/>
+                        <a:sym typeface="Times"/>
+                      </a:endParaRPr>
+                    </a:p>
+                  </a:txBody>
+                  <a:tcPr marT="91425" marB="91425" marR="91425" marL="91425">
+                    <a:lnL cap="flat" cmpd="sng" w="9525">
+                      <a:solidFill>
+                        <a:srgbClr val="073763"/>
+                      </a:solidFill>
+                      <a:prstDash val="solid"/>
+                      <a:round/>
+                      <a:headEnd len="sm" w="sm" type="none"/>
+                      <a:tailEnd len="sm" w="sm" type="none"/>
+                    </a:lnL>
+                    <a:lnR cap="flat" cmpd="sng" w="9525">
+                      <a:solidFill>
+                        <a:srgbClr val="073763"/>
+                      </a:solidFill>
+                      <a:prstDash val="solid"/>
+                      <a:round/>
+                      <a:headEnd len="sm" w="sm" type="none"/>
+                      <a:tailEnd len="sm" w="sm" type="none"/>
+                    </a:lnR>
+                    <a:lnT cap="flat" cmpd="sng" w="9525">
+                      <a:solidFill>
+                        <a:srgbClr val="073763"/>
+                      </a:solidFill>
+                      <a:prstDash val="solid"/>
+                      <a:round/>
+                      <a:headEnd len="sm" w="sm" type="none"/>
+                      <a:tailEnd len="sm" w="sm" type="none"/>
+                    </a:lnT>
+                    <a:lnB cap="flat" cmpd="sng" w="9525">
+                      <a:solidFill>
+                        <a:srgbClr val="073763"/>
+                      </a:solidFill>
+                      <a:prstDash val="solid"/>
+                      <a:round/>
+                      <a:headEnd len="sm" w="sm" type="none"/>
+                      <a:tailEnd len="sm" w="sm" type="none"/>
+                    </a:lnB>
+                  </a:tcPr>
+                </a:tc>
+                <a:tc>
+                  <a:txBody>
+                    <a:bodyPr/>
+                    <a:lstStyle/>
+                    <a:p>
+                      <a:pPr indent="0" lvl="0" marL="0" rtl="0" algn="ctr">
+                        <a:spcBef>
+                          <a:spcPts val="0"/>
+                        </a:spcBef>
+                        <a:spcAft>
+                          <a:spcPts val="0"/>
+                        </a:spcAft>
+                        <a:buNone/>
+                      </a:pPr>
+                      <a:r>
+                        <a:rPr lang="en" sz="1800">
+                          <a:latin typeface="Times"/>
+                          <a:ea typeface="Times"/>
+                          <a:cs typeface="Times"/>
+                          <a:sym typeface="Times"/>
+                        </a:rPr>
+                        <a:t>92 712</a:t>
+                      </a:r>
+                      <a:endParaRPr sz="1800">
+                        <a:latin typeface="Times"/>
+                        <a:ea typeface="Times"/>
+                        <a:cs typeface="Times"/>
+                        <a:sym typeface="Times"/>
+                      </a:endParaRPr>
+                    </a:p>
+                  </a:txBody>
+                  <a:tcPr marT="91425" marB="91425" marR="91425" marL="91425">
+                    <a:lnL cap="flat" cmpd="sng" w="9525">
+                      <a:solidFill>
+                        <a:srgbClr val="073763"/>
+                      </a:solidFill>
+                      <a:prstDash val="solid"/>
+                      <a:round/>
+                      <a:headEnd len="sm" w="sm" type="none"/>
+                      <a:tailEnd len="sm" w="sm" type="none"/>
+                    </a:lnL>
+                    <a:lnR cap="flat" cmpd="sng" w="9525">
+                      <a:solidFill>
+                        <a:srgbClr val="073763"/>
+                      </a:solidFill>
+                      <a:prstDash val="solid"/>
+                      <a:round/>
+                      <a:headEnd len="sm" w="sm" type="none"/>
+                      <a:tailEnd len="sm" w="sm" type="none"/>
+                    </a:lnR>
+                    <a:lnT cap="flat" cmpd="sng" w="9525">
+                      <a:solidFill>
+                        <a:srgbClr val="073763"/>
+                      </a:solidFill>
+                      <a:prstDash val="solid"/>
+                      <a:round/>
+                      <a:headEnd len="sm" w="sm" type="none"/>
+                      <a:tailEnd len="sm" w="sm" type="none"/>
+                    </a:lnT>
+                    <a:lnB cap="flat" cmpd="sng" w="9525">
+                      <a:solidFill>
+                        <a:srgbClr val="073763"/>
+                      </a:solidFill>
+                      <a:prstDash val="solid"/>
+                      <a:round/>
+                      <a:headEnd len="sm" w="sm" type="none"/>
+                      <a:tailEnd len="sm" w="sm" type="none"/>
+                    </a:lnB>
+                  </a:tcPr>
+                </a:tc>
+                <a:tc>
+                  <a:txBody>
+                    <a:bodyPr/>
+                    <a:lstStyle/>
+                    <a:p>
+                      <a:pPr indent="0" lvl="0" marL="0" rtl="0" algn="ctr">
+                        <a:spcBef>
+                          <a:spcPts val="0"/>
+                        </a:spcBef>
+                        <a:spcAft>
+                          <a:spcPts val="0"/>
+                        </a:spcAft>
+                        <a:buNone/>
+                      </a:pPr>
+                      <a:r>
+                        <a:rPr lang="en" sz="1800">
+                          <a:latin typeface="Times"/>
+                          <a:ea typeface="Times"/>
+                          <a:cs typeface="Times"/>
+                          <a:sym typeface="Times"/>
+                        </a:rPr>
+                        <a:t>95,5 %</a:t>
+                      </a:r>
+                      <a:endParaRPr sz="1800">
+                        <a:latin typeface="Times"/>
+                        <a:ea typeface="Times"/>
+                        <a:cs typeface="Times"/>
+                        <a:sym typeface="Times"/>
+                      </a:endParaRPr>
+                    </a:p>
+                  </a:txBody>
+                  <a:tcPr marT="91425" marB="91425" marR="91425" marL="91425">
+                    <a:lnL cap="flat" cmpd="sng" w="9525">
+                      <a:solidFill>
+                        <a:srgbClr val="073763"/>
+                      </a:solidFill>
+                      <a:prstDash val="solid"/>
+                      <a:round/>
+                      <a:headEnd len="sm" w="sm" type="none"/>
+                      <a:tailEnd len="sm" w="sm" type="none"/>
+                    </a:lnL>
+                    <a:lnR cap="flat" cmpd="sng" w="9525">
+                      <a:solidFill>
+                        <a:srgbClr val="073763"/>
+                      </a:solidFill>
+                      <a:prstDash val="solid"/>
+                      <a:round/>
+                      <a:headEnd len="sm" w="sm" type="none"/>
+                      <a:tailEnd len="sm" w="sm" type="none"/>
+                    </a:lnR>
+                    <a:lnT cap="flat" cmpd="sng" w="9525">
+                      <a:solidFill>
+                        <a:srgbClr val="073763"/>
+                      </a:solidFill>
+                      <a:prstDash val="solid"/>
+                      <a:round/>
+                      <a:headEnd len="sm" w="sm" type="none"/>
+                      <a:tailEnd len="sm" w="sm" type="none"/>
+                    </a:lnT>
+                    <a:lnB cap="flat" cmpd="sng" w="9525">
+                      <a:solidFill>
+                        <a:srgbClr val="073763"/>
+                      </a:solidFill>
+                      <a:prstDash val="solid"/>
+                      <a:round/>
+                      <a:headEnd len="sm" w="sm" type="none"/>
+                      <a:tailEnd len="sm" w="sm" type="none"/>
+                    </a:lnB>
+                  </a:tcPr>
+                </a:tc>
+              </a:tr>
+              <a:tr h="640525">
+                <a:tc>
+                  <a:txBody>
+                    <a:bodyPr/>
+                    <a:lstStyle/>
+                    <a:p>
+                      <a:pPr indent="0" lvl="0" marL="0" rtl="0" algn="ctr">
+                        <a:spcBef>
+                          <a:spcPts val="0"/>
+                        </a:spcBef>
+                        <a:spcAft>
+                          <a:spcPts val="0"/>
+                        </a:spcAft>
+                        <a:buNone/>
+                      </a:pPr>
+                      <a:r>
+                        <a:rPr lang="en" sz="1800">
+                          <a:latin typeface="Times"/>
+                          <a:ea typeface="Times"/>
+                          <a:cs typeface="Times"/>
+                          <a:sym typeface="Times"/>
+                        </a:rPr>
+                        <a:t>OD</a:t>
+                      </a:r>
+                      <a:endParaRPr sz="1800">
+                        <a:latin typeface="Times"/>
+                        <a:ea typeface="Times"/>
+                        <a:cs typeface="Times"/>
+                        <a:sym typeface="Times"/>
+                      </a:endParaRPr>
+                    </a:p>
+                  </a:txBody>
+                  <a:tcPr marT="91425" marB="91425" marR="91425" marL="91425">
+                    <a:lnL cap="flat" cmpd="sng" w="9525">
+                      <a:solidFill>
+                        <a:srgbClr val="073763"/>
+                      </a:solidFill>
+                      <a:prstDash val="solid"/>
+                      <a:round/>
+                      <a:headEnd len="sm" w="sm" type="none"/>
+                      <a:tailEnd len="sm" w="sm" type="none"/>
+                    </a:lnL>
+                    <a:lnR cap="flat" cmpd="sng" w="9525">
+                      <a:solidFill>
+                        <a:srgbClr val="073763"/>
+                      </a:solidFill>
+                      <a:prstDash val="solid"/>
+                      <a:round/>
+                      <a:headEnd len="sm" w="sm" type="none"/>
+                      <a:tailEnd len="sm" w="sm" type="none"/>
+                    </a:lnR>
+                    <a:lnT cap="flat" cmpd="sng" w="9525">
+                      <a:solidFill>
+                        <a:srgbClr val="073763"/>
+                      </a:solidFill>
+                      <a:prstDash val="solid"/>
+                      <a:round/>
+                      <a:headEnd len="sm" w="sm" type="none"/>
+                      <a:tailEnd len="sm" w="sm" type="none"/>
+                    </a:lnT>
+                    <a:lnB cap="flat" cmpd="sng" w="9525">
+                      <a:solidFill>
+                        <a:srgbClr val="073763"/>
+                      </a:solidFill>
+                      <a:prstDash val="solid"/>
+                      <a:round/>
+                      <a:headEnd len="sm" w="sm" type="none"/>
+                      <a:tailEnd len="sm" w="sm" type="none"/>
+                    </a:lnB>
+                  </a:tcPr>
+                </a:tc>
+                <a:tc>
+                  <a:txBody>
+                    <a:bodyPr/>
+                    <a:lstStyle/>
+                    <a:p>
+                      <a:pPr indent="0" lvl="0" marL="0" rtl="0" algn="ctr">
+                        <a:spcBef>
+                          <a:spcPts val="0"/>
+                        </a:spcBef>
+                        <a:spcAft>
+                          <a:spcPts val="0"/>
+                        </a:spcAft>
+                        <a:buNone/>
+                      </a:pPr>
+                      <a:r>
+                        <a:rPr lang="en" sz="1800">
+                          <a:latin typeface="Times"/>
+                          <a:ea typeface="Times"/>
+                          <a:cs typeface="Times"/>
+                          <a:sym typeface="Times"/>
+                        </a:rPr>
+                        <a:t>4 328</a:t>
+                      </a:r>
+                      <a:endParaRPr sz="1800">
+                        <a:latin typeface="Times"/>
+                        <a:ea typeface="Times"/>
+                        <a:cs typeface="Times"/>
+                        <a:sym typeface="Times"/>
+                      </a:endParaRPr>
+                    </a:p>
+                  </a:txBody>
+                  <a:tcPr marT="91425" marB="91425" marR="91425" marL="91425">
+                    <a:lnL cap="flat" cmpd="sng" w="9525">
+                      <a:solidFill>
+                        <a:srgbClr val="073763"/>
+                      </a:solidFill>
+                      <a:prstDash val="solid"/>
+                      <a:round/>
+                      <a:headEnd len="sm" w="sm" type="none"/>
+                      <a:tailEnd len="sm" w="sm" type="none"/>
+                    </a:lnL>
+                    <a:lnR cap="flat" cmpd="sng" w="9525">
+                      <a:solidFill>
+                        <a:srgbClr val="073763"/>
+                      </a:solidFill>
+                      <a:prstDash val="solid"/>
+                      <a:round/>
+                      <a:headEnd len="sm" w="sm" type="none"/>
+                      <a:tailEnd len="sm" w="sm" type="none"/>
+                    </a:lnR>
+                    <a:lnT cap="flat" cmpd="sng" w="9525">
+                      <a:solidFill>
+                        <a:srgbClr val="073763"/>
+                      </a:solidFill>
+                      <a:prstDash val="solid"/>
+                      <a:round/>
+                      <a:headEnd len="sm" w="sm" type="none"/>
+                      <a:tailEnd len="sm" w="sm" type="none"/>
+                    </a:lnT>
+                    <a:lnB cap="flat" cmpd="sng" w="9525">
+                      <a:solidFill>
+                        <a:srgbClr val="073763"/>
+                      </a:solidFill>
+                      <a:prstDash val="solid"/>
+                      <a:round/>
+                      <a:headEnd len="sm" w="sm" type="none"/>
+                      <a:tailEnd len="sm" w="sm" type="none"/>
+                    </a:lnB>
+                  </a:tcPr>
+                </a:tc>
+                <a:tc>
+                  <a:txBody>
+                    <a:bodyPr/>
+                    <a:lstStyle/>
+                    <a:p>
+                      <a:pPr indent="0" lvl="0" marL="0" rtl="0" algn="ctr">
+                        <a:spcBef>
+                          <a:spcPts val="0"/>
+                        </a:spcBef>
+                        <a:spcAft>
+                          <a:spcPts val="0"/>
+                        </a:spcAft>
+                        <a:buNone/>
+                      </a:pPr>
+                      <a:r>
+                        <a:rPr lang="en" sz="1800">
+                          <a:latin typeface="Times"/>
+                          <a:ea typeface="Times"/>
+                          <a:cs typeface="Times"/>
+                          <a:sym typeface="Times"/>
+                        </a:rPr>
+                        <a:t>4,5 %</a:t>
+                      </a:r>
+                      <a:endParaRPr sz="1800">
+                        <a:latin typeface="Times"/>
+                        <a:ea typeface="Times"/>
+                        <a:cs typeface="Times"/>
+                        <a:sym typeface="Times"/>
+                      </a:endParaRPr>
+                    </a:p>
+                  </a:txBody>
+                  <a:tcPr marT="91425" marB="91425" marR="91425" marL="91425">
+                    <a:lnL cap="flat" cmpd="sng" w="9525">
+                      <a:solidFill>
+                        <a:srgbClr val="073763"/>
+                      </a:solidFill>
+                      <a:prstDash val="solid"/>
+                      <a:round/>
+                      <a:headEnd len="sm" w="sm" type="none"/>
+                      <a:tailEnd len="sm" w="sm" type="none"/>
+                    </a:lnL>
+                    <a:lnR cap="flat" cmpd="sng" w="9525">
+                      <a:solidFill>
+                        <a:srgbClr val="073763"/>
+                      </a:solidFill>
+                      <a:prstDash val="solid"/>
+                      <a:round/>
+                      <a:headEnd len="sm" w="sm" type="none"/>
+                      <a:tailEnd len="sm" w="sm" type="none"/>
+                    </a:lnR>
+                    <a:lnT cap="flat" cmpd="sng" w="9525">
+                      <a:solidFill>
+                        <a:srgbClr val="073763"/>
+                      </a:solidFill>
+                      <a:prstDash val="solid"/>
+                      <a:round/>
+                      <a:headEnd len="sm" w="sm" type="none"/>
+                      <a:tailEnd len="sm" w="sm" type="none"/>
+                    </a:lnT>
+                    <a:lnB cap="flat" cmpd="sng" w="9525">
+                      <a:solidFill>
+                        <a:srgbClr val="073763"/>
+                      </a:solidFill>
+                      <a:prstDash val="solid"/>
+                      <a:round/>
+                      <a:headEnd len="sm" w="sm" type="none"/>
+                      <a:tailEnd len="sm" w="sm" type="none"/>
+                    </a:lnB>
+                  </a:tcPr>
+                </a:tc>
+              </a:tr>
+            </a:tbl>
+          </a:graphicData>
+        </a:graphic>
+      </p:graphicFrame>
+      <p:sp>
+        <p:nvSpPr>
+          <p:cNvPr id="245" name="Google Shape;245;p29"/>
+          <p:cNvSpPr txBox="1"/>
+          <p:nvPr/>
+        </p:nvSpPr>
+        <p:spPr>
+          <a:xfrm>
+            <a:off x="166825" y="1004275"/>
+            <a:ext cx="4094400" cy="1611600"/>
+          </a:xfrm>
+          <a:prstGeom prst="rect">
+            <a:avLst/>
+          </a:prstGeom>
+          <a:noFill/>
+          <a:ln>
+            <a:noFill/>
+          </a:ln>
+        </p:spPr>
+        <p:txBody>
+          <a:bodyPr anchorCtr="0" anchor="t" bIns="91425" lIns="91425" spcFirstLastPara="1" rIns="91425" wrap="square" tIns="91425">
+            <a:spAutoFit/>
+          </a:bodyPr>
+          <a:lstStyle/>
+          <a:p>
+            <a:pPr indent="-342900" lvl="0" marL="457200" rtl="0" algn="l">
+              <a:lnSpc>
+                <a:spcPct val="150000"/>
+              </a:lnSpc>
+              <a:spcBef>
+                <a:spcPts val="0"/>
+              </a:spcBef>
+              <a:spcAft>
+                <a:spcPts val="0"/>
+              </a:spcAft>
+              <a:buSzPts val="1800"/>
+              <a:buFont typeface="Times"/>
+              <a:buChar char="●"/>
+            </a:pPr>
+            <a:r>
+              <a:rPr lang="en" sz="1800">
+                <a:latin typeface="Times"/>
+                <a:ea typeface="Times"/>
+                <a:cs typeface="Times"/>
+                <a:sym typeface="Times"/>
+              </a:rPr>
+              <a:t>Transazioni totali: 97 040;</a:t>
+            </a:r>
+            <a:endParaRPr sz="1800">
+              <a:latin typeface="Times"/>
+              <a:ea typeface="Times"/>
+              <a:cs typeface="Times"/>
+              <a:sym typeface="Times"/>
+            </a:endParaRPr>
+          </a:p>
+          <a:p>
+            <a:pPr indent="-342900" lvl="0" marL="457200" rtl="0" algn="l">
+              <a:lnSpc>
+                <a:spcPct val="150000"/>
+              </a:lnSpc>
+              <a:spcBef>
+                <a:spcPts val="0"/>
+              </a:spcBef>
+              <a:spcAft>
+                <a:spcPts val="0"/>
+              </a:spcAft>
+              <a:buSzPts val="1800"/>
+              <a:buFont typeface="Times"/>
+              <a:buChar char="●"/>
+            </a:pPr>
+            <a:r>
+              <a:rPr lang="en" sz="1800">
+                <a:latin typeface="Times"/>
+                <a:ea typeface="Times"/>
+                <a:cs typeface="Times"/>
+                <a:sym typeface="Times"/>
+              </a:rPr>
+              <a:t>Le transazioni sono divise in:</a:t>
+            </a:r>
+            <a:endParaRPr sz="1800">
+              <a:latin typeface="Times"/>
+              <a:ea typeface="Times"/>
+              <a:cs typeface="Times"/>
+              <a:sym typeface="Times"/>
+            </a:endParaRPr>
+          </a:p>
+          <a:p>
+            <a:pPr indent="-342900" lvl="1" marL="914400" rtl="0" algn="l">
+              <a:lnSpc>
+                <a:spcPct val="115000"/>
+              </a:lnSpc>
+              <a:spcBef>
+                <a:spcPts val="0"/>
+              </a:spcBef>
+              <a:spcAft>
+                <a:spcPts val="0"/>
+              </a:spcAft>
+              <a:buSzPts val="1800"/>
+              <a:buFont typeface="Times"/>
+              <a:buChar char="○"/>
+            </a:pPr>
+            <a:r>
+              <a:rPr lang="en" sz="1800">
+                <a:latin typeface="Times"/>
+                <a:ea typeface="Times"/>
+                <a:cs typeface="Times"/>
+                <a:sym typeface="Times"/>
+              </a:rPr>
+              <a:t>NOD: Not Only Dust;</a:t>
+            </a:r>
+            <a:endParaRPr sz="1800">
+              <a:latin typeface="Times"/>
+              <a:ea typeface="Times"/>
+              <a:cs typeface="Times"/>
+              <a:sym typeface="Times"/>
+            </a:endParaRPr>
+          </a:p>
+          <a:p>
+            <a:pPr indent="-342900" lvl="1" marL="914400" rtl="0" algn="l">
+              <a:lnSpc>
+                <a:spcPct val="115000"/>
+              </a:lnSpc>
+              <a:spcBef>
+                <a:spcPts val="0"/>
+              </a:spcBef>
+              <a:spcAft>
+                <a:spcPts val="0"/>
+              </a:spcAft>
+              <a:buSzPts val="1800"/>
+              <a:buFont typeface="Times"/>
+              <a:buChar char="○"/>
+            </a:pPr>
+            <a:r>
+              <a:rPr lang="en" sz="1800">
+                <a:latin typeface="Times"/>
+                <a:ea typeface="Times"/>
+                <a:cs typeface="Times"/>
+                <a:sym typeface="Times"/>
+              </a:rPr>
+              <a:t>OD: Only Dust.</a:t>
+            </a:r>
+            <a:endParaRPr sz="1800">
+              <a:latin typeface="Times"/>
+              <a:ea typeface="Times"/>
+              <a:cs typeface="Times"/>
+              <a:sym typeface="Times"/>
+            </a:endParaRPr>
+          </a:p>
+        </p:txBody>
+      </p:sp>
+      <p:sp>
+        <p:nvSpPr>
+          <p:cNvPr id="246" name="Google Shape;246;p29"/>
+          <p:cNvSpPr txBox="1"/>
+          <p:nvPr/>
+        </p:nvSpPr>
+        <p:spPr>
+          <a:xfrm>
+            <a:off x="166825" y="2924600"/>
+            <a:ext cx="6652800" cy="1708500"/>
+          </a:xfrm>
+          <a:prstGeom prst="rect">
+            <a:avLst/>
+          </a:prstGeom>
+          <a:noFill/>
+          <a:ln>
+            <a:noFill/>
+          </a:ln>
+        </p:spPr>
+        <p:txBody>
+          <a:bodyPr anchorCtr="0" anchor="t" bIns="91425" lIns="91425" spcFirstLastPara="1" rIns="91425" wrap="square" tIns="91425">
+            <a:spAutoFit/>
+          </a:bodyPr>
+          <a:lstStyle/>
+          <a:p>
+            <a:pPr indent="-342900" lvl="0" marL="457200" rtl="0" algn="l">
+              <a:spcBef>
+                <a:spcPts val="0"/>
+              </a:spcBef>
+              <a:spcAft>
+                <a:spcPts val="0"/>
+              </a:spcAft>
+              <a:buSzPts val="1800"/>
+              <a:buFont typeface="Times"/>
+              <a:buChar char="●"/>
+            </a:pPr>
+            <a:r>
+              <a:rPr lang="en" sz="1800">
+                <a:latin typeface="Times"/>
+                <a:ea typeface="Times"/>
+                <a:cs typeface="Times"/>
+                <a:sym typeface="Times"/>
+              </a:rPr>
+              <a:t>Categoria OD:</a:t>
+            </a:r>
+            <a:endParaRPr sz="1800">
+              <a:latin typeface="Times"/>
+              <a:ea typeface="Times"/>
+              <a:cs typeface="Times"/>
+              <a:sym typeface="Times"/>
+            </a:endParaRPr>
+          </a:p>
+          <a:p>
+            <a:pPr indent="-342900" lvl="1" marL="914400" rtl="0" algn="l">
+              <a:lnSpc>
+                <a:spcPct val="100000"/>
+              </a:lnSpc>
+              <a:spcBef>
+                <a:spcPts val="0"/>
+              </a:spcBef>
+              <a:spcAft>
+                <a:spcPts val="0"/>
+              </a:spcAft>
+              <a:buSzPts val="1800"/>
+              <a:buFont typeface="Times"/>
+              <a:buChar char="○"/>
+            </a:pPr>
+            <a:r>
+              <a:rPr i="1" lang="en" sz="1800">
+                <a:latin typeface="Times"/>
+                <a:ea typeface="Times"/>
+                <a:cs typeface="Times"/>
+                <a:sym typeface="Times"/>
+              </a:rPr>
+              <a:t>1JwSSubhmg6iPtRjtyqhUYYH7bZg3Lfy1T</a:t>
+            </a:r>
+            <a:endParaRPr sz="1800">
+              <a:latin typeface="Times"/>
+              <a:ea typeface="Times"/>
+              <a:cs typeface="Times"/>
+              <a:sym typeface="Times"/>
+            </a:endParaRPr>
+          </a:p>
+          <a:p>
+            <a:pPr indent="0" lvl="0" marL="0" rtl="0" algn="l">
+              <a:lnSpc>
+                <a:spcPct val="150000"/>
+              </a:lnSpc>
+              <a:spcBef>
+                <a:spcPts val="0"/>
+              </a:spcBef>
+              <a:spcAft>
+                <a:spcPts val="0"/>
+              </a:spcAft>
+              <a:buNone/>
+            </a:pPr>
+            <a:r>
+              <a:rPr lang="en" sz="1800">
+                <a:latin typeface="Times"/>
+                <a:ea typeface="Times"/>
+                <a:cs typeface="Times"/>
+                <a:sym typeface="Times"/>
+              </a:rPr>
+              <a:t>  		(1 569 transazioni);</a:t>
+            </a:r>
+            <a:endParaRPr sz="1800">
+              <a:latin typeface="Times"/>
+              <a:ea typeface="Times"/>
+              <a:cs typeface="Times"/>
+              <a:sym typeface="Times"/>
+            </a:endParaRPr>
+          </a:p>
+          <a:p>
+            <a:pPr indent="-342900" lvl="1" marL="914400" rtl="0" algn="l">
+              <a:lnSpc>
+                <a:spcPct val="100000"/>
+              </a:lnSpc>
+              <a:spcBef>
+                <a:spcPts val="0"/>
+              </a:spcBef>
+              <a:spcAft>
+                <a:spcPts val="0"/>
+              </a:spcAft>
+              <a:buSzPts val="1800"/>
+              <a:buFont typeface="Times"/>
+              <a:buChar char="○"/>
+            </a:pPr>
+            <a:r>
+              <a:rPr i="1" lang="en" sz="1800">
+                <a:latin typeface="Times"/>
+                <a:ea typeface="Times"/>
+                <a:cs typeface="Times"/>
+                <a:sym typeface="Times"/>
+              </a:rPr>
+              <a:t>1PEDJAibfNetJzM289oXsW1qLAgjYDjLgN </a:t>
+            </a:r>
+            <a:endParaRPr i="1" sz="1800">
+              <a:latin typeface="Times"/>
+              <a:ea typeface="Times"/>
+              <a:cs typeface="Times"/>
+              <a:sym typeface="Times"/>
+            </a:endParaRPr>
+          </a:p>
+          <a:p>
+            <a:pPr indent="0" lvl="0" marL="914400" rtl="0" algn="l">
+              <a:lnSpc>
+                <a:spcPct val="100000"/>
+              </a:lnSpc>
+              <a:spcBef>
+                <a:spcPts val="0"/>
+              </a:spcBef>
+              <a:spcAft>
+                <a:spcPts val="0"/>
+              </a:spcAft>
+              <a:buNone/>
+            </a:pPr>
+            <a:r>
+              <a:rPr lang="en" sz="1800">
+                <a:latin typeface="Times"/>
+                <a:ea typeface="Times"/>
+                <a:cs typeface="Times"/>
+                <a:sym typeface="Times"/>
+              </a:rPr>
+              <a:t>(1 835 transazioni).</a:t>
+            </a:r>
+            <a:endParaRPr sz="1800">
+              <a:latin typeface="Times"/>
+              <a:ea typeface="Times"/>
+              <a:cs typeface="Times"/>
+              <a:sym typeface="Times"/>
+            </a:endParaRPr>
+          </a:p>
+        </p:txBody>
+      </p:sp>
     </p:spTree>
   </p:cSld>
   <p:clrMapOvr>
@@ -11378,13 +12402,13 @@
     <p:bg>
       <p:bgPr>
         <a:solidFill>
-          <a:srgbClr val="073763"/>
+          <a:schemeClr val="lt1"/>
         </a:solidFill>
       </p:bgPr>
     </p:bg>
     <p:spTree>
       <p:nvGrpSpPr>
-        <p:cNvPr id="243" name="Shape 243"/>
+        <p:cNvPr id="250" name="Shape 250"/>
         <p:cNvGrpSpPr/>
         <p:nvPr/>
       </p:nvGrpSpPr>
@@ -11398,15 +12422,15 @@
       </p:grpSpPr>
       <p:sp>
         <p:nvSpPr>
-          <p:cNvPr id="244" name="Google Shape;244;p30"/>
+          <p:cNvPr id="251" name="Google Shape;251;p30"/>
           <p:cNvSpPr txBox="1"/>
           <p:nvPr>
-            <p:ph type="title"/>
+            <p:ph idx="4294967295" type="title"/>
           </p:nvPr>
         </p:nvSpPr>
         <p:spPr>
           <a:xfrm>
-            <a:off x="872525" y="463025"/>
+            <a:off x="872525" y="231500"/>
             <a:ext cx="4801500" cy="409500"/>
           </a:xfrm>
           <a:prstGeom prst="rect">
@@ -11438,7 +12462,7 @@
                 <a:cs typeface="Times"/>
                 <a:sym typeface="Times"/>
               </a:rPr>
-              <a:t>TITOLO</a:t>
+              <a:t>Categoria 2+ indirizzi</a:t>
             </a:r>
             <a:endParaRPr sz="3000">
               <a:solidFill>
@@ -11454,7 +12478,7 @@
       </p:sp>
       <p:pic>
         <p:nvPicPr>
-          <p:cNvPr id="245" name="Google Shape;245;p30"/>
+          <p:cNvPr id="252" name="Google Shape;252;p30"/>
           <p:cNvPicPr preferRelativeResize="0"/>
           <p:nvPr/>
         </p:nvPicPr>
@@ -11480,6 +12504,293 @@
           </a:ln>
         </p:spPr>
       </p:pic>
+      <p:pic>
+        <p:nvPicPr>
+          <p:cNvPr id="253" name="Google Shape;253;p30"/>
+          <p:cNvPicPr preferRelativeResize="0"/>
+          <p:nvPr/>
+        </p:nvPicPr>
+        <p:blipFill>
+          <a:blip r:embed="rId4">
+            <a:alphaModFix/>
+          </a:blip>
+          <a:stretch>
+            <a:fillRect/>
+          </a:stretch>
+        </p:blipFill>
+        <p:spPr>
+          <a:xfrm>
+            <a:off x="3846750" y="1167148"/>
+            <a:ext cx="4954124" cy="3189226"/>
+          </a:xfrm>
+          <a:prstGeom prst="rect">
+            <a:avLst/>
+          </a:prstGeom>
+          <a:noFill/>
+          <a:ln>
+            <a:noFill/>
+          </a:ln>
+        </p:spPr>
+      </p:pic>
+      <p:sp>
+        <p:nvSpPr>
+          <p:cNvPr id="254" name="Google Shape;254;p30"/>
+          <p:cNvSpPr txBox="1"/>
+          <p:nvPr/>
+        </p:nvSpPr>
+        <p:spPr>
+          <a:xfrm>
+            <a:off x="1350350" y="753200"/>
+            <a:ext cx="1852500" cy="400200"/>
+          </a:xfrm>
+          <a:prstGeom prst="rect">
+            <a:avLst/>
+          </a:prstGeom>
+          <a:noFill/>
+          <a:ln>
+            <a:noFill/>
+          </a:ln>
+        </p:spPr>
+        <p:txBody>
+          <a:bodyPr anchorCtr="0" anchor="t" bIns="91425" lIns="91425" spcFirstLastPara="1" rIns="91425" wrap="square" tIns="91425">
+            <a:spAutoFit/>
+          </a:bodyPr>
+          <a:lstStyle/>
+          <a:p>
+            <a:pPr indent="0" lvl="0" marL="0" rtl="0" algn="l">
+              <a:spcBef>
+                <a:spcPts val="0"/>
+              </a:spcBef>
+              <a:spcAft>
+                <a:spcPts val="0"/>
+              </a:spcAft>
+              <a:buNone/>
+            </a:pPr>
+            <a:r>
+              <a:t/>
+            </a:r>
+            <a:endParaRPr>
+              <a:latin typeface="Karla"/>
+              <a:ea typeface="Karla"/>
+              <a:cs typeface="Karla"/>
+              <a:sym typeface="Karla"/>
+            </a:endParaRPr>
+          </a:p>
+        </p:txBody>
+      </p:sp>
+      <p:sp>
+        <p:nvSpPr>
+          <p:cNvPr id="255" name="Google Shape;255;p30"/>
+          <p:cNvSpPr txBox="1"/>
+          <p:nvPr/>
+        </p:nvSpPr>
+        <p:spPr>
+          <a:xfrm>
+            <a:off x="322400" y="1397538"/>
+            <a:ext cx="3908400" cy="1293000"/>
+          </a:xfrm>
+          <a:prstGeom prst="rect">
+            <a:avLst/>
+          </a:prstGeom>
+          <a:noFill/>
+          <a:ln>
+            <a:noFill/>
+          </a:ln>
+        </p:spPr>
+        <p:txBody>
+          <a:bodyPr anchorCtr="0" anchor="t" bIns="91425" lIns="91425" spcFirstLastPara="1" rIns="91425" wrap="square" tIns="91425">
+            <a:spAutoFit/>
+          </a:bodyPr>
+          <a:lstStyle/>
+          <a:p>
+            <a:pPr indent="-317500" lvl="0" marL="457200" rtl="0" algn="l">
+              <a:lnSpc>
+                <a:spcPct val="150000"/>
+              </a:lnSpc>
+              <a:spcBef>
+                <a:spcPts val="0"/>
+              </a:spcBef>
+              <a:spcAft>
+                <a:spcPts val="0"/>
+              </a:spcAft>
+              <a:buSzPts val="1400"/>
+              <a:buFont typeface="Karla"/>
+              <a:buChar char="●"/>
+            </a:pPr>
+            <a:r>
+              <a:rPr lang="en" sz="1800">
+                <a:latin typeface="Times"/>
+                <a:ea typeface="Times"/>
+                <a:cs typeface="Times"/>
+                <a:sym typeface="Times"/>
+              </a:rPr>
+              <a:t>Transazioni totali: 166 906;</a:t>
+            </a:r>
+            <a:endParaRPr sz="1800">
+              <a:latin typeface="Times"/>
+              <a:ea typeface="Times"/>
+              <a:cs typeface="Times"/>
+              <a:sym typeface="Times"/>
+            </a:endParaRPr>
+          </a:p>
+          <a:p>
+            <a:pPr indent="-342900" lvl="1" marL="914400" rtl="0" algn="l">
+              <a:lnSpc>
+                <a:spcPct val="150000"/>
+              </a:lnSpc>
+              <a:spcBef>
+                <a:spcPts val="0"/>
+              </a:spcBef>
+              <a:spcAft>
+                <a:spcPts val="0"/>
+              </a:spcAft>
+              <a:buSzPts val="1800"/>
+              <a:buFont typeface="Times"/>
+              <a:buChar char="○"/>
+            </a:pPr>
+            <a:r>
+              <a:rPr lang="en" sz="1800">
+                <a:latin typeface="Times"/>
+                <a:ea typeface="Times"/>
+                <a:cs typeface="Times"/>
+                <a:sym typeface="Times"/>
+              </a:rPr>
+              <a:t>NOD: 99.9 %;</a:t>
+            </a:r>
+            <a:endParaRPr sz="1800">
+              <a:latin typeface="Times"/>
+              <a:ea typeface="Times"/>
+              <a:cs typeface="Times"/>
+              <a:sym typeface="Times"/>
+            </a:endParaRPr>
+          </a:p>
+          <a:p>
+            <a:pPr indent="-342900" lvl="1" marL="914400" rtl="0" algn="l">
+              <a:lnSpc>
+                <a:spcPct val="115000"/>
+              </a:lnSpc>
+              <a:spcBef>
+                <a:spcPts val="0"/>
+              </a:spcBef>
+              <a:spcAft>
+                <a:spcPts val="0"/>
+              </a:spcAft>
+              <a:buSzPts val="1800"/>
+              <a:buFont typeface="Times"/>
+              <a:buChar char="○"/>
+            </a:pPr>
+            <a:r>
+              <a:rPr lang="en" sz="1800">
+                <a:latin typeface="Times"/>
+                <a:ea typeface="Times"/>
+                <a:cs typeface="Times"/>
+                <a:sym typeface="Times"/>
+              </a:rPr>
+              <a:t>OD: 0.1 %.</a:t>
+            </a:r>
+            <a:endParaRPr sz="1800">
+              <a:latin typeface="Times"/>
+              <a:ea typeface="Times"/>
+              <a:cs typeface="Times"/>
+              <a:sym typeface="Times"/>
+            </a:endParaRPr>
+          </a:p>
+        </p:txBody>
+      </p:sp>
+      <p:sp>
+        <p:nvSpPr>
+          <p:cNvPr id="256" name="Google Shape;256;p30"/>
+          <p:cNvSpPr txBox="1"/>
+          <p:nvPr/>
+        </p:nvSpPr>
+        <p:spPr>
+          <a:xfrm>
+            <a:off x="339350" y="3447075"/>
+            <a:ext cx="2863500" cy="1015800"/>
+          </a:xfrm>
+          <a:prstGeom prst="rect">
+            <a:avLst/>
+          </a:prstGeom>
+          <a:noFill/>
+          <a:ln>
+            <a:noFill/>
+          </a:ln>
+        </p:spPr>
+        <p:txBody>
+          <a:bodyPr anchorCtr="0" anchor="t" bIns="91425" lIns="91425" spcFirstLastPara="1" rIns="91425" wrap="square" tIns="91425">
+            <a:spAutoFit/>
+          </a:bodyPr>
+          <a:lstStyle/>
+          <a:p>
+            <a:pPr indent="-342900" lvl="0" marL="457200" rtl="0" algn="l">
+              <a:spcBef>
+                <a:spcPts val="0"/>
+              </a:spcBef>
+              <a:spcAft>
+                <a:spcPts val="0"/>
+              </a:spcAft>
+              <a:buSzPts val="1800"/>
+              <a:buFont typeface="Times"/>
+              <a:buChar char="●"/>
+            </a:pPr>
+            <a:r>
+              <a:rPr lang="en" sz="1800">
+                <a:latin typeface="Times"/>
+                <a:ea typeface="Times"/>
+                <a:cs typeface="Times"/>
+                <a:sym typeface="Times"/>
+              </a:rPr>
+              <a:t>Media indirizzi diversi in una singola transazione: 13.</a:t>
+            </a:r>
+            <a:endParaRPr sz="1800">
+              <a:latin typeface="Times"/>
+              <a:ea typeface="Times"/>
+              <a:cs typeface="Times"/>
+              <a:sym typeface="Times"/>
+            </a:endParaRPr>
+          </a:p>
+        </p:txBody>
+      </p:sp>
+      <p:sp>
+        <p:nvSpPr>
+          <p:cNvPr id="257" name="Google Shape;257;p30"/>
+          <p:cNvSpPr txBox="1"/>
+          <p:nvPr>
+            <p:ph idx="12" type="sldNum"/>
+          </p:nvPr>
+        </p:nvSpPr>
+        <p:spPr>
+          <a:xfrm>
+            <a:off x="8543227" y="4749851"/>
+            <a:ext cx="548700" cy="393600"/>
+          </a:xfrm>
+          <a:prstGeom prst="rect">
+            <a:avLst/>
+          </a:prstGeom>
+        </p:spPr>
+        <p:txBody>
+          <a:bodyPr anchorCtr="0" anchor="t" bIns="91425" lIns="91425" spcFirstLastPara="1" rIns="91425" wrap="square" tIns="91425">
+            <a:noAutofit/>
+          </a:bodyPr>
+          <a:lstStyle/>
+          <a:p>
+            <a:pPr indent="0" lvl="0" marL="0" rtl="0" algn="r">
+              <a:spcBef>
+                <a:spcPts val="0"/>
+              </a:spcBef>
+              <a:spcAft>
+                <a:spcPts val="0"/>
+              </a:spcAft>
+              <a:buNone/>
+            </a:pPr>
+            <a:fld id="{00000000-1234-1234-1234-123412341234}" type="slidenum">
+              <a:rPr lang="en"/>
+              <a:t>‹#›</a:t>
+            </a:fld>
+            <a:endParaRPr/>
+          </a:p>
+        </p:txBody>
+      </p:sp>
     </p:spTree>
   </p:cSld>
   <p:clrMapOvr>
@@ -11500,7 +12811,7 @@
     </p:bg>
     <p:spTree>
       <p:nvGrpSpPr>
-        <p:cNvPr id="249" name="Shape 249"/>
+        <p:cNvPr id="261" name="Shape 261"/>
         <p:cNvGrpSpPr/>
         <p:nvPr/>
       </p:nvGrpSpPr>
@@ -11514,7 +12825,7 @@
       </p:grpSpPr>
       <p:sp>
         <p:nvSpPr>
-          <p:cNvPr id="250" name="Google Shape;250;p31"/>
+          <p:cNvPr id="262" name="Google Shape;262;p31"/>
           <p:cNvSpPr txBox="1"/>
           <p:nvPr>
             <p:ph type="title"/>
@@ -11554,7 +12865,7 @@
                 <a:cs typeface="Times"/>
                 <a:sym typeface="Times"/>
               </a:rPr>
-              <a:t>TITOLO</a:t>
+              <a:t>Analisi Indirizzi</a:t>
             </a:r>
             <a:endParaRPr sz="3000">
               <a:solidFill>
@@ -11570,7 +12881,7 @@
       </p:sp>
       <p:pic>
         <p:nvPicPr>
-          <p:cNvPr id="251" name="Google Shape;251;p31"/>
+          <p:cNvPr id="263" name="Google Shape;263;p31"/>
           <p:cNvPicPr preferRelativeResize="0"/>
           <p:nvPr/>
         </p:nvPicPr>
@@ -11596,6 +12907,271 @@
           </a:ln>
         </p:spPr>
       </p:pic>
+      <p:sp>
+        <p:nvSpPr>
+          <p:cNvPr id="264" name="Google Shape;264;p31"/>
+          <p:cNvSpPr txBox="1"/>
+          <p:nvPr/>
+        </p:nvSpPr>
+        <p:spPr>
+          <a:xfrm>
+            <a:off x="872525" y="951925"/>
+            <a:ext cx="6489900" cy="2248800"/>
+          </a:xfrm>
+          <a:prstGeom prst="rect">
+            <a:avLst/>
+          </a:prstGeom>
+          <a:noFill/>
+          <a:ln>
+            <a:noFill/>
+          </a:ln>
+        </p:spPr>
+        <p:txBody>
+          <a:bodyPr anchorCtr="0" anchor="t" bIns="91425" lIns="91425" spcFirstLastPara="1" rIns="91425" wrap="square" tIns="91425">
+            <a:spAutoFit/>
+          </a:bodyPr>
+          <a:lstStyle/>
+          <a:p>
+            <a:pPr indent="-342900" lvl="0" marL="457200" rtl="0" algn="l">
+              <a:lnSpc>
+                <a:spcPct val="150000"/>
+              </a:lnSpc>
+              <a:spcBef>
+                <a:spcPts val="0"/>
+              </a:spcBef>
+              <a:spcAft>
+                <a:spcPts val="0"/>
+              </a:spcAft>
+              <a:buSzPts val="1800"/>
+              <a:buFont typeface="Times"/>
+              <a:buChar char="●"/>
+            </a:pPr>
+            <a:r>
+              <a:rPr lang="en" sz="1800">
+                <a:latin typeface="Times"/>
+                <a:ea typeface="Times"/>
+                <a:cs typeface="Times"/>
+                <a:sym typeface="Times"/>
+              </a:rPr>
+              <a:t>Output dust generati: 2 893 877;</a:t>
+            </a:r>
+            <a:endParaRPr sz="1800">
+              <a:latin typeface="Times"/>
+              <a:ea typeface="Times"/>
+              <a:cs typeface="Times"/>
+              <a:sym typeface="Times"/>
+            </a:endParaRPr>
+          </a:p>
+          <a:p>
+            <a:pPr indent="-342900" lvl="0" marL="457200" rtl="0" algn="l">
+              <a:lnSpc>
+                <a:spcPct val="150000"/>
+              </a:lnSpc>
+              <a:spcBef>
+                <a:spcPts val="0"/>
+              </a:spcBef>
+              <a:spcAft>
+                <a:spcPts val="0"/>
+              </a:spcAft>
+              <a:buSzPts val="1800"/>
+              <a:buFont typeface="Times"/>
+              <a:buChar char="●"/>
+            </a:pPr>
+            <a:r>
+              <a:rPr lang="en" sz="1800">
+                <a:latin typeface="Times"/>
+                <a:ea typeface="Times"/>
+                <a:cs typeface="Times"/>
+                <a:sym typeface="Times"/>
+              </a:rPr>
+              <a:t>Gli indirizzi destinatari sono 1 059 836:</a:t>
+            </a:r>
+            <a:endParaRPr sz="1800">
+              <a:latin typeface="Times"/>
+              <a:ea typeface="Times"/>
+              <a:cs typeface="Times"/>
+              <a:sym typeface="Times"/>
+            </a:endParaRPr>
+          </a:p>
+          <a:p>
+            <a:pPr indent="-342900" lvl="1" marL="914400" rtl="0" algn="l">
+              <a:lnSpc>
+                <a:spcPct val="115000"/>
+              </a:lnSpc>
+              <a:spcBef>
+                <a:spcPts val="0"/>
+              </a:spcBef>
+              <a:spcAft>
+                <a:spcPts val="0"/>
+              </a:spcAft>
+              <a:buSzPts val="1800"/>
+              <a:buFont typeface="Times"/>
+              <a:buChar char="○"/>
+            </a:pPr>
+            <a:r>
+              <a:rPr lang="en" sz="1800">
+                <a:latin typeface="Times"/>
+                <a:ea typeface="Times"/>
+                <a:cs typeface="Times"/>
+                <a:sym typeface="Times"/>
+              </a:rPr>
+              <a:t>312 114 indirizzi (29 % dei destinatari) hanno speso il dust;</a:t>
+            </a:r>
+            <a:endParaRPr sz="1800">
+              <a:latin typeface="Times"/>
+              <a:ea typeface="Times"/>
+              <a:cs typeface="Times"/>
+              <a:sym typeface="Times"/>
+            </a:endParaRPr>
+          </a:p>
+          <a:p>
+            <a:pPr indent="-342900" lvl="1" marL="914400" rtl="0" algn="l">
+              <a:lnSpc>
+                <a:spcPct val="115000"/>
+              </a:lnSpc>
+              <a:spcBef>
+                <a:spcPts val="0"/>
+              </a:spcBef>
+              <a:spcAft>
+                <a:spcPts val="0"/>
+              </a:spcAft>
+              <a:buSzPts val="1800"/>
+              <a:buFont typeface="Times"/>
+              <a:buChar char="○"/>
+            </a:pPr>
+            <a:r>
+              <a:rPr lang="en" sz="1800">
+                <a:latin typeface="Times"/>
+                <a:ea typeface="Times"/>
+                <a:cs typeface="Times"/>
+                <a:sym typeface="Times"/>
+              </a:rPr>
+              <a:t>259 252 indirizzi (83 % di chi ha speso il dust) lo hanno speso nella categoria “2+ Indirizzi”.</a:t>
+            </a:r>
+            <a:endParaRPr sz="1800">
+              <a:latin typeface="Times"/>
+              <a:ea typeface="Times"/>
+              <a:cs typeface="Times"/>
+              <a:sym typeface="Times"/>
+            </a:endParaRPr>
+          </a:p>
+        </p:txBody>
+      </p:sp>
+      <p:sp>
+        <p:nvSpPr>
+          <p:cNvPr id="265" name="Google Shape;265;p31"/>
+          <p:cNvSpPr txBox="1"/>
+          <p:nvPr/>
+        </p:nvSpPr>
+        <p:spPr>
+          <a:xfrm>
+            <a:off x="872525" y="3331750"/>
+            <a:ext cx="6659400" cy="1417500"/>
+          </a:xfrm>
+          <a:prstGeom prst="rect">
+            <a:avLst/>
+          </a:prstGeom>
+          <a:noFill/>
+          <a:ln>
+            <a:noFill/>
+          </a:ln>
+        </p:spPr>
+        <p:txBody>
+          <a:bodyPr anchorCtr="0" anchor="t" bIns="91425" lIns="91425" spcFirstLastPara="1" rIns="91425" wrap="square" tIns="91425">
+            <a:spAutoFit/>
+          </a:bodyPr>
+          <a:lstStyle/>
+          <a:p>
+            <a:pPr indent="-342900" lvl="0" marL="457200" rtl="0" algn="l">
+              <a:lnSpc>
+                <a:spcPct val="115000"/>
+              </a:lnSpc>
+              <a:spcBef>
+                <a:spcPts val="0"/>
+              </a:spcBef>
+              <a:spcAft>
+                <a:spcPts val="0"/>
+              </a:spcAft>
+              <a:buSzPts val="1800"/>
+              <a:buFont typeface="Times"/>
+              <a:buChar char="●"/>
+            </a:pPr>
+            <a:r>
+              <a:rPr lang="en" sz="1800">
+                <a:latin typeface="Times"/>
+                <a:ea typeface="Times"/>
+                <a:cs typeface="Times"/>
+                <a:sym typeface="Times"/>
+              </a:rPr>
+              <a:t>T</a:t>
+            </a:r>
+            <a:r>
+              <a:rPr lang="en" sz="1800">
+                <a:latin typeface="Times"/>
+                <a:ea typeface="Times"/>
+                <a:cs typeface="Times"/>
+                <a:sym typeface="Times"/>
+              </a:rPr>
+              <a:t>ransazioni che generano almeno un dust della categoria “Successo” sono</a:t>
+            </a:r>
+            <a:r>
+              <a:rPr lang="en" sz="1800">
+                <a:latin typeface="Times"/>
+                <a:ea typeface="Times"/>
+                <a:cs typeface="Times"/>
+                <a:sym typeface="Times"/>
+              </a:rPr>
+              <a:t> 98 198</a:t>
+            </a:r>
+            <a:r>
+              <a:rPr lang="en" sz="1800">
+                <a:latin typeface="Times"/>
+                <a:ea typeface="Times"/>
+                <a:cs typeface="Times"/>
+                <a:sym typeface="Times"/>
+              </a:rPr>
+              <a:t>:</a:t>
+            </a:r>
+            <a:endParaRPr sz="1800">
+              <a:latin typeface="Times"/>
+              <a:ea typeface="Times"/>
+              <a:cs typeface="Times"/>
+              <a:sym typeface="Times"/>
+            </a:endParaRPr>
+          </a:p>
+          <a:p>
+            <a:pPr indent="-342900" lvl="1" marL="914400" rtl="0" algn="l">
+              <a:lnSpc>
+                <a:spcPct val="115000"/>
+              </a:lnSpc>
+              <a:spcBef>
+                <a:spcPts val="0"/>
+              </a:spcBef>
+              <a:spcAft>
+                <a:spcPts val="0"/>
+              </a:spcAft>
+              <a:buSzPts val="1800"/>
+              <a:buFont typeface="Times"/>
+              <a:buChar char="○"/>
+            </a:pPr>
+            <a:r>
+              <a:rPr lang="en" sz="1800">
+                <a:latin typeface="Times"/>
+                <a:ea typeface="Times"/>
+                <a:cs typeface="Times"/>
+                <a:sym typeface="Times"/>
+              </a:rPr>
+              <a:t>58 146 transazioni (59 %) non presentano indirizzi nuovi tra gli output.</a:t>
+            </a:r>
+            <a:endParaRPr sz="1800">
+              <a:latin typeface="Times"/>
+              <a:ea typeface="Times"/>
+              <a:cs typeface="Times"/>
+              <a:sym typeface="Times"/>
+            </a:endParaRPr>
+          </a:p>
+        </p:txBody>
+      </p:sp>
     </p:spTree>
   </p:cSld>
   <p:clrMapOvr>
@@ -11616,7 +13192,7 @@
     </p:bg>
     <p:spTree>
       <p:nvGrpSpPr>
-        <p:cNvPr id="255" name="Shape 255"/>
+        <p:cNvPr id="269" name="Shape 269"/>
         <p:cNvGrpSpPr/>
         <p:nvPr/>
       </p:nvGrpSpPr>
@@ -11630,7 +13206,7 @@
       </p:grpSpPr>
       <p:sp>
         <p:nvSpPr>
-          <p:cNvPr id="256" name="Google Shape;256;p32"/>
+          <p:cNvPr id="270" name="Google Shape;270;p32"/>
           <p:cNvSpPr txBox="1"/>
           <p:nvPr>
             <p:ph type="title"/>
@@ -11638,8 +13214,8 @@
         </p:nvSpPr>
         <p:spPr>
           <a:xfrm>
-            <a:off x="872525" y="463025"/>
-            <a:ext cx="4801500" cy="409500"/>
+            <a:off x="872525" y="105138"/>
+            <a:ext cx="4801500" cy="974400"/>
           </a:xfrm>
           <a:prstGeom prst="rect">
             <a:avLst/>
@@ -11670,7 +13246,7 @@
                 <a:cs typeface="Times"/>
                 <a:sym typeface="Times"/>
               </a:rPr>
-              <a:t>TITOLO</a:t>
+              <a:t>Pattern: Un finanziatore un attaccante</a:t>
             </a:r>
             <a:endParaRPr sz="3000">
               <a:solidFill>
@@ -11686,7 +13262,7 @@
       </p:sp>
       <p:pic>
         <p:nvPicPr>
-          <p:cNvPr id="257" name="Google Shape;257;p32"/>
+          <p:cNvPr id="271" name="Google Shape;271;p32"/>
           <p:cNvPicPr preferRelativeResize="0"/>
           <p:nvPr/>
         </p:nvPicPr>
@@ -11712,6 +13288,1565 @@
           </a:ln>
         </p:spPr>
       </p:pic>
+      <p:sp>
+        <p:nvSpPr>
+          <p:cNvPr id="272" name="Google Shape;272;p32"/>
+          <p:cNvSpPr/>
+          <p:nvPr/>
+        </p:nvSpPr>
+        <p:spPr>
+          <a:xfrm>
+            <a:off x="237500" y="2320675"/>
+            <a:ext cx="743700" cy="641100"/>
+          </a:xfrm>
+          <a:prstGeom prst="ellipse">
+            <a:avLst/>
+          </a:prstGeom>
+          <a:solidFill>
+            <a:srgbClr val="073763"/>
+          </a:solidFill>
+          <a:ln cap="flat" cmpd="sng" w="9525">
+            <a:solidFill>
+              <a:srgbClr val="000000"/>
+            </a:solidFill>
+            <a:prstDash val="solid"/>
+            <a:round/>
+            <a:headEnd len="sm" w="sm" type="none"/>
+            <a:tailEnd len="sm" w="sm" type="none"/>
+          </a:ln>
+        </p:spPr>
+        <p:txBody>
+          <a:bodyPr anchorCtr="0" anchor="ctr" bIns="91425" lIns="91425" spcFirstLastPara="1" rIns="91425" wrap="square" tIns="91425">
+            <a:noAutofit/>
+          </a:bodyPr>
+          <a:lstStyle/>
+          <a:p>
+            <a:pPr indent="0" lvl="0" marL="0" rtl="0" algn="ctr">
+              <a:spcBef>
+                <a:spcPts val="0"/>
+              </a:spcBef>
+              <a:spcAft>
+                <a:spcPts val="0"/>
+              </a:spcAft>
+              <a:buNone/>
+            </a:pPr>
+            <a:r>
+              <a:rPr lang="en" sz="1800">
+                <a:solidFill>
+                  <a:schemeClr val="lt1"/>
+                </a:solidFill>
+                <a:latin typeface="Times"/>
+                <a:ea typeface="Times"/>
+                <a:cs typeface="Times"/>
+                <a:sym typeface="Times"/>
+              </a:rPr>
+              <a:t>F</a:t>
+            </a:r>
+            <a:endParaRPr sz="2200">
+              <a:solidFill>
+                <a:schemeClr val="lt1"/>
+              </a:solidFill>
+              <a:latin typeface="Times"/>
+              <a:ea typeface="Times"/>
+              <a:cs typeface="Times"/>
+              <a:sym typeface="Times"/>
+            </a:endParaRPr>
+          </a:p>
+        </p:txBody>
+      </p:sp>
+      <p:sp>
+        <p:nvSpPr>
+          <p:cNvPr id="273" name="Google Shape;273;p32"/>
+          <p:cNvSpPr/>
+          <p:nvPr/>
+        </p:nvSpPr>
+        <p:spPr>
+          <a:xfrm>
+            <a:off x="1324275" y="2525936"/>
+            <a:ext cx="500100" cy="230700"/>
+          </a:xfrm>
+          <a:prstGeom prst="rightArrow">
+            <a:avLst>
+              <a:gd fmla="val 50000" name="adj1"/>
+              <a:gd fmla="val 50000" name="adj2"/>
+            </a:avLst>
+          </a:prstGeom>
+          <a:solidFill>
+            <a:srgbClr val="4A86E8"/>
+          </a:solidFill>
+          <a:ln cap="flat" cmpd="sng" w="9525">
+            <a:solidFill>
+              <a:srgbClr val="000000"/>
+            </a:solidFill>
+            <a:prstDash val="solid"/>
+            <a:round/>
+            <a:headEnd len="sm" w="sm" type="none"/>
+            <a:tailEnd len="sm" w="sm" type="none"/>
+          </a:ln>
+        </p:spPr>
+        <p:txBody>
+          <a:bodyPr anchorCtr="0" anchor="ctr" bIns="91425" lIns="91425" spcFirstLastPara="1" rIns="91425" wrap="square" tIns="91425">
+            <a:noAutofit/>
+          </a:bodyPr>
+          <a:lstStyle/>
+          <a:p>
+            <a:pPr indent="0" lvl="0" marL="0" rtl="0" algn="l">
+              <a:spcBef>
+                <a:spcPts val="0"/>
+              </a:spcBef>
+              <a:spcAft>
+                <a:spcPts val="0"/>
+              </a:spcAft>
+              <a:buNone/>
+            </a:pPr>
+            <a:r>
+              <a:t/>
+            </a:r>
+            <a:endParaRPr/>
+          </a:p>
+        </p:txBody>
+      </p:sp>
+      <p:sp>
+        <p:nvSpPr>
+          <p:cNvPr id="274" name="Google Shape;274;p32"/>
+          <p:cNvSpPr/>
+          <p:nvPr/>
+        </p:nvSpPr>
+        <p:spPr>
+          <a:xfrm>
+            <a:off x="628099" y="3536022"/>
+            <a:ext cx="1157100" cy="466200"/>
+          </a:xfrm>
+          <a:prstGeom prst="ellipse">
+            <a:avLst/>
+          </a:prstGeom>
+          <a:solidFill>
+            <a:srgbClr val="CC0000"/>
+          </a:solidFill>
+          <a:ln cap="flat" cmpd="sng" w="9525">
+            <a:solidFill>
+              <a:srgbClr val="000000"/>
+            </a:solidFill>
+            <a:prstDash val="solid"/>
+            <a:round/>
+            <a:headEnd len="sm" w="sm" type="none"/>
+            <a:tailEnd len="sm" w="sm" type="none"/>
+          </a:ln>
+        </p:spPr>
+        <p:txBody>
+          <a:bodyPr anchorCtr="0" anchor="ctr" bIns="91425" lIns="91425" spcFirstLastPara="1" rIns="91425" wrap="square" tIns="91425">
+            <a:noAutofit/>
+          </a:bodyPr>
+          <a:lstStyle/>
+          <a:p>
+            <a:pPr indent="0" lvl="0" marL="0" rtl="0" algn="ctr">
+              <a:spcBef>
+                <a:spcPts val="0"/>
+              </a:spcBef>
+              <a:spcAft>
+                <a:spcPts val="0"/>
+              </a:spcAft>
+              <a:buNone/>
+            </a:pPr>
+            <a:r>
+              <a:rPr lang="en" sz="1800">
+                <a:solidFill>
+                  <a:schemeClr val="lt1"/>
+                </a:solidFill>
+                <a:latin typeface="Times"/>
+                <a:ea typeface="Times"/>
+                <a:cs typeface="Times"/>
+                <a:sym typeface="Times"/>
+              </a:rPr>
+              <a:t>A</a:t>
+            </a:r>
+            <a:endParaRPr sz="1800">
+              <a:solidFill>
+                <a:schemeClr val="lt1"/>
+              </a:solidFill>
+              <a:latin typeface="Times"/>
+              <a:ea typeface="Times"/>
+              <a:cs typeface="Times"/>
+              <a:sym typeface="Times"/>
+            </a:endParaRPr>
+          </a:p>
+        </p:txBody>
+      </p:sp>
+      <p:sp>
+        <p:nvSpPr>
+          <p:cNvPr id="275" name="Google Shape;275;p32"/>
+          <p:cNvSpPr/>
+          <p:nvPr/>
+        </p:nvSpPr>
+        <p:spPr>
+          <a:xfrm>
+            <a:off x="643879" y="4092638"/>
+            <a:ext cx="104400" cy="724800"/>
+          </a:xfrm>
+          <a:prstGeom prst="downArrow">
+            <a:avLst>
+              <a:gd fmla="val 50000" name="adj1"/>
+              <a:gd fmla="val 50000" name="adj2"/>
+            </a:avLst>
+          </a:prstGeom>
+          <a:solidFill>
+            <a:srgbClr val="CC0000"/>
+          </a:solidFill>
+          <a:ln cap="flat" cmpd="sng" w="9525">
+            <a:solidFill>
+              <a:srgbClr val="000000"/>
+            </a:solidFill>
+            <a:prstDash val="solid"/>
+            <a:round/>
+            <a:headEnd len="sm" w="sm" type="none"/>
+            <a:tailEnd len="sm" w="sm" type="none"/>
+          </a:ln>
+        </p:spPr>
+        <p:txBody>
+          <a:bodyPr anchorCtr="0" anchor="ctr" bIns="91425" lIns="91425" spcFirstLastPara="1" rIns="91425" wrap="square" tIns="91425">
+            <a:noAutofit/>
+          </a:bodyPr>
+          <a:lstStyle/>
+          <a:p>
+            <a:pPr indent="0" lvl="0" marL="0" rtl="0" algn="l">
+              <a:spcBef>
+                <a:spcPts val="0"/>
+              </a:spcBef>
+              <a:spcAft>
+                <a:spcPts val="0"/>
+              </a:spcAft>
+              <a:buNone/>
+            </a:pPr>
+            <a:r>
+              <a:t/>
+            </a:r>
+            <a:endParaRPr/>
+          </a:p>
+        </p:txBody>
+      </p:sp>
+      <p:sp>
+        <p:nvSpPr>
+          <p:cNvPr id="276" name="Google Shape;276;p32"/>
+          <p:cNvSpPr/>
+          <p:nvPr/>
+        </p:nvSpPr>
+        <p:spPr>
+          <a:xfrm>
+            <a:off x="883647" y="4209739"/>
+            <a:ext cx="104400" cy="724800"/>
+          </a:xfrm>
+          <a:prstGeom prst="downArrow">
+            <a:avLst>
+              <a:gd fmla="val 50000" name="adj1"/>
+              <a:gd fmla="val 50000" name="adj2"/>
+            </a:avLst>
+          </a:prstGeom>
+          <a:solidFill>
+            <a:srgbClr val="CC0000"/>
+          </a:solidFill>
+          <a:ln cap="flat" cmpd="sng" w="9525">
+            <a:solidFill>
+              <a:srgbClr val="000000"/>
+            </a:solidFill>
+            <a:prstDash val="solid"/>
+            <a:round/>
+            <a:headEnd len="sm" w="sm" type="none"/>
+            <a:tailEnd len="sm" w="sm" type="none"/>
+          </a:ln>
+        </p:spPr>
+        <p:txBody>
+          <a:bodyPr anchorCtr="0" anchor="ctr" bIns="91425" lIns="91425" spcFirstLastPara="1" rIns="91425" wrap="square" tIns="91425">
+            <a:noAutofit/>
+          </a:bodyPr>
+          <a:lstStyle/>
+          <a:p>
+            <a:pPr indent="0" lvl="0" marL="0" rtl="0" algn="l">
+              <a:spcBef>
+                <a:spcPts val="0"/>
+              </a:spcBef>
+              <a:spcAft>
+                <a:spcPts val="0"/>
+              </a:spcAft>
+              <a:buNone/>
+            </a:pPr>
+            <a:r>
+              <a:t/>
+            </a:r>
+            <a:endParaRPr/>
+          </a:p>
+        </p:txBody>
+      </p:sp>
+      <p:sp>
+        <p:nvSpPr>
+          <p:cNvPr id="277" name="Google Shape;277;p32"/>
+          <p:cNvSpPr/>
+          <p:nvPr/>
+        </p:nvSpPr>
+        <p:spPr>
+          <a:xfrm>
+            <a:off x="1282534" y="4209739"/>
+            <a:ext cx="104400" cy="724800"/>
+          </a:xfrm>
+          <a:prstGeom prst="downArrow">
+            <a:avLst>
+              <a:gd fmla="val 50000" name="adj1"/>
+              <a:gd fmla="val 50000" name="adj2"/>
+            </a:avLst>
+          </a:prstGeom>
+          <a:solidFill>
+            <a:srgbClr val="CC0000"/>
+          </a:solidFill>
+          <a:ln cap="flat" cmpd="sng" w="9525">
+            <a:solidFill>
+              <a:srgbClr val="000000"/>
+            </a:solidFill>
+            <a:prstDash val="solid"/>
+            <a:round/>
+            <a:headEnd len="sm" w="sm" type="none"/>
+            <a:tailEnd len="sm" w="sm" type="none"/>
+          </a:ln>
+        </p:spPr>
+        <p:txBody>
+          <a:bodyPr anchorCtr="0" anchor="ctr" bIns="91425" lIns="91425" spcFirstLastPara="1" rIns="91425" wrap="square" tIns="91425">
+            <a:noAutofit/>
+          </a:bodyPr>
+          <a:lstStyle/>
+          <a:p>
+            <a:pPr indent="0" lvl="0" marL="0" rtl="0" algn="l">
+              <a:spcBef>
+                <a:spcPts val="0"/>
+              </a:spcBef>
+              <a:spcAft>
+                <a:spcPts val="0"/>
+              </a:spcAft>
+              <a:buNone/>
+            </a:pPr>
+            <a:r>
+              <a:t/>
+            </a:r>
+            <a:endParaRPr/>
+          </a:p>
+        </p:txBody>
+      </p:sp>
+      <p:sp>
+        <p:nvSpPr>
+          <p:cNvPr id="278" name="Google Shape;278;p32"/>
+          <p:cNvSpPr/>
+          <p:nvPr/>
+        </p:nvSpPr>
+        <p:spPr>
+          <a:xfrm>
+            <a:off x="1563304" y="4092638"/>
+            <a:ext cx="104400" cy="724800"/>
+          </a:xfrm>
+          <a:prstGeom prst="downArrow">
+            <a:avLst>
+              <a:gd fmla="val 50000" name="adj1"/>
+              <a:gd fmla="val 50000" name="adj2"/>
+            </a:avLst>
+          </a:prstGeom>
+          <a:solidFill>
+            <a:srgbClr val="CC0000"/>
+          </a:solidFill>
+          <a:ln cap="flat" cmpd="sng" w="9525">
+            <a:solidFill>
+              <a:srgbClr val="000000"/>
+            </a:solidFill>
+            <a:prstDash val="solid"/>
+            <a:round/>
+            <a:headEnd len="sm" w="sm" type="none"/>
+            <a:tailEnd len="sm" w="sm" type="none"/>
+          </a:ln>
+        </p:spPr>
+        <p:txBody>
+          <a:bodyPr anchorCtr="0" anchor="ctr" bIns="91425" lIns="91425" spcFirstLastPara="1" rIns="91425" wrap="square" tIns="91425">
+            <a:noAutofit/>
+          </a:bodyPr>
+          <a:lstStyle/>
+          <a:p>
+            <a:pPr indent="0" lvl="0" marL="0" rtl="0" algn="l">
+              <a:spcBef>
+                <a:spcPts val="0"/>
+              </a:spcBef>
+              <a:spcAft>
+                <a:spcPts val="0"/>
+              </a:spcAft>
+              <a:buNone/>
+            </a:pPr>
+            <a:r>
+              <a:t/>
+            </a:r>
+            <a:endParaRPr/>
+          </a:p>
+        </p:txBody>
+      </p:sp>
+      <p:sp>
+        <p:nvSpPr>
+          <p:cNvPr id="279" name="Google Shape;279;p32"/>
+          <p:cNvSpPr/>
+          <p:nvPr/>
+        </p:nvSpPr>
+        <p:spPr>
+          <a:xfrm>
+            <a:off x="2183403" y="2320675"/>
+            <a:ext cx="743700" cy="641100"/>
+          </a:xfrm>
+          <a:prstGeom prst="ellipse">
+            <a:avLst/>
+          </a:prstGeom>
+          <a:solidFill>
+            <a:srgbClr val="073763"/>
+          </a:solidFill>
+          <a:ln cap="flat" cmpd="sng" w="9525">
+            <a:solidFill>
+              <a:srgbClr val="000000"/>
+            </a:solidFill>
+            <a:prstDash val="solid"/>
+            <a:round/>
+            <a:headEnd len="sm" w="sm" type="none"/>
+            <a:tailEnd len="sm" w="sm" type="none"/>
+          </a:ln>
+        </p:spPr>
+        <p:txBody>
+          <a:bodyPr anchorCtr="0" anchor="ctr" bIns="91425" lIns="91425" spcFirstLastPara="1" rIns="91425" wrap="square" tIns="91425">
+            <a:noAutofit/>
+          </a:bodyPr>
+          <a:lstStyle/>
+          <a:p>
+            <a:pPr indent="0" lvl="0" marL="0" rtl="0" algn="ctr">
+              <a:spcBef>
+                <a:spcPts val="0"/>
+              </a:spcBef>
+              <a:spcAft>
+                <a:spcPts val="0"/>
+              </a:spcAft>
+              <a:buNone/>
+            </a:pPr>
+            <a:r>
+              <a:rPr lang="en" sz="1800">
+                <a:solidFill>
+                  <a:schemeClr val="lt1"/>
+                </a:solidFill>
+                <a:latin typeface="Times"/>
+                <a:ea typeface="Times"/>
+                <a:cs typeface="Times"/>
+                <a:sym typeface="Times"/>
+              </a:rPr>
+              <a:t>F</a:t>
+            </a:r>
+            <a:endParaRPr/>
+          </a:p>
+        </p:txBody>
+      </p:sp>
+      <p:sp>
+        <p:nvSpPr>
+          <p:cNvPr id="280" name="Google Shape;280;p32"/>
+          <p:cNvSpPr/>
+          <p:nvPr/>
+        </p:nvSpPr>
+        <p:spPr>
+          <a:xfrm rot="3914124">
+            <a:off x="633671" y="3123157"/>
+            <a:ext cx="341616" cy="224195"/>
+          </a:xfrm>
+          <a:prstGeom prst="rightArrow">
+            <a:avLst>
+              <a:gd fmla="val 50000" name="adj1"/>
+              <a:gd fmla="val 50000" name="adj2"/>
+            </a:avLst>
+          </a:prstGeom>
+          <a:solidFill>
+            <a:srgbClr val="1155CC"/>
+          </a:solidFill>
+          <a:ln cap="flat" cmpd="sng" w="9525">
+            <a:solidFill>
+              <a:srgbClr val="000000"/>
+            </a:solidFill>
+            <a:prstDash val="solid"/>
+            <a:round/>
+            <a:headEnd len="sm" w="sm" type="none"/>
+            <a:tailEnd len="sm" w="sm" type="none"/>
+          </a:ln>
+        </p:spPr>
+        <p:txBody>
+          <a:bodyPr anchorCtr="0" anchor="ctr" bIns="91425" lIns="91425" spcFirstLastPara="1" rIns="91425" wrap="square" tIns="91425">
+            <a:noAutofit/>
+          </a:bodyPr>
+          <a:lstStyle/>
+          <a:p>
+            <a:pPr indent="0" lvl="0" marL="0" rtl="0" algn="l">
+              <a:spcBef>
+                <a:spcPts val="0"/>
+              </a:spcBef>
+              <a:spcAft>
+                <a:spcPts val="0"/>
+              </a:spcAft>
+              <a:buNone/>
+            </a:pPr>
+            <a:r>
+              <a:t/>
+            </a:r>
+            <a:endParaRPr/>
+          </a:p>
+        </p:txBody>
+      </p:sp>
+      <p:sp>
+        <p:nvSpPr>
+          <p:cNvPr id="281" name="Google Shape;281;p32"/>
+          <p:cNvSpPr/>
+          <p:nvPr/>
+        </p:nvSpPr>
+        <p:spPr>
+          <a:xfrm>
+            <a:off x="3285834" y="2525936"/>
+            <a:ext cx="500100" cy="230700"/>
+          </a:xfrm>
+          <a:prstGeom prst="rightArrow">
+            <a:avLst>
+              <a:gd fmla="val 50000" name="adj1"/>
+              <a:gd fmla="val 50000" name="adj2"/>
+            </a:avLst>
+          </a:prstGeom>
+          <a:solidFill>
+            <a:srgbClr val="4A86E8"/>
+          </a:solidFill>
+          <a:ln cap="flat" cmpd="sng" w="9525">
+            <a:solidFill>
+              <a:srgbClr val="000000"/>
+            </a:solidFill>
+            <a:prstDash val="solid"/>
+            <a:round/>
+            <a:headEnd len="sm" w="sm" type="none"/>
+            <a:tailEnd len="sm" w="sm" type="none"/>
+          </a:ln>
+        </p:spPr>
+        <p:txBody>
+          <a:bodyPr anchorCtr="0" anchor="ctr" bIns="91425" lIns="91425" spcFirstLastPara="1" rIns="91425" wrap="square" tIns="91425">
+            <a:noAutofit/>
+          </a:bodyPr>
+          <a:lstStyle/>
+          <a:p>
+            <a:pPr indent="0" lvl="0" marL="0" rtl="0" algn="l">
+              <a:spcBef>
+                <a:spcPts val="0"/>
+              </a:spcBef>
+              <a:spcAft>
+                <a:spcPts val="0"/>
+              </a:spcAft>
+              <a:buNone/>
+            </a:pPr>
+            <a:r>
+              <a:t/>
+            </a:r>
+            <a:endParaRPr/>
+          </a:p>
+        </p:txBody>
+      </p:sp>
+      <p:sp>
+        <p:nvSpPr>
+          <p:cNvPr id="282" name="Google Shape;282;p32"/>
+          <p:cNvSpPr/>
+          <p:nvPr/>
+        </p:nvSpPr>
+        <p:spPr>
+          <a:xfrm>
+            <a:off x="4144963" y="2320675"/>
+            <a:ext cx="743700" cy="641100"/>
+          </a:xfrm>
+          <a:prstGeom prst="ellipse">
+            <a:avLst/>
+          </a:prstGeom>
+          <a:solidFill>
+            <a:srgbClr val="073763"/>
+          </a:solidFill>
+          <a:ln cap="flat" cmpd="sng" w="9525">
+            <a:solidFill>
+              <a:srgbClr val="000000"/>
+            </a:solidFill>
+            <a:prstDash val="solid"/>
+            <a:round/>
+            <a:headEnd len="sm" w="sm" type="none"/>
+            <a:tailEnd len="sm" w="sm" type="none"/>
+          </a:ln>
+        </p:spPr>
+        <p:txBody>
+          <a:bodyPr anchorCtr="0" anchor="ctr" bIns="91425" lIns="91425" spcFirstLastPara="1" rIns="91425" wrap="square" tIns="91425">
+            <a:noAutofit/>
+          </a:bodyPr>
+          <a:lstStyle/>
+          <a:p>
+            <a:pPr indent="0" lvl="0" marL="0" rtl="0" algn="ctr">
+              <a:spcBef>
+                <a:spcPts val="0"/>
+              </a:spcBef>
+              <a:spcAft>
+                <a:spcPts val="0"/>
+              </a:spcAft>
+              <a:buNone/>
+            </a:pPr>
+            <a:r>
+              <a:rPr lang="en" sz="1800">
+                <a:solidFill>
+                  <a:schemeClr val="lt1"/>
+                </a:solidFill>
+                <a:latin typeface="Times"/>
+                <a:ea typeface="Times"/>
+                <a:cs typeface="Times"/>
+                <a:sym typeface="Times"/>
+              </a:rPr>
+              <a:t>F</a:t>
+            </a:r>
+            <a:endParaRPr/>
+          </a:p>
+        </p:txBody>
+      </p:sp>
+      <p:sp>
+        <p:nvSpPr>
+          <p:cNvPr id="283" name="Google Shape;283;p32"/>
+          <p:cNvSpPr/>
+          <p:nvPr/>
+        </p:nvSpPr>
+        <p:spPr>
+          <a:xfrm>
+            <a:off x="5247394" y="2525936"/>
+            <a:ext cx="500100" cy="230700"/>
+          </a:xfrm>
+          <a:prstGeom prst="rightArrow">
+            <a:avLst>
+              <a:gd fmla="val 50000" name="adj1"/>
+              <a:gd fmla="val 50000" name="adj2"/>
+            </a:avLst>
+          </a:prstGeom>
+          <a:solidFill>
+            <a:srgbClr val="4A86E8"/>
+          </a:solidFill>
+          <a:ln cap="flat" cmpd="sng" w="9525">
+            <a:solidFill>
+              <a:srgbClr val="000000"/>
+            </a:solidFill>
+            <a:prstDash val="solid"/>
+            <a:round/>
+            <a:headEnd len="sm" w="sm" type="none"/>
+            <a:tailEnd len="sm" w="sm" type="none"/>
+          </a:ln>
+        </p:spPr>
+        <p:txBody>
+          <a:bodyPr anchorCtr="0" anchor="ctr" bIns="91425" lIns="91425" spcFirstLastPara="1" rIns="91425" wrap="square" tIns="91425">
+            <a:noAutofit/>
+          </a:bodyPr>
+          <a:lstStyle/>
+          <a:p>
+            <a:pPr indent="0" lvl="0" marL="0" rtl="0" algn="l">
+              <a:spcBef>
+                <a:spcPts val="0"/>
+              </a:spcBef>
+              <a:spcAft>
+                <a:spcPts val="0"/>
+              </a:spcAft>
+              <a:buNone/>
+            </a:pPr>
+            <a:r>
+              <a:t/>
+            </a:r>
+            <a:endParaRPr/>
+          </a:p>
+        </p:txBody>
+      </p:sp>
+      <p:sp>
+        <p:nvSpPr>
+          <p:cNvPr id="284" name="Google Shape;284;p32"/>
+          <p:cNvSpPr/>
+          <p:nvPr/>
+        </p:nvSpPr>
+        <p:spPr>
+          <a:xfrm>
+            <a:off x="6106522" y="2320675"/>
+            <a:ext cx="743700" cy="641100"/>
+          </a:xfrm>
+          <a:prstGeom prst="ellipse">
+            <a:avLst/>
+          </a:prstGeom>
+          <a:solidFill>
+            <a:srgbClr val="073763"/>
+          </a:solidFill>
+          <a:ln cap="flat" cmpd="sng" w="9525">
+            <a:solidFill>
+              <a:srgbClr val="000000"/>
+            </a:solidFill>
+            <a:prstDash val="solid"/>
+            <a:round/>
+            <a:headEnd len="sm" w="sm" type="none"/>
+            <a:tailEnd len="sm" w="sm" type="none"/>
+          </a:ln>
+        </p:spPr>
+        <p:txBody>
+          <a:bodyPr anchorCtr="0" anchor="ctr" bIns="91425" lIns="91425" spcFirstLastPara="1" rIns="91425" wrap="square" tIns="91425">
+            <a:noAutofit/>
+          </a:bodyPr>
+          <a:lstStyle/>
+          <a:p>
+            <a:pPr indent="0" lvl="0" marL="0" rtl="0" algn="ctr">
+              <a:spcBef>
+                <a:spcPts val="0"/>
+              </a:spcBef>
+              <a:spcAft>
+                <a:spcPts val="0"/>
+              </a:spcAft>
+              <a:buNone/>
+            </a:pPr>
+            <a:r>
+              <a:rPr lang="en" sz="1800">
+                <a:solidFill>
+                  <a:schemeClr val="lt1"/>
+                </a:solidFill>
+                <a:latin typeface="Times"/>
+                <a:ea typeface="Times"/>
+                <a:cs typeface="Times"/>
+                <a:sym typeface="Times"/>
+              </a:rPr>
+              <a:t>F</a:t>
+            </a:r>
+            <a:endParaRPr/>
+          </a:p>
+        </p:txBody>
+      </p:sp>
+      <p:sp>
+        <p:nvSpPr>
+          <p:cNvPr id="285" name="Google Shape;285;p32"/>
+          <p:cNvSpPr/>
+          <p:nvPr/>
+        </p:nvSpPr>
+        <p:spPr>
+          <a:xfrm rot="3914124">
+            <a:off x="2579574" y="3123157"/>
+            <a:ext cx="341616" cy="224195"/>
+          </a:xfrm>
+          <a:prstGeom prst="rightArrow">
+            <a:avLst>
+              <a:gd fmla="val 50000" name="adj1"/>
+              <a:gd fmla="val 50000" name="adj2"/>
+            </a:avLst>
+          </a:prstGeom>
+          <a:solidFill>
+            <a:srgbClr val="1155CC"/>
+          </a:solidFill>
+          <a:ln cap="flat" cmpd="sng" w="9525">
+            <a:solidFill>
+              <a:srgbClr val="000000"/>
+            </a:solidFill>
+            <a:prstDash val="solid"/>
+            <a:round/>
+            <a:headEnd len="sm" w="sm" type="none"/>
+            <a:tailEnd len="sm" w="sm" type="none"/>
+          </a:ln>
+        </p:spPr>
+        <p:txBody>
+          <a:bodyPr anchorCtr="0" anchor="ctr" bIns="91425" lIns="91425" spcFirstLastPara="1" rIns="91425" wrap="square" tIns="91425">
+            <a:noAutofit/>
+          </a:bodyPr>
+          <a:lstStyle/>
+          <a:p>
+            <a:pPr indent="0" lvl="0" marL="0" rtl="0" algn="l">
+              <a:spcBef>
+                <a:spcPts val="0"/>
+              </a:spcBef>
+              <a:spcAft>
+                <a:spcPts val="0"/>
+              </a:spcAft>
+              <a:buNone/>
+            </a:pPr>
+            <a:r>
+              <a:t/>
+            </a:r>
+            <a:endParaRPr/>
+          </a:p>
+        </p:txBody>
+      </p:sp>
+      <p:sp>
+        <p:nvSpPr>
+          <p:cNvPr id="286" name="Google Shape;286;p32"/>
+          <p:cNvSpPr/>
+          <p:nvPr/>
+        </p:nvSpPr>
+        <p:spPr>
+          <a:xfrm rot="3914124">
+            <a:off x="4541134" y="3123157"/>
+            <a:ext cx="341616" cy="224195"/>
+          </a:xfrm>
+          <a:prstGeom prst="rightArrow">
+            <a:avLst>
+              <a:gd fmla="val 50000" name="adj1"/>
+              <a:gd fmla="val 50000" name="adj2"/>
+            </a:avLst>
+          </a:prstGeom>
+          <a:solidFill>
+            <a:srgbClr val="1155CC"/>
+          </a:solidFill>
+          <a:ln cap="flat" cmpd="sng" w="9525">
+            <a:solidFill>
+              <a:srgbClr val="000000"/>
+            </a:solidFill>
+            <a:prstDash val="solid"/>
+            <a:round/>
+            <a:headEnd len="sm" w="sm" type="none"/>
+            <a:tailEnd len="sm" w="sm" type="none"/>
+          </a:ln>
+        </p:spPr>
+        <p:txBody>
+          <a:bodyPr anchorCtr="0" anchor="ctr" bIns="91425" lIns="91425" spcFirstLastPara="1" rIns="91425" wrap="square" tIns="91425">
+            <a:noAutofit/>
+          </a:bodyPr>
+          <a:lstStyle/>
+          <a:p>
+            <a:pPr indent="0" lvl="0" marL="0" rtl="0" algn="l">
+              <a:spcBef>
+                <a:spcPts val="0"/>
+              </a:spcBef>
+              <a:spcAft>
+                <a:spcPts val="0"/>
+              </a:spcAft>
+              <a:buNone/>
+            </a:pPr>
+            <a:r>
+              <a:t/>
+            </a:r>
+            <a:endParaRPr/>
+          </a:p>
+        </p:txBody>
+      </p:sp>
+      <p:sp>
+        <p:nvSpPr>
+          <p:cNvPr id="287" name="Google Shape;287;p32"/>
+          <p:cNvSpPr/>
+          <p:nvPr/>
+        </p:nvSpPr>
+        <p:spPr>
+          <a:xfrm>
+            <a:off x="2629203" y="3536022"/>
+            <a:ext cx="1157100" cy="466200"/>
+          </a:xfrm>
+          <a:prstGeom prst="ellipse">
+            <a:avLst/>
+          </a:prstGeom>
+          <a:solidFill>
+            <a:srgbClr val="CC0000"/>
+          </a:solidFill>
+          <a:ln cap="flat" cmpd="sng" w="9525">
+            <a:solidFill>
+              <a:srgbClr val="000000"/>
+            </a:solidFill>
+            <a:prstDash val="solid"/>
+            <a:round/>
+            <a:headEnd len="sm" w="sm" type="none"/>
+            <a:tailEnd len="sm" w="sm" type="none"/>
+          </a:ln>
+        </p:spPr>
+        <p:txBody>
+          <a:bodyPr anchorCtr="0" anchor="ctr" bIns="91425" lIns="91425" spcFirstLastPara="1" rIns="91425" wrap="square" tIns="91425">
+            <a:noAutofit/>
+          </a:bodyPr>
+          <a:lstStyle/>
+          <a:p>
+            <a:pPr indent="0" lvl="0" marL="0" rtl="0" algn="ctr">
+              <a:spcBef>
+                <a:spcPts val="0"/>
+              </a:spcBef>
+              <a:spcAft>
+                <a:spcPts val="0"/>
+              </a:spcAft>
+              <a:buNone/>
+            </a:pPr>
+            <a:r>
+              <a:rPr lang="en" sz="1800">
+                <a:solidFill>
+                  <a:schemeClr val="lt1"/>
+                </a:solidFill>
+                <a:latin typeface="Times"/>
+                <a:ea typeface="Times"/>
+                <a:cs typeface="Times"/>
+                <a:sym typeface="Times"/>
+              </a:rPr>
+              <a:t>A</a:t>
+            </a:r>
+            <a:endParaRPr sz="1800">
+              <a:solidFill>
+                <a:schemeClr val="lt1"/>
+              </a:solidFill>
+              <a:latin typeface="Times"/>
+              <a:ea typeface="Times"/>
+              <a:cs typeface="Times"/>
+              <a:sym typeface="Times"/>
+            </a:endParaRPr>
+          </a:p>
+        </p:txBody>
+      </p:sp>
+      <p:sp>
+        <p:nvSpPr>
+          <p:cNvPr id="288" name="Google Shape;288;p32"/>
+          <p:cNvSpPr/>
+          <p:nvPr/>
+        </p:nvSpPr>
+        <p:spPr>
+          <a:xfrm>
+            <a:off x="2644983" y="4092638"/>
+            <a:ext cx="104400" cy="724800"/>
+          </a:xfrm>
+          <a:prstGeom prst="downArrow">
+            <a:avLst>
+              <a:gd fmla="val 50000" name="adj1"/>
+              <a:gd fmla="val 50000" name="adj2"/>
+            </a:avLst>
+          </a:prstGeom>
+          <a:solidFill>
+            <a:srgbClr val="CC0000"/>
+          </a:solidFill>
+          <a:ln cap="flat" cmpd="sng" w="9525">
+            <a:solidFill>
+              <a:srgbClr val="000000"/>
+            </a:solidFill>
+            <a:prstDash val="solid"/>
+            <a:round/>
+            <a:headEnd len="sm" w="sm" type="none"/>
+            <a:tailEnd len="sm" w="sm" type="none"/>
+          </a:ln>
+        </p:spPr>
+        <p:txBody>
+          <a:bodyPr anchorCtr="0" anchor="ctr" bIns="91425" lIns="91425" spcFirstLastPara="1" rIns="91425" wrap="square" tIns="91425">
+            <a:noAutofit/>
+          </a:bodyPr>
+          <a:lstStyle/>
+          <a:p>
+            <a:pPr indent="0" lvl="0" marL="0" rtl="0" algn="l">
+              <a:spcBef>
+                <a:spcPts val="0"/>
+              </a:spcBef>
+              <a:spcAft>
+                <a:spcPts val="0"/>
+              </a:spcAft>
+              <a:buNone/>
+            </a:pPr>
+            <a:r>
+              <a:t/>
+            </a:r>
+            <a:endParaRPr/>
+          </a:p>
+        </p:txBody>
+      </p:sp>
+      <p:sp>
+        <p:nvSpPr>
+          <p:cNvPr id="289" name="Google Shape;289;p32"/>
+          <p:cNvSpPr/>
+          <p:nvPr/>
+        </p:nvSpPr>
+        <p:spPr>
+          <a:xfrm>
+            <a:off x="2884750" y="4209739"/>
+            <a:ext cx="104400" cy="724800"/>
+          </a:xfrm>
+          <a:prstGeom prst="downArrow">
+            <a:avLst>
+              <a:gd fmla="val 50000" name="adj1"/>
+              <a:gd fmla="val 50000" name="adj2"/>
+            </a:avLst>
+          </a:prstGeom>
+          <a:solidFill>
+            <a:srgbClr val="CC0000"/>
+          </a:solidFill>
+          <a:ln cap="flat" cmpd="sng" w="9525">
+            <a:solidFill>
+              <a:srgbClr val="000000"/>
+            </a:solidFill>
+            <a:prstDash val="solid"/>
+            <a:round/>
+            <a:headEnd len="sm" w="sm" type="none"/>
+            <a:tailEnd len="sm" w="sm" type="none"/>
+          </a:ln>
+        </p:spPr>
+        <p:txBody>
+          <a:bodyPr anchorCtr="0" anchor="ctr" bIns="91425" lIns="91425" spcFirstLastPara="1" rIns="91425" wrap="square" tIns="91425">
+            <a:noAutofit/>
+          </a:bodyPr>
+          <a:lstStyle/>
+          <a:p>
+            <a:pPr indent="0" lvl="0" marL="0" rtl="0" algn="l">
+              <a:spcBef>
+                <a:spcPts val="0"/>
+              </a:spcBef>
+              <a:spcAft>
+                <a:spcPts val="0"/>
+              </a:spcAft>
+              <a:buNone/>
+            </a:pPr>
+            <a:r>
+              <a:t/>
+            </a:r>
+            <a:endParaRPr/>
+          </a:p>
+        </p:txBody>
+      </p:sp>
+      <p:sp>
+        <p:nvSpPr>
+          <p:cNvPr id="290" name="Google Shape;290;p32"/>
+          <p:cNvSpPr/>
+          <p:nvPr/>
+        </p:nvSpPr>
+        <p:spPr>
+          <a:xfrm>
+            <a:off x="3283638" y="4209739"/>
+            <a:ext cx="104400" cy="724800"/>
+          </a:xfrm>
+          <a:prstGeom prst="downArrow">
+            <a:avLst>
+              <a:gd fmla="val 50000" name="adj1"/>
+              <a:gd fmla="val 50000" name="adj2"/>
+            </a:avLst>
+          </a:prstGeom>
+          <a:solidFill>
+            <a:srgbClr val="CC0000"/>
+          </a:solidFill>
+          <a:ln cap="flat" cmpd="sng" w="9525">
+            <a:solidFill>
+              <a:srgbClr val="000000"/>
+            </a:solidFill>
+            <a:prstDash val="solid"/>
+            <a:round/>
+            <a:headEnd len="sm" w="sm" type="none"/>
+            <a:tailEnd len="sm" w="sm" type="none"/>
+          </a:ln>
+        </p:spPr>
+        <p:txBody>
+          <a:bodyPr anchorCtr="0" anchor="ctr" bIns="91425" lIns="91425" spcFirstLastPara="1" rIns="91425" wrap="square" tIns="91425">
+            <a:noAutofit/>
+          </a:bodyPr>
+          <a:lstStyle/>
+          <a:p>
+            <a:pPr indent="0" lvl="0" marL="0" rtl="0" algn="l">
+              <a:spcBef>
+                <a:spcPts val="0"/>
+              </a:spcBef>
+              <a:spcAft>
+                <a:spcPts val="0"/>
+              </a:spcAft>
+              <a:buNone/>
+            </a:pPr>
+            <a:r>
+              <a:t/>
+            </a:r>
+            <a:endParaRPr/>
+          </a:p>
+        </p:txBody>
+      </p:sp>
+      <p:sp>
+        <p:nvSpPr>
+          <p:cNvPr id="291" name="Google Shape;291;p32"/>
+          <p:cNvSpPr/>
+          <p:nvPr/>
+        </p:nvSpPr>
+        <p:spPr>
+          <a:xfrm>
+            <a:off x="3564408" y="4092638"/>
+            <a:ext cx="104400" cy="724800"/>
+          </a:xfrm>
+          <a:prstGeom prst="downArrow">
+            <a:avLst>
+              <a:gd fmla="val 50000" name="adj1"/>
+              <a:gd fmla="val 50000" name="adj2"/>
+            </a:avLst>
+          </a:prstGeom>
+          <a:solidFill>
+            <a:srgbClr val="CC0000"/>
+          </a:solidFill>
+          <a:ln cap="flat" cmpd="sng" w="9525">
+            <a:solidFill>
+              <a:srgbClr val="000000"/>
+            </a:solidFill>
+            <a:prstDash val="solid"/>
+            <a:round/>
+            <a:headEnd len="sm" w="sm" type="none"/>
+            <a:tailEnd len="sm" w="sm" type="none"/>
+          </a:ln>
+        </p:spPr>
+        <p:txBody>
+          <a:bodyPr anchorCtr="0" anchor="ctr" bIns="91425" lIns="91425" spcFirstLastPara="1" rIns="91425" wrap="square" tIns="91425">
+            <a:noAutofit/>
+          </a:bodyPr>
+          <a:lstStyle/>
+          <a:p>
+            <a:pPr indent="0" lvl="0" marL="0" rtl="0" algn="l">
+              <a:spcBef>
+                <a:spcPts val="0"/>
+              </a:spcBef>
+              <a:spcAft>
+                <a:spcPts val="0"/>
+              </a:spcAft>
+              <a:buNone/>
+            </a:pPr>
+            <a:r>
+              <a:t/>
+            </a:r>
+            <a:endParaRPr/>
+          </a:p>
+        </p:txBody>
+      </p:sp>
+      <p:sp>
+        <p:nvSpPr>
+          <p:cNvPr id="292" name="Google Shape;292;p32"/>
+          <p:cNvSpPr/>
+          <p:nvPr/>
+        </p:nvSpPr>
+        <p:spPr>
+          <a:xfrm>
+            <a:off x="4590762" y="3536022"/>
+            <a:ext cx="1157100" cy="466200"/>
+          </a:xfrm>
+          <a:prstGeom prst="ellipse">
+            <a:avLst/>
+          </a:prstGeom>
+          <a:solidFill>
+            <a:srgbClr val="CC0000"/>
+          </a:solidFill>
+          <a:ln cap="flat" cmpd="sng" w="9525">
+            <a:solidFill>
+              <a:srgbClr val="000000"/>
+            </a:solidFill>
+            <a:prstDash val="solid"/>
+            <a:round/>
+            <a:headEnd len="sm" w="sm" type="none"/>
+            <a:tailEnd len="sm" w="sm" type="none"/>
+          </a:ln>
+        </p:spPr>
+        <p:txBody>
+          <a:bodyPr anchorCtr="0" anchor="ctr" bIns="91425" lIns="91425" spcFirstLastPara="1" rIns="91425" wrap="square" tIns="91425">
+            <a:noAutofit/>
+          </a:bodyPr>
+          <a:lstStyle/>
+          <a:p>
+            <a:pPr indent="0" lvl="0" marL="0" rtl="0" algn="ctr">
+              <a:spcBef>
+                <a:spcPts val="0"/>
+              </a:spcBef>
+              <a:spcAft>
+                <a:spcPts val="0"/>
+              </a:spcAft>
+              <a:buNone/>
+            </a:pPr>
+            <a:r>
+              <a:rPr lang="en" sz="1800">
+                <a:solidFill>
+                  <a:schemeClr val="lt1"/>
+                </a:solidFill>
+                <a:latin typeface="Times"/>
+                <a:ea typeface="Times"/>
+                <a:cs typeface="Times"/>
+                <a:sym typeface="Times"/>
+              </a:rPr>
+              <a:t>A</a:t>
+            </a:r>
+            <a:endParaRPr sz="1800">
+              <a:solidFill>
+                <a:schemeClr val="lt1"/>
+              </a:solidFill>
+              <a:latin typeface="Times"/>
+              <a:ea typeface="Times"/>
+              <a:cs typeface="Times"/>
+              <a:sym typeface="Times"/>
+            </a:endParaRPr>
+          </a:p>
+        </p:txBody>
+      </p:sp>
+      <p:sp>
+        <p:nvSpPr>
+          <p:cNvPr id="293" name="Google Shape;293;p32"/>
+          <p:cNvSpPr/>
+          <p:nvPr/>
+        </p:nvSpPr>
+        <p:spPr>
+          <a:xfrm>
+            <a:off x="4606542" y="4092638"/>
+            <a:ext cx="104400" cy="724800"/>
+          </a:xfrm>
+          <a:prstGeom prst="downArrow">
+            <a:avLst>
+              <a:gd fmla="val 50000" name="adj1"/>
+              <a:gd fmla="val 50000" name="adj2"/>
+            </a:avLst>
+          </a:prstGeom>
+          <a:solidFill>
+            <a:srgbClr val="CC0000"/>
+          </a:solidFill>
+          <a:ln cap="flat" cmpd="sng" w="9525">
+            <a:solidFill>
+              <a:srgbClr val="000000"/>
+            </a:solidFill>
+            <a:prstDash val="solid"/>
+            <a:round/>
+            <a:headEnd len="sm" w="sm" type="none"/>
+            <a:tailEnd len="sm" w="sm" type="none"/>
+          </a:ln>
+        </p:spPr>
+        <p:txBody>
+          <a:bodyPr anchorCtr="0" anchor="ctr" bIns="91425" lIns="91425" spcFirstLastPara="1" rIns="91425" wrap="square" tIns="91425">
+            <a:noAutofit/>
+          </a:bodyPr>
+          <a:lstStyle/>
+          <a:p>
+            <a:pPr indent="0" lvl="0" marL="0" rtl="0" algn="l">
+              <a:spcBef>
+                <a:spcPts val="0"/>
+              </a:spcBef>
+              <a:spcAft>
+                <a:spcPts val="0"/>
+              </a:spcAft>
+              <a:buNone/>
+            </a:pPr>
+            <a:r>
+              <a:t/>
+            </a:r>
+            <a:endParaRPr/>
+          </a:p>
+        </p:txBody>
+      </p:sp>
+      <p:sp>
+        <p:nvSpPr>
+          <p:cNvPr id="294" name="Google Shape;294;p32"/>
+          <p:cNvSpPr/>
+          <p:nvPr/>
+        </p:nvSpPr>
+        <p:spPr>
+          <a:xfrm>
+            <a:off x="4846310" y="4209739"/>
+            <a:ext cx="104400" cy="724800"/>
+          </a:xfrm>
+          <a:prstGeom prst="downArrow">
+            <a:avLst>
+              <a:gd fmla="val 50000" name="adj1"/>
+              <a:gd fmla="val 50000" name="adj2"/>
+            </a:avLst>
+          </a:prstGeom>
+          <a:solidFill>
+            <a:srgbClr val="CC0000"/>
+          </a:solidFill>
+          <a:ln cap="flat" cmpd="sng" w="9525">
+            <a:solidFill>
+              <a:srgbClr val="000000"/>
+            </a:solidFill>
+            <a:prstDash val="solid"/>
+            <a:round/>
+            <a:headEnd len="sm" w="sm" type="none"/>
+            <a:tailEnd len="sm" w="sm" type="none"/>
+          </a:ln>
+        </p:spPr>
+        <p:txBody>
+          <a:bodyPr anchorCtr="0" anchor="ctr" bIns="91425" lIns="91425" spcFirstLastPara="1" rIns="91425" wrap="square" tIns="91425">
+            <a:noAutofit/>
+          </a:bodyPr>
+          <a:lstStyle/>
+          <a:p>
+            <a:pPr indent="0" lvl="0" marL="0" rtl="0" algn="l">
+              <a:spcBef>
+                <a:spcPts val="0"/>
+              </a:spcBef>
+              <a:spcAft>
+                <a:spcPts val="0"/>
+              </a:spcAft>
+              <a:buNone/>
+            </a:pPr>
+            <a:r>
+              <a:t/>
+            </a:r>
+            <a:endParaRPr/>
+          </a:p>
+        </p:txBody>
+      </p:sp>
+      <p:sp>
+        <p:nvSpPr>
+          <p:cNvPr id="295" name="Google Shape;295;p32"/>
+          <p:cNvSpPr/>
+          <p:nvPr/>
+        </p:nvSpPr>
+        <p:spPr>
+          <a:xfrm>
+            <a:off x="5245198" y="4209739"/>
+            <a:ext cx="104400" cy="724800"/>
+          </a:xfrm>
+          <a:prstGeom prst="downArrow">
+            <a:avLst>
+              <a:gd fmla="val 50000" name="adj1"/>
+              <a:gd fmla="val 50000" name="adj2"/>
+            </a:avLst>
+          </a:prstGeom>
+          <a:solidFill>
+            <a:srgbClr val="CC0000"/>
+          </a:solidFill>
+          <a:ln cap="flat" cmpd="sng" w="9525">
+            <a:solidFill>
+              <a:srgbClr val="000000"/>
+            </a:solidFill>
+            <a:prstDash val="solid"/>
+            <a:round/>
+            <a:headEnd len="sm" w="sm" type="none"/>
+            <a:tailEnd len="sm" w="sm" type="none"/>
+          </a:ln>
+        </p:spPr>
+        <p:txBody>
+          <a:bodyPr anchorCtr="0" anchor="ctr" bIns="91425" lIns="91425" spcFirstLastPara="1" rIns="91425" wrap="square" tIns="91425">
+            <a:noAutofit/>
+          </a:bodyPr>
+          <a:lstStyle/>
+          <a:p>
+            <a:pPr indent="0" lvl="0" marL="0" rtl="0" algn="l">
+              <a:spcBef>
+                <a:spcPts val="0"/>
+              </a:spcBef>
+              <a:spcAft>
+                <a:spcPts val="0"/>
+              </a:spcAft>
+              <a:buNone/>
+            </a:pPr>
+            <a:r>
+              <a:t/>
+            </a:r>
+            <a:endParaRPr/>
+          </a:p>
+        </p:txBody>
+      </p:sp>
+      <p:sp>
+        <p:nvSpPr>
+          <p:cNvPr id="296" name="Google Shape;296;p32"/>
+          <p:cNvSpPr/>
+          <p:nvPr/>
+        </p:nvSpPr>
+        <p:spPr>
+          <a:xfrm>
+            <a:off x="5525968" y="4092638"/>
+            <a:ext cx="104400" cy="724800"/>
+          </a:xfrm>
+          <a:prstGeom prst="downArrow">
+            <a:avLst>
+              <a:gd fmla="val 50000" name="adj1"/>
+              <a:gd fmla="val 50000" name="adj2"/>
+            </a:avLst>
+          </a:prstGeom>
+          <a:solidFill>
+            <a:srgbClr val="CC0000"/>
+          </a:solidFill>
+          <a:ln cap="flat" cmpd="sng" w="9525">
+            <a:solidFill>
+              <a:srgbClr val="000000"/>
+            </a:solidFill>
+            <a:prstDash val="solid"/>
+            <a:round/>
+            <a:headEnd len="sm" w="sm" type="none"/>
+            <a:tailEnd len="sm" w="sm" type="none"/>
+          </a:ln>
+        </p:spPr>
+        <p:txBody>
+          <a:bodyPr anchorCtr="0" anchor="ctr" bIns="91425" lIns="91425" spcFirstLastPara="1" rIns="91425" wrap="square" tIns="91425">
+            <a:noAutofit/>
+          </a:bodyPr>
+          <a:lstStyle/>
+          <a:p>
+            <a:pPr indent="0" lvl="0" marL="0" rtl="0" algn="l">
+              <a:spcBef>
+                <a:spcPts val="0"/>
+              </a:spcBef>
+              <a:spcAft>
+                <a:spcPts val="0"/>
+              </a:spcAft>
+              <a:buNone/>
+            </a:pPr>
+            <a:r>
+              <a:t/>
+            </a:r>
+            <a:endParaRPr/>
+          </a:p>
+        </p:txBody>
+      </p:sp>
+      <p:sp>
+        <p:nvSpPr>
+          <p:cNvPr id="297" name="Google Shape;297;p32"/>
+          <p:cNvSpPr txBox="1"/>
+          <p:nvPr/>
+        </p:nvSpPr>
+        <p:spPr>
+          <a:xfrm>
+            <a:off x="6989350" y="2432657"/>
+            <a:ext cx="658200" cy="461700"/>
+          </a:xfrm>
+          <a:prstGeom prst="rect">
+            <a:avLst/>
+          </a:prstGeom>
+          <a:noFill/>
+          <a:ln>
+            <a:noFill/>
+          </a:ln>
+        </p:spPr>
+        <p:txBody>
+          <a:bodyPr anchorCtr="0" anchor="t" bIns="91425" lIns="91425" spcFirstLastPara="1" rIns="91425" wrap="square" tIns="91425">
+            <a:spAutoFit/>
+          </a:bodyPr>
+          <a:lstStyle/>
+          <a:p>
+            <a:pPr indent="0" lvl="0" marL="0" rtl="0" algn="l">
+              <a:spcBef>
+                <a:spcPts val="0"/>
+              </a:spcBef>
+              <a:spcAft>
+                <a:spcPts val="0"/>
+              </a:spcAft>
+              <a:buNone/>
+            </a:pPr>
+            <a:r>
+              <a:rPr lang="en" sz="1800">
+                <a:latin typeface="Times"/>
+                <a:ea typeface="Times"/>
+                <a:cs typeface="Times"/>
+                <a:sym typeface="Times"/>
+              </a:rPr>
+              <a:t>. . .</a:t>
+            </a:r>
+            <a:endParaRPr sz="1800">
+              <a:latin typeface="Times"/>
+              <a:ea typeface="Times"/>
+              <a:cs typeface="Times"/>
+              <a:sym typeface="Times"/>
+            </a:endParaRPr>
+          </a:p>
+        </p:txBody>
+      </p:sp>
+      <p:sp>
+        <p:nvSpPr>
+          <p:cNvPr id="298" name="Google Shape;298;p32"/>
+          <p:cNvSpPr txBox="1"/>
+          <p:nvPr/>
+        </p:nvSpPr>
+        <p:spPr>
+          <a:xfrm>
+            <a:off x="627775" y="1206450"/>
+            <a:ext cx="6596400" cy="780300"/>
+          </a:xfrm>
+          <a:prstGeom prst="rect">
+            <a:avLst/>
+          </a:prstGeom>
+          <a:noFill/>
+          <a:ln>
+            <a:noFill/>
+          </a:ln>
+        </p:spPr>
+        <p:txBody>
+          <a:bodyPr anchorCtr="0" anchor="t" bIns="91425" lIns="91425" spcFirstLastPara="1" rIns="91425" wrap="square" tIns="91425">
+            <a:spAutoFit/>
+          </a:bodyPr>
+          <a:lstStyle/>
+          <a:p>
+            <a:pPr indent="-342900" lvl="0" marL="457200" rtl="0" algn="l">
+              <a:lnSpc>
+                <a:spcPct val="115000"/>
+              </a:lnSpc>
+              <a:spcBef>
+                <a:spcPts val="0"/>
+              </a:spcBef>
+              <a:spcAft>
+                <a:spcPts val="0"/>
+              </a:spcAft>
+              <a:buSzPts val="1800"/>
+              <a:buFont typeface="Karla"/>
+              <a:buChar char="●"/>
+            </a:pPr>
+            <a:r>
+              <a:rPr lang="en" sz="1800">
+                <a:latin typeface="Times"/>
+                <a:ea typeface="Times"/>
+                <a:cs typeface="Times"/>
+                <a:sym typeface="Times"/>
+              </a:rPr>
+              <a:t>Attaccante</a:t>
+            </a:r>
+            <a:r>
+              <a:rPr i="1" lang="en" sz="1800">
+                <a:latin typeface="Karla"/>
+                <a:ea typeface="Karla"/>
+                <a:cs typeface="Karla"/>
+                <a:sym typeface="Karla"/>
+              </a:rPr>
+              <a:t>: 1DiRy9Giiq1GCkAD7VMSrXoKVe2dimnovm</a:t>
+            </a:r>
+            <a:r>
+              <a:rPr lang="en" sz="1800">
+                <a:latin typeface="Karla"/>
+                <a:ea typeface="Karla"/>
+                <a:cs typeface="Karla"/>
+                <a:sym typeface="Karla"/>
+              </a:rPr>
+              <a:t>;</a:t>
+            </a:r>
+            <a:endParaRPr sz="1800">
+              <a:latin typeface="Karla"/>
+              <a:ea typeface="Karla"/>
+              <a:cs typeface="Karla"/>
+              <a:sym typeface="Karla"/>
+            </a:endParaRPr>
+          </a:p>
+          <a:p>
+            <a:pPr indent="-342900" lvl="0" marL="457200" rtl="0" algn="l">
+              <a:lnSpc>
+                <a:spcPct val="115000"/>
+              </a:lnSpc>
+              <a:spcBef>
+                <a:spcPts val="0"/>
+              </a:spcBef>
+              <a:spcAft>
+                <a:spcPts val="0"/>
+              </a:spcAft>
+              <a:buSzPts val="1800"/>
+              <a:buFont typeface="Karla"/>
+              <a:buChar char="●"/>
+            </a:pPr>
+            <a:r>
+              <a:rPr lang="en" sz="1800">
+                <a:latin typeface="Times"/>
+                <a:ea typeface="Times"/>
+                <a:cs typeface="Times"/>
+                <a:sym typeface="Times"/>
+              </a:rPr>
+              <a:t>Finanziatore</a:t>
+            </a:r>
+            <a:r>
+              <a:rPr i="1" lang="en" sz="1800">
+                <a:latin typeface="Karla"/>
+                <a:ea typeface="Karla"/>
+                <a:cs typeface="Karla"/>
+                <a:sym typeface="Karla"/>
+              </a:rPr>
+              <a:t>: </a:t>
+            </a:r>
+            <a:r>
+              <a:rPr i="1" lang="en" sz="1800">
+                <a:latin typeface="Times"/>
+                <a:ea typeface="Times"/>
+                <a:cs typeface="Times"/>
+                <a:sym typeface="Times"/>
+              </a:rPr>
+              <a:t>1Nj3AsYfhHC4zVv1HHH4FzsYWeZSeVC8vj</a:t>
+            </a:r>
+            <a:r>
+              <a:rPr lang="en" sz="1800">
+                <a:latin typeface="Times"/>
+                <a:ea typeface="Times"/>
+                <a:cs typeface="Times"/>
+                <a:sym typeface="Times"/>
+              </a:rPr>
+              <a:t>.</a:t>
+            </a:r>
+            <a:endParaRPr sz="1800">
+              <a:latin typeface="Times"/>
+              <a:ea typeface="Times"/>
+              <a:cs typeface="Times"/>
+              <a:sym typeface="Times"/>
+            </a:endParaRPr>
+          </a:p>
+        </p:txBody>
+      </p:sp>
     </p:spTree>
   </p:cSld>
   <p:clrMapOvr>
@@ -11781,7 +14916,7 @@
         </p:nvSpPr>
         <p:spPr>
           <a:xfrm>
-            <a:off x="872537" y="463025"/>
+            <a:off x="872537" y="231513"/>
             <a:ext cx="4641300" cy="409500"/>
           </a:xfrm>
           <a:prstGeom prst="rect">
@@ -11887,7 +15022,7 @@
     </p:bg>
     <p:spTree>
       <p:nvGrpSpPr>
-        <p:cNvPr id="261" name="Shape 261"/>
+        <p:cNvPr id="302" name="Shape 302"/>
         <p:cNvGrpSpPr/>
         <p:nvPr/>
       </p:nvGrpSpPr>
@@ -11901,7 +15036,7 @@
       </p:grpSpPr>
       <p:sp>
         <p:nvSpPr>
-          <p:cNvPr id="262" name="Google Shape;262;p33"/>
+          <p:cNvPr id="303" name="Google Shape;303;p33"/>
           <p:cNvSpPr txBox="1"/>
           <p:nvPr>
             <p:ph type="title"/>
@@ -11909,8 +15044,8 @@
         </p:nvSpPr>
         <p:spPr>
           <a:xfrm>
-            <a:off x="872525" y="74650"/>
-            <a:ext cx="4801500" cy="974400"/>
+            <a:off x="872525" y="142500"/>
+            <a:ext cx="4801500" cy="954000"/>
           </a:xfrm>
           <a:prstGeom prst="rect">
             <a:avLst/>
@@ -11941,7 +15076,7 @@
                 <a:cs typeface="Times"/>
                 <a:sym typeface="Times"/>
               </a:rPr>
-              <a:t>Pattern: Un finanziatore un attaccante</a:t>
+              <a:t>Pattern: Un finanziatore più attaccanti</a:t>
             </a:r>
             <a:endParaRPr sz="3000">
               <a:solidFill>
@@ -11957,7 +15092,7 @@
       </p:sp>
       <p:pic>
         <p:nvPicPr>
-          <p:cNvPr id="263" name="Google Shape;263;p33"/>
+          <p:cNvPr id="304" name="Google Shape;304;p33"/>
           <p:cNvPicPr preferRelativeResize="0"/>
           <p:nvPr/>
         </p:nvPicPr>
@@ -12003,7 +15138,7 @@
     </p:bg>
     <p:spTree>
       <p:nvGrpSpPr>
-        <p:cNvPr id="267" name="Shape 267"/>
+        <p:cNvPr id="308" name="Shape 308"/>
         <p:cNvGrpSpPr/>
         <p:nvPr/>
       </p:nvGrpSpPr>
@@ -12017,123 +15152,7 @@
       </p:grpSpPr>
       <p:sp>
         <p:nvSpPr>
-          <p:cNvPr id="268" name="Google Shape;268;p34"/>
-          <p:cNvSpPr txBox="1"/>
-          <p:nvPr>
-            <p:ph type="title"/>
-          </p:nvPr>
-        </p:nvSpPr>
-        <p:spPr>
-          <a:xfrm>
-            <a:off x="872525" y="142500"/>
-            <a:ext cx="4801500" cy="954000"/>
-          </a:xfrm>
-          <a:prstGeom prst="rect">
-            <a:avLst/>
-          </a:prstGeom>
-        </p:spPr>
-        <p:txBody>
-          <a:bodyPr anchorCtr="0" anchor="b" bIns="91425" lIns="91425" spcFirstLastPara="1" rIns="91425" wrap="square" tIns="91425">
-            <a:noAutofit/>
-          </a:bodyPr>
-          <a:lstStyle/>
-          <a:p>
-            <a:pPr indent="0" lvl="0" marL="0" rtl="0" algn="ctr">
-              <a:spcBef>
-                <a:spcPts val="0"/>
-              </a:spcBef>
-              <a:spcAft>
-                <a:spcPts val="0"/>
-              </a:spcAft>
-              <a:buNone/>
-            </a:pPr>
-            <a:r>
-              <a:rPr lang="en" sz="3000">
-                <a:solidFill>
-                  <a:srgbClr val="061D55"/>
-                </a:solidFill>
-                <a:latin typeface="Times"/>
-                <a:ea typeface="Times"/>
-                <a:cs typeface="Times"/>
-                <a:sym typeface="Times"/>
-              </a:rPr>
-              <a:t>Pattern: Un finanziatore più attaccanti</a:t>
-            </a:r>
-            <a:endParaRPr sz="3000">
-              <a:solidFill>
-                <a:srgbClr val="061D55"/>
-              </a:solidFill>
-              <a:latin typeface="Times"/>
-              <a:ea typeface="Times"/>
-              <a:cs typeface="Times"/>
-              <a:sym typeface="Times"/>
-            </a:endParaRPr>
-          </a:p>
-        </p:txBody>
-      </p:sp>
-      <p:pic>
-        <p:nvPicPr>
-          <p:cNvPr id="269" name="Google Shape;269;p34"/>
-          <p:cNvPicPr preferRelativeResize="0"/>
-          <p:nvPr/>
-        </p:nvPicPr>
-        <p:blipFill>
-          <a:blip r:embed="rId3">
-            <a:alphaModFix/>
-          </a:blip>
-          <a:stretch>
-            <a:fillRect/>
-          </a:stretch>
-        </p:blipFill>
-        <p:spPr>
-          <a:xfrm>
-            <a:off x="0" y="2"/>
-            <a:ext cx="872525" cy="872525"/>
-          </a:xfrm>
-          <a:prstGeom prst="rect">
-            <a:avLst/>
-          </a:prstGeom>
-          <a:noFill/>
-          <a:ln>
-            <a:noFill/>
-          </a:ln>
-        </p:spPr>
-      </p:pic>
-    </p:spTree>
-  </p:cSld>
-  <p:clrMapOvr>
-    <a:masterClrMapping/>
-  </p:clrMapOvr>
-</p:sld>
-</file>
-
-<file path=ppt/slides/slide22.xml><?xml version="1.0" encoding="utf-8"?>
-<p:sld xmlns:a="http://schemas.openxmlformats.org/drawingml/2006/main" xmlns:r="http://schemas.openxmlformats.org/officeDocument/2006/relationships" xmlns:mc="http://schemas.openxmlformats.org/markup-compatibility/2006" xmlns:mv="urn:schemas-microsoft-com:mac:vml" xmlns:p="http://schemas.openxmlformats.org/presentationml/2006/main" xmlns:c="http://schemas.openxmlformats.org/drawingml/2006/chart" xmlns:dgm="http://schemas.openxmlformats.org/drawingml/2006/diagram" xmlns:o="urn:schemas-microsoft-com:office:office" xmlns:v="urn:schemas-microsoft-com:vml" xmlns:pvml="urn:schemas-microsoft-com:office:powerpoint" xmlns:com="http://schemas.openxmlformats.org/drawingml/2006/compatibility" xmlns:p14="http://schemas.microsoft.com/office/powerpoint/2010/main" xmlns:p15="http://schemas.microsoft.com/office/powerpoint/2012/main" xmlns:ahyp="http://schemas.microsoft.com/office/drawing/2018/hyperlinkcolor">
-  <p:cSld>
-    <p:bg>
-      <p:bgPr>
-        <a:solidFill>
-          <a:srgbClr val="073763"/>
-        </a:solidFill>
-      </p:bgPr>
-    </p:bg>
-    <p:spTree>
-      <p:nvGrpSpPr>
-        <p:cNvPr id="273" name="Shape 273"/>
-        <p:cNvGrpSpPr/>
-        <p:nvPr/>
-      </p:nvGrpSpPr>
-      <p:grpSpPr>
-        <a:xfrm>
-          <a:off x="0" y="0"/>
-          <a:ext cx="0" cy="0"/>
-          <a:chOff x="0" y="0"/>
-          <a:chExt cx="0" cy="0"/>
-        </a:xfrm>
-      </p:grpSpPr>
-      <p:sp>
-        <p:nvSpPr>
-          <p:cNvPr id="274" name="Google Shape;274;p35"/>
+          <p:cNvPr id="309" name="Google Shape;309;p34"/>
           <p:cNvSpPr txBox="1"/>
           <p:nvPr>
             <p:ph type="title"/>
@@ -12189,7 +15208,7 @@
       </p:sp>
       <p:pic>
         <p:nvPicPr>
-          <p:cNvPr id="275" name="Google Shape;275;p35"/>
+          <p:cNvPr id="310" name="Google Shape;310;p34"/>
           <p:cNvPicPr preferRelativeResize="0"/>
           <p:nvPr/>
         </p:nvPicPr>
@@ -12257,7 +15276,7 @@
         </p:nvSpPr>
         <p:spPr>
           <a:xfrm>
-            <a:off x="872525" y="463025"/>
+            <a:off x="872525" y="231513"/>
             <a:ext cx="4801500" cy="409500"/>
           </a:xfrm>
           <a:prstGeom prst="rect">
@@ -12538,7 +15557,7 @@
         </p:nvSpPr>
         <p:spPr>
           <a:xfrm>
-            <a:off x="872525" y="463025"/>
+            <a:off x="872525" y="231513"/>
             <a:ext cx="4801500" cy="409500"/>
           </a:xfrm>
           <a:prstGeom prst="rect">
@@ -12620,7 +15639,7 @@
         </p:nvSpPr>
         <p:spPr>
           <a:xfrm>
-            <a:off x="872525" y="1063350"/>
+            <a:off x="872525" y="1371150"/>
             <a:ext cx="6048900" cy="2401200"/>
           </a:xfrm>
           <a:prstGeom prst="rect">
@@ -12858,7 +15877,7 @@
         </p:nvSpPr>
         <p:spPr>
           <a:xfrm>
-            <a:off x="872525" y="463025"/>
+            <a:off x="872525" y="231513"/>
             <a:ext cx="4801500" cy="409500"/>
           </a:xfrm>
           <a:prstGeom prst="rect">
@@ -12941,7 +15960,7 @@
         <p:spPr>
           <a:xfrm>
             <a:off x="872525" y="1031400"/>
-            <a:ext cx="6015000" cy="3814200"/>
+            <a:ext cx="6015000" cy="3675600"/>
           </a:xfrm>
           <a:prstGeom prst="rect">
             <a:avLst/>
@@ -13147,26 +16166,6 @@
             <a:r>
               <a:t/>
             </a:r>
-            <a:endParaRPr i="1" sz="1800">
-              <a:latin typeface="Times"/>
-              <a:ea typeface="Times"/>
-              <a:cs typeface="Times"/>
-              <a:sym typeface="Times"/>
-            </a:endParaRPr>
-          </a:p>
-          <a:p>
-            <a:pPr indent="0" lvl="0" marL="0" rtl="0" algn="l">
-              <a:spcBef>
-                <a:spcPts val="0"/>
-              </a:spcBef>
-              <a:spcAft>
-                <a:spcPts val="0"/>
-              </a:spcAft>
-              <a:buNone/>
-            </a:pPr>
-            <a:r>
-              <a:t/>
-            </a:r>
             <a:endParaRPr sz="1800">
               <a:latin typeface="Times"/>
               <a:ea typeface="Times"/>
@@ -13176,6 +16175,9 @@
           </a:p>
           <a:p>
             <a:pPr indent="-342900" lvl="0" marL="457200" rtl="0" algn="l">
+              <a:lnSpc>
+                <a:spcPct val="150000"/>
+              </a:lnSpc>
               <a:spcBef>
                 <a:spcPts val="0"/>
               </a:spcBef>
@@ -13339,7 +16341,7 @@
         </p:nvSpPr>
         <p:spPr>
           <a:xfrm>
-            <a:off x="872525" y="463013"/>
+            <a:off x="872525" y="231500"/>
             <a:ext cx="4801500" cy="409500"/>
           </a:xfrm>
           <a:prstGeom prst="rect">
@@ -14492,7 +17494,7 @@
         </p:nvSpPr>
         <p:spPr>
           <a:xfrm>
-            <a:off x="872525" y="463025"/>
+            <a:off x="872525" y="231513"/>
             <a:ext cx="4801500" cy="409500"/>
           </a:xfrm>
           <a:prstGeom prst="rect">
@@ -15347,7 +18349,7 @@
         </p:nvSpPr>
         <p:spPr>
           <a:xfrm>
-            <a:off x="872525" y="463025"/>
+            <a:off x="872525" y="231513"/>
             <a:ext cx="4801500" cy="409500"/>
           </a:xfrm>
           <a:prstGeom prst="rect">
@@ -16124,7 +19126,7 @@
         </p:nvSpPr>
         <p:spPr>
           <a:xfrm>
-            <a:off x="872525" y="463025"/>
+            <a:off x="872525" y="231513"/>
             <a:ext cx="4801500" cy="409500"/>
           </a:xfrm>
           <a:prstGeom prst="rect">
@@ -16818,6 +19820,285 @@
 </file>
 
 <file path=ppt/theme/theme1.xml><?xml version="1.0" encoding="utf-8"?>
+<a:theme xmlns:a="http://schemas.openxmlformats.org/drawingml/2006/main" xmlns:r="http://schemas.openxmlformats.org/officeDocument/2006/relationships" name="Arviragus template">
+  <a:themeElements>
+    <a:clrScheme name="Custom 347">
+      <a:dk1>
+        <a:srgbClr val="666666"/>
+      </a:dk1>
+      <a:lt1>
+        <a:srgbClr val="FFFFFF"/>
+      </a:lt1>
+      <a:dk2>
+        <a:srgbClr val="999999"/>
+      </a:dk2>
+      <a:lt2>
+        <a:srgbClr val="DCE2E7"/>
+      </a:lt2>
+      <a:accent1>
+        <a:srgbClr val="8BC34A"/>
+      </a:accent1>
+      <a:accent2>
+        <a:srgbClr val="00BCD4"/>
+      </a:accent2>
+      <a:accent3>
+        <a:srgbClr val="9C27B0"/>
+      </a:accent3>
+      <a:accent4>
+        <a:srgbClr val="E91E63"/>
+      </a:accent4>
+      <a:accent5>
+        <a:srgbClr val="FF9800"/>
+      </a:accent5>
+      <a:accent6>
+        <a:srgbClr val="FFEB3B"/>
+      </a:accent6>
+      <a:hlink>
+        <a:srgbClr val="2196F3"/>
+      </a:hlink>
+      <a:folHlink>
+        <a:srgbClr val="6611CC"/>
+      </a:folHlink>
+    </a:clrScheme>
+    <a:fontScheme name="Office">
+      <a:majorFont>
+        <a:latin typeface="Arial"/>
+        <a:ea typeface=""/>
+        <a:cs typeface=""/>
+        <a:font script="Jpan" typeface="ＭＳ Ｐゴシック"/>
+        <a:font script="Hang" typeface="맑은 고딕"/>
+        <a:font script="Hans" typeface="宋体"/>
+        <a:font script="Hant" typeface="新細明體"/>
+        <a:font script="Arab" typeface="Times New Roman"/>
+        <a:font script="Hebr" typeface="Times New Roman"/>
+        <a:font script="Thai" typeface="Angsana New"/>
+        <a:font script="Ethi" typeface="Nyala"/>
+        <a:font script="Beng" typeface="Vrinda"/>
+        <a:font script="Gujr" typeface="Shruti"/>
+        <a:font script="Khmr" typeface="MoolBoran"/>
+        <a:font script="Knda" typeface="Tunga"/>
+        <a:font script="Guru" typeface="Raavi"/>
+        <a:font script="Cans" typeface="Euphemia"/>
+        <a:font script="Cher" typeface="Plantagenet Cherokee"/>
+        <a:font script="Yiii" typeface="Microsoft Yi Baiti"/>
+        <a:font script="Tibt" typeface="Microsoft Himalaya"/>
+        <a:font script="Thaa" typeface="MV Boli"/>
+        <a:font script="Deva" typeface="Mangal"/>
+        <a:font script="Telu" typeface="Gautami"/>
+        <a:font script="Taml" typeface="Latha"/>
+        <a:font script="Syrc" typeface="Estrangelo Edessa"/>
+        <a:font script="Orya" typeface="Kalinga"/>
+        <a:font script="Mlym" typeface="Kartika"/>
+        <a:font script="Laoo" typeface="DokChampa"/>
+        <a:font script="Sinh" typeface="Iskoola Pota"/>
+        <a:font script="Mong" typeface="Mongolian Baiti"/>
+        <a:font script="Viet" typeface="Times New Roman"/>
+        <a:font script="Uigh" typeface="Microsoft Uighur"/>
+        <a:font script="Geor" typeface="Sylfaen"/>
+      </a:majorFont>
+      <a:minorFont>
+        <a:latin typeface="Arial"/>
+        <a:ea typeface=""/>
+        <a:cs typeface=""/>
+        <a:font script="Jpan" typeface="ＭＳ Ｐゴシック"/>
+        <a:font script="Hang" typeface="맑은 고딕"/>
+        <a:font script="Hans" typeface="宋体"/>
+        <a:font script="Hant" typeface="新細明體"/>
+        <a:font script="Arab" typeface="Arial"/>
+        <a:font script="Hebr" typeface="Arial"/>
+        <a:font script="Thai" typeface="Cordia New"/>
+        <a:font script="Ethi" typeface="Nyala"/>
+        <a:font script="Beng" typeface="Vrinda"/>
+        <a:font script="Gujr" typeface="Shruti"/>
+        <a:font script="Khmr" typeface="DaunPenh"/>
+        <a:font script="Knda" typeface="Tunga"/>
+        <a:font script="Guru" typeface="Raavi"/>
+        <a:font script="Cans" typeface="Euphemia"/>
+        <a:font script="Cher" typeface="Plantagenet Cherokee"/>
+        <a:font script="Yiii" typeface="Microsoft Yi Baiti"/>
+        <a:font script="Tibt" typeface="Microsoft Himalaya"/>
+        <a:font script="Thaa" typeface="MV Boli"/>
+        <a:font script="Deva" typeface="Mangal"/>
+        <a:font script="Telu" typeface="Gautami"/>
+        <a:font script="Taml" typeface="Latha"/>
+        <a:font script="Syrc" typeface="Estrangelo Edessa"/>
+        <a:font script="Orya" typeface="Kalinga"/>
+        <a:font script="Mlym" typeface="Kartika"/>
+        <a:font script="Laoo" typeface="DokChampa"/>
+        <a:font script="Sinh" typeface="Iskoola Pota"/>
+        <a:font script="Mong" typeface="Mongolian Baiti"/>
+        <a:font script="Viet" typeface="Arial"/>
+        <a:font script="Uigh" typeface="Microsoft Uighur"/>
+        <a:font script="Geor" typeface="Sylfaen"/>
+      </a:minorFont>
+    </a:fontScheme>
+    <a:fmtScheme name="Office">
+      <a:fillStyleLst>
+        <a:solidFill>
+          <a:schemeClr val="phClr"/>
+        </a:solidFill>
+        <a:gradFill rotWithShape="1">
+          <a:gsLst>
+            <a:gs pos="0">
+              <a:schemeClr val="phClr">
+                <a:tint val="50000"/>
+                <a:satMod val="300000"/>
+              </a:schemeClr>
+            </a:gs>
+            <a:gs pos="35000">
+              <a:schemeClr val="phClr">
+                <a:tint val="37000"/>
+                <a:satMod val="300000"/>
+              </a:schemeClr>
+            </a:gs>
+            <a:gs pos="100000">
+              <a:schemeClr val="phClr">
+                <a:tint val="15000"/>
+                <a:satMod val="350000"/>
+              </a:schemeClr>
+            </a:gs>
+          </a:gsLst>
+          <a:lin ang="16200000" scaled="1"/>
+        </a:gradFill>
+        <a:gradFill rotWithShape="1">
+          <a:gsLst>
+            <a:gs pos="0">
+              <a:schemeClr val="phClr">
+                <a:tint val="100000"/>
+                <a:shade val="100000"/>
+                <a:satMod val="130000"/>
+              </a:schemeClr>
+            </a:gs>
+            <a:gs pos="100000">
+              <a:schemeClr val="phClr">
+                <a:tint val="50000"/>
+                <a:shade val="100000"/>
+                <a:satMod val="350000"/>
+              </a:schemeClr>
+            </a:gs>
+          </a:gsLst>
+          <a:lin ang="16200000" scaled="0"/>
+        </a:gradFill>
+      </a:fillStyleLst>
+      <a:lnStyleLst>
+        <a:ln w="9525" cap="flat" cmpd="sng" algn="ctr">
+          <a:solidFill>
+            <a:schemeClr val="phClr">
+              <a:shade val="95000"/>
+              <a:satMod val="105000"/>
+            </a:schemeClr>
+          </a:solidFill>
+          <a:prstDash val="solid"/>
+        </a:ln>
+        <a:ln w="25400" cap="flat" cmpd="sng" algn="ctr">
+          <a:solidFill>
+            <a:schemeClr val="phClr"/>
+          </a:solidFill>
+          <a:prstDash val="solid"/>
+        </a:ln>
+        <a:ln w="38100" cap="flat" cmpd="sng" algn="ctr">
+          <a:solidFill>
+            <a:schemeClr val="phClr"/>
+          </a:solidFill>
+          <a:prstDash val="solid"/>
+        </a:ln>
+      </a:lnStyleLst>
+      <a:effectStyleLst>
+        <a:effectStyle>
+          <a:effectLst>
+            <a:outerShdw blurRad="40000" dist="20000" dir="5400000" rotWithShape="0">
+              <a:srgbClr val="000000">
+                <a:alpha val="38000"/>
+              </a:srgbClr>
+            </a:outerShdw>
+          </a:effectLst>
+        </a:effectStyle>
+        <a:effectStyle>
+          <a:effectLst>
+            <a:outerShdw blurRad="40000" dist="23000" dir="5400000" rotWithShape="0">
+              <a:srgbClr val="000000">
+                <a:alpha val="35000"/>
+              </a:srgbClr>
+            </a:outerShdw>
+          </a:effectLst>
+        </a:effectStyle>
+        <a:effectStyle>
+          <a:effectLst>
+            <a:outerShdw blurRad="40000" dist="23000" dir="5400000" rotWithShape="0">
+              <a:srgbClr val="000000">
+                <a:alpha val="35000"/>
+              </a:srgbClr>
+            </a:outerShdw>
+          </a:effectLst>
+          <a:scene3d>
+            <a:camera prst="orthographicFront">
+              <a:rot lat="0" lon="0" rev="0"/>
+            </a:camera>
+            <a:lightRig rig="threePt" dir="t">
+              <a:rot lat="0" lon="0" rev="1200000"/>
+            </a:lightRig>
+          </a:scene3d>
+          <a:sp3d>
+            <a:bevelT w="63500" h="25400"/>
+          </a:sp3d>
+        </a:effectStyle>
+      </a:effectStyleLst>
+      <a:bgFillStyleLst>
+        <a:solidFill>
+          <a:schemeClr val="phClr"/>
+        </a:solidFill>
+        <a:gradFill rotWithShape="1">
+          <a:gsLst>
+            <a:gs pos="0">
+              <a:schemeClr val="phClr">
+                <a:tint val="40000"/>
+                <a:satMod val="350000"/>
+              </a:schemeClr>
+            </a:gs>
+            <a:gs pos="40000">
+              <a:schemeClr val="phClr">
+                <a:tint val="45000"/>
+                <a:shade val="99000"/>
+                <a:satMod val="350000"/>
+              </a:schemeClr>
+            </a:gs>
+            <a:gs pos="100000">
+              <a:schemeClr val="phClr">
+                <a:shade val="20000"/>
+                <a:satMod val="255000"/>
+              </a:schemeClr>
+            </a:gs>
+          </a:gsLst>
+          <a:path path="circle">
+            <a:fillToRect l="50000" t="-80000" r="50000" b="180000"/>
+          </a:path>
+        </a:gradFill>
+        <a:gradFill rotWithShape="1">
+          <a:gsLst>
+            <a:gs pos="0">
+              <a:schemeClr val="phClr">
+                <a:tint val="80000"/>
+                <a:satMod val="300000"/>
+              </a:schemeClr>
+            </a:gs>
+            <a:gs pos="100000">
+              <a:schemeClr val="phClr">
+                <a:shade val="30000"/>
+                <a:satMod val="200000"/>
+              </a:schemeClr>
+            </a:gs>
+          </a:gsLst>
+          <a:path path="circle">
+            <a:fillToRect l="50000" t="50000" r="50000" b="50000"/>
+          </a:path>
+        </a:gradFill>
+      </a:bgFillStyleLst>
+    </a:fmtScheme>
+  </a:themeElements>
+</a:theme>
+</file>
+
+<file path=ppt/theme/theme2.xml><?xml version="1.0" encoding="utf-8"?>
 <a:theme xmlns:a="http://schemas.openxmlformats.org/drawingml/2006/main" xmlns:r="http://schemas.openxmlformats.org/officeDocument/2006/relationships">
   <a:themeElements>
     <a:clrScheme name="Default">
@@ -17094,283 +20375,4 @@
     </a:fmtScheme>
   </a:themeElements>
 </a:theme>
-</file>
-
-<file path=ppt/theme/theme2.xml><?xml version="1.0" encoding="utf-8"?>
-<a:theme xmlns:a="http://schemas.openxmlformats.org/drawingml/2006/main" xmlns:r="http://schemas.openxmlformats.org/officeDocument/2006/relationships" name="Arviragus template">
-  <a:themeElements>
-    <a:clrScheme name="Custom 347">
-      <a:dk1>
-        <a:srgbClr val="666666"/>
-      </a:dk1>
-      <a:lt1>
-        <a:srgbClr val="FFFFFF"/>
-      </a:lt1>
-      <a:dk2>
-        <a:srgbClr val="999999"/>
-      </a:dk2>
-      <a:lt2>
-        <a:srgbClr val="DCE2E7"/>
-      </a:lt2>
-      <a:accent1>
-        <a:srgbClr val="8BC34A"/>
-      </a:accent1>
-      <a:accent2>
-        <a:srgbClr val="00BCD4"/>
-      </a:accent2>
-      <a:accent3>
-        <a:srgbClr val="9C27B0"/>
-      </a:accent3>
-      <a:accent4>
-        <a:srgbClr val="E91E63"/>
-      </a:accent4>
-      <a:accent5>
-        <a:srgbClr val="FF9800"/>
-      </a:accent5>
-      <a:accent6>
-        <a:srgbClr val="FFEB3B"/>
-      </a:accent6>
-      <a:hlink>
-        <a:srgbClr val="2196F3"/>
-      </a:hlink>
-      <a:folHlink>
-        <a:srgbClr val="6611CC"/>
-      </a:folHlink>
-    </a:clrScheme>
-    <a:fontScheme name="Office">
-      <a:majorFont>
-        <a:latin typeface="Arial"/>
-        <a:ea typeface=""/>
-        <a:cs typeface=""/>
-        <a:font script="Jpan" typeface="ＭＳ Ｐゴシック"/>
-        <a:font script="Hang" typeface="맑은 고딕"/>
-        <a:font script="Hans" typeface="宋体"/>
-        <a:font script="Hant" typeface="新細明體"/>
-        <a:font script="Arab" typeface="Times New Roman"/>
-        <a:font script="Hebr" typeface="Times New Roman"/>
-        <a:font script="Thai" typeface="Angsana New"/>
-        <a:font script="Ethi" typeface="Nyala"/>
-        <a:font script="Beng" typeface="Vrinda"/>
-        <a:font script="Gujr" typeface="Shruti"/>
-        <a:font script="Khmr" typeface="MoolBoran"/>
-        <a:font script="Knda" typeface="Tunga"/>
-        <a:font script="Guru" typeface="Raavi"/>
-        <a:font script="Cans" typeface="Euphemia"/>
-        <a:font script="Cher" typeface="Plantagenet Cherokee"/>
-        <a:font script="Yiii" typeface="Microsoft Yi Baiti"/>
-        <a:font script="Tibt" typeface="Microsoft Himalaya"/>
-        <a:font script="Thaa" typeface="MV Boli"/>
-        <a:font script="Deva" typeface="Mangal"/>
-        <a:font script="Telu" typeface="Gautami"/>
-        <a:font script="Taml" typeface="Latha"/>
-        <a:font script="Syrc" typeface="Estrangelo Edessa"/>
-        <a:font script="Orya" typeface="Kalinga"/>
-        <a:font script="Mlym" typeface="Kartika"/>
-        <a:font script="Laoo" typeface="DokChampa"/>
-        <a:font script="Sinh" typeface="Iskoola Pota"/>
-        <a:font script="Mong" typeface="Mongolian Baiti"/>
-        <a:font script="Viet" typeface="Times New Roman"/>
-        <a:font script="Uigh" typeface="Microsoft Uighur"/>
-        <a:font script="Geor" typeface="Sylfaen"/>
-      </a:majorFont>
-      <a:minorFont>
-        <a:latin typeface="Arial"/>
-        <a:ea typeface=""/>
-        <a:cs typeface=""/>
-        <a:font script="Jpan" typeface="ＭＳ Ｐゴシック"/>
-        <a:font script="Hang" typeface="맑은 고딕"/>
-        <a:font script="Hans" typeface="宋体"/>
-        <a:font script="Hant" typeface="新細明體"/>
-        <a:font script="Arab" typeface="Arial"/>
-        <a:font script="Hebr" typeface="Arial"/>
-        <a:font script="Thai" typeface="Cordia New"/>
-        <a:font script="Ethi" typeface="Nyala"/>
-        <a:font script="Beng" typeface="Vrinda"/>
-        <a:font script="Gujr" typeface="Shruti"/>
-        <a:font script="Khmr" typeface="DaunPenh"/>
-        <a:font script="Knda" typeface="Tunga"/>
-        <a:font script="Guru" typeface="Raavi"/>
-        <a:font script="Cans" typeface="Euphemia"/>
-        <a:font script="Cher" typeface="Plantagenet Cherokee"/>
-        <a:font script="Yiii" typeface="Microsoft Yi Baiti"/>
-        <a:font script="Tibt" typeface="Microsoft Himalaya"/>
-        <a:font script="Thaa" typeface="MV Boli"/>
-        <a:font script="Deva" typeface="Mangal"/>
-        <a:font script="Telu" typeface="Gautami"/>
-        <a:font script="Taml" typeface="Latha"/>
-        <a:font script="Syrc" typeface="Estrangelo Edessa"/>
-        <a:font script="Orya" typeface="Kalinga"/>
-        <a:font script="Mlym" typeface="Kartika"/>
-        <a:font script="Laoo" typeface="DokChampa"/>
-        <a:font script="Sinh" typeface="Iskoola Pota"/>
-        <a:font script="Mong" typeface="Mongolian Baiti"/>
-        <a:font script="Viet" typeface="Arial"/>
-        <a:font script="Uigh" typeface="Microsoft Uighur"/>
-        <a:font script="Geor" typeface="Sylfaen"/>
-      </a:minorFont>
-    </a:fontScheme>
-    <a:fmtScheme name="Office">
-      <a:fillStyleLst>
-        <a:solidFill>
-          <a:schemeClr val="phClr"/>
-        </a:solidFill>
-        <a:gradFill rotWithShape="1">
-          <a:gsLst>
-            <a:gs pos="0">
-              <a:schemeClr val="phClr">
-                <a:tint val="50000"/>
-                <a:satMod val="300000"/>
-              </a:schemeClr>
-            </a:gs>
-            <a:gs pos="35000">
-              <a:schemeClr val="phClr">
-                <a:tint val="37000"/>
-                <a:satMod val="300000"/>
-              </a:schemeClr>
-            </a:gs>
-            <a:gs pos="100000">
-              <a:schemeClr val="phClr">
-                <a:tint val="15000"/>
-                <a:satMod val="350000"/>
-              </a:schemeClr>
-            </a:gs>
-          </a:gsLst>
-          <a:lin ang="16200000" scaled="1"/>
-        </a:gradFill>
-        <a:gradFill rotWithShape="1">
-          <a:gsLst>
-            <a:gs pos="0">
-              <a:schemeClr val="phClr">
-                <a:tint val="100000"/>
-                <a:shade val="100000"/>
-                <a:satMod val="130000"/>
-              </a:schemeClr>
-            </a:gs>
-            <a:gs pos="100000">
-              <a:schemeClr val="phClr">
-                <a:tint val="50000"/>
-                <a:shade val="100000"/>
-                <a:satMod val="350000"/>
-              </a:schemeClr>
-            </a:gs>
-          </a:gsLst>
-          <a:lin ang="16200000" scaled="0"/>
-        </a:gradFill>
-      </a:fillStyleLst>
-      <a:lnStyleLst>
-        <a:ln w="9525" cap="flat" cmpd="sng" algn="ctr">
-          <a:solidFill>
-            <a:schemeClr val="phClr">
-              <a:shade val="95000"/>
-              <a:satMod val="105000"/>
-            </a:schemeClr>
-          </a:solidFill>
-          <a:prstDash val="solid"/>
-        </a:ln>
-        <a:ln w="25400" cap="flat" cmpd="sng" algn="ctr">
-          <a:solidFill>
-            <a:schemeClr val="phClr"/>
-          </a:solidFill>
-          <a:prstDash val="solid"/>
-        </a:ln>
-        <a:ln w="38100" cap="flat" cmpd="sng" algn="ctr">
-          <a:solidFill>
-            <a:schemeClr val="phClr"/>
-          </a:solidFill>
-          <a:prstDash val="solid"/>
-        </a:ln>
-      </a:lnStyleLst>
-      <a:effectStyleLst>
-        <a:effectStyle>
-          <a:effectLst>
-            <a:outerShdw blurRad="40000" dist="20000" dir="5400000" rotWithShape="0">
-              <a:srgbClr val="000000">
-                <a:alpha val="38000"/>
-              </a:srgbClr>
-            </a:outerShdw>
-          </a:effectLst>
-        </a:effectStyle>
-        <a:effectStyle>
-          <a:effectLst>
-            <a:outerShdw blurRad="40000" dist="23000" dir="5400000" rotWithShape="0">
-              <a:srgbClr val="000000">
-                <a:alpha val="35000"/>
-              </a:srgbClr>
-            </a:outerShdw>
-          </a:effectLst>
-        </a:effectStyle>
-        <a:effectStyle>
-          <a:effectLst>
-            <a:outerShdw blurRad="40000" dist="23000" dir="5400000" rotWithShape="0">
-              <a:srgbClr val="000000">
-                <a:alpha val="35000"/>
-              </a:srgbClr>
-            </a:outerShdw>
-          </a:effectLst>
-          <a:scene3d>
-            <a:camera prst="orthographicFront">
-              <a:rot lat="0" lon="0" rev="0"/>
-            </a:camera>
-            <a:lightRig rig="threePt" dir="t">
-              <a:rot lat="0" lon="0" rev="1200000"/>
-            </a:lightRig>
-          </a:scene3d>
-          <a:sp3d>
-            <a:bevelT w="63500" h="25400"/>
-          </a:sp3d>
-        </a:effectStyle>
-      </a:effectStyleLst>
-      <a:bgFillStyleLst>
-        <a:solidFill>
-          <a:schemeClr val="phClr"/>
-        </a:solidFill>
-        <a:gradFill rotWithShape="1">
-          <a:gsLst>
-            <a:gs pos="0">
-              <a:schemeClr val="phClr">
-                <a:tint val="40000"/>
-                <a:satMod val="350000"/>
-              </a:schemeClr>
-            </a:gs>
-            <a:gs pos="40000">
-              <a:schemeClr val="phClr">
-                <a:tint val="45000"/>
-                <a:shade val="99000"/>
-                <a:satMod val="350000"/>
-              </a:schemeClr>
-            </a:gs>
-            <a:gs pos="100000">
-              <a:schemeClr val="phClr">
-                <a:shade val="20000"/>
-                <a:satMod val="255000"/>
-              </a:schemeClr>
-            </a:gs>
-          </a:gsLst>
-          <a:path path="circle">
-            <a:fillToRect l="50000" t="-80000" r="50000" b="180000"/>
-          </a:path>
-        </a:gradFill>
-        <a:gradFill rotWithShape="1">
-          <a:gsLst>
-            <a:gs pos="0">
-              <a:schemeClr val="phClr">
-                <a:tint val="80000"/>
-                <a:satMod val="300000"/>
-              </a:schemeClr>
-            </a:gs>
-            <a:gs pos="100000">
-              <a:schemeClr val="phClr">
-                <a:shade val="30000"/>
-                <a:satMod val="200000"/>
-              </a:schemeClr>
-            </a:gs>
-          </a:gsLst>
-          <a:path path="circle">
-            <a:fillToRect l="50000" t="50000" r="50000" b="50000"/>
-          </a:path>
-        </a:gradFill>
-      </a:bgFillStyleLst>
-    </a:fmtScheme>
-  </a:themeElements>
-</a:theme>
 </file>
--- a/Dust Attack .pptx
+++ b/Dust Attack .pptx
@@ -1107,7 +1107,7 @@
   <p:cSld>
     <p:spTree>
       <p:nvGrpSpPr>
-        <p:cNvPr id="211" name="Shape 211"/>
+        <p:cNvPr id="210" name="Shape 210"/>
         <p:cNvGrpSpPr/>
         <p:nvPr/>
       </p:nvGrpSpPr>
@@ -1121,7 +1121,7 @@
       </p:grpSpPr>
       <p:sp>
         <p:nvSpPr>
-          <p:cNvPr id="212" name="Google Shape;212;g19a78019844_0_21:notes"/>
+          <p:cNvPr id="211" name="Google Shape;211;g19a78019844_0_21:notes"/>
           <p:cNvSpPr/>
           <p:nvPr>
             <p:ph idx="2" type="sldImg"/>
@@ -1156,7 +1156,7 @@
       </p:sp>
       <p:sp>
         <p:nvSpPr>
-          <p:cNvPr id="213" name="Google Shape;213;g19a78019844_0_21:notes"/>
+          <p:cNvPr id="212" name="Google Shape;212;g19a78019844_0_21:notes"/>
           <p:cNvSpPr txBox="1"/>
           <p:nvPr>
             <p:ph idx="1" type="body"/>
@@ -1206,7 +1206,7 @@
   <p:cSld>
     <p:spTree>
       <p:nvGrpSpPr>
-        <p:cNvPr id="221" name="Shape 221"/>
+        <p:cNvPr id="219" name="Shape 219"/>
         <p:cNvGrpSpPr/>
         <p:nvPr/>
       </p:nvGrpSpPr>
@@ -1220,7 +1220,7 @@
       </p:grpSpPr>
       <p:sp>
         <p:nvSpPr>
-          <p:cNvPr id="222" name="Google Shape;222;g19a78019844_0_26:notes"/>
+          <p:cNvPr id="220" name="Google Shape;220;g19a78019844_0_26:notes"/>
           <p:cNvSpPr/>
           <p:nvPr>
             <p:ph idx="2" type="sldImg"/>
@@ -1255,7 +1255,7 @@
       </p:sp>
       <p:sp>
         <p:nvSpPr>
-          <p:cNvPr id="223" name="Google Shape;223;g19a78019844_0_26:notes"/>
+          <p:cNvPr id="221" name="Google Shape;221;g19a78019844_0_26:notes"/>
           <p:cNvSpPr txBox="1"/>
           <p:nvPr>
             <p:ph idx="1" type="body"/>
@@ -1305,7 +1305,7 @@
   <p:cSld>
     <p:spTree>
       <p:nvGrpSpPr>
-        <p:cNvPr id="230" name="Shape 230"/>
+        <p:cNvPr id="227" name="Shape 227"/>
         <p:cNvGrpSpPr/>
         <p:nvPr/>
       </p:nvGrpSpPr>
@@ -1319,7 +1319,7 @@
       </p:grpSpPr>
       <p:sp>
         <p:nvSpPr>
-          <p:cNvPr id="231" name="Google Shape;231;g19a78019844_0_31:notes"/>
+          <p:cNvPr id="228" name="Google Shape;228;g19a78019844_0_31:notes"/>
           <p:cNvSpPr/>
           <p:nvPr>
             <p:ph idx="2" type="sldImg"/>
@@ -1354,7 +1354,7 @@
       </p:sp>
       <p:sp>
         <p:nvSpPr>
-          <p:cNvPr id="232" name="Google Shape;232;g19a78019844_0_31:notes"/>
+          <p:cNvPr id="229" name="Google Shape;229;g19a78019844_0_31:notes"/>
           <p:cNvSpPr txBox="1"/>
           <p:nvPr>
             <p:ph idx="1" type="body"/>
@@ -1404,7 +1404,7 @@
   <p:cSld>
     <p:spTree>
       <p:nvGrpSpPr>
-        <p:cNvPr id="238" name="Shape 238"/>
+        <p:cNvPr id="235" name="Shape 235"/>
         <p:cNvGrpSpPr/>
         <p:nvPr/>
       </p:nvGrpSpPr>
@@ -1418,7 +1418,7 @@
       </p:grpSpPr>
       <p:sp>
         <p:nvSpPr>
-          <p:cNvPr id="239" name="Google Shape;239;g19a78019844_0_41:notes"/>
+          <p:cNvPr id="236" name="Google Shape;236;g19a78019844_0_41:notes"/>
           <p:cNvSpPr/>
           <p:nvPr>
             <p:ph idx="2" type="sldImg"/>
@@ -1453,7 +1453,7 @@
       </p:sp>
       <p:sp>
         <p:nvSpPr>
-          <p:cNvPr id="240" name="Google Shape;240;g19a78019844_0_41:notes"/>
+          <p:cNvPr id="237" name="Google Shape;237;g19a78019844_0_41:notes"/>
           <p:cNvSpPr txBox="1"/>
           <p:nvPr>
             <p:ph idx="1" type="body"/>
@@ -1503,7 +1503,7 @@
   <p:cSld>
     <p:spTree>
       <p:nvGrpSpPr>
-        <p:cNvPr id="247" name="Shape 247"/>
+        <p:cNvPr id="244" name="Shape 244"/>
         <p:cNvGrpSpPr/>
         <p:nvPr/>
       </p:nvGrpSpPr>
@@ -1517,7 +1517,7 @@
       </p:grpSpPr>
       <p:sp>
         <p:nvSpPr>
-          <p:cNvPr id="248" name="Google Shape;248;g19a78019844_0_36:notes"/>
+          <p:cNvPr id="245" name="Google Shape;245;g19a78019844_0_36:notes"/>
           <p:cNvSpPr/>
           <p:nvPr>
             <p:ph idx="2" type="sldImg"/>
@@ -1552,7 +1552,7 @@
       </p:sp>
       <p:sp>
         <p:nvSpPr>
-          <p:cNvPr id="249" name="Google Shape;249;g19a78019844_0_36:notes"/>
+          <p:cNvPr id="246" name="Google Shape;246;g19a78019844_0_36:notes"/>
           <p:cNvSpPr txBox="1"/>
           <p:nvPr>
             <p:ph idx="1" type="body"/>
@@ -1602,7 +1602,7 @@
   <p:cSld>
     <p:spTree>
       <p:nvGrpSpPr>
-        <p:cNvPr id="258" name="Shape 258"/>
+        <p:cNvPr id="254" name="Shape 254"/>
         <p:cNvGrpSpPr/>
         <p:nvPr/>
       </p:nvGrpSpPr>
@@ -1616,7 +1616,7 @@
       </p:grpSpPr>
       <p:sp>
         <p:nvSpPr>
-          <p:cNvPr id="259" name="Google Shape;259;g19a78019844_0_51:notes"/>
+          <p:cNvPr id="255" name="Google Shape;255;g19a78019844_0_51:notes"/>
           <p:cNvSpPr/>
           <p:nvPr>
             <p:ph idx="2" type="sldImg"/>
@@ -1651,7 +1651,7 @@
       </p:sp>
       <p:sp>
         <p:nvSpPr>
-          <p:cNvPr id="260" name="Google Shape;260;g19a78019844_0_51:notes"/>
+          <p:cNvPr id="256" name="Google Shape;256;g19a78019844_0_51:notes"/>
           <p:cNvSpPr txBox="1"/>
           <p:nvPr>
             <p:ph idx="1" type="body"/>
@@ -1701,7 +1701,7 @@
   <p:cSld>
     <p:spTree>
       <p:nvGrpSpPr>
-        <p:cNvPr id="266" name="Shape 266"/>
+        <p:cNvPr id="262" name="Shape 262"/>
         <p:cNvGrpSpPr/>
         <p:nvPr/>
       </p:nvGrpSpPr>
@@ -1715,7 +1715,7 @@
       </p:grpSpPr>
       <p:sp>
         <p:nvSpPr>
-          <p:cNvPr id="267" name="Google Shape;267;g19a78019844_0_56:notes"/>
+          <p:cNvPr id="263" name="Google Shape;263;g19a78019844_0_56:notes"/>
           <p:cNvSpPr/>
           <p:nvPr>
             <p:ph idx="2" type="sldImg"/>
@@ -1750,7 +1750,7 @@
       </p:sp>
       <p:sp>
         <p:nvSpPr>
-          <p:cNvPr id="268" name="Google Shape;268;g19a78019844_0_56:notes"/>
+          <p:cNvPr id="264" name="Google Shape;264;g19a78019844_0_56:notes"/>
           <p:cNvSpPr txBox="1"/>
           <p:nvPr>
             <p:ph idx="1" type="body"/>
@@ -1899,7 +1899,7 @@
   <p:cSld>
     <p:spTree>
       <p:nvGrpSpPr>
-        <p:cNvPr id="299" name="Shape 299"/>
+        <p:cNvPr id="295" name="Shape 295"/>
         <p:cNvGrpSpPr/>
         <p:nvPr/>
       </p:nvGrpSpPr>
@@ -1913,7 +1913,7 @@
       </p:grpSpPr>
       <p:sp>
         <p:nvSpPr>
-          <p:cNvPr id="300" name="Google Shape;300;g19a78019844_0_61:notes"/>
+          <p:cNvPr id="296" name="Google Shape;296;g19a78019844_0_61:notes"/>
           <p:cNvSpPr/>
           <p:nvPr>
             <p:ph idx="2" type="sldImg"/>
@@ -1948,7 +1948,7 @@
       </p:sp>
       <p:sp>
         <p:nvSpPr>
-          <p:cNvPr id="301" name="Google Shape;301;g19a78019844_0_61:notes"/>
+          <p:cNvPr id="297" name="Google Shape;297;g19a78019844_0_61:notes"/>
           <p:cNvSpPr txBox="1"/>
           <p:nvPr>
             <p:ph idx="1" type="body"/>
@@ -1998,7 +1998,7 @@
   <p:cSld>
     <p:spTree>
       <p:nvGrpSpPr>
-        <p:cNvPr id="305" name="Shape 305"/>
+        <p:cNvPr id="322" name="Shape 322"/>
         <p:cNvGrpSpPr/>
         <p:nvPr/>
       </p:nvGrpSpPr>
@@ -2012,7 +2012,7 @@
       </p:grpSpPr>
       <p:sp>
         <p:nvSpPr>
-          <p:cNvPr id="306" name="Google Shape;306;g19a78019844_0_481:notes"/>
+          <p:cNvPr id="323" name="Google Shape;323;g19a78019844_0_481:notes"/>
           <p:cNvSpPr/>
           <p:nvPr>
             <p:ph idx="2" type="sldImg"/>
@@ -2047,7 +2047,7 @@
       </p:sp>
       <p:sp>
         <p:nvSpPr>
-          <p:cNvPr id="307" name="Google Shape;307;g19a78019844_0_481:notes"/>
+          <p:cNvPr id="324" name="Google Shape;324;g19a78019844_0_481:notes"/>
           <p:cNvSpPr txBox="1"/>
           <p:nvPr>
             <p:ph idx="1" type="body"/>
@@ -8817,13 +8817,25 @@
               <a:buNone/>
             </a:pPr>
             <a:r>
+              <a:rPr b="1" lang="en" sz="1800">
+                <a:solidFill>
+                  <a:srgbClr val="073763"/>
+                </a:solidFill>
+                <a:latin typeface="Times"/>
+                <a:ea typeface="Times"/>
+                <a:cs typeface="Times"/>
+                <a:sym typeface="Times"/>
+              </a:rPr>
+              <a:t>Candidato:</a:t>
+            </a:r>
+            <a:r>
               <a:rPr lang="en" sz="1800">
                 <a:latin typeface="Times"/>
                 <a:ea typeface="Times"/>
                 <a:cs typeface="Times"/>
                 <a:sym typeface="Times"/>
               </a:rPr>
-              <a:t>Candidato: </a:t>
+              <a:t> </a:t>
             </a:r>
             <a:endParaRPr sz="1800">
               <a:latin typeface="Times"/>
@@ -8895,7 +8907,10 @@
               <a:buNone/>
             </a:pPr>
             <a:r>
-              <a:rPr lang="en" sz="1800">
+              <a:rPr b="1" lang="en" sz="1800">
+                <a:solidFill>
+                  <a:srgbClr val="1C4587"/>
+                </a:solidFill>
                 <a:latin typeface="Times"/>
                 <a:ea typeface="Times"/>
                 <a:cs typeface="Times"/>
@@ -8903,7 +8918,10 @@
               </a:rPr>
               <a:t>Relatori/Relatrici: </a:t>
             </a:r>
-            <a:endParaRPr sz="1800">
+            <a:endParaRPr b="1" sz="1800">
+              <a:solidFill>
+                <a:srgbClr val="1C4587"/>
+              </a:solidFill>
               <a:latin typeface="Times"/>
               <a:ea typeface="Times"/>
               <a:cs typeface="Times"/>
@@ -9729,7 +9747,7 @@
     <p:bg>
       <p:bgPr>
         <a:solidFill>
-          <a:schemeClr val="lt1"/>
+          <a:srgbClr val="1C4587"/>
         </a:solidFill>
       </p:bgPr>
     </p:bg>
@@ -9847,8 +9865,8 @@
         </p:blipFill>
         <p:spPr>
           <a:xfrm>
-            <a:off x="400350" y="1642100"/>
-            <a:ext cx="8203827" cy="3419949"/>
+            <a:off x="264625" y="1567500"/>
+            <a:ext cx="6968825" cy="3481000"/>
           </a:xfrm>
           <a:prstGeom prst="rect">
             <a:avLst/>
@@ -9945,46 +9963,6 @@
               <a:cs typeface="Karla"/>
               <a:sym typeface="Karla"/>
             </a:endParaRPr>
-          </a:p>
-        </p:txBody>
-      </p:sp>
-      <p:sp>
-        <p:nvSpPr>
-          <p:cNvPr id="210" name="Google Shape;210;p25"/>
-          <p:cNvSpPr txBox="1"/>
-          <p:nvPr>
-            <p:ph idx="12" type="sldNum"/>
-          </p:nvPr>
-        </p:nvSpPr>
-        <p:spPr>
-          <a:xfrm>
-            <a:off x="8543227" y="4749851"/>
-            <a:ext cx="548700" cy="393600"/>
-          </a:xfrm>
-          <a:prstGeom prst="rect">
-            <a:avLst/>
-          </a:prstGeom>
-        </p:spPr>
-        <p:txBody>
-          <a:bodyPr anchorCtr="0" anchor="t" bIns="91425" lIns="91425" spcFirstLastPara="1" rIns="91425" wrap="square" tIns="91425">
-            <a:noAutofit/>
-          </a:bodyPr>
-          <a:lstStyle/>
-          <a:p>
-            <a:pPr indent="0" lvl="0" marL="0" rtl="0" algn="r">
-              <a:spcBef>
-                <a:spcPts val="0"/>
-              </a:spcBef>
-              <a:spcAft>
-                <a:spcPts val="0"/>
-              </a:spcAft>
-              <a:buNone/>
-            </a:pPr>
-            <a:fld id="{00000000-1234-1234-1234-123412341234}" type="slidenum">
-              <a:rPr lang="en"/>
-              <a:t>‹#›</a:t>
-            </a:fld>
-            <a:endParaRPr/>
           </a:p>
         </p:txBody>
       </p:sp>
@@ -10002,13 +9980,13 @@
     <p:bg>
       <p:bgPr>
         <a:solidFill>
-          <a:schemeClr val="lt1"/>
+          <a:srgbClr val="1C4587"/>
         </a:solidFill>
       </p:bgPr>
     </p:bg>
     <p:spTree>
       <p:nvGrpSpPr>
-        <p:cNvPr id="214" name="Shape 214"/>
+        <p:cNvPr id="213" name="Shape 213"/>
         <p:cNvGrpSpPr/>
         <p:nvPr/>
       </p:nvGrpSpPr>
@@ -10022,7 +10000,7 @@
       </p:grpSpPr>
       <p:sp>
         <p:nvSpPr>
-          <p:cNvPr id="215" name="Google Shape;215;p26"/>
+          <p:cNvPr id="214" name="Google Shape;214;p26"/>
           <p:cNvSpPr txBox="1"/>
           <p:nvPr>
             <p:ph idx="4294967295" type="title"/>
@@ -10078,7 +10056,7 @@
       </p:sp>
       <p:pic>
         <p:nvPicPr>
-          <p:cNvPr id="216" name="Google Shape;216;p26"/>
+          <p:cNvPr id="215" name="Google Shape;215;p26"/>
           <p:cNvPicPr preferRelativeResize="0"/>
           <p:nvPr/>
         </p:nvPicPr>
@@ -10106,14 +10084,14 @@
       </p:pic>
       <p:sp>
         <p:nvSpPr>
-          <p:cNvPr id="217" name="Google Shape;217;p26"/>
+          <p:cNvPr id="216" name="Google Shape;216;p26"/>
           <p:cNvSpPr txBox="1"/>
           <p:nvPr/>
         </p:nvSpPr>
         <p:spPr>
           <a:xfrm>
             <a:off x="0" y="1267350"/>
-            <a:ext cx="5345700" cy="738900"/>
+            <a:ext cx="5345700" cy="877200"/>
           </a:xfrm>
           <a:prstGeom prst="rect">
             <a:avLst/>
@@ -10130,6 +10108,9 @@
           <a:lstStyle/>
           <a:p>
             <a:pPr indent="-342900" lvl="0" marL="457200" rtl="0" algn="l">
+              <a:lnSpc>
+                <a:spcPct val="150000"/>
+              </a:lnSpc>
               <a:spcBef>
                 <a:spcPts val="0"/>
               </a:spcBef>
@@ -10158,6 +10139,9 @@
           </a:p>
           <a:p>
             <a:pPr indent="-342900" lvl="0" marL="457200" rtl="0" algn="l">
+              <a:lnSpc>
+                <a:spcPct val="150000"/>
+              </a:lnSpc>
               <a:spcBef>
                 <a:spcPts val="0"/>
               </a:spcBef>
@@ -10188,7 +10172,7 @@
       </p:sp>
       <p:pic>
         <p:nvPicPr>
-          <p:cNvPr id="218" name="Google Shape;218;p26"/>
+          <p:cNvPr id="217" name="Google Shape;217;p26"/>
           <p:cNvPicPr preferRelativeResize="0"/>
           <p:nvPr/>
         </p:nvPicPr>
@@ -10202,8 +10186,8 @@
         </p:blipFill>
         <p:spPr>
           <a:xfrm>
-            <a:off x="4954590" y="1673750"/>
-            <a:ext cx="4076259" cy="3076099"/>
+            <a:off x="4760475" y="1933425"/>
+            <a:ext cx="4383525" cy="3210075"/>
           </a:xfrm>
           <a:prstGeom prst="rect">
             <a:avLst/>
@@ -10216,7 +10200,7 @@
       </p:pic>
       <p:sp>
         <p:nvSpPr>
-          <p:cNvPr id="219" name="Google Shape;219;p26"/>
+          <p:cNvPr id="218" name="Google Shape;218;p26"/>
           <p:cNvSpPr txBox="1"/>
           <p:nvPr/>
         </p:nvSpPr>
@@ -10441,46 +10425,6 @@
               <a:cs typeface="Times"/>
               <a:sym typeface="Times"/>
             </a:endParaRPr>
-          </a:p>
-        </p:txBody>
-      </p:sp>
-      <p:sp>
-        <p:nvSpPr>
-          <p:cNvPr id="220" name="Google Shape;220;p26"/>
-          <p:cNvSpPr txBox="1"/>
-          <p:nvPr>
-            <p:ph idx="12" type="sldNum"/>
-          </p:nvPr>
-        </p:nvSpPr>
-        <p:spPr>
-          <a:xfrm>
-            <a:off x="8543227" y="4749851"/>
-            <a:ext cx="548700" cy="393600"/>
-          </a:xfrm>
-          <a:prstGeom prst="rect">
-            <a:avLst/>
-          </a:prstGeom>
-        </p:spPr>
-        <p:txBody>
-          <a:bodyPr anchorCtr="0" anchor="t" bIns="91425" lIns="91425" spcFirstLastPara="1" rIns="91425" wrap="square" tIns="91425">
-            <a:noAutofit/>
-          </a:bodyPr>
-          <a:lstStyle/>
-          <a:p>
-            <a:pPr indent="0" lvl="0" marL="0" rtl="0" algn="r">
-              <a:spcBef>
-                <a:spcPts val="0"/>
-              </a:spcBef>
-              <a:spcAft>
-                <a:spcPts val="0"/>
-              </a:spcAft>
-              <a:buNone/>
-            </a:pPr>
-            <a:fld id="{00000000-1234-1234-1234-123412341234}" type="slidenum">
-              <a:rPr lang="en"/>
-              <a:t>‹#›</a:t>
-            </a:fld>
-            <a:endParaRPr/>
           </a:p>
         </p:txBody>
       </p:sp>
@@ -10498,13 +10442,13 @@
     <p:bg>
       <p:bgPr>
         <a:solidFill>
-          <a:schemeClr val="lt1"/>
+          <a:srgbClr val="1C4587"/>
         </a:solidFill>
       </p:bgPr>
     </p:bg>
     <p:spTree>
       <p:nvGrpSpPr>
-        <p:cNvPr id="224" name="Shape 224"/>
+        <p:cNvPr id="222" name="Shape 222"/>
         <p:cNvGrpSpPr/>
         <p:nvPr/>
       </p:nvGrpSpPr>
@@ -10518,7 +10462,7 @@
       </p:grpSpPr>
       <p:sp>
         <p:nvSpPr>
-          <p:cNvPr id="225" name="Google Shape;225;p27"/>
+          <p:cNvPr id="223" name="Google Shape;223;p27"/>
           <p:cNvSpPr txBox="1"/>
           <p:nvPr>
             <p:ph idx="4294967295" type="title"/>
@@ -10574,7 +10518,7 @@
       </p:sp>
       <p:pic>
         <p:nvPicPr>
-          <p:cNvPr id="226" name="Google Shape;226;p27"/>
+          <p:cNvPr id="224" name="Google Shape;224;p27"/>
           <p:cNvPicPr preferRelativeResize="0"/>
           <p:nvPr/>
         </p:nvPicPr>
@@ -10602,7 +10546,7 @@
       </p:pic>
       <p:pic>
         <p:nvPicPr>
-          <p:cNvPr id="227" name="Google Shape;227;p27"/>
+          <p:cNvPr id="225" name="Google Shape;225;p27"/>
           <p:cNvPicPr preferRelativeResize="0"/>
           <p:nvPr/>
         </p:nvPicPr>
@@ -10616,8 +10560,8 @@
         </p:blipFill>
         <p:spPr>
           <a:xfrm>
-            <a:off x="795500" y="1611425"/>
-            <a:ext cx="7507774" cy="3457425"/>
+            <a:off x="252625" y="1587850"/>
+            <a:ext cx="6974050" cy="3501375"/>
           </a:xfrm>
           <a:prstGeom prst="rect">
             <a:avLst/>
@@ -10630,7 +10574,7 @@
       </p:pic>
       <p:sp>
         <p:nvSpPr>
-          <p:cNvPr id="228" name="Google Shape;228;p27"/>
+          <p:cNvPr id="226" name="Google Shape;226;p27"/>
           <p:cNvSpPr txBox="1"/>
           <p:nvPr/>
         </p:nvSpPr>
@@ -10707,46 +10651,6 @@
               <a:cs typeface="Times"/>
               <a:sym typeface="Times"/>
             </a:endParaRPr>
-          </a:p>
-        </p:txBody>
-      </p:sp>
-      <p:sp>
-        <p:nvSpPr>
-          <p:cNvPr id="229" name="Google Shape;229;p27"/>
-          <p:cNvSpPr txBox="1"/>
-          <p:nvPr>
-            <p:ph idx="12" type="sldNum"/>
-          </p:nvPr>
-        </p:nvSpPr>
-        <p:spPr>
-          <a:xfrm>
-            <a:off x="8543227" y="4749851"/>
-            <a:ext cx="548700" cy="393600"/>
-          </a:xfrm>
-          <a:prstGeom prst="rect">
-            <a:avLst/>
-          </a:prstGeom>
-        </p:spPr>
-        <p:txBody>
-          <a:bodyPr anchorCtr="0" anchor="t" bIns="91425" lIns="91425" spcFirstLastPara="1" rIns="91425" wrap="square" tIns="91425">
-            <a:noAutofit/>
-          </a:bodyPr>
-          <a:lstStyle/>
-          <a:p>
-            <a:pPr indent="0" lvl="0" marL="0" rtl="0" algn="r">
-              <a:spcBef>
-                <a:spcPts val="0"/>
-              </a:spcBef>
-              <a:spcAft>
-                <a:spcPts val="0"/>
-              </a:spcAft>
-              <a:buNone/>
-            </a:pPr>
-            <a:fld id="{00000000-1234-1234-1234-123412341234}" type="slidenum">
-              <a:rPr lang="en"/>
-              <a:t>‹#›</a:t>
-            </a:fld>
-            <a:endParaRPr/>
           </a:p>
         </p:txBody>
       </p:sp>
@@ -10770,7 +10674,7 @@
     </p:bg>
     <p:spTree>
       <p:nvGrpSpPr>
-        <p:cNvPr id="233" name="Shape 233"/>
+        <p:cNvPr id="230" name="Shape 230"/>
         <p:cNvGrpSpPr/>
         <p:nvPr/>
       </p:nvGrpSpPr>
@@ -10784,7 +10688,7 @@
       </p:grpSpPr>
       <p:sp>
         <p:nvSpPr>
-          <p:cNvPr id="234" name="Google Shape;234;p28"/>
+          <p:cNvPr id="231" name="Google Shape;231;p28"/>
           <p:cNvSpPr txBox="1"/>
           <p:nvPr>
             <p:ph type="title"/>
@@ -10840,7 +10744,7 @@
       </p:sp>
       <p:pic>
         <p:nvPicPr>
-          <p:cNvPr id="235" name="Google Shape;235;p28"/>
+          <p:cNvPr id="232" name="Google Shape;232;p28"/>
           <p:cNvPicPr preferRelativeResize="0"/>
           <p:nvPr/>
         </p:nvPicPr>
@@ -10868,7 +10772,7 @@
       </p:pic>
       <p:sp>
         <p:nvSpPr>
-          <p:cNvPr id="236" name="Google Shape;236;p28"/>
+          <p:cNvPr id="233" name="Google Shape;233;p28"/>
           <p:cNvSpPr txBox="1"/>
           <p:nvPr/>
         </p:nvSpPr>
@@ -11049,7 +10953,7 @@
       </p:sp>
       <p:graphicFrame>
         <p:nvGraphicFramePr>
-          <p:cNvPr id="237" name="Google Shape;237;p28"/>
+          <p:cNvPr id="234" name="Google Shape;234;p28"/>
           <p:cNvGraphicFramePr/>
           <p:nvPr/>
         </p:nvGraphicFramePr>
@@ -11062,7 +10966,7 @@
             <a:tbl>
               <a:tblPr>
                 <a:noFill/>
-                <a:tableStyleId>{73604AA3-7F92-4932-9861-DAED42AD01AF}</a:tableStyleId>
+                <a:tableStyleId>{327DF51F-8159-49FB-9EFB-C7A66C2219B6}</a:tableStyleId>
               </a:tblPr>
               <a:tblGrid>
                 <a:gridCol w="2342125"/>
@@ -11518,7 +11422,7 @@
     </p:bg>
     <p:spTree>
       <p:nvGrpSpPr>
-        <p:cNvPr id="241" name="Shape 241"/>
+        <p:cNvPr id="238" name="Shape 238"/>
         <p:cNvGrpSpPr/>
         <p:nvPr/>
       </p:nvGrpSpPr>
@@ -11532,7 +11436,7 @@
       </p:grpSpPr>
       <p:sp>
         <p:nvSpPr>
-          <p:cNvPr id="242" name="Google Shape;242;p29"/>
+          <p:cNvPr id="239" name="Google Shape;239;p29"/>
           <p:cNvSpPr txBox="1"/>
           <p:nvPr>
             <p:ph type="title"/>
@@ -11588,7 +11492,7 @@
       </p:sp>
       <p:pic>
         <p:nvPicPr>
-          <p:cNvPr id="243" name="Google Shape;243;p29"/>
+          <p:cNvPr id="240" name="Google Shape;240;p29"/>
           <p:cNvPicPr preferRelativeResize="0"/>
           <p:nvPr/>
         </p:nvPicPr>
@@ -11616,7 +11520,7 @@
       </p:pic>
       <p:graphicFrame>
         <p:nvGraphicFramePr>
-          <p:cNvPr id="244" name="Google Shape;244;p29"/>
+          <p:cNvPr id="241" name="Google Shape;241;p29"/>
           <p:cNvGraphicFramePr/>
           <p:nvPr/>
         </p:nvGraphicFramePr>
@@ -11629,7 +11533,7 @@
             <a:tbl>
               <a:tblPr>
                 <a:noFill/>
-                <a:tableStyleId>{73604AA3-7F92-4932-9861-DAED42AD01AF}</a:tableStyleId>
+                <a:tableStyleId>{327DF51F-8159-49FB-9EFB-C7A66C2219B6}</a:tableStyleId>
               </a:tblPr>
               <a:tblGrid>
                 <a:gridCol w="1112425"/>
@@ -12066,7 +11970,7 @@
       </p:graphicFrame>
       <p:sp>
         <p:nvSpPr>
-          <p:cNvPr id="245" name="Google Shape;245;p29"/>
+          <p:cNvPr id="242" name="Google Shape;242;p29"/>
           <p:cNvSpPr txBox="1"/>
           <p:nvPr/>
         </p:nvSpPr>
@@ -12216,7 +12120,7 @@
       </p:sp>
       <p:sp>
         <p:nvSpPr>
-          <p:cNvPr id="246" name="Google Shape;246;p29"/>
+          <p:cNvPr id="243" name="Google Shape;243;p29"/>
           <p:cNvSpPr txBox="1"/>
           <p:nvPr/>
         </p:nvSpPr>
@@ -12402,13 +12306,13 @@
     <p:bg>
       <p:bgPr>
         <a:solidFill>
-          <a:schemeClr val="lt1"/>
+          <a:srgbClr val="1C4587"/>
         </a:solidFill>
       </p:bgPr>
     </p:bg>
     <p:spTree>
       <p:nvGrpSpPr>
-        <p:cNvPr id="250" name="Shape 250"/>
+        <p:cNvPr id="247" name="Shape 247"/>
         <p:cNvGrpSpPr/>
         <p:nvPr/>
       </p:nvGrpSpPr>
@@ -12422,7 +12326,7 @@
       </p:grpSpPr>
       <p:sp>
         <p:nvSpPr>
-          <p:cNvPr id="251" name="Google Shape;251;p30"/>
+          <p:cNvPr id="248" name="Google Shape;248;p30"/>
           <p:cNvSpPr txBox="1"/>
           <p:nvPr>
             <p:ph idx="4294967295" type="title"/>
@@ -12478,7 +12382,7 @@
       </p:sp>
       <p:pic>
         <p:nvPicPr>
-          <p:cNvPr id="252" name="Google Shape;252;p30"/>
+          <p:cNvPr id="249" name="Google Shape;249;p30"/>
           <p:cNvPicPr preferRelativeResize="0"/>
           <p:nvPr/>
         </p:nvPicPr>
@@ -12506,7 +12410,7 @@
       </p:pic>
       <p:pic>
         <p:nvPicPr>
-          <p:cNvPr id="253" name="Google Shape;253;p30"/>
+          <p:cNvPr id="250" name="Google Shape;250;p30"/>
           <p:cNvPicPr preferRelativeResize="0"/>
           <p:nvPr/>
         </p:nvPicPr>
@@ -12520,8 +12424,8 @@
         </p:blipFill>
         <p:spPr>
           <a:xfrm>
-            <a:off x="3846750" y="1167148"/>
-            <a:ext cx="4954124" cy="3189226"/>
+            <a:off x="3846750" y="1954275"/>
+            <a:ext cx="5297249" cy="3189226"/>
           </a:xfrm>
           <a:prstGeom prst="rect">
             <a:avLst/>
@@ -12534,7 +12438,7 @@
       </p:pic>
       <p:sp>
         <p:nvSpPr>
-          <p:cNvPr id="254" name="Google Shape;254;p30"/>
+          <p:cNvPr id="251" name="Google Shape;251;p30"/>
           <p:cNvSpPr txBox="1"/>
           <p:nvPr/>
         </p:nvSpPr>
@@ -12580,7 +12484,7 @@
       </p:sp>
       <p:sp>
         <p:nvSpPr>
-          <p:cNvPr id="255" name="Google Shape;255;p30"/>
+          <p:cNvPr id="252" name="Google Shape;252;p30"/>
           <p:cNvSpPr txBox="1"/>
           <p:nvPr/>
         </p:nvSpPr>
@@ -12699,7 +12603,7 @@
       </p:sp>
       <p:sp>
         <p:nvSpPr>
-          <p:cNvPr id="256" name="Google Shape;256;p30"/>
+          <p:cNvPr id="253" name="Google Shape;253;p30"/>
           <p:cNvSpPr txBox="1"/>
           <p:nvPr/>
         </p:nvSpPr>
@@ -12748,46 +12652,6 @@
               <a:cs typeface="Times"/>
               <a:sym typeface="Times"/>
             </a:endParaRPr>
-          </a:p>
-        </p:txBody>
-      </p:sp>
-      <p:sp>
-        <p:nvSpPr>
-          <p:cNvPr id="257" name="Google Shape;257;p30"/>
-          <p:cNvSpPr txBox="1"/>
-          <p:nvPr>
-            <p:ph idx="12" type="sldNum"/>
-          </p:nvPr>
-        </p:nvSpPr>
-        <p:spPr>
-          <a:xfrm>
-            <a:off x="8543227" y="4749851"/>
-            <a:ext cx="548700" cy="393600"/>
-          </a:xfrm>
-          <a:prstGeom prst="rect">
-            <a:avLst/>
-          </a:prstGeom>
-        </p:spPr>
-        <p:txBody>
-          <a:bodyPr anchorCtr="0" anchor="t" bIns="91425" lIns="91425" spcFirstLastPara="1" rIns="91425" wrap="square" tIns="91425">
-            <a:noAutofit/>
-          </a:bodyPr>
-          <a:lstStyle/>
-          <a:p>
-            <a:pPr indent="0" lvl="0" marL="0" rtl="0" algn="r">
-              <a:spcBef>
-                <a:spcPts val="0"/>
-              </a:spcBef>
-              <a:spcAft>
-                <a:spcPts val="0"/>
-              </a:spcAft>
-              <a:buNone/>
-            </a:pPr>
-            <a:fld id="{00000000-1234-1234-1234-123412341234}" type="slidenum">
-              <a:rPr lang="en"/>
-              <a:t>‹#›</a:t>
-            </a:fld>
-            <a:endParaRPr/>
           </a:p>
         </p:txBody>
       </p:sp>
@@ -12811,7 +12675,7 @@
     </p:bg>
     <p:spTree>
       <p:nvGrpSpPr>
-        <p:cNvPr id="261" name="Shape 261"/>
+        <p:cNvPr id="257" name="Shape 257"/>
         <p:cNvGrpSpPr/>
         <p:nvPr/>
       </p:nvGrpSpPr>
@@ -12825,7 +12689,7 @@
       </p:grpSpPr>
       <p:sp>
         <p:nvSpPr>
-          <p:cNvPr id="262" name="Google Shape;262;p31"/>
+          <p:cNvPr id="258" name="Google Shape;258;p31"/>
           <p:cNvSpPr txBox="1"/>
           <p:nvPr>
             <p:ph type="title"/>
@@ -12881,7 +12745,7 @@
       </p:sp>
       <p:pic>
         <p:nvPicPr>
-          <p:cNvPr id="263" name="Google Shape;263;p31"/>
+          <p:cNvPr id="259" name="Google Shape;259;p31"/>
           <p:cNvPicPr preferRelativeResize="0"/>
           <p:nvPr/>
         </p:nvPicPr>
@@ -12909,7 +12773,7 @@
       </p:pic>
       <p:sp>
         <p:nvSpPr>
-          <p:cNvPr id="264" name="Google Shape;264;p31"/>
+          <p:cNvPr id="260" name="Google Shape;260;p31"/>
           <p:cNvSpPr txBox="1"/>
           <p:nvPr/>
         </p:nvSpPr>
@@ -13059,7 +12923,7 @@
       </p:sp>
       <p:sp>
         <p:nvSpPr>
-          <p:cNvPr id="265" name="Google Shape;265;p31"/>
+          <p:cNvPr id="261" name="Google Shape;261;p31"/>
           <p:cNvSpPr txBox="1"/>
           <p:nvPr/>
         </p:nvSpPr>
@@ -13192,7 +13056,7 @@
     </p:bg>
     <p:spTree>
       <p:nvGrpSpPr>
-        <p:cNvPr id="269" name="Shape 269"/>
+        <p:cNvPr id="265" name="Shape 265"/>
         <p:cNvGrpSpPr/>
         <p:nvPr/>
       </p:nvGrpSpPr>
@@ -13206,7 +13070,7 @@
       </p:grpSpPr>
       <p:sp>
         <p:nvSpPr>
-          <p:cNvPr id="270" name="Google Shape;270;p32"/>
+          <p:cNvPr id="266" name="Google Shape;266;p32"/>
           <p:cNvSpPr txBox="1"/>
           <p:nvPr>
             <p:ph type="title"/>
@@ -13246,7 +13110,7 @@
                 <a:cs typeface="Times"/>
                 <a:sym typeface="Times"/>
               </a:rPr>
-              <a:t>Pattern: Un finanziatore un attaccante</a:t>
+              <a:t>Pattern: Un finanziatore - un attaccante</a:t>
             </a:r>
             <a:endParaRPr sz="3000">
               <a:solidFill>
@@ -13262,7 +13126,7 @@
       </p:sp>
       <p:pic>
         <p:nvPicPr>
-          <p:cNvPr id="271" name="Google Shape;271;p32"/>
+          <p:cNvPr id="267" name="Google Shape;267;p32"/>
           <p:cNvPicPr preferRelativeResize="0"/>
           <p:nvPr/>
         </p:nvPicPr>
@@ -13290,7 +13154,7 @@
       </p:pic>
       <p:sp>
         <p:nvSpPr>
-          <p:cNvPr id="272" name="Google Shape;272;p32"/>
+          <p:cNvPr id="268" name="Google Shape;268;p32"/>
           <p:cNvSpPr/>
           <p:nvPr/>
         </p:nvSpPr>
@@ -13356,7 +13220,7 @@
       </p:sp>
       <p:sp>
         <p:nvSpPr>
-          <p:cNvPr id="273" name="Google Shape;273;p32"/>
+          <p:cNvPr id="269" name="Google Shape;269;p32"/>
           <p:cNvSpPr/>
           <p:nvPr/>
         </p:nvSpPr>
@@ -13408,7 +13272,7 @@
       </p:sp>
       <p:sp>
         <p:nvSpPr>
-          <p:cNvPr id="274" name="Google Shape;274;p32"/>
+          <p:cNvPr id="270" name="Google Shape;270;p32"/>
           <p:cNvSpPr/>
           <p:nvPr/>
         </p:nvSpPr>
@@ -13474,7 +13338,7 @@
       </p:sp>
       <p:sp>
         <p:nvSpPr>
-          <p:cNvPr id="275" name="Google Shape;275;p32"/>
+          <p:cNvPr id="271" name="Google Shape;271;p32"/>
           <p:cNvSpPr/>
           <p:nvPr/>
         </p:nvSpPr>
@@ -13526,7 +13390,7 @@
       </p:sp>
       <p:sp>
         <p:nvSpPr>
-          <p:cNvPr id="276" name="Google Shape;276;p32"/>
+          <p:cNvPr id="272" name="Google Shape;272;p32"/>
           <p:cNvSpPr/>
           <p:nvPr/>
         </p:nvSpPr>
@@ -13578,7 +13442,7 @@
       </p:sp>
       <p:sp>
         <p:nvSpPr>
-          <p:cNvPr id="277" name="Google Shape;277;p32"/>
+          <p:cNvPr id="273" name="Google Shape;273;p32"/>
           <p:cNvSpPr/>
           <p:nvPr/>
         </p:nvSpPr>
@@ -13630,7 +13494,7 @@
       </p:sp>
       <p:sp>
         <p:nvSpPr>
-          <p:cNvPr id="278" name="Google Shape;278;p32"/>
+          <p:cNvPr id="274" name="Google Shape;274;p32"/>
           <p:cNvSpPr/>
           <p:nvPr/>
         </p:nvSpPr>
@@ -13682,7 +13546,7 @@
       </p:sp>
       <p:sp>
         <p:nvSpPr>
-          <p:cNvPr id="279" name="Google Shape;279;p32"/>
+          <p:cNvPr id="275" name="Google Shape;275;p32"/>
           <p:cNvSpPr/>
           <p:nvPr/>
         </p:nvSpPr>
@@ -13740,7 +13604,7 @@
       </p:sp>
       <p:sp>
         <p:nvSpPr>
-          <p:cNvPr id="280" name="Google Shape;280;p32"/>
+          <p:cNvPr id="276" name="Google Shape;276;p32"/>
           <p:cNvSpPr/>
           <p:nvPr/>
         </p:nvSpPr>
@@ -13792,7 +13656,7 @@
       </p:sp>
       <p:sp>
         <p:nvSpPr>
-          <p:cNvPr id="281" name="Google Shape;281;p32"/>
+          <p:cNvPr id="277" name="Google Shape;277;p32"/>
           <p:cNvSpPr/>
           <p:nvPr/>
         </p:nvSpPr>
@@ -13844,7 +13708,7 @@
       </p:sp>
       <p:sp>
         <p:nvSpPr>
-          <p:cNvPr id="282" name="Google Shape;282;p32"/>
+          <p:cNvPr id="278" name="Google Shape;278;p32"/>
           <p:cNvSpPr/>
           <p:nvPr/>
         </p:nvSpPr>
@@ -13902,7 +13766,7 @@
       </p:sp>
       <p:sp>
         <p:nvSpPr>
-          <p:cNvPr id="283" name="Google Shape;283;p32"/>
+          <p:cNvPr id="279" name="Google Shape;279;p32"/>
           <p:cNvSpPr/>
           <p:nvPr/>
         </p:nvSpPr>
@@ -13954,7 +13818,7 @@
       </p:sp>
       <p:sp>
         <p:nvSpPr>
-          <p:cNvPr id="284" name="Google Shape;284;p32"/>
+          <p:cNvPr id="280" name="Google Shape;280;p32"/>
           <p:cNvSpPr/>
           <p:nvPr/>
         </p:nvSpPr>
@@ -14012,7 +13876,7 @@
       </p:sp>
       <p:sp>
         <p:nvSpPr>
-          <p:cNvPr id="285" name="Google Shape;285;p32"/>
+          <p:cNvPr id="281" name="Google Shape;281;p32"/>
           <p:cNvSpPr/>
           <p:nvPr/>
         </p:nvSpPr>
@@ -14064,7 +13928,7 @@
       </p:sp>
       <p:sp>
         <p:nvSpPr>
-          <p:cNvPr id="286" name="Google Shape;286;p32"/>
+          <p:cNvPr id="282" name="Google Shape;282;p32"/>
           <p:cNvSpPr/>
           <p:nvPr/>
         </p:nvSpPr>
@@ -14116,13 +13980,13 @@
       </p:sp>
       <p:sp>
         <p:nvSpPr>
-          <p:cNvPr id="287" name="Google Shape;287;p32"/>
+          <p:cNvPr id="283" name="Google Shape;283;p32"/>
           <p:cNvSpPr/>
           <p:nvPr/>
         </p:nvSpPr>
         <p:spPr>
           <a:xfrm>
-            <a:off x="2629203" y="3536022"/>
+            <a:off x="2609428" y="3536022"/>
             <a:ext cx="1157100" cy="466200"/>
           </a:xfrm>
           <a:prstGeom prst="ellipse">
@@ -14182,13 +14046,13 @@
       </p:sp>
       <p:sp>
         <p:nvSpPr>
-          <p:cNvPr id="288" name="Google Shape;288;p32"/>
+          <p:cNvPr id="284" name="Google Shape;284;p32"/>
           <p:cNvSpPr/>
           <p:nvPr/>
         </p:nvSpPr>
         <p:spPr>
           <a:xfrm>
-            <a:off x="2644983" y="4092638"/>
+            <a:off x="2625208" y="4092638"/>
             <a:ext cx="104400" cy="724800"/>
           </a:xfrm>
           <a:prstGeom prst="downArrow">
@@ -14234,13 +14098,13 @@
       </p:sp>
       <p:sp>
         <p:nvSpPr>
-          <p:cNvPr id="289" name="Google Shape;289;p32"/>
+          <p:cNvPr id="285" name="Google Shape;285;p32"/>
           <p:cNvSpPr/>
           <p:nvPr/>
         </p:nvSpPr>
         <p:spPr>
           <a:xfrm>
-            <a:off x="2884750" y="4209739"/>
+            <a:off x="2864975" y="4209739"/>
             <a:ext cx="104400" cy="724800"/>
           </a:xfrm>
           <a:prstGeom prst="downArrow">
@@ -14286,13 +14150,13 @@
       </p:sp>
       <p:sp>
         <p:nvSpPr>
-          <p:cNvPr id="290" name="Google Shape;290;p32"/>
+          <p:cNvPr id="286" name="Google Shape;286;p32"/>
           <p:cNvSpPr/>
           <p:nvPr/>
         </p:nvSpPr>
         <p:spPr>
           <a:xfrm>
-            <a:off x="3283638" y="4209739"/>
+            <a:off x="3263863" y="4209739"/>
             <a:ext cx="104400" cy="724800"/>
           </a:xfrm>
           <a:prstGeom prst="downArrow">
@@ -14338,13 +14202,13 @@
       </p:sp>
       <p:sp>
         <p:nvSpPr>
-          <p:cNvPr id="291" name="Google Shape;291;p32"/>
+          <p:cNvPr id="287" name="Google Shape;287;p32"/>
           <p:cNvSpPr/>
           <p:nvPr/>
         </p:nvSpPr>
         <p:spPr>
           <a:xfrm>
-            <a:off x="3564408" y="4092638"/>
+            <a:off x="3544633" y="4092638"/>
             <a:ext cx="104400" cy="724800"/>
           </a:xfrm>
           <a:prstGeom prst="downArrow">
@@ -14390,7 +14254,7 @@
       </p:sp>
       <p:sp>
         <p:nvSpPr>
-          <p:cNvPr id="292" name="Google Shape;292;p32"/>
+          <p:cNvPr id="288" name="Google Shape;288;p32"/>
           <p:cNvSpPr/>
           <p:nvPr/>
         </p:nvSpPr>
@@ -14456,7 +14320,7 @@
       </p:sp>
       <p:sp>
         <p:nvSpPr>
-          <p:cNvPr id="293" name="Google Shape;293;p32"/>
+          <p:cNvPr id="289" name="Google Shape;289;p32"/>
           <p:cNvSpPr/>
           <p:nvPr/>
         </p:nvSpPr>
@@ -14508,7 +14372,7 @@
       </p:sp>
       <p:sp>
         <p:nvSpPr>
-          <p:cNvPr id="294" name="Google Shape;294;p32"/>
+          <p:cNvPr id="290" name="Google Shape;290;p32"/>
           <p:cNvSpPr/>
           <p:nvPr/>
         </p:nvSpPr>
@@ -14560,7 +14424,7 @@
       </p:sp>
       <p:sp>
         <p:nvSpPr>
-          <p:cNvPr id="295" name="Google Shape;295;p32"/>
+          <p:cNvPr id="291" name="Google Shape;291;p32"/>
           <p:cNvSpPr/>
           <p:nvPr/>
         </p:nvSpPr>
@@ -14612,7 +14476,7 @@
       </p:sp>
       <p:sp>
         <p:nvSpPr>
-          <p:cNvPr id="296" name="Google Shape;296;p32"/>
+          <p:cNvPr id="292" name="Google Shape;292;p32"/>
           <p:cNvSpPr/>
           <p:nvPr/>
         </p:nvSpPr>
@@ -14664,7 +14528,7 @@
       </p:sp>
       <p:sp>
         <p:nvSpPr>
-          <p:cNvPr id="297" name="Google Shape;297;p32"/>
+          <p:cNvPr id="293" name="Google Shape;293;p32"/>
           <p:cNvSpPr txBox="1"/>
           <p:nvPr/>
         </p:nvSpPr>
@@ -14703,7 +14567,7 @@
                 <a:cs typeface="Times"/>
                 <a:sym typeface="Times"/>
               </a:rPr>
-              <a:t>. . .</a:t>
+              <a:t>.  .  .</a:t>
             </a:r>
             <a:endParaRPr sz="1800">
               <a:latin typeface="Times"/>
@@ -14716,7 +14580,7 @@
       </p:sp>
       <p:sp>
         <p:nvSpPr>
-          <p:cNvPr id="298" name="Google Shape;298;p32"/>
+          <p:cNvPr id="294" name="Google Shape;294;p32"/>
           <p:cNvSpPr txBox="1"/>
           <p:nvPr/>
         </p:nvSpPr>
@@ -15022,7 +14886,7 @@
     </p:bg>
     <p:spTree>
       <p:nvGrpSpPr>
-        <p:cNvPr id="302" name="Shape 302"/>
+        <p:cNvPr id="298" name="Shape 298"/>
         <p:cNvGrpSpPr/>
         <p:nvPr/>
       </p:nvGrpSpPr>
@@ -15036,7 +14900,7 @@
       </p:grpSpPr>
       <p:sp>
         <p:nvSpPr>
-          <p:cNvPr id="303" name="Google Shape;303;p33"/>
+          <p:cNvPr id="299" name="Google Shape;299;p33"/>
           <p:cNvSpPr txBox="1"/>
           <p:nvPr>
             <p:ph type="title"/>
@@ -15076,7 +14940,7 @@
                 <a:cs typeface="Times"/>
                 <a:sym typeface="Times"/>
               </a:rPr>
-              <a:t>Pattern: Un finanziatore più attaccanti</a:t>
+              <a:t>Pattern: Un finanziatore - più attaccanti</a:t>
             </a:r>
             <a:endParaRPr sz="3000">
               <a:solidFill>
@@ -15092,7 +14956,7 @@
       </p:sp>
       <p:pic>
         <p:nvPicPr>
-          <p:cNvPr id="304" name="Google Shape;304;p33"/>
+          <p:cNvPr id="300" name="Google Shape;300;p33"/>
           <p:cNvPicPr preferRelativeResize="0"/>
           <p:nvPr/>
         </p:nvPicPr>
@@ -15118,6 +14982,1186 @@
           </a:ln>
         </p:spPr>
       </p:pic>
+      <p:sp>
+        <p:nvSpPr>
+          <p:cNvPr id="301" name="Google Shape;301;p33"/>
+          <p:cNvSpPr/>
+          <p:nvPr/>
+        </p:nvSpPr>
+        <p:spPr>
+          <a:xfrm>
+            <a:off x="163675" y="1608175"/>
+            <a:ext cx="743700" cy="641100"/>
+          </a:xfrm>
+          <a:prstGeom prst="ellipse">
+            <a:avLst/>
+          </a:prstGeom>
+          <a:solidFill>
+            <a:srgbClr val="073763"/>
+          </a:solidFill>
+          <a:ln cap="flat" cmpd="sng" w="9525">
+            <a:solidFill>
+              <a:srgbClr val="000000"/>
+            </a:solidFill>
+            <a:prstDash val="solid"/>
+            <a:round/>
+            <a:headEnd len="sm" w="sm" type="none"/>
+            <a:tailEnd len="sm" w="sm" type="none"/>
+          </a:ln>
+        </p:spPr>
+        <p:txBody>
+          <a:bodyPr anchorCtr="0" anchor="ctr" bIns="91425" lIns="91425" spcFirstLastPara="1" rIns="91425" wrap="square" tIns="91425">
+            <a:noAutofit/>
+          </a:bodyPr>
+          <a:lstStyle/>
+          <a:p>
+            <a:pPr indent="0" lvl="0" marL="0" rtl="0" algn="ctr">
+              <a:spcBef>
+                <a:spcPts val="0"/>
+              </a:spcBef>
+              <a:spcAft>
+                <a:spcPts val="0"/>
+              </a:spcAft>
+              <a:buNone/>
+            </a:pPr>
+            <a:r>
+              <a:rPr lang="en" sz="1800">
+                <a:solidFill>
+                  <a:schemeClr val="lt1"/>
+                </a:solidFill>
+                <a:latin typeface="Times"/>
+                <a:ea typeface="Times"/>
+                <a:cs typeface="Times"/>
+                <a:sym typeface="Times"/>
+              </a:rPr>
+              <a:t>F</a:t>
+            </a:r>
+            <a:endParaRPr sz="2200">
+              <a:solidFill>
+                <a:schemeClr val="lt1"/>
+              </a:solidFill>
+              <a:latin typeface="Times"/>
+              <a:ea typeface="Times"/>
+              <a:cs typeface="Times"/>
+              <a:sym typeface="Times"/>
+            </a:endParaRPr>
+          </a:p>
+        </p:txBody>
+      </p:sp>
+      <p:sp>
+        <p:nvSpPr>
+          <p:cNvPr id="302" name="Google Shape;302;p33"/>
+          <p:cNvSpPr/>
+          <p:nvPr/>
+        </p:nvSpPr>
+        <p:spPr>
+          <a:xfrm>
+            <a:off x="554274" y="2823522"/>
+            <a:ext cx="1157100" cy="466200"/>
+          </a:xfrm>
+          <a:prstGeom prst="ellipse">
+            <a:avLst/>
+          </a:prstGeom>
+          <a:solidFill>
+            <a:srgbClr val="E69138"/>
+          </a:solidFill>
+          <a:ln cap="flat" cmpd="sng" w="9525">
+            <a:solidFill>
+              <a:srgbClr val="000000"/>
+            </a:solidFill>
+            <a:prstDash val="solid"/>
+            <a:round/>
+            <a:headEnd len="sm" w="sm" type="none"/>
+            <a:tailEnd len="sm" w="sm" type="none"/>
+          </a:ln>
+        </p:spPr>
+        <p:txBody>
+          <a:bodyPr anchorCtr="0" anchor="ctr" bIns="91425" lIns="91425" spcFirstLastPara="1" rIns="91425" wrap="square" tIns="91425">
+            <a:noAutofit/>
+          </a:bodyPr>
+          <a:lstStyle/>
+          <a:p>
+            <a:pPr indent="0" lvl="0" marL="0" rtl="0" algn="ctr">
+              <a:spcBef>
+                <a:spcPts val="0"/>
+              </a:spcBef>
+              <a:spcAft>
+                <a:spcPts val="0"/>
+              </a:spcAft>
+              <a:buNone/>
+            </a:pPr>
+            <a:r>
+              <a:rPr lang="en" sz="1800">
+                <a:solidFill>
+                  <a:schemeClr val="lt1"/>
+                </a:solidFill>
+                <a:latin typeface="Times"/>
+                <a:ea typeface="Times"/>
+                <a:cs typeface="Times"/>
+                <a:sym typeface="Times"/>
+              </a:rPr>
+              <a:t>A1</a:t>
+            </a:r>
+            <a:endParaRPr sz="1800">
+              <a:solidFill>
+                <a:schemeClr val="lt1"/>
+              </a:solidFill>
+              <a:latin typeface="Times"/>
+              <a:ea typeface="Times"/>
+              <a:cs typeface="Times"/>
+              <a:sym typeface="Times"/>
+            </a:endParaRPr>
+          </a:p>
+        </p:txBody>
+      </p:sp>
+      <p:sp>
+        <p:nvSpPr>
+          <p:cNvPr id="303" name="Google Shape;303;p33"/>
+          <p:cNvSpPr/>
+          <p:nvPr/>
+        </p:nvSpPr>
+        <p:spPr>
+          <a:xfrm>
+            <a:off x="620904" y="3396538"/>
+            <a:ext cx="104400" cy="724800"/>
+          </a:xfrm>
+          <a:prstGeom prst="downArrow">
+            <a:avLst>
+              <a:gd fmla="val 50000" name="adj1"/>
+              <a:gd fmla="val 50000" name="adj2"/>
+            </a:avLst>
+          </a:prstGeom>
+          <a:solidFill>
+            <a:srgbClr val="CC0000"/>
+          </a:solidFill>
+          <a:ln cap="flat" cmpd="sng" w="9525">
+            <a:solidFill>
+              <a:srgbClr val="000000"/>
+            </a:solidFill>
+            <a:prstDash val="solid"/>
+            <a:round/>
+            <a:headEnd len="sm" w="sm" type="none"/>
+            <a:tailEnd len="sm" w="sm" type="none"/>
+          </a:ln>
+        </p:spPr>
+        <p:txBody>
+          <a:bodyPr anchorCtr="0" anchor="ctr" bIns="91425" lIns="91425" spcFirstLastPara="1" rIns="91425" wrap="square" tIns="91425">
+            <a:noAutofit/>
+          </a:bodyPr>
+          <a:lstStyle/>
+          <a:p>
+            <a:pPr indent="0" lvl="0" marL="0" rtl="0" algn="l">
+              <a:spcBef>
+                <a:spcPts val="0"/>
+              </a:spcBef>
+              <a:spcAft>
+                <a:spcPts val="0"/>
+              </a:spcAft>
+              <a:buNone/>
+            </a:pPr>
+            <a:r>
+              <a:t/>
+            </a:r>
+            <a:endParaRPr/>
+          </a:p>
+        </p:txBody>
+      </p:sp>
+      <p:sp>
+        <p:nvSpPr>
+          <p:cNvPr id="304" name="Google Shape;304;p33"/>
+          <p:cNvSpPr/>
+          <p:nvPr/>
+        </p:nvSpPr>
+        <p:spPr>
+          <a:xfrm>
+            <a:off x="860672" y="3513639"/>
+            <a:ext cx="104400" cy="724800"/>
+          </a:xfrm>
+          <a:prstGeom prst="downArrow">
+            <a:avLst>
+              <a:gd fmla="val 50000" name="adj1"/>
+              <a:gd fmla="val 50000" name="adj2"/>
+            </a:avLst>
+          </a:prstGeom>
+          <a:solidFill>
+            <a:srgbClr val="CC0000"/>
+          </a:solidFill>
+          <a:ln cap="flat" cmpd="sng" w="9525">
+            <a:solidFill>
+              <a:srgbClr val="000000"/>
+            </a:solidFill>
+            <a:prstDash val="solid"/>
+            <a:round/>
+            <a:headEnd len="sm" w="sm" type="none"/>
+            <a:tailEnd len="sm" w="sm" type="none"/>
+          </a:ln>
+        </p:spPr>
+        <p:txBody>
+          <a:bodyPr anchorCtr="0" anchor="ctr" bIns="91425" lIns="91425" spcFirstLastPara="1" rIns="91425" wrap="square" tIns="91425">
+            <a:noAutofit/>
+          </a:bodyPr>
+          <a:lstStyle/>
+          <a:p>
+            <a:pPr indent="0" lvl="0" marL="0" rtl="0" algn="l">
+              <a:spcBef>
+                <a:spcPts val="0"/>
+              </a:spcBef>
+              <a:spcAft>
+                <a:spcPts val="0"/>
+              </a:spcAft>
+              <a:buNone/>
+            </a:pPr>
+            <a:r>
+              <a:t/>
+            </a:r>
+            <a:endParaRPr/>
+          </a:p>
+        </p:txBody>
+      </p:sp>
+      <p:sp>
+        <p:nvSpPr>
+          <p:cNvPr id="305" name="Google Shape;305;p33"/>
+          <p:cNvSpPr/>
+          <p:nvPr/>
+        </p:nvSpPr>
+        <p:spPr>
+          <a:xfrm>
+            <a:off x="1259559" y="3513639"/>
+            <a:ext cx="104400" cy="724800"/>
+          </a:xfrm>
+          <a:prstGeom prst="downArrow">
+            <a:avLst>
+              <a:gd fmla="val 50000" name="adj1"/>
+              <a:gd fmla="val 50000" name="adj2"/>
+            </a:avLst>
+          </a:prstGeom>
+          <a:solidFill>
+            <a:srgbClr val="CC0000"/>
+          </a:solidFill>
+          <a:ln cap="flat" cmpd="sng" w="9525">
+            <a:solidFill>
+              <a:srgbClr val="000000"/>
+            </a:solidFill>
+            <a:prstDash val="solid"/>
+            <a:round/>
+            <a:headEnd len="sm" w="sm" type="none"/>
+            <a:tailEnd len="sm" w="sm" type="none"/>
+          </a:ln>
+        </p:spPr>
+        <p:txBody>
+          <a:bodyPr anchorCtr="0" anchor="ctr" bIns="91425" lIns="91425" spcFirstLastPara="1" rIns="91425" wrap="square" tIns="91425">
+            <a:noAutofit/>
+          </a:bodyPr>
+          <a:lstStyle/>
+          <a:p>
+            <a:pPr indent="0" lvl="0" marL="0" rtl="0" algn="l">
+              <a:spcBef>
+                <a:spcPts val="0"/>
+              </a:spcBef>
+              <a:spcAft>
+                <a:spcPts val="0"/>
+              </a:spcAft>
+              <a:buNone/>
+            </a:pPr>
+            <a:r>
+              <a:t/>
+            </a:r>
+            <a:endParaRPr/>
+          </a:p>
+        </p:txBody>
+      </p:sp>
+      <p:sp>
+        <p:nvSpPr>
+          <p:cNvPr id="306" name="Google Shape;306;p33"/>
+          <p:cNvSpPr/>
+          <p:nvPr/>
+        </p:nvSpPr>
+        <p:spPr>
+          <a:xfrm>
+            <a:off x="1540329" y="3396538"/>
+            <a:ext cx="104400" cy="724800"/>
+          </a:xfrm>
+          <a:prstGeom prst="downArrow">
+            <a:avLst>
+              <a:gd fmla="val 50000" name="adj1"/>
+              <a:gd fmla="val 50000" name="adj2"/>
+            </a:avLst>
+          </a:prstGeom>
+          <a:solidFill>
+            <a:srgbClr val="CC0000"/>
+          </a:solidFill>
+          <a:ln cap="flat" cmpd="sng" w="9525">
+            <a:solidFill>
+              <a:srgbClr val="000000"/>
+            </a:solidFill>
+            <a:prstDash val="solid"/>
+            <a:round/>
+            <a:headEnd len="sm" w="sm" type="none"/>
+            <a:tailEnd len="sm" w="sm" type="none"/>
+          </a:ln>
+        </p:spPr>
+        <p:txBody>
+          <a:bodyPr anchorCtr="0" anchor="ctr" bIns="91425" lIns="91425" spcFirstLastPara="1" rIns="91425" wrap="square" tIns="91425">
+            <a:noAutofit/>
+          </a:bodyPr>
+          <a:lstStyle/>
+          <a:p>
+            <a:pPr indent="0" lvl="0" marL="0" rtl="0" algn="l">
+              <a:spcBef>
+                <a:spcPts val="0"/>
+              </a:spcBef>
+              <a:spcAft>
+                <a:spcPts val="0"/>
+              </a:spcAft>
+              <a:buNone/>
+            </a:pPr>
+            <a:r>
+              <a:t/>
+            </a:r>
+            <a:endParaRPr/>
+          </a:p>
+        </p:txBody>
+      </p:sp>
+      <p:sp>
+        <p:nvSpPr>
+          <p:cNvPr id="307" name="Google Shape;307;p33"/>
+          <p:cNvSpPr/>
+          <p:nvPr/>
+        </p:nvSpPr>
+        <p:spPr>
+          <a:xfrm rot="3914124">
+            <a:off x="559846" y="2410657"/>
+            <a:ext cx="341616" cy="224195"/>
+          </a:xfrm>
+          <a:prstGeom prst="rightArrow">
+            <a:avLst>
+              <a:gd fmla="val 50000" name="adj1"/>
+              <a:gd fmla="val 50000" name="adj2"/>
+            </a:avLst>
+          </a:prstGeom>
+          <a:solidFill>
+            <a:srgbClr val="1155CC"/>
+          </a:solidFill>
+          <a:ln cap="flat" cmpd="sng" w="9525">
+            <a:solidFill>
+              <a:srgbClr val="000000"/>
+            </a:solidFill>
+            <a:prstDash val="solid"/>
+            <a:round/>
+            <a:headEnd len="sm" w="sm" type="none"/>
+            <a:tailEnd len="sm" w="sm" type="none"/>
+          </a:ln>
+        </p:spPr>
+        <p:txBody>
+          <a:bodyPr anchorCtr="0" anchor="ctr" bIns="91425" lIns="91425" spcFirstLastPara="1" rIns="91425" wrap="square" tIns="91425">
+            <a:noAutofit/>
+          </a:bodyPr>
+          <a:lstStyle/>
+          <a:p>
+            <a:pPr indent="0" lvl="0" marL="0" rtl="0" algn="l">
+              <a:spcBef>
+                <a:spcPts val="0"/>
+              </a:spcBef>
+              <a:spcAft>
+                <a:spcPts val="0"/>
+              </a:spcAft>
+              <a:buNone/>
+            </a:pPr>
+            <a:r>
+              <a:t/>
+            </a:r>
+            <a:endParaRPr/>
+          </a:p>
+        </p:txBody>
+      </p:sp>
+      <p:sp>
+        <p:nvSpPr>
+          <p:cNvPr id="308" name="Google Shape;308;p33"/>
+          <p:cNvSpPr/>
+          <p:nvPr/>
+        </p:nvSpPr>
+        <p:spPr>
+          <a:xfrm>
+            <a:off x="2683291" y="2823522"/>
+            <a:ext cx="1157100" cy="466200"/>
+          </a:xfrm>
+          <a:prstGeom prst="ellipse">
+            <a:avLst/>
+          </a:prstGeom>
+          <a:solidFill>
+            <a:srgbClr val="CC0000"/>
+          </a:solidFill>
+          <a:ln cap="flat" cmpd="sng" w="9525">
+            <a:solidFill>
+              <a:srgbClr val="000000"/>
+            </a:solidFill>
+            <a:prstDash val="solid"/>
+            <a:round/>
+            <a:headEnd len="sm" w="sm" type="none"/>
+            <a:tailEnd len="sm" w="sm" type="none"/>
+          </a:ln>
+        </p:spPr>
+        <p:txBody>
+          <a:bodyPr anchorCtr="0" anchor="ctr" bIns="91425" lIns="91425" spcFirstLastPara="1" rIns="91425" wrap="square" tIns="91425">
+            <a:noAutofit/>
+          </a:bodyPr>
+          <a:lstStyle/>
+          <a:p>
+            <a:pPr indent="0" lvl="0" marL="0" rtl="0" algn="ctr">
+              <a:spcBef>
+                <a:spcPts val="0"/>
+              </a:spcBef>
+              <a:spcAft>
+                <a:spcPts val="0"/>
+              </a:spcAft>
+              <a:buNone/>
+            </a:pPr>
+            <a:r>
+              <a:rPr lang="en" sz="1800">
+                <a:solidFill>
+                  <a:schemeClr val="lt1"/>
+                </a:solidFill>
+                <a:latin typeface="Times"/>
+                <a:ea typeface="Times"/>
+                <a:cs typeface="Times"/>
+                <a:sym typeface="Times"/>
+              </a:rPr>
+              <a:t>A2</a:t>
+            </a:r>
+            <a:endParaRPr sz="1800">
+              <a:solidFill>
+                <a:schemeClr val="lt1"/>
+              </a:solidFill>
+              <a:latin typeface="Times"/>
+              <a:ea typeface="Times"/>
+              <a:cs typeface="Times"/>
+              <a:sym typeface="Times"/>
+            </a:endParaRPr>
+          </a:p>
+        </p:txBody>
+      </p:sp>
+      <p:sp>
+        <p:nvSpPr>
+          <p:cNvPr id="309" name="Google Shape;309;p33"/>
+          <p:cNvSpPr/>
+          <p:nvPr/>
+        </p:nvSpPr>
+        <p:spPr>
+          <a:xfrm>
+            <a:off x="2761370" y="3396538"/>
+            <a:ext cx="104400" cy="724800"/>
+          </a:xfrm>
+          <a:prstGeom prst="downArrow">
+            <a:avLst>
+              <a:gd fmla="val 50000" name="adj1"/>
+              <a:gd fmla="val 50000" name="adj2"/>
+            </a:avLst>
+          </a:prstGeom>
+          <a:solidFill>
+            <a:srgbClr val="CC0000"/>
+          </a:solidFill>
+          <a:ln cap="flat" cmpd="sng" w="9525">
+            <a:solidFill>
+              <a:srgbClr val="000000"/>
+            </a:solidFill>
+            <a:prstDash val="solid"/>
+            <a:round/>
+            <a:headEnd len="sm" w="sm" type="none"/>
+            <a:tailEnd len="sm" w="sm" type="none"/>
+          </a:ln>
+        </p:spPr>
+        <p:txBody>
+          <a:bodyPr anchorCtr="0" anchor="ctr" bIns="91425" lIns="91425" spcFirstLastPara="1" rIns="91425" wrap="square" tIns="91425">
+            <a:noAutofit/>
+          </a:bodyPr>
+          <a:lstStyle/>
+          <a:p>
+            <a:pPr indent="0" lvl="0" marL="0" rtl="0" algn="l">
+              <a:spcBef>
+                <a:spcPts val="0"/>
+              </a:spcBef>
+              <a:spcAft>
+                <a:spcPts val="0"/>
+              </a:spcAft>
+              <a:buNone/>
+            </a:pPr>
+            <a:r>
+              <a:t/>
+            </a:r>
+            <a:endParaRPr/>
+          </a:p>
+        </p:txBody>
+      </p:sp>
+      <p:sp>
+        <p:nvSpPr>
+          <p:cNvPr id="310" name="Google Shape;310;p33"/>
+          <p:cNvSpPr/>
+          <p:nvPr/>
+        </p:nvSpPr>
+        <p:spPr>
+          <a:xfrm>
+            <a:off x="3001138" y="3513639"/>
+            <a:ext cx="104400" cy="724800"/>
+          </a:xfrm>
+          <a:prstGeom prst="downArrow">
+            <a:avLst>
+              <a:gd fmla="val 50000" name="adj1"/>
+              <a:gd fmla="val 50000" name="adj2"/>
+            </a:avLst>
+          </a:prstGeom>
+          <a:solidFill>
+            <a:srgbClr val="CC0000"/>
+          </a:solidFill>
+          <a:ln cap="flat" cmpd="sng" w="9525">
+            <a:solidFill>
+              <a:srgbClr val="000000"/>
+            </a:solidFill>
+            <a:prstDash val="solid"/>
+            <a:round/>
+            <a:headEnd len="sm" w="sm" type="none"/>
+            <a:tailEnd len="sm" w="sm" type="none"/>
+          </a:ln>
+        </p:spPr>
+        <p:txBody>
+          <a:bodyPr anchorCtr="0" anchor="ctr" bIns="91425" lIns="91425" spcFirstLastPara="1" rIns="91425" wrap="square" tIns="91425">
+            <a:noAutofit/>
+          </a:bodyPr>
+          <a:lstStyle/>
+          <a:p>
+            <a:pPr indent="0" lvl="0" marL="0" rtl="0" algn="l">
+              <a:spcBef>
+                <a:spcPts val="0"/>
+              </a:spcBef>
+              <a:spcAft>
+                <a:spcPts val="0"/>
+              </a:spcAft>
+              <a:buNone/>
+            </a:pPr>
+            <a:r>
+              <a:t/>
+            </a:r>
+            <a:endParaRPr/>
+          </a:p>
+        </p:txBody>
+      </p:sp>
+      <p:sp>
+        <p:nvSpPr>
+          <p:cNvPr id="311" name="Google Shape;311;p33"/>
+          <p:cNvSpPr/>
+          <p:nvPr/>
+        </p:nvSpPr>
+        <p:spPr>
+          <a:xfrm>
+            <a:off x="3400026" y="3513639"/>
+            <a:ext cx="104400" cy="724800"/>
+          </a:xfrm>
+          <a:prstGeom prst="downArrow">
+            <a:avLst>
+              <a:gd fmla="val 50000" name="adj1"/>
+              <a:gd fmla="val 50000" name="adj2"/>
+            </a:avLst>
+          </a:prstGeom>
+          <a:solidFill>
+            <a:srgbClr val="CC0000"/>
+          </a:solidFill>
+          <a:ln cap="flat" cmpd="sng" w="9525">
+            <a:solidFill>
+              <a:srgbClr val="000000"/>
+            </a:solidFill>
+            <a:prstDash val="solid"/>
+            <a:round/>
+            <a:headEnd len="sm" w="sm" type="none"/>
+            <a:tailEnd len="sm" w="sm" type="none"/>
+          </a:ln>
+        </p:spPr>
+        <p:txBody>
+          <a:bodyPr anchorCtr="0" anchor="ctr" bIns="91425" lIns="91425" spcFirstLastPara="1" rIns="91425" wrap="square" tIns="91425">
+            <a:noAutofit/>
+          </a:bodyPr>
+          <a:lstStyle/>
+          <a:p>
+            <a:pPr indent="0" lvl="0" marL="0" rtl="0" algn="l">
+              <a:spcBef>
+                <a:spcPts val="0"/>
+              </a:spcBef>
+              <a:spcAft>
+                <a:spcPts val="0"/>
+              </a:spcAft>
+              <a:buNone/>
+            </a:pPr>
+            <a:r>
+              <a:t/>
+            </a:r>
+            <a:endParaRPr/>
+          </a:p>
+        </p:txBody>
+      </p:sp>
+      <p:sp>
+        <p:nvSpPr>
+          <p:cNvPr id="312" name="Google Shape;312;p33"/>
+          <p:cNvSpPr/>
+          <p:nvPr/>
+        </p:nvSpPr>
+        <p:spPr>
+          <a:xfrm>
+            <a:off x="3680796" y="3396538"/>
+            <a:ext cx="104400" cy="724800"/>
+          </a:xfrm>
+          <a:prstGeom prst="downArrow">
+            <a:avLst>
+              <a:gd fmla="val 50000" name="adj1"/>
+              <a:gd fmla="val 50000" name="adj2"/>
+            </a:avLst>
+          </a:prstGeom>
+          <a:solidFill>
+            <a:srgbClr val="CC0000"/>
+          </a:solidFill>
+          <a:ln cap="flat" cmpd="sng" w="9525">
+            <a:solidFill>
+              <a:srgbClr val="000000"/>
+            </a:solidFill>
+            <a:prstDash val="solid"/>
+            <a:round/>
+            <a:headEnd len="sm" w="sm" type="none"/>
+            <a:tailEnd len="sm" w="sm" type="none"/>
+          </a:ln>
+        </p:spPr>
+        <p:txBody>
+          <a:bodyPr anchorCtr="0" anchor="ctr" bIns="91425" lIns="91425" spcFirstLastPara="1" rIns="91425" wrap="square" tIns="91425">
+            <a:noAutofit/>
+          </a:bodyPr>
+          <a:lstStyle/>
+          <a:p>
+            <a:pPr indent="0" lvl="0" marL="0" rtl="0" algn="l">
+              <a:spcBef>
+                <a:spcPts val="0"/>
+              </a:spcBef>
+              <a:spcAft>
+                <a:spcPts val="0"/>
+              </a:spcAft>
+              <a:buNone/>
+            </a:pPr>
+            <a:r>
+              <a:t/>
+            </a:r>
+            <a:endParaRPr/>
+          </a:p>
+        </p:txBody>
+      </p:sp>
+      <p:sp>
+        <p:nvSpPr>
+          <p:cNvPr id="313" name="Google Shape;313;p33"/>
+          <p:cNvSpPr/>
+          <p:nvPr/>
+        </p:nvSpPr>
+        <p:spPr>
+          <a:xfrm>
+            <a:off x="4776787" y="2823522"/>
+            <a:ext cx="1157100" cy="466200"/>
+          </a:xfrm>
+          <a:prstGeom prst="ellipse">
+            <a:avLst/>
+          </a:prstGeom>
+          <a:solidFill>
+            <a:srgbClr val="CC0000"/>
+          </a:solidFill>
+          <a:ln cap="flat" cmpd="sng" w="9525">
+            <a:solidFill>
+              <a:srgbClr val="000000"/>
+            </a:solidFill>
+            <a:prstDash val="solid"/>
+            <a:round/>
+            <a:headEnd len="sm" w="sm" type="none"/>
+            <a:tailEnd len="sm" w="sm" type="none"/>
+          </a:ln>
+        </p:spPr>
+        <p:txBody>
+          <a:bodyPr anchorCtr="0" anchor="ctr" bIns="91425" lIns="91425" spcFirstLastPara="1" rIns="91425" wrap="square" tIns="91425">
+            <a:noAutofit/>
+          </a:bodyPr>
+          <a:lstStyle/>
+          <a:p>
+            <a:pPr indent="0" lvl="0" marL="0" rtl="0" algn="ctr">
+              <a:spcBef>
+                <a:spcPts val="0"/>
+              </a:spcBef>
+              <a:spcAft>
+                <a:spcPts val="0"/>
+              </a:spcAft>
+              <a:buNone/>
+            </a:pPr>
+            <a:r>
+              <a:rPr lang="en" sz="1800">
+                <a:solidFill>
+                  <a:schemeClr val="lt1"/>
+                </a:solidFill>
+                <a:latin typeface="Times"/>
+                <a:ea typeface="Times"/>
+                <a:cs typeface="Times"/>
+                <a:sym typeface="Times"/>
+              </a:rPr>
+              <a:t>A3</a:t>
+            </a:r>
+            <a:endParaRPr sz="1800">
+              <a:solidFill>
+                <a:schemeClr val="lt1"/>
+              </a:solidFill>
+              <a:latin typeface="Times"/>
+              <a:ea typeface="Times"/>
+              <a:cs typeface="Times"/>
+              <a:sym typeface="Times"/>
+            </a:endParaRPr>
+          </a:p>
+        </p:txBody>
+      </p:sp>
+      <p:sp>
+        <p:nvSpPr>
+          <p:cNvPr id="314" name="Google Shape;314;p33"/>
+          <p:cNvSpPr/>
+          <p:nvPr/>
+        </p:nvSpPr>
+        <p:spPr>
+          <a:xfrm>
+            <a:off x="4843417" y="3396538"/>
+            <a:ext cx="104400" cy="724800"/>
+          </a:xfrm>
+          <a:prstGeom prst="downArrow">
+            <a:avLst>
+              <a:gd fmla="val 50000" name="adj1"/>
+              <a:gd fmla="val 50000" name="adj2"/>
+            </a:avLst>
+          </a:prstGeom>
+          <a:solidFill>
+            <a:srgbClr val="CC0000"/>
+          </a:solidFill>
+          <a:ln cap="flat" cmpd="sng" w="9525">
+            <a:solidFill>
+              <a:srgbClr val="000000"/>
+            </a:solidFill>
+            <a:prstDash val="solid"/>
+            <a:round/>
+            <a:headEnd len="sm" w="sm" type="none"/>
+            <a:tailEnd len="sm" w="sm" type="none"/>
+          </a:ln>
+        </p:spPr>
+        <p:txBody>
+          <a:bodyPr anchorCtr="0" anchor="ctr" bIns="91425" lIns="91425" spcFirstLastPara="1" rIns="91425" wrap="square" tIns="91425">
+            <a:noAutofit/>
+          </a:bodyPr>
+          <a:lstStyle/>
+          <a:p>
+            <a:pPr indent="0" lvl="0" marL="0" rtl="0" algn="l">
+              <a:spcBef>
+                <a:spcPts val="0"/>
+              </a:spcBef>
+              <a:spcAft>
+                <a:spcPts val="0"/>
+              </a:spcAft>
+              <a:buNone/>
+            </a:pPr>
+            <a:r>
+              <a:t/>
+            </a:r>
+            <a:endParaRPr/>
+          </a:p>
+        </p:txBody>
+      </p:sp>
+      <p:sp>
+        <p:nvSpPr>
+          <p:cNvPr id="315" name="Google Shape;315;p33"/>
+          <p:cNvSpPr/>
+          <p:nvPr/>
+        </p:nvSpPr>
+        <p:spPr>
+          <a:xfrm>
+            <a:off x="5083185" y="3513639"/>
+            <a:ext cx="104400" cy="724800"/>
+          </a:xfrm>
+          <a:prstGeom prst="downArrow">
+            <a:avLst>
+              <a:gd fmla="val 50000" name="adj1"/>
+              <a:gd fmla="val 50000" name="adj2"/>
+            </a:avLst>
+          </a:prstGeom>
+          <a:solidFill>
+            <a:srgbClr val="CC0000"/>
+          </a:solidFill>
+          <a:ln cap="flat" cmpd="sng" w="9525">
+            <a:solidFill>
+              <a:srgbClr val="000000"/>
+            </a:solidFill>
+            <a:prstDash val="solid"/>
+            <a:round/>
+            <a:headEnd len="sm" w="sm" type="none"/>
+            <a:tailEnd len="sm" w="sm" type="none"/>
+          </a:ln>
+        </p:spPr>
+        <p:txBody>
+          <a:bodyPr anchorCtr="0" anchor="ctr" bIns="91425" lIns="91425" spcFirstLastPara="1" rIns="91425" wrap="square" tIns="91425">
+            <a:noAutofit/>
+          </a:bodyPr>
+          <a:lstStyle/>
+          <a:p>
+            <a:pPr indent="0" lvl="0" marL="0" rtl="0" algn="l">
+              <a:spcBef>
+                <a:spcPts val="0"/>
+              </a:spcBef>
+              <a:spcAft>
+                <a:spcPts val="0"/>
+              </a:spcAft>
+              <a:buNone/>
+            </a:pPr>
+            <a:r>
+              <a:t/>
+            </a:r>
+            <a:endParaRPr/>
+          </a:p>
+        </p:txBody>
+      </p:sp>
+      <p:sp>
+        <p:nvSpPr>
+          <p:cNvPr id="316" name="Google Shape;316;p33"/>
+          <p:cNvSpPr/>
+          <p:nvPr/>
+        </p:nvSpPr>
+        <p:spPr>
+          <a:xfrm>
+            <a:off x="5482073" y="3513639"/>
+            <a:ext cx="104400" cy="724800"/>
+          </a:xfrm>
+          <a:prstGeom prst="downArrow">
+            <a:avLst>
+              <a:gd fmla="val 50000" name="adj1"/>
+              <a:gd fmla="val 50000" name="adj2"/>
+            </a:avLst>
+          </a:prstGeom>
+          <a:solidFill>
+            <a:srgbClr val="CC0000"/>
+          </a:solidFill>
+          <a:ln cap="flat" cmpd="sng" w="9525">
+            <a:solidFill>
+              <a:srgbClr val="000000"/>
+            </a:solidFill>
+            <a:prstDash val="solid"/>
+            <a:round/>
+            <a:headEnd len="sm" w="sm" type="none"/>
+            <a:tailEnd len="sm" w="sm" type="none"/>
+          </a:ln>
+        </p:spPr>
+        <p:txBody>
+          <a:bodyPr anchorCtr="0" anchor="ctr" bIns="91425" lIns="91425" spcFirstLastPara="1" rIns="91425" wrap="square" tIns="91425">
+            <a:noAutofit/>
+          </a:bodyPr>
+          <a:lstStyle/>
+          <a:p>
+            <a:pPr indent="0" lvl="0" marL="0" rtl="0" algn="l">
+              <a:spcBef>
+                <a:spcPts val="0"/>
+              </a:spcBef>
+              <a:spcAft>
+                <a:spcPts val="0"/>
+              </a:spcAft>
+              <a:buNone/>
+            </a:pPr>
+            <a:r>
+              <a:t/>
+            </a:r>
+            <a:endParaRPr/>
+          </a:p>
+        </p:txBody>
+      </p:sp>
+      <p:sp>
+        <p:nvSpPr>
+          <p:cNvPr id="317" name="Google Shape;317;p33"/>
+          <p:cNvSpPr/>
+          <p:nvPr/>
+        </p:nvSpPr>
+        <p:spPr>
+          <a:xfrm>
+            <a:off x="5762843" y="3396538"/>
+            <a:ext cx="104400" cy="724800"/>
+          </a:xfrm>
+          <a:prstGeom prst="downArrow">
+            <a:avLst>
+              <a:gd fmla="val 50000" name="adj1"/>
+              <a:gd fmla="val 50000" name="adj2"/>
+            </a:avLst>
+          </a:prstGeom>
+          <a:solidFill>
+            <a:srgbClr val="CC0000"/>
+          </a:solidFill>
+          <a:ln cap="flat" cmpd="sng" w="9525">
+            <a:solidFill>
+              <a:srgbClr val="000000"/>
+            </a:solidFill>
+            <a:prstDash val="solid"/>
+            <a:round/>
+            <a:headEnd len="sm" w="sm" type="none"/>
+            <a:tailEnd len="sm" w="sm" type="none"/>
+          </a:ln>
+        </p:spPr>
+        <p:txBody>
+          <a:bodyPr anchorCtr="0" anchor="ctr" bIns="91425" lIns="91425" spcFirstLastPara="1" rIns="91425" wrap="square" tIns="91425">
+            <a:noAutofit/>
+          </a:bodyPr>
+          <a:lstStyle/>
+          <a:p>
+            <a:pPr indent="0" lvl="0" marL="0" rtl="0" algn="l">
+              <a:spcBef>
+                <a:spcPts val="0"/>
+              </a:spcBef>
+              <a:spcAft>
+                <a:spcPts val="0"/>
+              </a:spcAft>
+              <a:buNone/>
+            </a:pPr>
+            <a:r>
+              <a:t/>
+            </a:r>
+            <a:endParaRPr/>
+          </a:p>
+        </p:txBody>
+      </p:sp>
+      <p:sp>
+        <p:nvSpPr>
+          <p:cNvPr id="318" name="Google Shape;318;p33"/>
+          <p:cNvSpPr/>
+          <p:nvPr/>
+        </p:nvSpPr>
+        <p:spPr>
+          <a:xfrm>
+            <a:off x="1891212" y="2941286"/>
+            <a:ext cx="500100" cy="230700"/>
+          </a:xfrm>
+          <a:prstGeom prst="rightArrow">
+            <a:avLst>
+              <a:gd fmla="val 50000" name="adj1"/>
+              <a:gd fmla="val 50000" name="adj2"/>
+            </a:avLst>
+          </a:prstGeom>
+          <a:solidFill>
+            <a:srgbClr val="CC0000"/>
+          </a:solidFill>
+          <a:ln cap="flat" cmpd="sng" w="9525">
+            <a:solidFill>
+              <a:srgbClr val="000000"/>
+            </a:solidFill>
+            <a:prstDash val="solid"/>
+            <a:round/>
+            <a:headEnd len="sm" w="sm" type="none"/>
+            <a:tailEnd len="sm" w="sm" type="none"/>
+          </a:ln>
+        </p:spPr>
+        <p:txBody>
+          <a:bodyPr anchorCtr="0" anchor="ctr" bIns="91425" lIns="91425" spcFirstLastPara="1" rIns="91425" wrap="square" tIns="91425">
+            <a:noAutofit/>
+          </a:bodyPr>
+          <a:lstStyle/>
+          <a:p>
+            <a:pPr indent="0" lvl="0" marL="0" rtl="0" algn="l">
+              <a:spcBef>
+                <a:spcPts val="0"/>
+              </a:spcBef>
+              <a:spcAft>
+                <a:spcPts val="0"/>
+              </a:spcAft>
+              <a:buNone/>
+            </a:pPr>
+            <a:r>
+              <a:t/>
+            </a:r>
+            <a:endParaRPr/>
+          </a:p>
+        </p:txBody>
+      </p:sp>
+      <p:sp>
+        <p:nvSpPr>
+          <p:cNvPr id="319" name="Google Shape;319;p33"/>
+          <p:cNvSpPr/>
+          <p:nvPr/>
+        </p:nvSpPr>
+        <p:spPr>
+          <a:xfrm>
+            <a:off x="4132387" y="2941286"/>
+            <a:ext cx="500100" cy="230700"/>
+          </a:xfrm>
+          <a:prstGeom prst="rightArrow">
+            <a:avLst>
+              <a:gd fmla="val 50000" name="adj1"/>
+              <a:gd fmla="val 50000" name="adj2"/>
+            </a:avLst>
+          </a:prstGeom>
+          <a:solidFill>
+            <a:srgbClr val="CC0000"/>
+          </a:solidFill>
+          <a:ln cap="flat" cmpd="sng" w="9525">
+            <a:solidFill>
+              <a:srgbClr val="000000"/>
+            </a:solidFill>
+            <a:prstDash val="solid"/>
+            <a:round/>
+            <a:headEnd len="sm" w="sm" type="none"/>
+            <a:tailEnd len="sm" w="sm" type="none"/>
+          </a:ln>
+        </p:spPr>
+        <p:txBody>
+          <a:bodyPr anchorCtr="0" anchor="ctr" bIns="91425" lIns="91425" spcFirstLastPara="1" rIns="91425" wrap="square" tIns="91425">
+            <a:noAutofit/>
+          </a:bodyPr>
+          <a:lstStyle/>
+          <a:p>
+            <a:pPr indent="0" lvl="0" marL="0" rtl="0" algn="l">
+              <a:spcBef>
+                <a:spcPts val="0"/>
+              </a:spcBef>
+              <a:spcAft>
+                <a:spcPts val="0"/>
+              </a:spcAft>
+              <a:buNone/>
+            </a:pPr>
+            <a:r>
+              <a:t/>
+            </a:r>
+            <a:endParaRPr/>
+          </a:p>
+        </p:txBody>
+      </p:sp>
+      <p:sp>
+        <p:nvSpPr>
+          <p:cNvPr id="320" name="Google Shape;320;p33"/>
+          <p:cNvSpPr txBox="1"/>
+          <p:nvPr/>
+        </p:nvSpPr>
+        <p:spPr>
+          <a:xfrm>
+            <a:off x="6215625" y="2823525"/>
+            <a:ext cx="872400" cy="400200"/>
+          </a:xfrm>
+          <a:prstGeom prst="rect">
+            <a:avLst/>
+          </a:prstGeom>
+          <a:noFill/>
+          <a:ln>
+            <a:noFill/>
+          </a:ln>
+        </p:spPr>
+        <p:txBody>
+          <a:bodyPr anchorCtr="0" anchor="t" bIns="91425" lIns="91425" spcFirstLastPara="1" rIns="91425" wrap="square" tIns="91425">
+            <a:spAutoFit/>
+          </a:bodyPr>
+          <a:lstStyle/>
+          <a:p>
+            <a:pPr indent="0" lvl="0" marL="0" rtl="0" algn="ctr">
+              <a:spcBef>
+                <a:spcPts val="0"/>
+              </a:spcBef>
+              <a:spcAft>
+                <a:spcPts val="0"/>
+              </a:spcAft>
+              <a:buNone/>
+            </a:pPr>
+            <a:r>
+              <a:rPr lang="en">
+                <a:latin typeface="Karla"/>
+                <a:ea typeface="Karla"/>
+                <a:cs typeface="Karla"/>
+                <a:sym typeface="Karla"/>
+              </a:rPr>
+              <a:t>.   .   .</a:t>
+            </a:r>
+            <a:endParaRPr sz="1800">
+              <a:latin typeface="Times"/>
+              <a:ea typeface="Times"/>
+              <a:cs typeface="Times"/>
+              <a:sym typeface="Times"/>
+            </a:endParaRPr>
+          </a:p>
+        </p:txBody>
+      </p:sp>
+      <p:sp>
+        <p:nvSpPr>
+          <p:cNvPr id="321" name="Google Shape;321;p33"/>
+          <p:cNvSpPr txBox="1"/>
+          <p:nvPr/>
+        </p:nvSpPr>
+        <p:spPr>
+          <a:xfrm>
+            <a:off x="965075" y="1355750"/>
+            <a:ext cx="6596400" cy="461700"/>
+          </a:xfrm>
+          <a:prstGeom prst="rect">
+            <a:avLst/>
+          </a:prstGeom>
+          <a:noFill/>
+          <a:ln>
+            <a:noFill/>
+          </a:ln>
+        </p:spPr>
+        <p:txBody>
+          <a:bodyPr anchorCtr="0" anchor="t" bIns="91425" lIns="91425" spcFirstLastPara="1" rIns="91425" wrap="square" tIns="91425">
+            <a:spAutoFit/>
+          </a:bodyPr>
+          <a:lstStyle/>
+          <a:p>
+            <a:pPr indent="-342900" lvl="0" marL="457200" rtl="0" algn="l">
+              <a:lnSpc>
+                <a:spcPct val="115000"/>
+              </a:lnSpc>
+              <a:spcBef>
+                <a:spcPts val="0"/>
+              </a:spcBef>
+              <a:spcAft>
+                <a:spcPts val="0"/>
+              </a:spcAft>
+              <a:buSzPts val="1800"/>
+              <a:buFont typeface="Karla"/>
+              <a:buChar char="●"/>
+            </a:pPr>
+            <a:r>
+              <a:rPr lang="en" sz="1800">
+                <a:latin typeface="Times"/>
+                <a:ea typeface="Times"/>
+                <a:cs typeface="Times"/>
+                <a:sym typeface="Times"/>
+              </a:rPr>
+              <a:t>Primo attaccante</a:t>
+            </a:r>
+            <a:r>
+              <a:rPr i="1" lang="en" sz="1800">
+                <a:latin typeface="Karla"/>
+                <a:ea typeface="Karla"/>
+                <a:cs typeface="Karla"/>
+                <a:sym typeface="Karla"/>
+              </a:rPr>
+              <a:t>: </a:t>
+            </a:r>
+            <a:r>
+              <a:rPr i="1" lang="en" sz="1800">
+                <a:latin typeface="Karla"/>
+                <a:ea typeface="Karla"/>
+                <a:cs typeface="Karla"/>
+                <a:sym typeface="Karla"/>
+              </a:rPr>
+              <a:t>1JYvvL67LrSGCG77cy4rmpUXCFfSub4JkG</a:t>
+            </a:r>
+            <a:r>
+              <a:rPr lang="en" sz="1800">
+                <a:latin typeface="Karla"/>
+                <a:ea typeface="Karla"/>
+                <a:cs typeface="Karla"/>
+                <a:sym typeface="Karla"/>
+              </a:rPr>
+              <a:t>.</a:t>
+            </a:r>
+            <a:endParaRPr sz="1800">
+              <a:latin typeface="Times"/>
+              <a:ea typeface="Times"/>
+              <a:cs typeface="Times"/>
+              <a:sym typeface="Times"/>
+            </a:endParaRPr>
+          </a:p>
+        </p:txBody>
+      </p:sp>
     </p:spTree>
   </p:cSld>
   <p:clrMapOvr>
@@ -15138,7 +16182,7 @@
     </p:bg>
     <p:spTree>
       <p:nvGrpSpPr>
-        <p:cNvPr id="308" name="Shape 308"/>
+        <p:cNvPr id="325" name="Shape 325"/>
         <p:cNvGrpSpPr/>
         <p:nvPr/>
       </p:nvGrpSpPr>
@@ -15152,16 +16196,16 @@
       </p:grpSpPr>
       <p:sp>
         <p:nvSpPr>
-          <p:cNvPr id="309" name="Google Shape;309;p34"/>
+          <p:cNvPr id="326" name="Google Shape;326;p34"/>
           <p:cNvSpPr txBox="1"/>
           <p:nvPr>
-            <p:ph type="title"/>
+            <p:ph type="ctrTitle"/>
           </p:nvPr>
         </p:nvSpPr>
         <p:spPr>
           <a:xfrm>
-            <a:off x="1286450" y="2367000"/>
-            <a:ext cx="4801500" cy="409500"/>
+            <a:off x="499325" y="1980750"/>
+            <a:ext cx="3530700" cy="1182000"/>
           </a:xfrm>
           <a:prstGeom prst="rect">
             <a:avLst/>
@@ -15192,7 +16236,7 @@
                 <a:cs typeface="Times"/>
                 <a:sym typeface="Times"/>
               </a:rPr>
-              <a:t>RINGRAZIAMENTI</a:t>
+              <a:t>Grazie a tutti per l’attenzione.</a:t>
             </a:r>
             <a:endParaRPr sz="3000">
               <a:solidFill>
@@ -15208,7 +16252,7 @@
       </p:sp>
       <p:pic>
         <p:nvPicPr>
-          <p:cNvPr id="310" name="Google Shape;310;p34"/>
+          <p:cNvPr id="327" name="Google Shape;327;p34"/>
           <p:cNvPicPr preferRelativeResize="0"/>
           <p:nvPr/>
         </p:nvPicPr>
@@ -15234,6 +16278,160 @@
           </a:ln>
         </p:spPr>
       </p:pic>
+      <p:sp>
+        <p:nvSpPr>
+          <p:cNvPr id="328" name="Google Shape;328;p34"/>
+          <p:cNvSpPr txBox="1"/>
+          <p:nvPr/>
+        </p:nvSpPr>
+        <p:spPr>
+          <a:xfrm>
+            <a:off x="5401400" y="3162750"/>
+            <a:ext cx="3270600" cy="1569900"/>
+          </a:xfrm>
+          <a:prstGeom prst="rect">
+            <a:avLst/>
+          </a:prstGeom>
+          <a:noFill/>
+          <a:ln>
+            <a:noFill/>
+          </a:ln>
+        </p:spPr>
+        <p:txBody>
+          <a:bodyPr anchorCtr="0" anchor="t" bIns="91425" lIns="91425" spcFirstLastPara="1" rIns="91425" wrap="square" tIns="91425">
+            <a:spAutoFit/>
+          </a:bodyPr>
+          <a:lstStyle/>
+          <a:p>
+            <a:pPr indent="0" lvl="0" marL="0" rtl="0" algn="ctr">
+              <a:spcBef>
+                <a:spcPts val="0"/>
+              </a:spcBef>
+              <a:spcAft>
+                <a:spcPts val="0"/>
+              </a:spcAft>
+              <a:buNone/>
+            </a:pPr>
+            <a:r>
+              <a:rPr lang="en" sz="1800">
+                <a:solidFill>
+                  <a:schemeClr val="lt1"/>
+                </a:solidFill>
+                <a:latin typeface="Times"/>
+                <a:ea typeface="Times"/>
+                <a:cs typeface="Times"/>
+                <a:sym typeface="Times"/>
+              </a:rPr>
+              <a:t>Ringrazio inoltre </a:t>
+            </a:r>
+            <a:endParaRPr sz="1800">
+              <a:solidFill>
+                <a:schemeClr val="lt1"/>
+              </a:solidFill>
+              <a:latin typeface="Times"/>
+              <a:ea typeface="Times"/>
+              <a:cs typeface="Times"/>
+              <a:sym typeface="Times"/>
+            </a:endParaRPr>
+          </a:p>
+          <a:p>
+            <a:pPr indent="0" lvl="0" marL="0" rtl="0" algn="ctr">
+              <a:spcBef>
+                <a:spcPts val="0"/>
+              </a:spcBef>
+              <a:spcAft>
+                <a:spcPts val="0"/>
+              </a:spcAft>
+              <a:buNone/>
+            </a:pPr>
+            <a:r>
+              <a:rPr lang="en" sz="1800">
+                <a:solidFill>
+                  <a:schemeClr val="lt1"/>
+                </a:solidFill>
+                <a:latin typeface="Times"/>
+                <a:ea typeface="Times"/>
+                <a:cs typeface="Times"/>
+                <a:sym typeface="Times"/>
+              </a:rPr>
+              <a:t>la prof.ssa Ricci e </a:t>
+            </a:r>
+            <a:endParaRPr sz="1800">
+              <a:solidFill>
+                <a:schemeClr val="lt1"/>
+              </a:solidFill>
+              <a:latin typeface="Times"/>
+              <a:ea typeface="Times"/>
+              <a:cs typeface="Times"/>
+              <a:sym typeface="Times"/>
+            </a:endParaRPr>
+          </a:p>
+          <a:p>
+            <a:pPr indent="0" lvl="0" marL="0" rtl="0" algn="ctr">
+              <a:spcBef>
+                <a:spcPts val="0"/>
+              </a:spcBef>
+              <a:spcAft>
+                <a:spcPts val="0"/>
+              </a:spcAft>
+              <a:buNone/>
+            </a:pPr>
+            <a:r>
+              <a:rPr lang="en" sz="1800">
+                <a:solidFill>
+                  <a:schemeClr val="lt1"/>
+                </a:solidFill>
+                <a:latin typeface="Times"/>
+                <a:ea typeface="Times"/>
+                <a:cs typeface="Times"/>
+                <a:sym typeface="Times"/>
+              </a:rPr>
+              <a:t>il prof Di Francesco </a:t>
+            </a:r>
+            <a:endParaRPr sz="1800">
+              <a:solidFill>
+                <a:schemeClr val="lt1"/>
+              </a:solidFill>
+              <a:latin typeface="Times"/>
+              <a:ea typeface="Times"/>
+              <a:cs typeface="Times"/>
+              <a:sym typeface="Times"/>
+            </a:endParaRPr>
+          </a:p>
+          <a:p>
+            <a:pPr indent="0" lvl="0" marL="0" rtl="0" algn="ctr">
+              <a:spcBef>
+                <a:spcPts val="0"/>
+              </a:spcBef>
+              <a:spcAft>
+                <a:spcPts val="0"/>
+              </a:spcAft>
+              <a:buNone/>
+            </a:pPr>
+            <a:r>
+              <a:rPr lang="en" sz="1800">
+                <a:solidFill>
+                  <a:schemeClr val="lt1"/>
+                </a:solidFill>
+                <a:latin typeface="Times"/>
+                <a:ea typeface="Times"/>
+                <a:cs typeface="Times"/>
+                <a:sym typeface="Times"/>
+              </a:rPr>
+              <a:t>per tutta la disponibilità che hanno avuto nei miei confronti.</a:t>
+            </a:r>
+            <a:endParaRPr sz="1800">
+              <a:solidFill>
+                <a:schemeClr val="lt1"/>
+              </a:solidFill>
+              <a:latin typeface="Times"/>
+              <a:ea typeface="Times"/>
+              <a:cs typeface="Times"/>
+              <a:sym typeface="Times"/>
+            </a:endParaRPr>
+          </a:p>
+        </p:txBody>
+      </p:sp>
     </p:spTree>
   </p:cSld>
   <p:clrMapOvr>
@@ -19820,6 +21018,285 @@
 </file>
 
 <file path=ppt/theme/theme1.xml><?xml version="1.0" encoding="utf-8"?>
+<a:theme xmlns:a="http://schemas.openxmlformats.org/drawingml/2006/main" xmlns:r="http://schemas.openxmlformats.org/officeDocument/2006/relationships">
+  <a:themeElements>
+    <a:clrScheme name="Default">
+      <a:dk1>
+        <a:srgbClr val="000000"/>
+      </a:dk1>
+      <a:lt1>
+        <a:srgbClr val="FFFFFF"/>
+      </a:lt1>
+      <a:dk2>
+        <a:srgbClr val="158158"/>
+      </a:dk2>
+      <a:lt2>
+        <a:srgbClr val="F3F3F3"/>
+      </a:lt2>
+      <a:accent1>
+        <a:srgbClr val="058DC7"/>
+      </a:accent1>
+      <a:accent2>
+        <a:srgbClr val="50B432"/>
+      </a:accent2>
+      <a:accent3>
+        <a:srgbClr val="ED561B"/>
+      </a:accent3>
+      <a:accent4>
+        <a:srgbClr val="EDEF00"/>
+      </a:accent4>
+      <a:accent5>
+        <a:srgbClr val="24CBE5"/>
+      </a:accent5>
+      <a:accent6>
+        <a:srgbClr val="64E572"/>
+      </a:accent6>
+      <a:hlink>
+        <a:srgbClr val="2200CC"/>
+      </a:hlink>
+      <a:folHlink>
+        <a:srgbClr val="551A8B"/>
+      </a:folHlink>
+    </a:clrScheme>
+    <a:fontScheme name="Office">
+      <a:majorFont>
+        <a:latin typeface="Arial"/>
+        <a:ea typeface=""/>
+        <a:cs typeface=""/>
+        <a:font script="Jpan" typeface="ＭＳ Ｐゴシック"/>
+        <a:font script="Hang" typeface="맑은 고딕"/>
+        <a:font script="Hans" typeface="宋体"/>
+        <a:font script="Hant" typeface="新細明體"/>
+        <a:font script="Arab" typeface="Times New Roman"/>
+        <a:font script="Hebr" typeface="Times New Roman"/>
+        <a:font script="Thai" typeface="Angsana New"/>
+        <a:font script="Ethi" typeface="Nyala"/>
+        <a:font script="Beng" typeface="Vrinda"/>
+        <a:font script="Gujr" typeface="Shruti"/>
+        <a:font script="Khmr" typeface="MoolBoran"/>
+        <a:font script="Knda" typeface="Tunga"/>
+        <a:font script="Guru" typeface="Raavi"/>
+        <a:font script="Cans" typeface="Euphemia"/>
+        <a:font script="Cher" typeface="Plantagenet Cherokee"/>
+        <a:font script="Yiii" typeface="Microsoft Yi Baiti"/>
+        <a:font script="Tibt" typeface="Microsoft Himalaya"/>
+        <a:font script="Thaa" typeface="MV Boli"/>
+        <a:font script="Deva" typeface="Mangal"/>
+        <a:font script="Telu" typeface="Gautami"/>
+        <a:font script="Taml" typeface="Latha"/>
+        <a:font script="Syrc" typeface="Estrangelo Edessa"/>
+        <a:font script="Orya" typeface="Kalinga"/>
+        <a:font script="Mlym" typeface="Kartika"/>
+        <a:font script="Laoo" typeface="DokChampa"/>
+        <a:font script="Sinh" typeface="Iskoola Pota"/>
+        <a:font script="Mong" typeface="Mongolian Baiti"/>
+        <a:font script="Viet" typeface="Times New Roman"/>
+        <a:font script="Uigh" typeface="Microsoft Uighur"/>
+        <a:font script="Geor" typeface="Sylfaen"/>
+      </a:majorFont>
+      <a:minorFont>
+        <a:latin typeface="Arial"/>
+        <a:ea typeface=""/>
+        <a:cs typeface=""/>
+        <a:font script="Jpan" typeface="ＭＳ Ｐゴシック"/>
+        <a:font script="Hang" typeface="맑은 고딕"/>
+        <a:font script="Hans" typeface="宋体"/>
+        <a:font script="Hant" typeface="新細明體"/>
+        <a:font script="Arab" typeface="Arial"/>
+        <a:font script="Hebr" typeface="Arial"/>
+        <a:font script="Thai" typeface="Cordia New"/>
+        <a:font script="Ethi" typeface="Nyala"/>
+        <a:font script="Beng" typeface="Vrinda"/>
+        <a:font script="Gujr" typeface="Shruti"/>
+        <a:font script="Khmr" typeface="DaunPenh"/>
+        <a:font script="Knda" typeface="Tunga"/>
+        <a:font script="Guru" typeface="Raavi"/>
+        <a:font script="Cans" typeface="Euphemia"/>
+        <a:font script="Cher" typeface="Plantagenet Cherokee"/>
+        <a:font script="Yiii" typeface="Microsoft Yi Baiti"/>
+        <a:font script="Tibt" typeface="Microsoft Himalaya"/>
+        <a:font script="Thaa" typeface="MV Boli"/>
+        <a:font script="Deva" typeface="Mangal"/>
+        <a:font script="Telu" typeface="Gautami"/>
+        <a:font script="Taml" typeface="Latha"/>
+        <a:font script="Syrc" typeface="Estrangelo Edessa"/>
+        <a:font script="Orya" typeface="Kalinga"/>
+        <a:font script="Mlym" typeface="Kartika"/>
+        <a:font script="Laoo" typeface="DokChampa"/>
+        <a:font script="Sinh" typeface="Iskoola Pota"/>
+        <a:font script="Mong" typeface="Mongolian Baiti"/>
+        <a:font script="Viet" typeface="Arial"/>
+        <a:font script="Uigh" typeface="Microsoft Uighur"/>
+        <a:font script="Geor" typeface="Sylfaen"/>
+      </a:minorFont>
+    </a:fontScheme>
+    <a:fmtScheme name="Office">
+      <a:fillStyleLst>
+        <a:solidFill>
+          <a:schemeClr val="phClr"/>
+        </a:solidFill>
+        <a:gradFill rotWithShape="1">
+          <a:gsLst>
+            <a:gs pos="0">
+              <a:schemeClr val="phClr">
+                <a:tint val="50000"/>
+                <a:satMod val="300000"/>
+              </a:schemeClr>
+            </a:gs>
+            <a:gs pos="35000">
+              <a:schemeClr val="phClr">
+                <a:tint val="37000"/>
+                <a:satMod val="300000"/>
+              </a:schemeClr>
+            </a:gs>
+            <a:gs pos="100000">
+              <a:schemeClr val="phClr">
+                <a:tint val="15000"/>
+                <a:satMod val="350000"/>
+              </a:schemeClr>
+            </a:gs>
+          </a:gsLst>
+          <a:lin ang="16200000" scaled="1"/>
+        </a:gradFill>
+        <a:gradFill rotWithShape="1">
+          <a:gsLst>
+            <a:gs pos="0">
+              <a:schemeClr val="phClr">
+                <a:tint val="100000"/>
+                <a:shade val="100000"/>
+                <a:satMod val="130000"/>
+              </a:schemeClr>
+            </a:gs>
+            <a:gs pos="100000">
+              <a:schemeClr val="phClr">
+                <a:tint val="50000"/>
+                <a:shade val="100000"/>
+                <a:satMod val="350000"/>
+              </a:schemeClr>
+            </a:gs>
+          </a:gsLst>
+          <a:lin ang="16200000" scaled="0"/>
+        </a:gradFill>
+      </a:fillStyleLst>
+      <a:lnStyleLst>
+        <a:ln w="9525" cap="flat" cmpd="sng" algn="ctr">
+          <a:solidFill>
+            <a:schemeClr val="phClr">
+              <a:shade val="95000"/>
+              <a:satMod val="105000"/>
+            </a:schemeClr>
+          </a:solidFill>
+          <a:prstDash val="solid"/>
+        </a:ln>
+        <a:ln w="25400" cap="flat" cmpd="sng" algn="ctr">
+          <a:solidFill>
+            <a:schemeClr val="phClr"/>
+          </a:solidFill>
+          <a:prstDash val="solid"/>
+        </a:ln>
+        <a:ln w="38100" cap="flat" cmpd="sng" algn="ctr">
+          <a:solidFill>
+            <a:schemeClr val="phClr"/>
+          </a:solidFill>
+          <a:prstDash val="solid"/>
+        </a:ln>
+      </a:lnStyleLst>
+      <a:effectStyleLst>
+        <a:effectStyle>
+          <a:effectLst>
+            <a:outerShdw blurRad="40000" dist="20000" dir="5400000" rotWithShape="0">
+              <a:srgbClr val="000000">
+                <a:alpha val="38000"/>
+              </a:srgbClr>
+            </a:outerShdw>
+          </a:effectLst>
+        </a:effectStyle>
+        <a:effectStyle>
+          <a:effectLst>
+            <a:outerShdw blurRad="40000" dist="23000" dir="5400000" rotWithShape="0">
+              <a:srgbClr val="000000">
+                <a:alpha val="35000"/>
+              </a:srgbClr>
+            </a:outerShdw>
+          </a:effectLst>
+        </a:effectStyle>
+        <a:effectStyle>
+          <a:effectLst>
+            <a:outerShdw blurRad="40000" dist="23000" dir="5400000" rotWithShape="0">
+              <a:srgbClr val="000000">
+                <a:alpha val="35000"/>
+              </a:srgbClr>
+            </a:outerShdw>
+          </a:effectLst>
+          <a:scene3d>
+            <a:camera prst="orthographicFront">
+              <a:rot lat="0" lon="0" rev="0"/>
+            </a:camera>
+            <a:lightRig rig="threePt" dir="t">
+              <a:rot lat="0" lon="0" rev="1200000"/>
+            </a:lightRig>
+          </a:scene3d>
+          <a:sp3d>
+            <a:bevelT w="63500" h="25400"/>
+          </a:sp3d>
+        </a:effectStyle>
+      </a:effectStyleLst>
+      <a:bgFillStyleLst>
+        <a:solidFill>
+          <a:schemeClr val="phClr"/>
+        </a:solidFill>
+        <a:gradFill rotWithShape="1">
+          <a:gsLst>
+            <a:gs pos="0">
+              <a:schemeClr val="phClr">
+                <a:tint val="40000"/>
+                <a:satMod val="350000"/>
+              </a:schemeClr>
+            </a:gs>
+            <a:gs pos="40000">
+              <a:schemeClr val="phClr">
+                <a:tint val="45000"/>
+                <a:shade val="99000"/>
+                <a:satMod val="350000"/>
+              </a:schemeClr>
+            </a:gs>
+            <a:gs pos="100000">
+              <a:schemeClr val="phClr">
+                <a:shade val="20000"/>
+                <a:satMod val="255000"/>
+              </a:schemeClr>
+            </a:gs>
+          </a:gsLst>
+          <a:path path="circle">
+            <a:fillToRect l="50000" t="-80000" r="50000" b="180000"/>
+          </a:path>
+        </a:gradFill>
+        <a:gradFill rotWithShape="1">
+          <a:gsLst>
+            <a:gs pos="0">
+              <a:schemeClr val="phClr">
+                <a:tint val="80000"/>
+                <a:satMod val="300000"/>
+              </a:schemeClr>
+            </a:gs>
+            <a:gs pos="100000">
+              <a:schemeClr val="phClr">
+                <a:shade val="30000"/>
+                <a:satMod val="200000"/>
+              </a:schemeClr>
+            </a:gs>
+          </a:gsLst>
+          <a:path path="circle">
+            <a:fillToRect l="50000" t="50000" r="50000" b="50000"/>
+          </a:path>
+        </a:gradFill>
+      </a:bgFillStyleLst>
+    </a:fmtScheme>
+  </a:themeElements>
+</a:theme>
+</file>
+
+<file path=ppt/theme/theme2.xml><?xml version="1.0" encoding="utf-8"?>
 <a:theme xmlns:a="http://schemas.openxmlformats.org/drawingml/2006/main" xmlns:r="http://schemas.openxmlformats.org/officeDocument/2006/relationships" name="Arviragus template">
   <a:themeElements>
     <a:clrScheme name="Custom 347">
@@ -20096,283 +21573,4 @@
     </a:fmtScheme>
   </a:themeElements>
 </a:theme>
-</file>
-
-<file path=ppt/theme/theme2.xml><?xml version="1.0" encoding="utf-8"?>
-<a:theme xmlns:a="http://schemas.openxmlformats.org/drawingml/2006/main" xmlns:r="http://schemas.openxmlformats.org/officeDocument/2006/relationships">
-  <a:themeElements>
-    <a:clrScheme name="Default">
-      <a:dk1>
-        <a:srgbClr val="000000"/>
-      </a:dk1>
-      <a:lt1>
-        <a:srgbClr val="FFFFFF"/>
-      </a:lt1>
-      <a:dk2>
-        <a:srgbClr val="158158"/>
-      </a:dk2>
-      <a:lt2>
-        <a:srgbClr val="F3F3F3"/>
-      </a:lt2>
-      <a:accent1>
-        <a:srgbClr val="058DC7"/>
-      </a:accent1>
-      <a:accent2>
-        <a:srgbClr val="50B432"/>
-      </a:accent2>
-      <a:accent3>
-        <a:srgbClr val="ED561B"/>
-      </a:accent3>
-      <a:accent4>
-        <a:srgbClr val="EDEF00"/>
-      </a:accent4>
-      <a:accent5>
-        <a:srgbClr val="24CBE5"/>
-      </a:accent5>
-      <a:accent6>
-        <a:srgbClr val="64E572"/>
-      </a:accent6>
-      <a:hlink>
-        <a:srgbClr val="2200CC"/>
-      </a:hlink>
-      <a:folHlink>
-        <a:srgbClr val="551A8B"/>
-      </a:folHlink>
-    </a:clrScheme>
-    <a:fontScheme name="Office">
-      <a:majorFont>
-        <a:latin typeface="Arial"/>
-        <a:ea typeface=""/>
-        <a:cs typeface=""/>
-        <a:font script="Jpan" typeface="ＭＳ Ｐゴシック"/>
-        <a:font script="Hang" typeface="맑은 고딕"/>
-        <a:font script="Hans" typeface="宋体"/>
-        <a:font script="Hant" typeface="新細明體"/>
-        <a:font script="Arab" typeface="Times New Roman"/>
-        <a:font script="Hebr" typeface="Times New Roman"/>
-        <a:font script="Thai" typeface="Angsana New"/>
-        <a:font script="Ethi" typeface="Nyala"/>
-        <a:font script="Beng" typeface="Vrinda"/>
-        <a:font script="Gujr" typeface="Shruti"/>
-        <a:font script="Khmr" typeface="MoolBoran"/>
-        <a:font script="Knda" typeface="Tunga"/>
-        <a:font script="Guru" typeface="Raavi"/>
-        <a:font script="Cans" typeface="Euphemia"/>
-        <a:font script="Cher" typeface="Plantagenet Cherokee"/>
-        <a:font script="Yiii" typeface="Microsoft Yi Baiti"/>
-        <a:font script="Tibt" typeface="Microsoft Himalaya"/>
-        <a:font script="Thaa" typeface="MV Boli"/>
-        <a:font script="Deva" typeface="Mangal"/>
-        <a:font script="Telu" typeface="Gautami"/>
-        <a:font script="Taml" typeface="Latha"/>
-        <a:font script="Syrc" typeface="Estrangelo Edessa"/>
-        <a:font script="Orya" typeface="Kalinga"/>
-        <a:font script="Mlym" typeface="Kartika"/>
-        <a:font script="Laoo" typeface="DokChampa"/>
-        <a:font script="Sinh" typeface="Iskoola Pota"/>
-        <a:font script="Mong" typeface="Mongolian Baiti"/>
-        <a:font script="Viet" typeface="Times New Roman"/>
-        <a:font script="Uigh" typeface="Microsoft Uighur"/>
-        <a:font script="Geor" typeface="Sylfaen"/>
-      </a:majorFont>
-      <a:minorFont>
-        <a:latin typeface="Arial"/>
-        <a:ea typeface=""/>
-        <a:cs typeface=""/>
-        <a:font script="Jpan" typeface="ＭＳ Ｐゴシック"/>
-        <a:font script="Hang" typeface="맑은 고딕"/>
-        <a:font script="Hans" typeface="宋体"/>
-        <a:font script="Hant" typeface="新細明體"/>
-        <a:font script="Arab" typeface="Arial"/>
-        <a:font script="Hebr" typeface="Arial"/>
-        <a:font script="Thai" typeface="Cordia New"/>
-        <a:font script="Ethi" typeface="Nyala"/>
-        <a:font script="Beng" typeface="Vrinda"/>
-        <a:font script="Gujr" typeface="Shruti"/>
-        <a:font script="Khmr" typeface="DaunPenh"/>
-        <a:font script="Knda" typeface="Tunga"/>
-        <a:font script="Guru" typeface="Raavi"/>
-        <a:font script="Cans" typeface="Euphemia"/>
-        <a:font script="Cher" typeface="Plantagenet Cherokee"/>
-        <a:font script="Yiii" typeface="Microsoft Yi Baiti"/>
-        <a:font script="Tibt" typeface="Microsoft Himalaya"/>
-        <a:font script="Thaa" typeface="MV Boli"/>
-        <a:font script="Deva" typeface="Mangal"/>
-        <a:font script="Telu" typeface="Gautami"/>
-        <a:font script="Taml" typeface="Latha"/>
-        <a:font script="Syrc" typeface="Estrangelo Edessa"/>
-        <a:font script="Orya" typeface="Kalinga"/>
-        <a:font script="Mlym" typeface="Kartika"/>
-        <a:font script="Laoo" typeface="DokChampa"/>
-        <a:font script="Sinh" typeface="Iskoola Pota"/>
-        <a:font script="Mong" typeface="Mongolian Baiti"/>
-        <a:font script="Viet" typeface="Arial"/>
-        <a:font script="Uigh" typeface="Microsoft Uighur"/>
-        <a:font script="Geor" typeface="Sylfaen"/>
-      </a:minorFont>
-    </a:fontScheme>
-    <a:fmtScheme name="Office">
-      <a:fillStyleLst>
-        <a:solidFill>
-          <a:schemeClr val="phClr"/>
-        </a:solidFill>
-        <a:gradFill rotWithShape="1">
-          <a:gsLst>
-            <a:gs pos="0">
-              <a:schemeClr val="phClr">
-                <a:tint val="50000"/>
-                <a:satMod val="300000"/>
-              </a:schemeClr>
-            </a:gs>
-            <a:gs pos="35000">
-              <a:schemeClr val="phClr">
-                <a:tint val="37000"/>
-                <a:satMod val="300000"/>
-              </a:schemeClr>
-            </a:gs>
-            <a:gs pos="100000">
-              <a:schemeClr val="phClr">
-                <a:tint val="15000"/>
-                <a:satMod val="350000"/>
-              </a:schemeClr>
-            </a:gs>
-          </a:gsLst>
-          <a:lin ang="16200000" scaled="1"/>
-        </a:gradFill>
-        <a:gradFill rotWithShape="1">
-          <a:gsLst>
-            <a:gs pos="0">
-              <a:schemeClr val="phClr">
-                <a:tint val="100000"/>
-                <a:shade val="100000"/>
-                <a:satMod val="130000"/>
-              </a:schemeClr>
-            </a:gs>
-            <a:gs pos="100000">
-              <a:schemeClr val="phClr">
-                <a:tint val="50000"/>
-                <a:shade val="100000"/>
-                <a:satMod val="350000"/>
-              </a:schemeClr>
-            </a:gs>
-          </a:gsLst>
-          <a:lin ang="16200000" scaled="0"/>
-        </a:gradFill>
-      </a:fillStyleLst>
-      <a:lnStyleLst>
-        <a:ln w="9525" cap="flat" cmpd="sng" algn="ctr">
-          <a:solidFill>
-            <a:schemeClr val="phClr">
-              <a:shade val="95000"/>
-              <a:satMod val="105000"/>
-            </a:schemeClr>
-          </a:solidFill>
-          <a:prstDash val="solid"/>
-        </a:ln>
-        <a:ln w="25400" cap="flat" cmpd="sng" algn="ctr">
-          <a:solidFill>
-            <a:schemeClr val="phClr"/>
-          </a:solidFill>
-          <a:prstDash val="solid"/>
-        </a:ln>
-        <a:ln w="38100" cap="flat" cmpd="sng" algn="ctr">
-          <a:solidFill>
-            <a:schemeClr val="phClr"/>
-          </a:solidFill>
-          <a:prstDash val="solid"/>
-        </a:ln>
-      </a:lnStyleLst>
-      <a:effectStyleLst>
-        <a:effectStyle>
-          <a:effectLst>
-            <a:outerShdw blurRad="40000" dist="20000" dir="5400000" rotWithShape="0">
-              <a:srgbClr val="000000">
-                <a:alpha val="38000"/>
-              </a:srgbClr>
-            </a:outerShdw>
-          </a:effectLst>
-        </a:effectStyle>
-        <a:effectStyle>
-          <a:effectLst>
-            <a:outerShdw blurRad="40000" dist="23000" dir="5400000" rotWithShape="0">
-              <a:srgbClr val="000000">
-                <a:alpha val="35000"/>
-              </a:srgbClr>
-            </a:outerShdw>
-          </a:effectLst>
-        </a:effectStyle>
-        <a:effectStyle>
-          <a:effectLst>
-            <a:outerShdw blurRad="40000" dist="23000" dir="5400000" rotWithShape="0">
-              <a:srgbClr val="000000">
-                <a:alpha val="35000"/>
-              </a:srgbClr>
-            </a:outerShdw>
-          </a:effectLst>
-          <a:scene3d>
-            <a:camera prst="orthographicFront">
-              <a:rot lat="0" lon="0" rev="0"/>
-            </a:camera>
-            <a:lightRig rig="threePt" dir="t">
-              <a:rot lat="0" lon="0" rev="1200000"/>
-            </a:lightRig>
-          </a:scene3d>
-          <a:sp3d>
-            <a:bevelT w="63500" h="25400"/>
-          </a:sp3d>
-        </a:effectStyle>
-      </a:effectStyleLst>
-      <a:bgFillStyleLst>
-        <a:solidFill>
-          <a:schemeClr val="phClr"/>
-        </a:solidFill>
-        <a:gradFill rotWithShape="1">
-          <a:gsLst>
-            <a:gs pos="0">
-              <a:schemeClr val="phClr">
-                <a:tint val="40000"/>
-                <a:satMod val="350000"/>
-              </a:schemeClr>
-            </a:gs>
-            <a:gs pos="40000">
-              <a:schemeClr val="phClr">
-                <a:tint val="45000"/>
-                <a:shade val="99000"/>
-                <a:satMod val="350000"/>
-              </a:schemeClr>
-            </a:gs>
-            <a:gs pos="100000">
-              <a:schemeClr val="phClr">
-                <a:shade val="20000"/>
-                <a:satMod val="255000"/>
-              </a:schemeClr>
-            </a:gs>
-          </a:gsLst>
-          <a:path path="circle">
-            <a:fillToRect l="50000" t="-80000" r="50000" b="180000"/>
-          </a:path>
-        </a:gradFill>
-        <a:gradFill rotWithShape="1">
-          <a:gsLst>
-            <a:gs pos="0">
-              <a:schemeClr val="phClr">
-                <a:tint val="80000"/>
-                <a:satMod val="300000"/>
-              </a:schemeClr>
-            </a:gs>
-            <a:gs pos="100000">
-              <a:schemeClr val="phClr">
-                <a:shade val="30000"/>
-                <a:satMod val="200000"/>
-              </a:schemeClr>
-            </a:gs>
-          </a:gsLst>
-          <a:path path="circle">
-            <a:fillToRect l="50000" t="50000" r="50000" b="50000"/>
-          </a:path>
-        </a:gradFill>
-      </a:bgFillStyleLst>
-    </a:fmtScheme>
-  </a:themeElements>
-</a:theme>
 </file>
--- a/Dust Attack .pptx
+++ b/Dust Attack .pptx
@@ -10966,7 +10966,7 @@
             <a:tbl>
               <a:tblPr>
                 <a:noFill/>
-                <a:tableStyleId>{327DF51F-8159-49FB-9EFB-C7A66C2219B6}</a:tableStyleId>
+                <a:tableStyleId>{37C8AA46-40A6-4F46-9E6B-B6E988466223}</a:tableStyleId>
               </a:tblPr>
               <a:tblGrid>
                 <a:gridCol w="2342125"/>
@@ -11533,7 +11533,7 @@
             <a:tbl>
               <a:tblPr>
                 <a:noFill/>
-                <a:tableStyleId>{327DF51F-8159-49FB-9EFB-C7A66C2219B6}</a:tableStyleId>
+                <a:tableStyleId>{37C8AA46-40A6-4F46-9E6B-B6E988466223}</a:tableStyleId>
               </a:tblPr>
               <a:tblGrid>
                 <a:gridCol w="1112425"/>
@@ -16287,7 +16287,7 @@
         <p:spPr>
           <a:xfrm>
             <a:off x="5401400" y="3162750"/>
-            <a:ext cx="3270600" cy="1569900"/>
+            <a:ext cx="3270600" cy="1847100"/>
           </a:xfrm>
           <a:prstGeom prst="rect">
             <a:avLst/>
@@ -16354,7 +16354,7 @@
                 <a:cs typeface="Times"/>
                 <a:sym typeface="Times"/>
               </a:rPr>
-              <a:t>la prof.ssa Ricci e </a:t>
+              <a:t>la Prof.ssa Ricci, </a:t>
             </a:r>
             <a:endParaRPr sz="1800">
               <a:solidFill>
@@ -16386,7 +16386,39 @@
                 <a:cs typeface="Times"/>
                 <a:sym typeface="Times"/>
               </a:rPr>
-              <a:t>il prof Di Francesco </a:t>
+              <a:t>il Prof Di Francesco e </a:t>
+            </a:r>
+            <a:endParaRPr sz="1800">
+              <a:solidFill>
+                <a:schemeClr val="lt1"/>
+              </a:solidFill>
+              <a:latin typeface="Times"/>
+              <a:ea typeface="Times"/>
+              <a:cs typeface="Times"/>
+              <a:sym typeface="Times"/>
+            </a:endParaRPr>
+          </a:p>
+          <a:p>
+            <a:pPr indent="0" lvl="0" marL="0" rtl="0" algn="ctr">
+              <a:spcBef>
+                <a:spcPts val="0"/>
+              </a:spcBef>
+              <a:spcAft>
+                <a:spcPts val="0"/>
+              </a:spcAft>
+              <a:buNone/>
+            </a:pPr>
+            <a:r>
+              <a:rPr lang="en" sz="1800">
+                <a:solidFill>
+                  <a:schemeClr val="lt1"/>
+                </a:solidFill>
+                <a:latin typeface="Times"/>
+                <a:ea typeface="Times"/>
+                <a:cs typeface="Times"/>
+                <a:sym typeface="Times"/>
+              </a:rPr>
+              <a:t>Il Dott. Loporchio </a:t>
             </a:r>
             <a:endParaRPr sz="1800">
               <a:solidFill>
@@ -21018,6 +21050,285 @@
 </file>
 
 <file path=ppt/theme/theme1.xml><?xml version="1.0" encoding="utf-8"?>
+<a:theme xmlns:a="http://schemas.openxmlformats.org/drawingml/2006/main" xmlns:r="http://schemas.openxmlformats.org/officeDocument/2006/relationships" name="Arviragus template">
+  <a:themeElements>
+    <a:clrScheme name="Custom 347">
+      <a:dk1>
+        <a:srgbClr val="666666"/>
+      </a:dk1>
+      <a:lt1>
+        <a:srgbClr val="FFFFFF"/>
+      </a:lt1>
+      <a:dk2>
+        <a:srgbClr val="999999"/>
+      </a:dk2>
+      <a:lt2>
+        <a:srgbClr val="DCE2E7"/>
+      </a:lt2>
+      <a:accent1>
+        <a:srgbClr val="8BC34A"/>
+      </a:accent1>
+      <a:accent2>
+        <a:srgbClr val="00BCD4"/>
+      </a:accent2>
+      <a:accent3>
+        <a:srgbClr val="9C27B0"/>
+      </a:accent3>
+      <a:accent4>
+        <a:srgbClr val="E91E63"/>
+      </a:accent4>
+      <a:accent5>
+        <a:srgbClr val="FF9800"/>
+      </a:accent5>
+      <a:accent6>
+        <a:srgbClr val="FFEB3B"/>
+      </a:accent6>
+      <a:hlink>
+        <a:srgbClr val="2196F3"/>
+      </a:hlink>
+      <a:folHlink>
+        <a:srgbClr val="6611CC"/>
+      </a:folHlink>
+    </a:clrScheme>
+    <a:fontScheme name="Office">
+      <a:majorFont>
+        <a:latin typeface="Arial"/>
+        <a:ea typeface=""/>
+        <a:cs typeface=""/>
+        <a:font script="Jpan" typeface="ＭＳ Ｐゴシック"/>
+        <a:font script="Hang" typeface="맑은 고딕"/>
+        <a:font script="Hans" typeface="宋体"/>
+        <a:font script="Hant" typeface="新細明體"/>
+        <a:font script="Arab" typeface="Times New Roman"/>
+        <a:font script="Hebr" typeface="Times New Roman"/>
+        <a:font script="Thai" typeface="Angsana New"/>
+        <a:font script="Ethi" typeface="Nyala"/>
+        <a:font script="Beng" typeface="Vrinda"/>
+        <a:font script="Gujr" typeface="Shruti"/>
+        <a:font script="Khmr" typeface="MoolBoran"/>
+        <a:font script="Knda" typeface="Tunga"/>
+        <a:font script="Guru" typeface="Raavi"/>
+        <a:font script="Cans" typeface="Euphemia"/>
+        <a:font script="Cher" typeface="Plantagenet Cherokee"/>
+        <a:font script="Yiii" typeface="Microsoft Yi Baiti"/>
+        <a:font script="Tibt" typeface="Microsoft Himalaya"/>
+        <a:font script="Thaa" typeface="MV Boli"/>
+        <a:font script="Deva" typeface="Mangal"/>
+        <a:font script="Telu" typeface="Gautami"/>
+        <a:font script="Taml" typeface="Latha"/>
+        <a:font script="Syrc" typeface="Estrangelo Edessa"/>
+        <a:font script="Orya" typeface="Kalinga"/>
+        <a:font script="Mlym" typeface="Kartika"/>
+        <a:font script="Laoo" typeface="DokChampa"/>
+        <a:font script="Sinh" typeface="Iskoola Pota"/>
+        <a:font script="Mong" typeface="Mongolian Baiti"/>
+        <a:font script="Viet" typeface="Times New Roman"/>
+        <a:font script="Uigh" typeface="Microsoft Uighur"/>
+        <a:font script="Geor" typeface="Sylfaen"/>
+      </a:majorFont>
+      <a:minorFont>
+        <a:latin typeface="Arial"/>
+        <a:ea typeface=""/>
+        <a:cs typeface=""/>
+        <a:font script="Jpan" typeface="ＭＳ Ｐゴシック"/>
+        <a:font script="Hang" typeface="맑은 고딕"/>
+        <a:font script="Hans" typeface="宋体"/>
+        <a:font script="Hant" typeface="新細明體"/>
+        <a:font script="Arab" typeface="Arial"/>
+        <a:font script="Hebr" typeface="Arial"/>
+        <a:font script="Thai" typeface="Cordia New"/>
+        <a:font script="Ethi" typeface="Nyala"/>
+        <a:font script="Beng" typeface="Vrinda"/>
+        <a:font script="Gujr" typeface="Shruti"/>
+        <a:font script="Khmr" typeface="DaunPenh"/>
+        <a:font script="Knda" typeface="Tunga"/>
+        <a:font script="Guru" typeface="Raavi"/>
+        <a:font script="Cans" typeface="Euphemia"/>
+        <a:font script="Cher" typeface="Plantagenet Cherokee"/>
+        <a:font script="Yiii" typeface="Microsoft Yi Baiti"/>
+        <a:font script="Tibt" typeface="Microsoft Himalaya"/>
+        <a:font script="Thaa" typeface="MV Boli"/>
+        <a:font script="Deva" typeface="Mangal"/>
+        <a:font script="Telu" typeface="Gautami"/>
+        <a:font script="Taml" typeface="Latha"/>
+        <a:font script="Syrc" typeface="Estrangelo Edessa"/>
+        <a:font script="Orya" typeface="Kalinga"/>
+        <a:font script="Mlym" typeface="Kartika"/>
+        <a:font script="Laoo" typeface="DokChampa"/>
+        <a:font script="Sinh" typeface="Iskoola Pota"/>
+        <a:font script="Mong" typeface="Mongolian Baiti"/>
+        <a:font script="Viet" typeface="Arial"/>
+        <a:font script="Uigh" typeface="Microsoft Uighur"/>
+        <a:font script="Geor" typeface="Sylfaen"/>
+      </a:minorFont>
+    </a:fontScheme>
+    <a:fmtScheme name="Office">
+      <a:fillStyleLst>
+        <a:solidFill>
+          <a:schemeClr val="phClr"/>
+        </a:solidFill>
+        <a:gradFill rotWithShape="1">
+          <a:gsLst>
+            <a:gs pos="0">
+              <a:schemeClr val="phClr">
+                <a:tint val="50000"/>
+                <a:satMod val="300000"/>
+              </a:schemeClr>
+            </a:gs>
+            <a:gs pos="35000">
+              <a:schemeClr val="phClr">
+                <a:tint val="37000"/>
+                <a:satMod val="300000"/>
+              </a:schemeClr>
+            </a:gs>
+            <a:gs pos="100000">
+              <a:schemeClr val="phClr">
+                <a:tint val="15000"/>
+                <a:satMod val="350000"/>
+              </a:schemeClr>
+            </a:gs>
+          </a:gsLst>
+          <a:lin ang="16200000" scaled="1"/>
+        </a:gradFill>
+        <a:gradFill rotWithShape="1">
+          <a:gsLst>
+            <a:gs pos="0">
+              <a:schemeClr val="phClr">
+                <a:tint val="100000"/>
+                <a:shade val="100000"/>
+                <a:satMod val="130000"/>
+              </a:schemeClr>
+            </a:gs>
+            <a:gs pos="100000">
+              <a:schemeClr val="phClr">
+                <a:tint val="50000"/>
+                <a:shade val="100000"/>
+                <a:satMod val="350000"/>
+              </a:schemeClr>
+            </a:gs>
+          </a:gsLst>
+          <a:lin ang="16200000" scaled="0"/>
+        </a:gradFill>
+      </a:fillStyleLst>
+      <a:lnStyleLst>
+        <a:ln w="9525" cap="flat" cmpd="sng" algn="ctr">
+          <a:solidFill>
+            <a:schemeClr val="phClr">
+              <a:shade val="95000"/>
+              <a:satMod val="105000"/>
+            </a:schemeClr>
+          </a:solidFill>
+          <a:prstDash val="solid"/>
+        </a:ln>
+        <a:ln w="25400" cap="flat" cmpd="sng" algn="ctr">
+          <a:solidFill>
+            <a:schemeClr val="phClr"/>
+          </a:solidFill>
+          <a:prstDash val="solid"/>
+        </a:ln>
+        <a:ln w="38100" cap="flat" cmpd="sng" algn="ctr">
+          <a:solidFill>
+            <a:schemeClr val="phClr"/>
+          </a:solidFill>
+          <a:prstDash val="solid"/>
+        </a:ln>
+      </a:lnStyleLst>
+      <a:effectStyleLst>
+        <a:effectStyle>
+          <a:effectLst>
+            <a:outerShdw blurRad="40000" dist="20000" dir="5400000" rotWithShape="0">
+              <a:srgbClr val="000000">
+                <a:alpha val="38000"/>
+              </a:srgbClr>
+            </a:outerShdw>
+          </a:effectLst>
+        </a:effectStyle>
+        <a:effectStyle>
+          <a:effectLst>
+            <a:outerShdw blurRad="40000" dist="23000" dir="5400000" rotWithShape="0">
+              <a:srgbClr val="000000">
+                <a:alpha val="35000"/>
+              </a:srgbClr>
+            </a:outerShdw>
+          </a:effectLst>
+        </a:effectStyle>
+        <a:effectStyle>
+          <a:effectLst>
+            <a:outerShdw blurRad="40000" dist="23000" dir="5400000" rotWithShape="0">
+              <a:srgbClr val="000000">
+                <a:alpha val="35000"/>
+              </a:srgbClr>
+            </a:outerShdw>
+          </a:effectLst>
+          <a:scene3d>
+            <a:camera prst="orthographicFront">
+              <a:rot lat="0" lon="0" rev="0"/>
+            </a:camera>
+            <a:lightRig rig="threePt" dir="t">
+              <a:rot lat="0" lon="0" rev="1200000"/>
+            </a:lightRig>
+          </a:scene3d>
+          <a:sp3d>
+            <a:bevelT w="63500" h="25400"/>
+          </a:sp3d>
+        </a:effectStyle>
+      </a:effectStyleLst>
+      <a:bgFillStyleLst>
+        <a:solidFill>
+          <a:schemeClr val="phClr"/>
+        </a:solidFill>
+        <a:gradFill rotWithShape="1">
+          <a:gsLst>
+            <a:gs pos="0">
+              <a:schemeClr val="phClr">
+                <a:tint val="40000"/>
+                <a:satMod val="350000"/>
+              </a:schemeClr>
+            </a:gs>
+            <a:gs pos="40000">
+              <a:schemeClr val="phClr">
+                <a:tint val="45000"/>
+                <a:shade val="99000"/>
+                <a:satMod val="350000"/>
+              </a:schemeClr>
+            </a:gs>
+            <a:gs pos="100000">
+              <a:schemeClr val="phClr">
+                <a:shade val="20000"/>
+                <a:satMod val="255000"/>
+              </a:schemeClr>
+            </a:gs>
+          </a:gsLst>
+          <a:path path="circle">
+            <a:fillToRect l="50000" t="-80000" r="50000" b="180000"/>
+          </a:path>
+        </a:gradFill>
+        <a:gradFill rotWithShape="1">
+          <a:gsLst>
+            <a:gs pos="0">
+              <a:schemeClr val="phClr">
+                <a:tint val="80000"/>
+                <a:satMod val="300000"/>
+              </a:schemeClr>
+            </a:gs>
+            <a:gs pos="100000">
+              <a:schemeClr val="phClr">
+                <a:shade val="30000"/>
+                <a:satMod val="200000"/>
+              </a:schemeClr>
+            </a:gs>
+          </a:gsLst>
+          <a:path path="circle">
+            <a:fillToRect l="50000" t="50000" r="50000" b="50000"/>
+          </a:path>
+        </a:gradFill>
+      </a:bgFillStyleLst>
+    </a:fmtScheme>
+  </a:themeElements>
+</a:theme>
+</file>
+
+<file path=ppt/theme/theme2.xml><?xml version="1.0" encoding="utf-8"?>
 <a:theme xmlns:a="http://schemas.openxmlformats.org/drawingml/2006/main" xmlns:r="http://schemas.openxmlformats.org/officeDocument/2006/relationships">
   <a:themeElements>
     <a:clrScheme name="Default">
@@ -21294,283 +21605,4 @@
     </a:fmtScheme>
   </a:themeElements>
 </a:theme>
-</file>
-
-<file path=ppt/theme/theme2.xml><?xml version="1.0" encoding="utf-8"?>
-<a:theme xmlns:a="http://schemas.openxmlformats.org/drawingml/2006/main" xmlns:r="http://schemas.openxmlformats.org/officeDocument/2006/relationships" name="Arviragus template">
-  <a:themeElements>
-    <a:clrScheme name="Custom 347">
-      <a:dk1>
-        <a:srgbClr val="666666"/>
-      </a:dk1>
-      <a:lt1>
-        <a:srgbClr val="FFFFFF"/>
-      </a:lt1>
-      <a:dk2>
-        <a:srgbClr val="999999"/>
-      </a:dk2>
-      <a:lt2>
-        <a:srgbClr val="DCE2E7"/>
-      </a:lt2>
-      <a:accent1>
-        <a:srgbClr val="8BC34A"/>
-      </a:accent1>
-      <a:accent2>
-        <a:srgbClr val="00BCD4"/>
-      </a:accent2>
-      <a:accent3>
-        <a:srgbClr val="9C27B0"/>
-      </a:accent3>
-      <a:accent4>
-        <a:srgbClr val="E91E63"/>
-      </a:accent4>
-      <a:accent5>
-        <a:srgbClr val="FF9800"/>
-      </a:accent5>
-      <a:accent6>
-        <a:srgbClr val="FFEB3B"/>
-      </a:accent6>
-      <a:hlink>
-        <a:srgbClr val="2196F3"/>
-      </a:hlink>
-      <a:folHlink>
-        <a:srgbClr val="6611CC"/>
-      </a:folHlink>
-    </a:clrScheme>
-    <a:fontScheme name="Office">
-      <a:majorFont>
-        <a:latin typeface="Arial"/>
-        <a:ea typeface=""/>
-        <a:cs typeface=""/>
-        <a:font script="Jpan" typeface="ＭＳ Ｐゴシック"/>
-        <a:font script="Hang" typeface="맑은 고딕"/>
-        <a:font script="Hans" typeface="宋体"/>
-        <a:font script="Hant" typeface="新細明體"/>
-        <a:font script="Arab" typeface="Times New Roman"/>
-        <a:font script="Hebr" typeface="Times New Roman"/>
-        <a:font script="Thai" typeface="Angsana New"/>
-        <a:font script="Ethi" typeface="Nyala"/>
-        <a:font script="Beng" typeface="Vrinda"/>
-        <a:font script="Gujr" typeface="Shruti"/>
-        <a:font script="Khmr" typeface="MoolBoran"/>
-        <a:font script="Knda" typeface="Tunga"/>
-        <a:font script="Guru" typeface="Raavi"/>
-        <a:font script="Cans" typeface="Euphemia"/>
-        <a:font script="Cher" typeface="Plantagenet Cherokee"/>
-        <a:font script="Yiii" typeface="Microsoft Yi Baiti"/>
-        <a:font script="Tibt" typeface="Microsoft Himalaya"/>
-        <a:font script="Thaa" typeface="MV Boli"/>
-        <a:font script="Deva" typeface="Mangal"/>
-        <a:font script="Telu" typeface="Gautami"/>
-        <a:font script="Taml" typeface="Latha"/>
-        <a:font script="Syrc" typeface="Estrangelo Edessa"/>
-        <a:font script="Orya" typeface="Kalinga"/>
-        <a:font script="Mlym" typeface="Kartika"/>
-        <a:font script="Laoo" typeface="DokChampa"/>
-        <a:font script="Sinh" typeface="Iskoola Pota"/>
-        <a:font script="Mong" typeface="Mongolian Baiti"/>
-        <a:font script="Viet" typeface="Times New Roman"/>
-        <a:font script="Uigh" typeface="Microsoft Uighur"/>
-        <a:font script="Geor" typeface="Sylfaen"/>
-      </a:majorFont>
-      <a:minorFont>
-        <a:latin typeface="Arial"/>
-        <a:ea typeface=""/>
-        <a:cs typeface=""/>
-        <a:font script="Jpan" typeface="ＭＳ Ｐゴシック"/>
-        <a:font script="Hang" typeface="맑은 고딕"/>
-        <a:font script="Hans" typeface="宋体"/>
-        <a:font script="Hant" typeface="新細明體"/>
-        <a:font script="Arab" typeface="Arial"/>
-        <a:font script="Hebr" typeface="Arial"/>
-        <a:font script="Thai" typeface="Cordia New"/>
-        <a:font script="Ethi" typeface="Nyala"/>
-        <a:font script="Beng" typeface="Vrinda"/>
-        <a:font script="Gujr" typeface="Shruti"/>
-        <a:font script="Khmr" typeface="DaunPenh"/>
-        <a:font script="Knda" typeface="Tunga"/>
-        <a:font script="Guru" typeface="Raavi"/>
-        <a:font script="Cans" typeface="Euphemia"/>
-        <a:font script="Cher" typeface="Plantagenet Cherokee"/>
-        <a:font script="Yiii" typeface="Microsoft Yi Baiti"/>
-        <a:font script="Tibt" typeface="Microsoft Himalaya"/>
-        <a:font script="Thaa" typeface="MV Boli"/>
-        <a:font script="Deva" typeface="Mangal"/>
-        <a:font script="Telu" typeface="Gautami"/>
-        <a:font script="Taml" typeface="Latha"/>
-        <a:font script="Syrc" typeface="Estrangelo Edessa"/>
-        <a:font script="Orya" typeface="Kalinga"/>
-        <a:font script="Mlym" typeface="Kartika"/>
-        <a:font script="Laoo" typeface="DokChampa"/>
-        <a:font script="Sinh" typeface="Iskoola Pota"/>
-        <a:font script="Mong" typeface="Mongolian Baiti"/>
-        <a:font script="Viet" typeface="Arial"/>
-        <a:font script="Uigh" typeface="Microsoft Uighur"/>
-        <a:font script="Geor" typeface="Sylfaen"/>
-      </a:minorFont>
-    </a:fontScheme>
-    <a:fmtScheme name="Office">
-      <a:fillStyleLst>
-        <a:solidFill>
-          <a:schemeClr val="phClr"/>
-        </a:solidFill>
-        <a:gradFill rotWithShape="1">
-          <a:gsLst>
-            <a:gs pos="0">
-              <a:schemeClr val="phClr">
-                <a:tint val="50000"/>
-                <a:satMod val="300000"/>
-              </a:schemeClr>
-            </a:gs>
-            <a:gs pos="35000">
-              <a:schemeClr val="phClr">
-                <a:tint val="37000"/>
-                <a:satMod val="300000"/>
-              </a:schemeClr>
-            </a:gs>
-            <a:gs pos="100000">
-              <a:schemeClr val="phClr">
-                <a:tint val="15000"/>
-                <a:satMod val="350000"/>
-              </a:schemeClr>
-            </a:gs>
-          </a:gsLst>
-          <a:lin ang="16200000" scaled="1"/>
-        </a:gradFill>
-        <a:gradFill rotWithShape="1">
-          <a:gsLst>
-            <a:gs pos="0">
-              <a:schemeClr val="phClr">
-                <a:tint val="100000"/>
-                <a:shade val="100000"/>
-                <a:satMod val="130000"/>
-              </a:schemeClr>
-            </a:gs>
-            <a:gs pos="100000">
-              <a:schemeClr val="phClr">
-                <a:tint val="50000"/>
-                <a:shade val="100000"/>
-                <a:satMod val="350000"/>
-              </a:schemeClr>
-            </a:gs>
-          </a:gsLst>
-          <a:lin ang="16200000" scaled="0"/>
-        </a:gradFill>
-      </a:fillStyleLst>
-      <a:lnStyleLst>
-        <a:ln w="9525" cap="flat" cmpd="sng" algn="ctr">
-          <a:solidFill>
-            <a:schemeClr val="phClr">
-              <a:shade val="95000"/>
-              <a:satMod val="105000"/>
-            </a:schemeClr>
-          </a:solidFill>
-          <a:prstDash val="solid"/>
-        </a:ln>
-        <a:ln w="25400" cap="flat" cmpd="sng" algn="ctr">
-          <a:solidFill>
-            <a:schemeClr val="phClr"/>
-          </a:solidFill>
-          <a:prstDash val="solid"/>
-        </a:ln>
-        <a:ln w="38100" cap="flat" cmpd="sng" algn="ctr">
-          <a:solidFill>
-            <a:schemeClr val="phClr"/>
-          </a:solidFill>
-          <a:prstDash val="solid"/>
-        </a:ln>
-      </a:lnStyleLst>
-      <a:effectStyleLst>
-        <a:effectStyle>
-          <a:effectLst>
-            <a:outerShdw blurRad="40000" dist="20000" dir="5400000" rotWithShape="0">
-              <a:srgbClr val="000000">
-                <a:alpha val="38000"/>
-              </a:srgbClr>
-            </a:outerShdw>
-          </a:effectLst>
-        </a:effectStyle>
-        <a:effectStyle>
-          <a:effectLst>
-            <a:outerShdw blurRad="40000" dist="23000" dir="5400000" rotWithShape="0">
-              <a:srgbClr val="000000">
-                <a:alpha val="35000"/>
-              </a:srgbClr>
-            </a:outerShdw>
-          </a:effectLst>
-        </a:effectStyle>
-        <a:effectStyle>
-          <a:effectLst>
-            <a:outerShdw blurRad="40000" dist="23000" dir="5400000" rotWithShape="0">
-              <a:srgbClr val="000000">
-                <a:alpha val="35000"/>
-              </a:srgbClr>
-            </a:outerShdw>
-          </a:effectLst>
-          <a:scene3d>
-            <a:camera prst="orthographicFront">
-              <a:rot lat="0" lon="0" rev="0"/>
-            </a:camera>
-            <a:lightRig rig="threePt" dir="t">
-              <a:rot lat="0" lon="0" rev="1200000"/>
-            </a:lightRig>
-          </a:scene3d>
-          <a:sp3d>
-            <a:bevelT w="63500" h="25400"/>
-          </a:sp3d>
-        </a:effectStyle>
-      </a:effectStyleLst>
-      <a:bgFillStyleLst>
-        <a:solidFill>
-          <a:schemeClr val="phClr"/>
-        </a:solidFill>
-        <a:gradFill rotWithShape="1">
-          <a:gsLst>
-            <a:gs pos="0">
-              <a:schemeClr val="phClr">
-                <a:tint val="40000"/>
-                <a:satMod val="350000"/>
-              </a:schemeClr>
-            </a:gs>
-            <a:gs pos="40000">
-              <a:schemeClr val="phClr">
-                <a:tint val="45000"/>
-                <a:shade val="99000"/>
-                <a:satMod val="350000"/>
-              </a:schemeClr>
-            </a:gs>
-            <a:gs pos="100000">
-              <a:schemeClr val="phClr">
-                <a:shade val="20000"/>
-                <a:satMod val="255000"/>
-              </a:schemeClr>
-            </a:gs>
-          </a:gsLst>
-          <a:path path="circle">
-            <a:fillToRect l="50000" t="-80000" r="50000" b="180000"/>
-          </a:path>
-        </a:gradFill>
-        <a:gradFill rotWithShape="1">
-          <a:gsLst>
-            <a:gs pos="0">
-              <a:schemeClr val="phClr">
-                <a:tint val="80000"/>
-                <a:satMod val="300000"/>
-              </a:schemeClr>
-            </a:gs>
-            <a:gs pos="100000">
-              <a:schemeClr val="phClr">
-                <a:shade val="30000"/>
-                <a:satMod val="200000"/>
-              </a:schemeClr>
-            </a:gs>
-          </a:gsLst>
-          <a:path path="circle">
-            <a:fillToRect l="50000" t="50000" r="50000" b="50000"/>
-          </a:path>
-        </a:gradFill>
-      </a:bgFillStyleLst>
-    </a:fmtScheme>
-  </a:themeElements>
-</a:theme>
 </file>
--- a/Dust Attack .pptx
+++ b/Dust Attack .pptx
@@ -8909,6 +8909,18 @@
             <a:r>
               <a:rPr b="1" lang="en" sz="1800">
                 <a:solidFill>
+                  <a:srgbClr val="073763"/>
+                </a:solidFill>
+                <a:latin typeface="Times"/>
+                <a:ea typeface="Times"/>
+                <a:cs typeface="Times"/>
+                <a:sym typeface="Times"/>
+              </a:rPr>
+              <a:t>Relatori/Relatrici:</a:t>
+            </a:r>
+            <a:r>
+              <a:rPr b="1" lang="en" sz="1800">
+                <a:solidFill>
                   <a:srgbClr val="1C4587"/>
                 </a:solidFill>
                 <a:latin typeface="Times"/>
@@ -8916,7 +8928,7 @@
                 <a:cs typeface="Times"/>
                 <a:sym typeface="Times"/>
               </a:rPr>
-              <a:t>Relatori/Relatrici: </a:t>
+              <a:t> </a:t>
             </a:r>
             <a:endParaRPr b="1" sz="1800">
               <a:solidFill>
@@ -9030,7 +9042,7 @@
         </p:nvSpPr>
         <p:spPr>
           <a:xfrm>
-            <a:off x="872525" y="191750"/>
+            <a:off x="872525" y="383525"/>
             <a:ext cx="5892900" cy="489000"/>
           </a:xfrm>
           <a:prstGeom prst="rect">
@@ -9407,7 +9419,7 @@
         </p:nvSpPr>
         <p:spPr>
           <a:xfrm>
-            <a:off x="872525" y="231513"/>
+            <a:off x="872525" y="463013"/>
             <a:ext cx="4801500" cy="409500"/>
           </a:xfrm>
           <a:prstGeom prst="rect">
@@ -9489,7 +9501,7 @@
         </p:nvSpPr>
         <p:spPr>
           <a:xfrm>
-            <a:off x="872525" y="886350"/>
+            <a:off x="872525" y="1239200"/>
             <a:ext cx="7260600" cy="3370800"/>
           </a:xfrm>
           <a:prstGeom prst="rect">
@@ -9629,7 +9641,7 @@
                 <a:cs typeface="Times"/>
                 <a:sym typeface="Times"/>
               </a:rPr>
-              <a:t>Importo compreso nell’intervallo [1, 545].</a:t>
+              <a:t>Importo compreso nell’intervallo [1, 545];</a:t>
             </a:r>
             <a:endParaRPr sz="1800">
               <a:latin typeface="Times"/>
@@ -9660,7 +9672,7 @@
                 <a:cs typeface="Times"/>
                 <a:sym typeface="Times"/>
               </a:rPr>
-              <a:t>Transazioni dust: 2 114 335 (0.8% del totale);</a:t>
+              <a:t>Transazioni dust: 2 114 335 (0.8% del totale).</a:t>
             </a:r>
             <a:endParaRPr sz="1800">
               <a:latin typeface="Times"/>
@@ -9775,7 +9787,7 @@
         </p:nvSpPr>
         <p:spPr>
           <a:xfrm>
-            <a:off x="872525" y="231500"/>
+            <a:off x="872525" y="463025"/>
             <a:ext cx="4801500" cy="409500"/>
           </a:xfrm>
           <a:prstGeom prst="rect">
@@ -9885,7 +9897,7 @@
         </p:nvSpPr>
         <p:spPr>
           <a:xfrm>
-            <a:off x="1067975" y="709675"/>
+            <a:off x="1067975" y="828600"/>
             <a:ext cx="4410600" cy="738900"/>
           </a:xfrm>
           <a:prstGeom prst="rect">
@@ -10008,7 +10020,7 @@
         </p:nvSpPr>
         <p:spPr>
           <a:xfrm>
-            <a:off x="1035375" y="139113"/>
+            <a:off x="872525" y="278213"/>
             <a:ext cx="4801500" cy="594300"/>
           </a:xfrm>
           <a:prstGeom prst="rect">
@@ -10021,7 +10033,7 @@
           </a:bodyPr>
           <a:lstStyle/>
           <a:p>
-            <a:pPr indent="0" lvl="0" marL="0" rtl="0" algn="l">
+            <a:pPr indent="0" lvl="0" marL="0" rtl="0" algn="ctr">
               <a:spcBef>
                 <a:spcPts val="0"/>
               </a:spcBef>
@@ -10090,8 +10102,8 @@
         </p:nvSpPr>
         <p:spPr>
           <a:xfrm>
-            <a:off x="0" y="1267350"/>
-            <a:ext cx="5345700" cy="877200"/>
+            <a:off x="57675" y="1033775"/>
+            <a:ext cx="3044700" cy="1623900"/>
           </a:xfrm>
           <a:prstGeom prst="rect">
             <a:avLst/>
@@ -10107,7 +10119,7 @@
           </a:bodyPr>
           <a:lstStyle/>
           <a:p>
-            <a:pPr indent="-342900" lvl="0" marL="457200" rtl="0" algn="l">
+            <a:pPr indent="-336550" lvl="0" marL="457200" rtl="0" algn="l">
               <a:lnSpc>
                 <a:spcPct val="150000"/>
               </a:lnSpc>
@@ -10117,12 +10129,12 @@
               <a:spcAft>
                 <a:spcPts val="0"/>
               </a:spcAft>
-              <a:buSzPts val="1800"/>
+              <a:buSzPts val="1700"/>
               <a:buFont typeface="Times"/>
               <a:buChar char="●"/>
             </a:pPr>
             <a:r>
-              <a:rPr lang="en" sz="1800">
+              <a:rPr lang="en" sz="1700">
                 <a:latin typeface="Times"/>
                 <a:ea typeface="Times"/>
                 <a:cs typeface="Times"/>
@@ -10130,7 +10142,7 @@
               </a:rPr>
               <a:t>Filtrati gli output con script OP_RETURN;</a:t>
             </a:r>
-            <a:endParaRPr sz="1800">
+            <a:endParaRPr sz="1700">
               <a:latin typeface="Times"/>
               <a:ea typeface="Times"/>
               <a:cs typeface="Times"/>
@@ -10138,7 +10150,7 @@
             </a:endParaRPr>
           </a:p>
           <a:p>
-            <a:pPr indent="-342900" lvl="0" marL="457200" rtl="0" algn="l">
+            <a:pPr indent="-336550" lvl="0" marL="457200" rtl="0" algn="l">
               <a:lnSpc>
                 <a:spcPct val="150000"/>
               </a:lnSpc>
@@ -10148,12 +10160,12 @@
               <a:spcAft>
                 <a:spcPts val="0"/>
               </a:spcAft>
-              <a:buSzPts val="1800"/>
+              <a:buSzPts val="1700"/>
               <a:buFont typeface="Times"/>
               <a:buChar char="●"/>
             </a:pPr>
             <a:r>
-              <a:rPr lang="en" sz="1800">
+              <a:rPr lang="en" sz="1700">
                 <a:latin typeface="Times"/>
                 <a:ea typeface="Times"/>
                 <a:cs typeface="Times"/>
@@ -10161,7 +10173,7 @@
               </a:rPr>
               <a:t>Totale output dust generati: 2 893 877.</a:t>
             </a:r>
-            <a:endParaRPr sz="1800">
+            <a:endParaRPr sz="1700">
               <a:latin typeface="Times"/>
               <a:ea typeface="Times"/>
               <a:cs typeface="Times"/>
@@ -10186,8 +10198,8 @@
         </p:blipFill>
         <p:spPr>
           <a:xfrm>
-            <a:off x="4760475" y="1933425"/>
-            <a:ext cx="4383525" cy="3210075"/>
+            <a:off x="3143175" y="1226225"/>
+            <a:ext cx="4023998" cy="2880474"/>
           </a:xfrm>
           <a:prstGeom prst="rect">
             <a:avLst/>
@@ -10206,8 +10218,8 @@
         </p:nvSpPr>
         <p:spPr>
           <a:xfrm>
-            <a:off x="0" y="2625000"/>
-            <a:ext cx="4663800" cy="2225700"/>
+            <a:off x="57675" y="2915050"/>
+            <a:ext cx="4663800" cy="2105700"/>
           </a:xfrm>
           <a:prstGeom prst="rect">
             <a:avLst/>
@@ -10223,7 +10235,7 @@
           </a:bodyPr>
           <a:lstStyle/>
           <a:p>
-            <a:pPr indent="-336550" lvl="0" marL="457200" rtl="0" algn="l">
+            <a:pPr indent="-330200" lvl="0" marL="457200" rtl="0" algn="l">
               <a:lnSpc>
                 <a:spcPct val="150000"/>
               </a:lnSpc>
@@ -10233,12 +10245,12 @@
               <a:spcAft>
                 <a:spcPts val="0"/>
               </a:spcAft>
-              <a:buSzPts val="1700"/>
+              <a:buSzPts val="1600"/>
               <a:buFont typeface="Times"/>
               <a:buChar char="●"/>
             </a:pPr>
             <a:r>
-              <a:rPr lang="en" sz="1700">
+              <a:rPr lang="en" sz="1600">
                 <a:latin typeface="Times"/>
                 <a:ea typeface="Times"/>
                 <a:cs typeface="Times"/>
@@ -10246,7 +10258,7 @@
               </a:rPr>
               <a:t>Fenomeno “Enjoy Sochi”:</a:t>
             </a:r>
-            <a:endParaRPr sz="1700">
+            <a:endParaRPr sz="1600">
               <a:latin typeface="Times"/>
               <a:ea typeface="Times"/>
               <a:cs typeface="Times"/>
@@ -10254,7 +10266,7 @@
             </a:endParaRPr>
           </a:p>
           <a:p>
-            <a:pPr indent="-336550" lvl="1" marL="914400" rtl="0" algn="l">
+            <a:pPr indent="-330200" lvl="1" marL="914400" rtl="0" algn="l">
               <a:lnSpc>
                 <a:spcPct val="115000"/>
               </a:lnSpc>
@@ -10264,12 +10276,12 @@
               <a:spcAft>
                 <a:spcPts val="0"/>
               </a:spcAft>
-              <a:buSzPts val="1700"/>
+              <a:buSzPts val="1600"/>
               <a:buFont typeface="Times"/>
               <a:buChar char="○"/>
             </a:pPr>
             <a:r>
-              <a:rPr lang="en" sz="1700">
+              <a:rPr lang="en" sz="1600">
                 <a:latin typeface="Times"/>
                 <a:ea typeface="Times"/>
                 <a:cs typeface="Times"/>
@@ -10277,7 +10289,7 @@
               </a:rPr>
               <a:t>2014: 48 750 output;</a:t>
             </a:r>
-            <a:endParaRPr sz="1700">
+            <a:endParaRPr sz="1600">
               <a:latin typeface="Times"/>
               <a:ea typeface="Times"/>
               <a:cs typeface="Times"/>
@@ -10285,7 +10297,7 @@
             </a:endParaRPr>
           </a:p>
           <a:p>
-            <a:pPr indent="-336550" lvl="1" marL="914400" rtl="0" algn="l">
+            <a:pPr indent="-330200" lvl="1" marL="914400" rtl="0" algn="l">
               <a:lnSpc>
                 <a:spcPct val="115000"/>
               </a:lnSpc>
@@ -10295,12 +10307,12 @@
               <a:spcAft>
                 <a:spcPts val="0"/>
               </a:spcAft>
-              <a:buSzPts val="1700"/>
+              <a:buSzPts val="1600"/>
               <a:buFont typeface="Times"/>
               <a:buChar char="○"/>
             </a:pPr>
             <a:r>
-              <a:rPr lang="en" sz="1700">
+              <a:rPr lang="en" sz="1600">
                 <a:latin typeface="Times"/>
                 <a:ea typeface="Times"/>
                 <a:cs typeface="Times"/>
@@ -10308,7 +10320,7 @@
               </a:rPr>
               <a:t>2015: 17 250 output;</a:t>
             </a:r>
-            <a:endParaRPr sz="1700">
+            <a:endParaRPr sz="1600">
               <a:latin typeface="Times"/>
               <a:ea typeface="Times"/>
               <a:cs typeface="Times"/>
@@ -10316,7 +10328,7 @@
             </a:endParaRPr>
           </a:p>
           <a:p>
-            <a:pPr indent="-336550" lvl="1" marL="914400" rtl="0" algn="l">
+            <a:pPr indent="-330200" lvl="1" marL="914400" rtl="0" algn="l">
               <a:lnSpc>
                 <a:spcPct val="150000"/>
               </a:lnSpc>
@@ -10326,12 +10338,12 @@
               <a:spcAft>
                 <a:spcPts val="0"/>
               </a:spcAft>
-              <a:buSzPts val="1700"/>
+              <a:buSzPts val="1600"/>
               <a:buFont typeface="Times"/>
               <a:buChar char="○"/>
             </a:pPr>
             <a:r>
-              <a:rPr lang="en" sz="1700">
+              <a:rPr lang="en" sz="1600">
                 <a:latin typeface="Times"/>
                 <a:ea typeface="Times"/>
                 <a:cs typeface="Times"/>
@@ -10339,7 +10351,7 @@
               </a:rPr>
               <a:t>2017: 189 495 output.</a:t>
             </a:r>
-            <a:endParaRPr sz="1700">
+            <a:endParaRPr sz="1600">
               <a:latin typeface="Times"/>
               <a:ea typeface="Times"/>
               <a:cs typeface="Times"/>
@@ -10347,7 +10359,7 @@
             </a:endParaRPr>
           </a:p>
           <a:p>
-            <a:pPr indent="-336550" lvl="0" marL="457200" rtl="0" algn="l">
+            <a:pPr indent="-330200" lvl="0" marL="457200" rtl="0" algn="l">
               <a:lnSpc>
                 <a:spcPct val="150000"/>
               </a:lnSpc>
@@ -10357,12 +10369,12 @@
               <a:spcAft>
                 <a:spcPts val="0"/>
               </a:spcAft>
-              <a:buSzPts val="1700"/>
+              <a:buSzPts val="1600"/>
               <a:buFont typeface="Times"/>
               <a:buChar char="●"/>
             </a:pPr>
             <a:r>
-              <a:rPr i="1" lang="en" sz="1700">
+              <a:rPr i="1" lang="en" sz="1600">
                 <a:latin typeface="Times"/>
                 <a:ea typeface="Times"/>
                 <a:cs typeface="Times"/>
@@ -10371,7 +10383,7 @@
               <a:t>1Enjoy1C4bYBr3tN4sM KxvvJDqG8NkdR4Z</a:t>
             </a:r>
             <a:r>
-              <a:rPr lang="en" sz="1700">
+              <a:rPr lang="en" sz="1600">
                 <a:latin typeface="Times"/>
                 <a:ea typeface="Times"/>
                 <a:cs typeface="Times"/>
@@ -10379,7 +10391,7 @@
               </a:rPr>
               <a:t>;</a:t>
             </a:r>
-            <a:endParaRPr sz="1700">
+            <a:endParaRPr sz="1600">
               <a:latin typeface="Times"/>
               <a:ea typeface="Times"/>
               <a:cs typeface="Times"/>
@@ -10387,7 +10399,7 @@
             </a:endParaRPr>
           </a:p>
           <a:p>
-            <a:pPr indent="-336550" lvl="0" marL="457200" rtl="0" algn="l">
+            <a:pPr indent="-330200" lvl="0" marL="457200" rtl="0" algn="l">
               <a:lnSpc>
                 <a:spcPct val="150000"/>
               </a:lnSpc>
@@ -10397,12 +10409,12 @@
               <a:spcAft>
                 <a:spcPts val="0"/>
               </a:spcAft>
-              <a:buSzPts val="1700"/>
+              <a:buSzPts val="1600"/>
               <a:buFont typeface="Times"/>
               <a:buChar char="●"/>
             </a:pPr>
             <a:r>
-              <a:rPr i="1" lang="en" sz="1700">
+              <a:rPr i="1" lang="en" sz="1600">
                 <a:latin typeface="Times"/>
                 <a:ea typeface="Times"/>
                 <a:cs typeface="Times"/>
@@ -10411,7 +10423,7 @@
               <a:t>1SochiWwFFySPjQoi2biVftXn8NRPCSQC</a:t>
             </a:r>
             <a:r>
-              <a:rPr lang="en" sz="1700">
+              <a:rPr lang="en" sz="1600">
                 <a:latin typeface="Times"/>
                 <a:ea typeface="Times"/>
                 <a:cs typeface="Times"/>
@@ -10419,7 +10431,7 @@
               </a:rPr>
               <a:t>.</a:t>
             </a:r>
-            <a:endParaRPr sz="1700">
+            <a:endParaRPr sz="1600">
               <a:latin typeface="Times"/>
               <a:ea typeface="Times"/>
               <a:cs typeface="Times"/>
@@ -10470,7 +10482,7 @@
         </p:nvSpPr>
         <p:spPr>
           <a:xfrm>
-            <a:off x="872525" y="231513"/>
+            <a:off x="872525" y="463013"/>
             <a:ext cx="4801500" cy="409500"/>
           </a:xfrm>
           <a:prstGeom prst="rect">
@@ -10580,7 +10592,7 @@
         </p:nvSpPr>
         <p:spPr>
           <a:xfrm>
-            <a:off x="872513" y="689325"/>
+            <a:off x="872513" y="848950"/>
             <a:ext cx="2965200" cy="738900"/>
           </a:xfrm>
           <a:prstGeom prst="rect">
@@ -10816,7 +10828,7 @@
                 <a:cs typeface="Times"/>
                 <a:sym typeface="Times"/>
               </a:rPr>
-              <a:t>Il dust è stato speso in 263 963 transazioni.</a:t>
+              <a:t>Il dust è stato speso in 263 963 transazioni;</a:t>
             </a:r>
             <a:endParaRPr sz="1800">
               <a:latin typeface="Times"/>
@@ -10966,7 +10978,7 @@
             <a:tbl>
               <a:tblPr>
                 <a:noFill/>
-                <a:tableStyleId>{37C8AA46-40A6-4F46-9E6B-B6E988466223}</a:tableStyleId>
+                <a:tableStyleId>{D6E4A52F-57D2-4B7E-A588-A60EA29AC5C1}</a:tableStyleId>
               </a:tblPr>
               <a:tblGrid>
                 <a:gridCol w="2342125"/>
@@ -11444,7 +11456,7 @@
         </p:nvSpPr>
         <p:spPr>
           <a:xfrm>
-            <a:off x="872525" y="231513"/>
+            <a:off x="872525" y="463013"/>
             <a:ext cx="4801500" cy="409500"/>
           </a:xfrm>
           <a:prstGeom prst="rect">
@@ -11533,7 +11545,7 @@
             <a:tbl>
               <a:tblPr>
                 <a:noFill/>
-                <a:tableStyleId>{37C8AA46-40A6-4F46-9E6B-B6E988466223}</a:tableStyleId>
+                <a:tableStyleId>{D6E4A52F-57D2-4B7E-A588-A60EA29AC5C1}</a:tableStyleId>
               </a:tblPr>
               <a:tblGrid>
                 <a:gridCol w="1112425"/>
@@ -12334,7 +12346,7 @@
         </p:nvSpPr>
         <p:spPr>
           <a:xfrm>
-            <a:off x="872525" y="231500"/>
+            <a:off x="872525" y="463025"/>
             <a:ext cx="4801500" cy="409500"/>
           </a:xfrm>
           <a:prstGeom prst="rect">
@@ -12424,8 +12436,8 @@
         </p:blipFill>
         <p:spPr>
           <a:xfrm>
-            <a:off x="3846750" y="1954275"/>
-            <a:ext cx="5297249" cy="3189226"/>
+            <a:off x="2863500" y="1825300"/>
+            <a:ext cx="4451398" cy="3114625"/>
           </a:xfrm>
           <a:prstGeom prst="rect">
             <a:avLst/>
@@ -12490,7 +12502,7 @@
         </p:nvSpPr>
         <p:spPr>
           <a:xfrm>
-            <a:off x="322400" y="1397538"/>
+            <a:off x="0" y="1383963"/>
             <a:ext cx="3908400" cy="1293000"/>
           </a:xfrm>
           <a:prstGeom prst="rect">
@@ -12528,7 +12540,16 @@
                 <a:cs typeface="Times"/>
                 <a:sym typeface="Times"/>
               </a:rPr>
-              <a:t>Transazioni totali: 166 906;</a:t>
+              <a:t>166 906 </a:t>
+            </a:r>
+            <a:r>
+              <a:rPr lang="en" sz="1800">
+                <a:latin typeface="Times"/>
+                <a:ea typeface="Times"/>
+                <a:cs typeface="Times"/>
+                <a:sym typeface="Times"/>
+              </a:rPr>
+              <a:t>transazioni totali:</a:t>
             </a:r>
             <a:endParaRPr sz="1800">
               <a:latin typeface="Times"/>
@@ -12609,7 +12630,7 @@
         </p:nvSpPr>
         <p:spPr>
           <a:xfrm>
-            <a:off x="339350" y="3447075"/>
+            <a:off x="0" y="3060300"/>
             <a:ext cx="2863500" cy="1015800"/>
           </a:xfrm>
           <a:prstGeom prst="rect">
@@ -13078,7 +13099,7 @@
         </p:nvSpPr>
         <p:spPr>
           <a:xfrm>
-            <a:off x="872525" y="105138"/>
+            <a:off x="883650" y="98288"/>
             <a:ext cx="4801500" cy="974400"/>
           </a:xfrm>
           <a:prstGeom prst="rect">
@@ -14780,7 +14801,7 @@
         </p:nvSpPr>
         <p:spPr>
           <a:xfrm>
-            <a:off x="872537" y="231513"/>
+            <a:off x="872537" y="463013"/>
             <a:ext cx="4641300" cy="409500"/>
           </a:xfrm>
           <a:prstGeom prst="rect">
@@ -16506,7 +16527,7 @@
         </p:nvSpPr>
         <p:spPr>
           <a:xfrm>
-            <a:off x="872525" y="231513"/>
+            <a:off x="872525" y="463013"/>
             <a:ext cx="4801500" cy="409500"/>
           </a:xfrm>
           <a:prstGeom prst="rect">
@@ -16787,7 +16808,7 @@
         </p:nvSpPr>
         <p:spPr>
           <a:xfrm>
-            <a:off x="872525" y="231513"/>
+            <a:off x="872525" y="463013"/>
             <a:ext cx="4801500" cy="409500"/>
           </a:xfrm>
           <a:prstGeom prst="rect">
@@ -17107,7 +17128,7 @@
         </p:nvSpPr>
         <p:spPr>
           <a:xfrm>
-            <a:off x="872525" y="231513"/>
+            <a:off x="872525" y="463013"/>
             <a:ext cx="4801500" cy="409500"/>
           </a:xfrm>
           <a:prstGeom prst="rect">
@@ -17189,8 +17210,8 @@
         </p:nvSpPr>
         <p:spPr>
           <a:xfrm>
-            <a:off x="872525" y="1031400"/>
-            <a:ext cx="6015000" cy="3675600"/>
+            <a:off x="533250" y="997475"/>
+            <a:ext cx="7032600" cy="3260100"/>
           </a:xfrm>
           <a:prstGeom prst="rect">
             <a:avLst/>
@@ -17571,7 +17592,7 @@
         </p:nvSpPr>
         <p:spPr>
           <a:xfrm>
-            <a:off x="872525" y="231500"/>
+            <a:off x="872525" y="463025"/>
             <a:ext cx="4801500" cy="409500"/>
           </a:xfrm>
           <a:prstGeom prst="rect">
@@ -18724,7 +18745,7 @@
         </p:nvSpPr>
         <p:spPr>
           <a:xfrm>
-            <a:off x="872525" y="231513"/>
+            <a:off x="872525" y="463013"/>
             <a:ext cx="4801500" cy="409500"/>
           </a:xfrm>
           <a:prstGeom prst="rect">
@@ -19579,7 +19600,7 @@
         </p:nvSpPr>
         <p:spPr>
           <a:xfrm>
-            <a:off x="872525" y="231513"/>
+            <a:off x="872525" y="463013"/>
             <a:ext cx="4801500" cy="409500"/>
           </a:xfrm>
           <a:prstGeom prst="rect">
@@ -20356,7 +20377,7 @@
         </p:nvSpPr>
         <p:spPr>
           <a:xfrm>
-            <a:off x="872525" y="231513"/>
+            <a:off x="872525" y="463013"/>
             <a:ext cx="4801500" cy="409500"/>
           </a:xfrm>
           <a:prstGeom prst="rect">

--- a/Dust Attack .pptx
+++ b/Dust Attack .pptx
@@ -10978,7 +10978,7 @@
             <a:tbl>
               <a:tblPr>
                 <a:noFill/>
-                <a:tableStyleId>{D6E4A52F-57D2-4B7E-A588-A60EA29AC5C1}</a:tableStyleId>
+                <a:tableStyleId>{AE547317-D1A8-469E-B1AD-AD07B8021AFD}</a:tableStyleId>
               </a:tblPr>
               <a:tblGrid>
                 <a:gridCol w="2342125"/>
@@ -11545,7 +11545,7 @@
             <a:tbl>
               <a:tblPr>
                 <a:noFill/>
-                <a:tableStyleId>{D6E4A52F-57D2-4B7E-A588-A60EA29AC5C1}</a:tableStyleId>
+                <a:tableStyleId>{AE547317-D1A8-469E-B1AD-AD07B8021AFD}</a:tableStyleId>
               </a:tblPr>
               <a:tblGrid>
                 <a:gridCol w="1112425"/>
@@ -16678,37 +16678,6 @@
                 <a:cs typeface="Times"/>
                 <a:sym typeface="Times"/>
               </a:rPr>
-              <a:t>Gli output hanno associato uno script;</a:t>
-            </a:r>
-            <a:endParaRPr sz="1800">
-              <a:latin typeface="Times"/>
-              <a:ea typeface="Times"/>
-              <a:cs typeface="Times"/>
-              <a:sym typeface="Times"/>
-            </a:endParaRPr>
-          </a:p>
-          <a:p>
-            <a:pPr indent="-342900" lvl="0" marL="457200" rtl="0" algn="l">
-              <a:lnSpc>
-                <a:spcPct val="150000"/>
-              </a:lnSpc>
-              <a:spcBef>
-                <a:spcPts val="0"/>
-              </a:spcBef>
-              <a:spcAft>
-                <a:spcPts val="0"/>
-              </a:spcAft>
-              <a:buSzPts val="1800"/>
-              <a:buFont typeface="Karla"/>
-              <a:buChar char="●"/>
-            </a:pPr>
-            <a:r>
-              <a:rPr lang="en" sz="1800">
-                <a:latin typeface="Times"/>
-                <a:ea typeface="Times"/>
-                <a:cs typeface="Times"/>
-                <a:sym typeface="Times"/>
-              </a:rPr>
               <a:t>Hanno una fee, la minima fee è denominata </a:t>
             </a:r>
             <a:r>
@@ -16727,7 +16696,38 @@
                 <a:cs typeface="Times"/>
                 <a:sym typeface="Times"/>
               </a:rPr>
-              <a:t>.</a:t>
+              <a:t>;</a:t>
+            </a:r>
+            <a:endParaRPr sz="1800">
+              <a:latin typeface="Times"/>
+              <a:ea typeface="Times"/>
+              <a:cs typeface="Times"/>
+              <a:sym typeface="Times"/>
+            </a:endParaRPr>
+          </a:p>
+          <a:p>
+            <a:pPr indent="-342900" lvl="0" marL="457200" rtl="0" algn="l">
+              <a:lnSpc>
+                <a:spcPct val="150000"/>
+              </a:lnSpc>
+              <a:spcBef>
+                <a:spcPts val="0"/>
+              </a:spcBef>
+              <a:spcAft>
+                <a:spcPts val="0"/>
+              </a:spcAft>
+              <a:buSzPts val="1800"/>
+              <a:buFont typeface="Times"/>
+              <a:buChar char="●"/>
+            </a:pPr>
+            <a:r>
+              <a:rPr lang="en" sz="1800">
+                <a:latin typeface="Times"/>
+                <a:ea typeface="Times"/>
+                <a:cs typeface="Times"/>
+                <a:sym typeface="Times"/>
+              </a:rPr>
+              <a:t>Gli output hanno associato uno script.</a:t>
             </a:r>
             <a:endParaRPr sz="1800">
               <a:latin typeface="Times"/>
@@ -17211,7 +17211,7 @@
         <p:spPr>
           <a:xfrm>
             <a:off x="533250" y="997475"/>
-            <a:ext cx="7032600" cy="3260100"/>
+            <a:ext cx="7032600" cy="3897300"/>
           </a:xfrm>
           <a:prstGeom prst="rect">
             <a:avLst/>
@@ -17447,6 +17447,68 @@
                 <a:sym typeface="Times"/>
               </a:rPr>
               <a:t>Possibili utilizzi:</a:t>
+            </a:r>
+            <a:endParaRPr sz="1800">
+              <a:latin typeface="Times"/>
+              <a:ea typeface="Times"/>
+              <a:cs typeface="Times"/>
+              <a:sym typeface="Times"/>
+            </a:endParaRPr>
+          </a:p>
+          <a:p>
+            <a:pPr indent="-342900" lvl="1" marL="914400" rtl="0" algn="l">
+              <a:lnSpc>
+                <a:spcPct val="115000"/>
+              </a:lnSpc>
+              <a:spcBef>
+                <a:spcPts val="0"/>
+              </a:spcBef>
+              <a:spcAft>
+                <a:spcPts val="0"/>
+              </a:spcAft>
+              <a:buSzPts val="1800"/>
+              <a:buFont typeface="Times"/>
+              <a:buChar char="○"/>
+            </a:pPr>
+            <a:r>
+              <a:rPr lang="en" sz="1800">
+                <a:latin typeface="Times"/>
+                <a:ea typeface="Times"/>
+                <a:cs typeface="Times"/>
+                <a:sym typeface="Times"/>
+              </a:rPr>
+              <a:t>Spam;</a:t>
+            </a:r>
+            <a:endParaRPr sz="1800">
+              <a:latin typeface="Times"/>
+              <a:ea typeface="Times"/>
+              <a:cs typeface="Times"/>
+              <a:sym typeface="Times"/>
+            </a:endParaRPr>
+          </a:p>
+          <a:p>
+            <a:pPr indent="-342900" lvl="1" marL="914400" rtl="0" algn="l">
+              <a:lnSpc>
+                <a:spcPct val="115000"/>
+              </a:lnSpc>
+              <a:spcBef>
+                <a:spcPts val="0"/>
+              </a:spcBef>
+              <a:spcAft>
+                <a:spcPts val="0"/>
+              </a:spcAft>
+              <a:buSzPts val="1800"/>
+              <a:buFont typeface="Times"/>
+              <a:buChar char="○"/>
+            </a:pPr>
+            <a:r>
+              <a:rPr lang="en" sz="1800">
+                <a:latin typeface="Times"/>
+                <a:ea typeface="Times"/>
+                <a:cs typeface="Times"/>
+                <a:sym typeface="Times"/>
+              </a:rPr>
+              <a:t>Stress Test;</a:t>
             </a:r>
             <a:endParaRPr sz="1800">
               <a:latin typeface="Times"/>
@@ -21071,6 +21133,285 @@
 </file>
 
 <file path=ppt/theme/theme1.xml><?xml version="1.0" encoding="utf-8"?>
+<a:theme xmlns:a="http://schemas.openxmlformats.org/drawingml/2006/main" xmlns:r="http://schemas.openxmlformats.org/officeDocument/2006/relationships">
+  <a:themeElements>
+    <a:clrScheme name="Default">
+      <a:dk1>
+        <a:srgbClr val="000000"/>
+      </a:dk1>
+      <a:lt1>
+        <a:srgbClr val="FFFFFF"/>
+      </a:lt1>
+      <a:dk2>
+        <a:srgbClr val="158158"/>
+      </a:dk2>
+      <a:lt2>
+        <a:srgbClr val="F3F3F3"/>
+      </a:lt2>
+      <a:accent1>
+        <a:srgbClr val="058DC7"/>
+      </a:accent1>
+      <a:accent2>
+        <a:srgbClr val="50B432"/>
+      </a:accent2>
+      <a:accent3>
+        <a:srgbClr val="ED561B"/>
+      </a:accent3>
+      <a:accent4>
+        <a:srgbClr val="EDEF00"/>
+      </a:accent4>
+      <a:accent5>
+        <a:srgbClr val="24CBE5"/>
+      </a:accent5>
+      <a:accent6>
+        <a:srgbClr val="64E572"/>
+      </a:accent6>
+      <a:hlink>
+        <a:srgbClr val="2200CC"/>
+      </a:hlink>
+      <a:folHlink>
+        <a:srgbClr val="551A8B"/>
+      </a:folHlink>
+    </a:clrScheme>
+    <a:fontScheme name="Office">
+      <a:majorFont>
+        <a:latin typeface="Arial"/>
+        <a:ea typeface=""/>
+        <a:cs typeface=""/>
+        <a:font script="Jpan" typeface="ＭＳ Ｐゴシック"/>
+        <a:font script="Hang" typeface="맑은 고딕"/>
+        <a:font script="Hans" typeface="宋体"/>
+        <a:font script="Hant" typeface="新細明體"/>
+        <a:font script="Arab" typeface="Times New Roman"/>
+        <a:font script="Hebr" typeface="Times New Roman"/>
+        <a:font script="Thai" typeface="Angsana New"/>
+        <a:font script="Ethi" typeface="Nyala"/>
+        <a:font script="Beng" typeface="Vrinda"/>
+        <a:font script="Gujr" typeface="Shruti"/>
+        <a:font script="Khmr" typeface="MoolBoran"/>
+        <a:font script="Knda" typeface="Tunga"/>
+        <a:font script="Guru" typeface="Raavi"/>
+        <a:font script="Cans" typeface="Euphemia"/>
+        <a:font script="Cher" typeface="Plantagenet Cherokee"/>
+        <a:font script="Yiii" typeface="Microsoft Yi Baiti"/>
+        <a:font script="Tibt" typeface="Microsoft Himalaya"/>
+        <a:font script="Thaa" typeface="MV Boli"/>
+        <a:font script="Deva" typeface="Mangal"/>
+        <a:font script="Telu" typeface="Gautami"/>
+        <a:font script="Taml" typeface="Latha"/>
+        <a:font script="Syrc" typeface="Estrangelo Edessa"/>
+        <a:font script="Orya" typeface="Kalinga"/>
+        <a:font script="Mlym" typeface="Kartika"/>
+        <a:font script="Laoo" typeface="DokChampa"/>
+        <a:font script="Sinh" typeface="Iskoola Pota"/>
+        <a:font script="Mong" typeface="Mongolian Baiti"/>
+        <a:font script="Viet" typeface="Times New Roman"/>
+        <a:font script="Uigh" typeface="Microsoft Uighur"/>
+        <a:font script="Geor" typeface="Sylfaen"/>
+      </a:majorFont>
+      <a:minorFont>
+        <a:latin typeface="Arial"/>
+        <a:ea typeface=""/>
+        <a:cs typeface=""/>
+        <a:font script="Jpan" typeface="ＭＳ Ｐゴシック"/>
+        <a:font script="Hang" typeface="맑은 고딕"/>
+        <a:font script="Hans" typeface="宋体"/>
+        <a:font script="Hant" typeface="新細明體"/>
+        <a:font script="Arab" typeface="Arial"/>
+        <a:font script="Hebr" typeface="Arial"/>
+        <a:font script="Thai" typeface="Cordia New"/>
+        <a:font script="Ethi" typeface="Nyala"/>
+        <a:font script="Beng" typeface="Vrinda"/>
+        <a:font script="Gujr" typeface="Shruti"/>
+        <a:font script="Khmr" typeface="DaunPenh"/>
+        <a:font script="Knda" typeface="Tunga"/>
+        <a:font script="Guru" typeface="Raavi"/>
+        <a:font script="Cans" typeface="Euphemia"/>
+        <a:font script="Cher" typeface="Plantagenet Cherokee"/>
+        <a:font script="Yiii" typeface="Microsoft Yi Baiti"/>
+        <a:font script="Tibt" typeface="Microsoft Himalaya"/>
+        <a:font script="Thaa" typeface="MV Boli"/>
+        <a:font script="Deva" typeface="Mangal"/>
+        <a:font script="Telu" typeface="Gautami"/>
+        <a:font script="Taml" typeface="Latha"/>
+        <a:font script="Syrc" typeface="Estrangelo Edessa"/>
+        <a:font script="Orya" typeface="Kalinga"/>
+        <a:font script="Mlym" typeface="Kartika"/>
+        <a:font script="Laoo" typeface="DokChampa"/>
+        <a:font script="Sinh" typeface="Iskoola Pota"/>
+        <a:font script="Mong" typeface="Mongolian Baiti"/>
+        <a:font script="Viet" typeface="Arial"/>
+        <a:font script="Uigh" typeface="Microsoft Uighur"/>
+        <a:font script="Geor" typeface="Sylfaen"/>
+      </a:minorFont>
+    </a:fontScheme>
+    <a:fmtScheme name="Office">
+      <a:fillStyleLst>
+        <a:solidFill>
+          <a:schemeClr val="phClr"/>
+        </a:solidFill>
+        <a:gradFill rotWithShape="1">
+          <a:gsLst>
+            <a:gs pos="0">
+              <a:schemeClr val="phClr">
+                <a:tint val="50000"/>
+                <a:satMod val="300000"/>
+              </a:schemeClr>
+            </a:gs>
+            <a:gs pos="35000">
+              <a:schemeClr val="phClr">
+                <a:tint val="37000"/>
+                <a:satMod val="300000"/>
+              </a:schemeClr>
+            </a:gs>
+            <a:gs pos="100000">
+              <a:schemeClr val="phClr">
+                <a:tint val="15000"/>
+                <a:satMod val="350000"/>
+              </a:schemeClr>
+            </a:gs>
+          </a:gsLst>
+          <a:lin ang="16200000" scaled="1"/>
+        </a:gradFill>
+        <a:gradFill rotWithShape="1">
+          <a:gsLst>
+            <a:gs pos="0">
+              <a:schemeClr val="phClr">
+                <a:tint val="100000"/>
+                <a:shade val="100000"/>
+                <a:satMod val="130000"/>
+              </a:schemeClr>
+            </a:gs>
+            <a:gs pos="100000">
+              <a:schemeClr val="phClr">
+                <a:tint val="50000"/>
+                <a:shade val="100000"/>
+                <a:satMod val="350000"/>
+              </a:schemeClr>
+            </a:gs>
+          </a:gsLst>
+          <a:lin ang="16200000" scaled="0"/>
+        </a:gradFill>
+      </a:fillStyleLst>
+      <a:lnStyleLst>
+        <a:ln w="9525" cap="flat" cmpd="sng" algn="ctr">
+          <a:solidFill>
+            <a:schemeClr val="phClr">
+              <a:shade val="95000"/>
+              <a:satMod val="105000"/>
+            </a:schemeClr>
+          </a:solidFill>
+          <a:prstDash val="solid"/>
+        </a:ln>
+        <a:ln w="25400" cap="flat" cmpd="sng" algn="ctr">
+          <a:solidFill>
+            <a:schemeClr val="phClr"/>
+          </a:solidFill>
+          <a:prstDash val="solid"/>
+        </a:ln>
+        <a:ln w="38100" cap="flat" cmpd="sng" algn="ctr">
+          <a:solidFill>
+            <a:schemeClr val="phClr"/>
+          </a:solidFill>
+          <a:prstDash val="solid"/>
+        </a:ln>
+      </a:lnStyleLst>
+      <a:effectStyleLst>
+        <a:effectStyle>
+          <a:effectLst>
+            <a:outerShdw blurRad="40000" dist="20000" dir="5400000" rotWithShape="0">
+              <a:srgbClr val="000000">
+                <a:alpha val="38000"/>
+              </a:srgbClr>
+            </a:outerShdw>
+          </a:effectLst>
+        </a:effectStyle>
+        <a:effectStyle>
+          <a:effectLst>
+            <a:outerShdw blurRad="40000" dist="23000" dir="5400000" rotWithShape="0">
+              <a:srgbClr val="000000">
+                <a:alpha val="35000"/>
+              </a:srgbClr>
+            </a:outerShdw>
+          </a:effectLst>
+        </a:effectStyle>
+        <a:effectStyle>
+          <a:effectLst>
+            <a:outerShdw blurRad="40000" dist="23000" dir="5400000" rotWithShape="0">
+              <a:srgbClr val="000000">
+                <a:alpha val="35000"/>
+              </a:srgbClr>
+            </a:outerShdw>
+          </a:effectLst>
+          <a:scene3d>
+            <a:camera prst="orthographicFront">
+              <a:rot lat="0" lon="0" rev="0"/>
+            </a:camera>
+            <a:lightRig rig="threePt" dir="t">
+              <a:rot lat="0" lon="0" rev="1200000"/>
+            </a:lightRig>
+          </a:scene3d>
+          <a:sp3d>
+            <a:bevelT w="63500" h="25400"/>
+          </a:sp3d>
+        </a:effectStyle>
+      </a:effectStyleLst>
+      <a:bgFillStyleLst>
+        <a:solidFill>
+          <a:schemeClr val="phClr"/>
+        </a:solidFill>
+        <a:gradFill rotWithShape="1">
+          <a:gsLst>
+            <a:gs pos="0">
+              <a:schemeClr val="phClr">
+                <a:tint val="40000"/>
+                <a:satMod val="350000"/>
+              </a:schemeClr>
+            </a:gs>
+            <a:gs pos="40000">
+              <a:schemeClr val="phClr">
+                <a:tint val="45000"/>
+                <a:shade val="99000"/>
+                <a:satMod val="350000"/>
+              </a:schemeClr>
+            </a:gs>
+            <a:gs pos="100000">
+              <a:schemeClr val="phClr">
+                <a:shade val="20000"/>
+                <a:satMod val="255000"/>
+              </a:schemeClr>
+            </a:gs>
+          </a:gsLst>
+          <a:path path="circle">
+            <a:fillToRect l="50000" t="-80000" r="50000" b="180000"/>
+          </a:path>
+        </a:gradFill>
+        <a:gradFill rotWithShape="1">
+          <a:gsLst>
+            <a:gs pos="0">
+              <a:schemeClr val="phClr">
+                <a:tint val="80000"/>
+                <a:satMod val="300000"/>
+              </a:schemeClr>
+            </a:gs>
+            <a:gs pos="100000">
+              <a:schemeClr val="phClr">
+                <a:shade val="30000"/>
+                <a:satMod val="200000"/>
+              </a:schemeClr>
+            </a:gs>
+          </a:gsLst>
+          <a:path path="circle">
+            <a:fillToRect l="50000" t="50000" r="50000" b="50000"/>
+          </a:path>
+        </a:gradFill>
+      </a:bgFillStyleLst>
+    </a:fmtScheme>
+  </a:themeElements>
+</a:theme>
+</file>
+
+<file path=ppt/theme/theme2.xml><?xml version="1.0" encoding="utf-8"?>
 <a:theme xmlns:a="http://schemas.openxmlformats.org/drawingml/2006/main" xmlns:r="http://schemas.openxmlformats.org/officeDocument/2006/relationships" name="Arviragus template">
   <a:themeElements>
     <a:clrScheme name="Custom 347">
@@ -21347,283 +21688,4 @@
     </a:fmtScheme>
   </a:themeElements>
 </a:theme>
-</file>
-
-<file path=ppt/theme/theme2.xml><?xml version="1.0" encoding="utf-8"?>
-<a:theme xmlns:a="http://schemas.openxmlformats.org/drawingml/2006/main" xmlns:r="http://schemas.openxmlformats.org/officeDocument/2006/relationships">
-  <a:themeElements>
-    <a:clrScheme name="Default">
-      <a:dk1>
-        <a:srgbClr val="000000"/>
-      </a:dk1>
-      <a:lt1>
-        <a:srgbClr val="FFFFFF"/>
-      </a:lt1>
-      <a:dk2>
-        <a:srgbClr val="158158"/>
-      </a:dk2>
-      <a:lt2>
-        <a:srgbClr val="F3F3F3"/>
-      </a:lt2>
-      <a:accent1>
-        <a:srgbClr val="058DC7"/>
-      </a:accent1>
-      <a:accent2>
-        <a:srgbClr val="50B432"/>
-      </a:accent2>
-      <a:accent3>
-        <a:srgbClr val="ED561B"/>
-      </a:accent3>
-      <a:accent4>
-        <a:srgbClr val="EDEF00"/>
-      </a:accent4>
-      <a:accent5>
-        <a:srgbClr val="24CBE5"/>
-      </a:accent5>
-      <a:accent6>
-        <a:srgbClr val="64E572"/>
-      </a:accent6>
-      <a:hlink>
-        <a:srgbClr val="2200CC"/>
-      </a:hlink>
-      <a:folHlink>
-        <a:srgbClr val="551A8B"/>
-      </a:folHlink>
-    </a:clrScheme>
-    <a:fontScheme name="Office">
-      <a:majorFont>
-        <a:latin typeface="Arial"/>
-        <a:ea typeface=""/>
-        <a:cs typeface=""/>
-        <a:font script="Jpan" typeface="ＭＳ Ｐゴシック"/>
-        <a:font script="Hang" typeface="맑은 고딕"/>
-        <a:font script="Hans" typeface="宋体"/>
-        <a:font script="Hant" typeface="新細明體"/>
-        <a:font script="Arab" typeface="Times New Roman"/>
-        <a:font script="Hebr" typeface="Times New Roman"/>
-        <a:font script="Thai" typeface="Angsana New"/>
-        <a:font script="Ethi" typeface="Nyala"/>
-        <a:font script="Beng" typeface="Vrinda"/>
-        <a:font script="Gujr" typeface="Shruti"/>
-        <a:font script="Khmr" typeface="MoolBoran"/>
-        <a:font script="Knda" typeface="Tunga"/>
-        <a:font script="Guru" typeface="Raavi"/>
-        <a:font script="Cans" typeface="Euphemia"/>
-        <a:font script="Cher" typeface="Plantagenet Cherokee"/>
-        <a:font script="Yiii" typeface="Microsoft Yi Baiti"/>
-        <a:font script="Tibt" typeface="Microsoft Himalaya"/>
-        <a:font script="Thaa" typeface="MV Boli"/>
-        <a:font script="Deva" typeface="Mangal"/>
-        <a:font script="Telu" typeface="Gautami"/>
-        <a:font script="Taml" typeface="Latha"/>
-        <a:font script="Syrc" typeface="Estrangelo Edessa"/>
-        <a:font script="Orya" typeface="Kalinga"/>
-        <a:font script="Mlym" typeface="Kartika"/>
-        <a:font script="Laoo" typeface="DokChampa"/>
-        <a:font script="Sinh" typeface="Iskoola Pota"/>
-        <a:font script="Mong" typeface="Mongolian Baiti"/>
-        <a:font script="Viet" typeface="Times New Roman"/>
-        <a:font script="Uigh" typeface="Microsoft Uighur"/>
-        <a:font script="Geor" typeface="Sylfaen"/>
-      </a:majorFont>
-      <a:minorFont>
-        <a:latin typeface="Arial"/>
-        <a:ea typeface=""/>
-        <a:cs typeface=""/>
-        <a:font script="Jpan" typeface="ＭＳ Ｐゴシック"/>
-        <a:font script="Hang" typeface="맑은 고딕"/>
-        <a:font script="Hans" typeface="宋体"/>
-        <a:font script="Hant" typeface="新細明體"/>
-        <a:font script="Arab" typeface="Arial"/>
-        <a:font script="Hebr" typeface="Arial"/>
-        <a:font script="Thai" typeface="Cordia New"/>
-        <a:font script="Ethi" typeface="Nyala"/>
-        <a:font script="Beng" typeface="Vrinda"/>
-        <a:font script="Gujr" typeface="Shruti"/>
-        <a:font script="Khmr" typeface="DaunPenh"/>
-        <a:font script="Knda" typeface="Tunga"/>
-        <a:font script="Guru" typeface="Raavi"/>
-        <a:font script="Cans" typeface="Euphemia"/>
-        <a:font script="Cher" typeface="Plantagenet Cherokee"/>
-        <a:font script="Yiii" typeface="Microsoft Yi Baiti"/>
-        <a:font script="Tibt" typeface="Microsoft Himalaya"/>
-        <a:font script="Thaa" typeface="MV Boli"/>
-        <a:font script="Deva" typeface="Mangal"/>
-        <a:font script="Telu" typeface="Gautami"/>
-        <a:font script="Taml" typeface="Latha"/>
-        <a:font script="Syrc" typeface="Estrangelo Edessa"/>
-        <a:font script="Orya" typeface="Kalinga"/>
-        <a:font script="Mlym" typeface="Kartika"/>
-        <a:font script="Laoo" typeface="DokChampa"/>
-        <a:font script="Sinh" typeface="Iskoola Pota"/>
-        <a:font script="Mong" typeface="Mongolian Baiti"/>
-        <a:font script="Viet" typeface="Arial"/>
-        <a:font script="Uigh" typeface="Microsoft Uighur"/>
-        <a:font script="Geor" typeface="Sylfaen"/>
-      </a:minorFont>
-    </a:fontScheme>
-    <a:fmtScheme name="Office">
-      <a:fillStyleLst>
-        <a:solidFill>
-          <a:schemeClr val="phClr"/>
-        </a:solidFill>
-        <a:gradFill rotWithShape="1">
-          <a:gsLst>
-            <a:gs pos="0">
-              <a:schemeClr val="phClr">
-                <a:tint val="50000"/>
-                <a:satMod val="300000"/>
-              </a:schemeClr>
-            </a:gs>
-            <a:gs pos="35000">
-              <a:schemeClr val="phClr">
-                <a:tint val="37000"/>
-                <a:satMod val="300000"/>
-              </a:schemeClr>
-            </a:gs>
-            <a:gs pos="100000">
-              <a:schemeClr val="phClr">
-                <a:tint val="15000"/>
-                <a:satMod val="350000"/>
-              </a:schemeClr>
-            </a:gs>
-          </a:gsLst>
-          <a:lin ang="16200000" scaled="1"/>
-        </a:gradFill>
-        <a:gradFill rotWithShape="1">
-          <a:gsLst>
-            <a:gs pos="0">
-              <a:schemeClr val="phClr">
-                <a:tint val="100000"/>
-                <a:shade val="100000"/>
-                <a:satMod val="130000"/>
-              </a:schemeClr>
-            </a:gs>
-            <a:gs pos="100000">
-              <a:schemeClr val="phClr">
-                <a:tint val="50000"/>
-                <a:shade val="100000"/>
-                <a:satMod val="350000"/>
-              </a:schemeClr>
-            </a:gs>
-          </a:gsLst>
-          <a:lin ang="16200000" scaled="0"/>
-        </a:gradFill>
-      </a:fillStyleLst>
-      <a:lnStyleLst>
-        <a:ln w="9525" cap="flat" cmpd="sng" algn="ctr">
-          <a:solidFill>
-            <a:schemeClr val="phClr">
-              <a:shade val="95000"/>
-              <a:satMod val="105000"/>
-            </a:schemeClr>
-          </a:solidFill>
-          <a:prstDash val="solid"/>
-        </a:ln>
-        <a:ln w="25400" cap="flat" cmpd="sng" algn="ctr">
-          <a:solidFill>
-            <a:schemeClr val="phClr"/>
-          </a:solidFill>
-          <a:prstDash val="solid"/>
-        </a:ln>
-        <a:ln w="38100" cap="flat" cmpd="sng" algn="ctr">
-          <a:solidFill>
-            <a:schemeClr val="phClr"/>
-          </a:solidFill>
-          <a:prstDash val="solid"/>
-        </a:ln>
-      </a:lnStyleLst>
-      <a:effectStyleLst>
-        <a:effectStyle>
-          <a:effectLst>
-            <a:outerShdw blurRad="40000" dist="20000" dir="5400000" rotWithShape="0">
-              <a:srgbClr val="000000">
-                <a:alpha val="38000"/>
-              </a:srgbClr>
-            </a:outerShdw>
-          </a:effectLst>
-        </a:effectStyle>
-        <a:effectStyle>
-          <a:effectLst>
-            <a:outerShdw blurRad="40000" dist="23000" dir="5400000" rotWithShape="0">
-              <a:srgbClr val="000000">
-                <a:alpha val="35000"/>
-              </a:srgbClr>
-            </a:outerShdw>
-          </a:effectLst>
-        </a:effectStyle>
-        <a:effectStyle>
-          <a:effectLst>
-            <a:outerShdw blurRad="40000" dist="23000" dir="5400000" rotWithShape="0">
-              <a:srgbClr val="000000">
-                <a:alpha val="35000"/>
-              </a:srgbClr>
-            </a:outerShdw>
-          </a:effectLst>
-          <a:scene3d>
-            <a:camera prst="orthographicFront">
-              <a:rot lat="0" lon="0" rev="0"/>
-            </a:camera>
-            <a:lightRig rig="threePt" dir="t">
-              <a:rot lat="0" lon="0" rev="1200000"/>
-            </a:lightRig>
-          </a:scene3d>
-          <a:sp3d>
-            <a:bevelT w="63500" h="25400"/>
-          </a:sp3d>
-        </a:effectStyle>
-      </a:effectStyleLst>
-      <a:bgFillStyleLst>
-        <a:solidFill>
-          <a:schemeClr val="phClr"/>
-        </a:solidFill>
-        <a:gradFill rotWithShape="1">
-          <a:gsLst>
-            <a:gs pos="0">
-              <a:schemeClr val="phClr">
-                <a:tint val="40000"/>
-                <a:satMod val="350000"/>
-              </a:schemeClr>
-            </a:gs>
-            <a:gs pos="40000">
-              <a:schemeClr val="phClr">
-                <a:tint val="45000"/>
-                <a:shade val="99000"/>
-                <a:satMod val="350000"/>
-              </a:schemeClr>
-            </a:gs>
-            <a:gs pos="100000">
-              <a:schemeClr val="phClr">
-                <a:shade val="20000"/>
-                <a:satMod val="255000"/>
-              </a:schemeClr>
-            </a:gs>
-          </a:gsLst>
-          <a:path path="circle">
-            <a:fillToRect l="50000" t="-80000" r="50000" b="180000"/>
-          </a:path>
-        </a:gradFill>
-        <a:gradFill rotWithShape="1">
-          <a:gsLst>
-            <a:gs pos="0">
-              <a:schemeClr val="phClr">
-                <a:tint val="80000"/>
-                <a:satMod val="300000"/>
-              </a:schemeClr>
-            </a:gs>
-            <a:gs pos="100000">
-              <a:schemeClr val="phClr">
-                <a:shade val="30000"/>
-                <a:satMod val="200000"/>
-              </a:schemeClr>
-            </a:gs>
-          </a:gsLst>
-          <a:path path="circle">
-            <a:fillToRect l="50000" t="50000" r="50000" b="50000"/>
-          </a:path>
-        </a:gradFill>
-      </a:bgFillStyleLst>
-    </a:fmtScheme>
-  </a:themeElements>
-</a:theme>
 </file>
--- a/Dust Attack .pptx
+++ b/Dust Attack .pptx
@@ -10978,7 +10978,7 @@
             <a:tbl>
               <a:tblPr>
                 <a:noFill/>
-                <a:tableStyleId>{AE547317-D1A8-469E-B1AD-AD07B8021AFD}</a:tableStyleId>
+                <a:tableStyleId>{5FC56066-D6AE-4117-A735-D7FFD2A645CE}</a:tableStyleId>
               </a:tblPr>
               <a:tblGrid>
                 <a:gridCol w="2342125"/>
@@ -11545,7 +11545,7 @@
             <a:tbl>
               <a:tblPr>
                 <a:noFill/>
-                <a:tableStyleId>{AE547317-D1A8-469E-B1AD-AD07B8021AFD}</a:tableStyleId>
+                <a:tableStyleId>{5FC56066-D6AE-4117-A735-D7FFD2A645CE}</a:tableStyleId>
               </a:tblPr>
               <a:tblGrid>
                 <a:gridCol w="1112425"/>
@@ -15011,7 +15011,7 @@
         </p:nvSpPr>
         <p:spPr>
           <a:xfrm>
-            <a:off x="163675" y="1608175"/>
+            <a:off x="265475" y="1817450"/>
             <a:ext cx="743700" cy="641100"/>
           </a:xfrm>
           <a:prstGeom prst="ellipse">
@@ -15077,7 +15077,7 @@
         </p:nvSpPr>
         <p:spPr>
           <a:xfrm>
-            <a:off x="554274" y="2823522"/>
+            <a:off x="656074" y="3032797"/>
             <a:ext cx="1157100" cy="466200"/>
           </a:xfrm>
           <a:prstGeom prst="ellipse">
@@ -15143,7 +15143,7 @@
         </p:nvSpPr>
         <p:spPr>
           <a:xfrm>
-            <a:off x="620904" y="3396538"/>
+            <a:off x="722704" y="3605813"/>
             <a:ext cx="104400" cy="724800"/>
           </a:xfrm>
           <a:prstGeom prst="downArrow">
@@ -15195,7 +15195,7 @@
         </p:nvSpPr>
         <p:spPr>
           <a:xfrm>
-            <a:off x="860672" y="3513639"/>
+            <a:off x="962472" y="3722914"/>
             <a:ext cx="104400" cy="724800"/>
           </a:xfrm>
           <a:prstGeom prst="downArrow">
@@ -15247,7 +15247,7 @@
         </p:nvSpPr>
         <p:spPr>
           <a:xfrm>
-            <a:off x="1259559" y="3513639"/>
+            <a:off x="1361359" y="3722914"/>
             <a:ext cx="104400" cy="724800"/>
           </a:xfrm>
           <a:prstGeom prst="downArrow">
@@ -15299,7 +15299,7 @@
         </p:nvSpPr>
         <p:spPr>
           <a:xfrm>
-            <a:off x="1540329" y="3396538"/>
+            <a:off x="1642129" y="3605813"/>
             <a:ext cx="104400" cy="724800"/>
           </a:xfrm>
           <a:prstGeom prst="downArrow">
@@ -15351,7 +15351,7 @@
         </p:nvSpPr>
         <p:spPr>
           <a:xfrm rot="3914124">
-            <a:off x="559846" y="2410657"/>
+            <a:off x="661646" y="2619932"/>
             <a:ext cx="341616" cy="224195"/>
           </a:xfrm>
           <a:prstGeom prst="rightArrow">
@@ -15403,7 +15403,7 @@
         </p:nvSpPr>
         <p:spPr>
           <a:xfrm>
-            <a:off x="2683291" y="2823522"/>
+            <a:off x="2785091" y="3032797"/>
             <a:ext cx="1157100" cy="466200"/>
           </a:xfrm>
           <a:prstGeom prst="ellipse">
@@ -15469,7 +15469,7 @@
         </p:nvSpPr>
         <p:spPr>
           <a:xfrm>
-            <a:off x="2761370" y="3396538"/>
+            <a:off x="2863170" y="3605813"/>
             <a:ext cx="104400" cy="724800"/>
           </a:xfrm>
           <a:prstGeom prst="downArrow">
@@ -15521,7 +15521,7 @@
         </p:nvSpPr>
         <p:spPr>
           <a:xfrm>
-            <a:off x="3001138" y="3513639"/>
+            <a:off x="3102938" y="3722914"/>
             <a:ext cx="104400" cy="724800"/>
           </a:xfrm>
           <a:prstGeom prst="downArrow">
@@ -15573,7 +15573,7 @@
         </p:nvSpPr>
         <p:spPr>
           <a:xfrm>
-            <a:off x="3400026" y="3513639"/>
+            <a:off x="3501826" y="3722914"/>
             <a:ext cx="104400" cy="724800"/>
           </a:xfrm>
           <a:prstGeom prst="downArrow">
@@ -15625,7 +15625,7 @@
         </p:nvSpPr>
         <p:spPr>
           <a:xfrm>
-            <a:off x="3680796" y="3396538"/>
+            <a:off x="3782596" y="3605813"/>
             <a:ext cx="104400" cy="724800"/>
           </a:xfrm>
           <a:prstGeom prst="downArrow">
@@ -15677,7 +15677,7 @@
         </p:nvSpPr>
         <p:spPr>
           <a:xfrm>
-            <a:off x="4776787" y="2823522"/>
+            <a:off x="4878587" y="3032797"/>
             <a:ext cx="1157100" cy="466200"/>
           </a:xfrm>
           <a:prstGeom prst="ellipse">
@@ -15743,7 +15743,7 @@
         </p:nvSpPr>
         <p:spPr>
           <a:xfrm>
-            <a:off x="4843417" y="3396538"/>
+            <a:off x="4945217" y="3605813"/>
             <a:ext cx="104400" cy="724800"/>
           </a:xfrm>
           <a:prstGeom prst="downArrow">
@@ -15795,7 +15795,7 @@
         </p:nvSpPr>
         <p:spPr>
           <a:xfrm>
-            <a:off x="5083185" y="3513639"/>
+            <a:off x="5184985" y="3722914"/>
             <a:ext cx="104400" cy="724800"/>
           </a:xfrm>
           <a:prstGeom prst="downArrow">
@@ -15847,7 +15847,7 @@
         </p:nvSpPr>
         <p:spPr>
           <a:xfrm>
-            <a:off x="5482073" y="3513639"/>
+            <a:off x="5583873" y="3722914"/>
             <a:ext cx="104400" cy="724800"/>
           </a:xfrm>
           <a:prstGeom prst="downArrow">
@@ -15899,7 +15899,7 @@
         </p:nvSpPr>
         <p:spPr>
           <a:xfrm>
-            <a:off x="5762843" y="3396538"/>
+            <a:off x="5864643" y="3605813"/>
             <a:ext cx="104400" cy="724800"/>
           </a:xfrm>
           <a:prstGeom prst="downArrow">
@@ -15951,7 +15951,7 @@
         </p:nvSpPr>
         <p:spPr>
           <a:xfrm>
-            <a:off x="1891212" y="2941286"/>
+            <a:off x="2049100" y="3150561"/>
             <a:ext cx="500100" cy="230700"/>
           </a:xfrm>
           <a:prstGeom prst="rightArrow">
@@ -16003,7 +16003,7 @@
         </p:nvSpPr>
         <p:spPr>
           <a:xfrm>
-            <a:off x="4132387" y="2941286"/>
+            <a:off x="4160350" y="3150561"/>
             <a:ext cx="500100" cy="230700"/>
           </a:xfrm>
           <a:prstGeom prst="rightArrow">
@@ -16055,7 +16055,7 @@
         </p:nvSpPr>
         <p:spPr>
           <a:xfrm>
-            <a:off x="6215625" y="2823525"/>
+            <a:off x="6317425" y="3032800"/>
             <a:ext cx="872400" cy="400200"/>
           </a:xfrm>
           <a:prstGeom prst="rect">
@@ -16407,7 +16407,7 @@
                 <a:cs typeface="Times"/>
                 <a:sym typeface="Times"/>
               </a:rPr>
-              <a:t>il Prof Di Francesco e </a:t>
+              <a:t>il Prof. Di Francesco e </a:t>
             </a:r>
             <a:endParaRPr sz="1800">
               <a:solidFill>

--- a/Dust Attack .pptx
+++ b/Dust Attack .pptx
@@ -9759,7 +9759,7 @@
     <p:bg>
       <p:bgPr>
         <a:solidFill>
-          <a:srgbClr val="1C4587"/>
+          <a:srgbClr val="073763"/>
         </a:solidFill>
       </p:bgPr>
     </p:bg>
@@ -9992,7 +9992,7 @@
     <p:bg>
       <p:bgPr>
         <a:solidFill>
-          <a:srgbClr val="1C4587"/>
+          <a:srgbClr val="073763"/>
         </a:solidFill>
       </p:bgPr>
     </p:bg>
@@ -10454,7 +10454,7 @@
     <p:bg>
       <p:bgPr>
         <a:solidFill>
-          <a:srgbClr val="1C4587"/>
+          <a:srgbClr val="073763"/>
         </a:solidFill>
       </p:bgPr>
     </p:bg>
@@ -10978,7 +10978,7 @@
             <a:tbl>
               <a:tblPr>
                 <a:noFill/>
-                <a:tableStyleId>{5FC56066-D6AE-4117-A735-D7FFD2A645CE}</a:tableStyleId>
+                <a:tableStyleId>{5A1C1F27-56F2-4FE7-AE90-067F54BCFDEB}</a:tableStyleId>
               </a:tblPr>
               <a:tblGrid>
                 <a:gridCol w="2342125"/>
@@ -11545,7 +11545,7 @@
             <a:tbl>
               <a:tblPr>
                 <a:noFill/>
-                <a:tableStyleId>{5FC56066-D6AE-4117-A735-D7FFD2A645CE}</a:tableStyleId>
+                <a:tableStyleId>{5A1C1F27-56F2-4FE7-AE90-067F54BCFDEB}</a:tableStyleId>
               </a:tblPr>
               <a:tblGrid>
                 <a:gridCol w="1112425"/>
@@ -12139,7 +12139,7 @@
         <p:spPr>
           <a:xfrm>
             <a:off x="166825" y="2924600"/>
-            <a:ext cx="6652800" cy="1708500"/>
+            <a:ext cx="6652800" cy="1847100"/>
           </a:xfrm>
           <a:prstGeom prst="rect">
             <a:avLst/>
@@ -12156,6 +12156,9 @@
           <a:lstStyle/>
           <a:p>
             <a:pPr indent="-342900" lvl="0" marL="457200" rtl="0" algn="l">
+              <a:lnSpc>
+                <a:spcPct val="150000"/>
+              </a:lnSpc>
               <a:spcBef>
                 <a:spcPts val="0"/>
               </a:spcBef>
@@ -12318,7 +12321,7 @@
     <p:bg>
       <p:bgPr>
         <a:solidFill>
-          <a:srgbClr val="1C4587"/>
+          <a:srgbClr val="073763"/>
         </a:solidFill>
       </p:bgPr>
     </p:bg>
@@ -13046,7 +13049,7 @@
                 <a:cs typeface="Times"/>
                 <a:sym typeface="Times"/>
               </a:rPr>
-              <a:t>58 146 transazioni (59 %) non presentano indirizzi nuovi tra gli output.</a:t>
+              <a:t>58 146 transazioni (59 %) non presentano indirizzi nuovi tra gli output dust.</a:t>
             </a:r>
             <a:endParaRPr sz="1800">
               <a:latin typeface="Times"/>
@@ -13365,7 +13368,7 @@
         </p:nvSpPr>
         <p:spPr>
           <a:xfrm>
-            <a:off x="643879" y="4092638"/>
+            <a:off x="694742" y="4109038"/>
             <a:ext cx="104400" cy="724800"/>
           </a:xfrm>
           <a:prstGeom prst="downArrow">
@@ -13417,7 +13420,7 @@
         </p:nvSpPr>
         <p:spPr>
           <a:xfrm>
-            <a:off x="883647" y="4209739"/>
+            <a:off x="934509" y="4226139"/>
             <a:ext cx="104400" cy="724800"/>
           </a:xfrm>
           <a:prstGeom prst="downArrow">
@@ -13469,7 +13472,7 @@
         </p:nvSpPr>
         <p:spPr>
           <a:xfrm>
-            <a:off x="1282534" y="4209739"/>
+            <a:off x="1333397" y="4226139"/>
             <a:ext cx="104400" cy="724800"/>
           </a:xfrm>
           <a:prstGeom prst="downArrow">
@@ -13521,7 +13524,7 @@
         </p:nvSpPr>
         <p:spPr>
           <a:xfrm>
-            <a:off x="1563304" y="4092638"/>
+            <a:off x="1614167" y="4109038"/>
             <a:ext cx="104400" cy="724800"/>
           </a:xfrm>
           <a:prstGeom prst="downArrow">
@@ -14073,7 +14076,7 @@
         </p:nvSpPr>
         <p:spPr>
           <a:xfrm>
-            <a:off x="2625208" y="4092638"/>
+            <a:off x="2676070" y="4092638"/>
             <a:ext cx="104400" cy="724800"/>
           </a:xfrm>
           <a:prstGeom prst="downArrow">
@@ -14125,7 +14128,7 @@
         </p:nvSpPr>
         <p:spPr>
           <a:xfrm>
-            <a:off x="2864975" y="4209739"/>
+            <a:off x="2915838" y="4209739"/>
             <a:ext cx="104400" cy="724800"/>
           </a:xfrm>
           <a:prstGeom prst="downArrow">
@@ -14177,7 +14180,7 @@
         </p:nvSpPr>
         <p:spPr>
           <a:xfrm>
-            <a:off x="3263863" y="4209739"/>
+            <a:off x="3314726" y="4209739"/>
             <a:ext cx="104400" cy="724800"/>
           </a:xfrm>
           <a:prstGeom prst="downArrow">
@@ -14229,7 +14232,7 @@
         </p:nvSpPr>
         <p:spPr>
           <a:xfrm>
-            <a:off x="3544633" y="4092638"/>
+            <a:off x="3595496" y="4092638"/>
             <a:ext cx="104400" cy="724800"/>
           </a:xfrm>
           <a:prstGeom prst="downArrow">
@@ -14347,7 +14350,7 @@
         </p:nvSpPr>
         <p:spPr>
           <a:xfrm>
-            <a:off x="4606542" y="4092638"/>
+            <a:off x="4657392" y="4109038"/>
             <a:ext cx="104400" cy="724800"/>
           </a:xfrm>
           <a:prstGeom prst="downArrow">
@@ -14399,7 +14402,7 @@
         </p:nvSpPr>
         <p:spPr>
           <a:xfrm>
-            <a:off x="4846310" y="4209739"/>
+            <a:off x="4897160" y="4226139"/>
             <a:ext cx="104400" cy="724800"/>
           </a:xfrm>
           <a:prstGeom prst="downArrow">
@@ -14451,7 +14454,7 @@
         </p:nvSpPr>
         <p:spPr>
           <a:xfrm>
-            <a:off x="5245198" y="4209739"/>
+            <a:off x="5296048" y="4226139"/>
             <a:ext cx="104400" cy="724800"/>
           </a:xfrm>
           <a:prstGeom prst="downArrow">
@@ -14503,7 +14506,7 @@
         </p:nvSpPr>
         <p:spPr>
           <a:xfrm>
-            <a:off x="5525968" y="4092638"/>
+            <a:off x="5576818" y="4109038"/>
             <a:ext cx="104400" cy="724800"/>
           </a:xfrm>
           <a:prstGeom prst="downArrow">
@@ -16678,6 +16681,37 @@
                 <a:cs typeface="Times"/>
                 <a:sym typeface="Times"/>
               </a:rPr>
+              <a:t>Gli output hanno associato uno script;</a:t>
+            </a:r>
+            <a:endParaRPr sz="1800">
+              <a:latin typeface="Times"/>
+              <a:ea typeface="Times"/>
+              <a:cs typeface="Times"/>
+              <a:sym typeface="Times"/>
+            </a:endParaRPr>
+          </a:p>
+          <a:p>
+            <a:pPr indent="-342900" lvl="0" marL="457200" rtl="0" algn="l">
+              <a:lnSpc>
+                <a:spcPct val="150000"/>
+              </a:lnSpc>
+              <a:spcBef>
+                <a:spcPts val="0"/>
+              </a:spcBef>
+              <a:spcAft>
+                <a:spcPts val="0"/>
+              </a:spcAft>
+              <a:buSzPts val="1800"/>
+              <a:buFont typeface="Times"/>
+              <a:buChar char="●"/>
+            </a:pPr>
+            <a:r>
+              <a:rPr lang="en" sz="1800">
+                <a:latin typeface="Times"/>
+                <a:ea typeface="Times"/>
+                <a:cs typeface="Times"/>
+                <a:sym typeface="Times"/>
+              </a:rPr>
               <a:t>Hanno una fee, la minima fee è denominata </a:t>
             </a:r>
             <a:r>
@@ -16696,38 +16730,7 @@
                 <a:cs typeface="Times"/>
                 <a:sym typeface="Times"/>
               </a:rPr>
-              <a:t>;</a:t>
-            </a:r>
-            <a:endParaRPr sz="1800">
-              <a:latin typeface="Times"/>
-              <a:ea typeface="Times"/>
-              <a:cs typeface="Times"/>
-              <a:sym typeface="Times"/>
-            </a:endParaRPr>
-          </a:p>
-          <a:p>
-            <a:pPr indent="-342900" lvl="0" marL="457200" rtl="0" algn="l">
-              <a:lnSpc>
-                <a:spcPct val="150000"/>
-              </a:lnSpc>
-              <a:spcBef>
-                <a:spcPts val="0"/>
-              </a:spcBef>
-              <a:spcAft>
-                <a:spcPts val="0"/>
-              </a:spcAft>
-              <a:buSzPts val="1800"/>
-              <a:buFont typeface="Times"/>
-              <a:buChar char="●"/>
-            </a:pPr>
-            <a:r>
-              <a:rPr lang="en" sz="1800">
-                <a:latin typeface="Times"/>
-                <a:ea typeface="Times"/>
-                <a:cs typeface="Times"/>
-                <a:sym typeface="Times"/>
-              </a:rPr>
-              <a:t>Gli output hanno associato uno script.</a:t>
+              <a:t>.</a:t>
             </a:r>
             <a:endParaRPr sz="1800">
               <a:latin typeface="Times"/>

--- a/Dust Attack .pptx
+++ b/Dust Attack .pptx
@@ -10742,7 +10742,7 @@
             <a:tbl>
               <a:tblPr>
                 <a:noFill/>
-                <a:tableStyleId>{46DE326A-F024-49EB-8C69-A00100D8E9DA}</a:tableStyleId>
+                <a:tableStyleId>{66F85D34-76A9-40EE-A21F-E01E33F813F3}</a:tableStyleId>
               </a:tblPr>
               <a:tblGrid>
                 <a:gridCol w="2342125"/>
@@ -15354,7 +15354,7 @@
               </a:buClr>
               <a:buSzPts val="1800"/>
               <a:buFont typeface="Times"/>
-              <a:buChar char="▸"/>
+              <a:buChar char="●"/>
             </a:pPr>
             <a:r>
               <a:rPr lang="en" sz="1800">
@@ -20469,6 +20469,285 @@
 </file>
 
 <file path=ppt/theme/theme1.xml><?xml version="1.0" encoding="utf-8"?>
+<a:theme xmlns:a="http://schemas.openxmlformats.org/drawingml/2006/main" xmlns:r="http://schemas.openxmlformats.org/officeDocument/2006/relationships" name="Arviragus template">
+  <a:themeElements>
+    <a:clrScheme name="Custom 347">
+      <a:dk1>
+        <a:srgbClr val="666666"/>
+      </a:dk1>
+      <a:lt1>
+        <a:srgbClr val="FFFFFF"/>
+      </a:lt1>
+      <a:dk2>
+        <a:srgbClr val="999999"/>
+      </a:dk2>
+      <a:lt2>
+        <a:srgbClr val="DCE2E7"/>
+      </a:lt2>
+      <a:accent1>
+        <a:srgbClr val="8BC34A"/>
+      </a:accent1>
+      <a:accent2>
+        <a:srgbClr val="00BCD4"/>
+      </a:accent2>
+      <a:accent3>
+        <a:srgbClr val="9C27B0"/>
+      </a:accent3>
+      <a:accent4>
+        <a:srgbClr val="E91E63"/>
+      </a:accent4>
+      <a:accent5>
+        <a:srgbClr val="FF9800"/>
+      </a:accent5>
+      <a:accent6>
+        <a:srgbClr val="FFEB3B"/>
+      </a:accent6>
+      <a:hlink>
+        <a:srgbClr val="2196F3"/>
+      </a:hlink>
+      <a:folHlink>
+        <a:srgbClr val="6611CC"/>
+      </a:folHlink>
+    </a:clrScheme>
+    <a:fontScheme name="Office">
+      <a:majorFont>
+        <a:latin typeface="Arial"/>
+        <a:ea typeface=""/>
+        <a:cs typeface=""/>
+        <a:font script="Jpan" typeface="ＭＳ Ｐゴシック"/>
+        <a:font script="Hang" typeface="맑은 고딕"/>
+        <a:font script="Hans" typeface="宋体"/>
+        <a:font script="Hant" typeface="新細明體"/>
+        <a:font script="Arab" typeface="Times New Roman"/>
+        <a:font script="Hebr" typeface="Times New Roman"/>
+        <a:font script="Thai" typeface="Angsana New"/>
+        <a:font script="Ethi" typeface="Nyala"/>
+        <a:font script="Beng" typeface="Vrinda"/>
+        <a:font script="Gujr" typeface="Shruti"/>
+        <a:font script="Khmr" typeface="MoolBoran"/>
+        <a:font script="Knda" typeface="Tunga"/>
+        <a:font script="Guru" typeface="Raavi"/>
+        <a:font script="Cans" typeface="Euphemia"/>
+        <a:font script="Cher" typeface="Plantagenet Cherokee"/>
+        <a:font script="Yiii" typeface="Microsoft Yi Baiti"/>
+        <a:font script="Tibt" typeface="Microsoft Himalaya"/>
+        <a:font script="Thaa" typeface="MV Boli"/>
+        <a:font script="Deva" typeface="Mangal"/>
+        <a:font script="Telu" typeface="Gautami"/>
+        <a:font script="Taml" typeface="Latha"/>
+        <a:font script="Syrc" typeface="Estrangelo Edessa"/>
+        <a:font script="Orya" typeface="Kalinga"/>
+        <a:font script="Mlym" typeface="Kartika"/>
+        <a:font script="Laoo" typeface="DokChampa"/>
+        <a:font script="Sinh" typeface="Iskoola Pota"/>
+        <a:font script="Mong" typeface="Mongolian Baiti"/>
+        <a:font script="Viet" typeface="Times New Roman"/>
+        <a:font script="Uigh" typeface="Microsoft Uighur"/>
+        <a:font script="Geor" typeface="Sylfaen"/>
+      </a:majorFont>
+      <a:minorFont>
+        <a:latin typeface="Arial"/>
+        <a:ea typeface=""/>
+        <a:cs typeface=""/>
+        <a:font script="Jpan" typeface="ＭＳ Ｐゴシック"/>
+        <a:font script="Hang" typeface="맑은 고딕"/>
+        <a:font script="Hans" typeface="宋体"/>
+        <a:font script="Hant" typeface="新細明體"/>
+        <a:font script="Arab" typeface="Arial"/>
+        <a:font script="Hebr" typeface="Arial"/>
+        <a:font script="Thai" typeface="Cordia New"/>
+        <a:font script="Ethi" typeface="Nyala"/>
+        <a:font script="Beng" typeface="Vrinda"/>
+        <a:font script="Gujr" typeface="Shruti"/>
+        <a:font script="Khmr" typeface="DaunPenh"/>
+        <a:font script="Knda" typeface="Tunga"/>
+        <a:font script="Guru" typeface="Raavi"/>
+        <a:font script="Cans" typeface="Euphemia"/>
+        <a:font script="Cher" typeface="Plantagenet Cherokee"/>
+        <a:font script="Yiii" typeface="Microsoft Yi Baiti"/>
+        <a:font script="Tibt" typeface="Microsoft Himalaya"/>
+        <a:font script="Thaa" typeface="MV Boli"/>
+        <a:font script="Deva" typeface="Mangal"/>
+        <a:font script="Telu" typeface="Gautami"/>
+        <a:font script="Taml" typeface="Latha"/>
+        <a:font script="Syrc" typeface="Estrangelo Edessa"/>
+        <a:font script="Orya" typeface="Kalinga"/>
+        <a:font script="Mlym" typeface="Kartika"/>
+        <a:font script="Laoo" typeface="DokChampa"/>
+        <a:font script="Sinh" typeface="Iskoola Pota"/>
+        <a:font script="Mong" typeface="Mongolian Baiti"/>
+        <a:font script="Viet" typeface="Arial"/>
+        <a:font script="Uigh" typeface="Microsoft Uighur"/>
+        <a:font script="Geor" typeface="Sylfaen"/>
+      </a:minorFont>
+    </a:fontScheme>
+    <a:fmtScheme name="Office">
+      <a:fillStyleLst>
+        <a:solidFill>
+          <a:schemeClr val="phClr"/>
+        </a:solidFill>
+        <a:gradFill rotWithShape="1">
+          <a:gsLst>
+            <a:gs pos="0">
+              <a:schemeClr val="phClr">
+                <a:tint val="50000"/>
+                <a:satMod val="300000"/>
+              </a:schemeClr>
+            </a:gs>
+            <a:gs pos="35000">
+              <a:schemeClr val="phClr">
+                <a:tint val="37000"/>
+                <a:satMod val="300000"/>
+              </a:schemeClr>
+            </a:gs>
+            <a:gs pos="100000">
+              <a:schemeClr val="phClr">
+                <a:tint val="15000"/>
+                <a:satMod val="350000"/>
+              </a:schemeClr>
+            </a:gs>
+          </a:gsLst>
+          <a:lin ang="16200000" scaled="1"/>
+        </a:gradFill>
+        <a:gradFill rotWithShape="1">
+          <a:gsLst>
+            <a:gs pos="0">
+              <a:schemeClr val="phClr">
+                <a:tint val="100000"/>
+                <a:shade val="100000"/>
+                <a:satMod val="130000"/>
+              </a:schemeClr>
+            </a:gs>
+            <a:gs pos="100000">
+              <a:schemeClr val="phClr">
+                <a:tint val="50000"/>
+                <a:shade val="100000"/>
+                <a:satMod val="350000"/>
+              </a:schemeClr>
+            </a:gs>
+          </a:gsLst>
+          <a:lin ang="16200000" scaled="0"/>
+        </a:gradFill>
+      </a:fillStyleLst>
+      <a:lnStyleLst>
+        <a:ln w="9525" cap="flat" cmpd="sng" algn="ctr">
+          <a:solidFill>
+            <a:schemeClr val="phClr">
+              <a:shade val="95000"/>
+              <a:satMod val="105000"/>
+            </a:schemeClr>
+          </a:solidFill>
+          <a:prstDash val="solid"/>
+        </a:ln>
+        <a:ln w="25400" cap="flat" cmpd="sng" algn="ctr">
+          <a:solidFill>
+            <a:schemeClr val="phClr"/>
+          </a:solidFill>
+          <a:prstDash val="solid"/>
+        </a:ln>
+        <a:ln w="38100" cap="flat" cmpd="sng" algn="ctr">
+          <a:solidFill>
+            <a:schemeClr val="phClr"/>
+          </a:solidFill>
+          <a:prstDash val="solid"/>
+        </a:ln>
+      </a:lnStyleLst>
+      <a:effectStyleLst>
+        <a:effectStyle>
+          <a:effectLst>
+            <a:outerShdw blurRad="40000" dist="20000" dir="5400000" rotWithShape="0">
+              <a:srgbClr val="000000">
+                <a:alpha val="38000"/>
+              </a:srgbClr>
+            </a:outerShdw>
+          </a:effectLst>
+        </a:effectStyle>
+        <a:effectStyle>
+          <a:effectLst>
+            <a:outerShdw blurRad="40000" dist="23000" dir="5400000" rotWithShape="0">
+              <a:srgbClr val="000000">
+                <a:alpha val="35000"/>
+              </a:srgbClr>
+            </a:outerShdw>
+          </a:effectLst>
+        </a:effectStyle>
+        <a:effectStyle>
+          <a:effectLst>
+            <a:outerShdw blurRad="40000" dist="23000" dir="5400000" rotWithShape="0">
+              <a:srgbClr val="000000">
+                <a:alpha val="35000"/>
+              </a:srgbClr>
+            </a:outerShdw>
+          </a:effectLst>
+          <a:scene3d>
+            <a:camera prst="orthographicFront">
+              <a:rot lat="0" lon="0" rev="0"/>
+            </a:camera>
+            <a:lightRig rig="threePt" dir="t">
+              <a:rot lat="0" lon="0" rev="1200000"/>
+            </a:lightRig>
+          </a:scene3d>
+          <a:sp3d>
+            <a:bevelT w="63500" h="25400"/>
+          </a:sp3d>
+        </a:effectStyle>
+      </a:effectStyleLst>
+      <a:bgFillStyleLst>
+        <a:solidFill>
+          <a:schemeClr val="phClr"/>
+        </a:solidFill>
+        <a:gradFill rotWithShape="1">
+          <a:gsLst>
+            <a:gs pos="0">
+              <a:schemeClr val="phClr">
+                <a:tint val="40000"/>
+                <a:satMod val="350000"/>
+              </a:schemeClr>
+            </a:gs>
+            <a:gs pos="40000">
+              <a:schemeClr val="phClr">
+                <a:tint val="45000"/>
+                <a:shade val="99000"/>
+                <a:satMod val="350000"/>
+              </a:schemeClr>
+            </a:gs>
+            <a:gs pos="100000">
+              <a:schemeClr val="phClr">
+                <a:shade val="20000"/>
+                <a:satMod val="255000"/>
+              </a:schemeClr>
+            </a:gs>
+          </a:gsLst>
+          <a:path path="circle">
+            <a:fillToRect l="50000" t="-80000" r="50000" b="180000"/>
+          </a:path>
+        </a:gradFill>
+        <a:gradFill rotWithShape="1">
+          <a:gsLst>
+            <a:gs pos="0">
+              <a:schemeClr val="phClr">
+                <a:tint val="80000"/>
+                <a:satMod val="300000"/>
+              </a:schemeClr>
+            </a:gs>
+            <a:gs pos="100000">
+              <a:schemeClr val="phClr">
+                <a:shade val="30000"/>
+                <a:satMod val="200000"/>
+              </a:schemeClr>
+            </a:gs>
+          </a:gsLst>
+          <a:path path="circle">
+            <a:fillToRect l="50000" t="50000" r="50000" b="50000"/>
+          </a:path>
+        </a:gradFill>
+      </a:bgFillStyleLst>
+    </a:fmtScheme>
+  </a:themeElements>
+</a:theme>
+</file>
+
+<file path=ppt/theme/theme2.xml><?xml version="1.0" encoding="utf-8"?>
 <a:theme xmlns:a="http://schemas.openxmlformats.org/drawingml/2006/main" xmlns:r="http://schemas.openxmlformats.org/officeDocument/2006/relationships">
   <a:themeElements>
     <a:clrScheme name="Default">
@@ -20745,283 +21024,4 @@
     </a:fmtScheme>
   </a:themeElements>
 </a:theme>
-</file>
-
-<file path=ppt/theme/theme2.xml><?xml version="1.0" encoding="utf-8"?>
-<a:theme xmlns:a="http://schemas.openxmlformats.org/drawingml/2006/main" xmlns:r="http://schemas.openxmlformats.org/officeDocument/2006/relationships" name="Arviragus template">
-  <a:themeElements>
-    <a:clrScheme name="Custom 347">
-      <a:dk1>
-        <a:srgbClr val="666666"/>
-      </a:dk1>
-      <a:lt1>
-        <a:srgbClr val="FFFFFF"/>
-      </a:lt1>
-      <a:dk2>
-        <a:srgbClr val="999999"/>
-      </a:dk2>
-      <a:lt2>
-        <a:srgbClr val="DCE2E7"/>
-      </a:lt2>
-      <a:accent1>
-        <a:srgbClr val="8BC34A"/>
-      </a:accent1>
-      <a:accent2>
-        <a:srgbClr val="00BCD4"/>
-      </a:accent2>
-      <a:accent3>
-        <a:srgbClr val="9C27B0"/>
-      </a:accent3>
-      <a:accent4>
-        <a:srgbClr val="E91E63"/>
-      </a:accent4>
-      <a:accent5>
-        <a:srgbClr val="FF9800"/>
-      </a:accent5>
-      <a:accent6>
-        <a:srgbClr val="FFEB3B"/>
-      </a:accent6>
-      <a:hlink>
-        <a:srgbClr val="2196F3"/>
-      </a:hlink>
-      <a:folHlink>
-        <a:srgbClr val="6611CC"/>
-      </a:folHlink>
-    </a:clrScheme>
-    <a:fontScheme name="Office">
-      <a:majorFont>
-        <a:latin typeface="Arial"/>
-        <a:ea typeface=""/>
-        <a:cs typeface=""/>
-        <a:font script="Jpan" typeface="ＭＳ Ｐゴシック"/>
-        <a:font script="Hang" typeface="맑은 고딕"/>
-        <a:font script="Hans" typeface="宋体"/>
-        <a:font script="Hant" typeface="新細明體"/>
-        <a:font script="Arab" typeface="Times New Roman"/>
-        <a:font script="Hebr" typeface="Times New Roman"/>
-        <a:font script="Thai" typeface="Angsana New"/>
-        <a:font script="Ethi" typeface="Nyala"/>
-        <a:font script="Beng" typeface="Vrinda"/>
-        <a:font script="Gujr" typeface="Shruti"/>
-        <a:font script="Khmr" typeface="MoolBoran"/>
-        <a:font script="Knda" typeface="Tunga"/>
-        <a:font script="Guru" typeface="Raavi"/>
-        <a:font script="Cans" typeface="Euphemia"/>
-        <a:font script="Cher" typeface="Plantagenet Cherokee"/>
-        <a:font script="Yiii" typeface="Microsoft Yi Baiti"/>
-        <a:font script="Tibt" typeface="Microsoft Himalaya"/>
-        <a:font script="Thaa" typeface="MV Boli"/>
-        <a:font script="Deva" typeface="Mangal"/>
-        <a:font script="Telu" typeface="Gautami"/>
-        <a:font script="Taml" typeface="Latha"/>
-        <a:font script="Syrc" typeface="Estrangelo Edessa"/>
-        <a:font script="Orya" typeface="Kalinga"/>
-        <a:font script="Mlym" typeface="Kartika"/>
-        <a:font script="Laoo" typeface="DokChampa"/>
-        <a:font script="Sinh" typeface="Iskoola Pota"/>
-        <a:font script="Mong" typeface="Mongolian Baiti"/>
-        <a:font script="Viet" typeface="Times New Roman"/>
-        <a:font script="Uigh" typeface="Microsoft Uighur"/>
-        <a:font script="Geor" typeface="Sylfaen"/>
-      </a:majorFont>
-      <a:minorFont>
-        <a:latin typeface="Arial"/>
-        <a:ea typeface=""/>
-        <a:cs typeface=""/>
-        <a:font script="Jpan" typeface="ＭＳ Ｐゴシック"/>
-        <a:font script="Hang" typeface="맑은 고딕"/>
-        <a:font script="Hans" typeface="宋体"/>
-        <a:font script="Hant" typeface="新細明體"/>
-        <a:font script="Arab" typeface="Arial"/>
-        <a:font script="Hebr" typeface="Arial"/>
-        <a:font script="Thai" typeface="Cordia New"/>
-        <a:font script="Ethi" typeface="Nyala"/>
-        <a:font script="Beng" typeface="Vrinda"/>
-        <a:font script="Gujr" typeface="Shruti"/>
-        <a:font script="Khmr" typeface="DaunPenh"/>
-        <a:font script="Knda" typeface="Tunga"/>
-        <a:font script="Guru" typeface="Raavi"/>
-        <a:font script="Cans" typeface="Euphemia"/>
-        <a:font script="Cher" typeface="Plantagenet Cherokee"/>
-        <a:font script="Yiii" typeface="Microsoft Yi Baiti"/>
-        <a:font script="Tibt" typeface="Microsoft Himalaya"/>
-        <a:font script="Thaa" typeface="MV Boli"/>
-        <a:font script="Deva" typeface="Mangal"/>
-        <a:font script="Telu" typeface="Gautami"/>
-        <a:font script="Taml" typeface="Latha"/>
-        <a:font script="Syrc" typeface="Estrangelo Edessa"/>
-        <a:font script="Orya" typeface="Kalinga"/>
-        <a:font script="Mlym" typeface="Kartika"/>
-        <a:font script="Laoo" typeface="DokChampa"/>
-        <a:font script="Sinh" typeface="Iskoola Pota"/>
-        <a:font script="Mong" typeface="Mongolian Baiti"/>
-        <a:font script="Viet" typeface="Arial"/>
-        <a:font script="Uigh" typeface="Microsoft Uighur"/>
-        <a:font script="Geor" typeface="Sylfaen"/>
-      </a:minorFont>
-    </a:fontScheme>
-    <a:fmtScheme name="Office">
-      <a:fillStyleLst>
-        <a:solidFill>
-          <a:schemeClr val="phClr"/>
-        </a:solidFill>
-        <a:gradFill rotWithShape="1">
-          <a:gsLst>
-            <a:gs pos="0">
-              <a:schemeClr val="phClr">
-                <a:tint val="50000"/>
-                <a:satMod val="300000"/>
-              </a:schemeClr>
-            </a:gs>
-            <a:gs pos="35000">
-              <a:schemeClr val="phClr">
-                <a:tint val="37000"/>
-                <a:satMod val="300000"/>
-              </a:schemeClr>
-            </a:gs>
-            <a:gs pos="100000">
-              <a:schemeClr val="phClr">
-                <a:tint val="15000"/>
-                <a:satMod val="350000"/>
-              </a:schemeClr>
-            </a:gs>
-          </a:gsLst>
-          <a:lin ang="16200000" scaled="1"/>
-        </a:gradFill>
-        <a:gradFill rotWithShape="1">
-          <a:gsLst>
-            <a:gs pos="0">
-              <a:schemeClr val="phClr">
-                <a:tint val="100000"/>
-                <a:shade val="100000"/>
-                <a:satMod val="130000"/>
-              </a:schemeClr>
-            </a:gs>
-            <a:gs pos="100000">
-              <a:schemeClr val="phClr">
-                <a:tint val="50000"/>
-                <a:shade val="100000"/>
-                <a:satMod val="350000"/>
-              </a:schemeClr>
-            </a:gs>
-          </a:gsLst>
-          <a:lin ang="16200000" scaled="0"/>
-        </a:gradFill>
-      </a:fillStyleLst>
-      <a:lnStyleLst>
-        <a:ln w="9525" cap="flat" cmpd="sng" algn="ctr">
-          <a:solidFill>
-            <a:schemeClr val="phClr">
-              <a:shade val="95000"/>
-              <a:satMod val="105000"/>
-            </a:schemeClr>
-          </a:solidFill>
-          <a:prstDash val="solid"/>
-        </a:ln>
-        <a:ln w="25400" cap="flat" cmpd="sng" algn="ctr">
-          <a:solidFill>
-            <a:schemeClr val="phClr"/>
-          </a:solidFill>
-          <a:prstDash val="solid"/>
-        </a:ln>
-        <a:ln w="38100" cap="flat" cmpd="sng" algn="ctr">
-          <a:solidFill>
-            <a:schemeClr val="phClr"/>
-          </a:solidFill>
-          <a:prstDash val="solid"/>
-        </a:ln>
-      </a:lnStyleLst>
-      <a:effectStyleLst>
-        <a:effectStyle>
-          <a:effectLst>
-            <a:outerShdw blurRad="40000" dist="20000" dir="5400000" rotWithShape="0">
-              <a:srgbClr val="000000">
-                <a:alpha val="38000"/>
-              </a:srgbClr>
-            </a:outerShdw>
-          </a:effectLst>
-        </a:effectStyle>
-        <a:effectStyle>
-          <a:effectLst>
-            <a:outerShdw blurRad="40000" dist="23000" dir="5400000" rotWithShape="0">
-              <a:srgbClr val="000000">
-                <a:alpha val="35000"/>
-              </a:srgbClr>
-            </a:outerShdw>
-          </a:effectLst>
-        </a:effectStyle>
-        <a:effectStyle>
-          <a:effectLst>
-            <a:outerShdw blurRad="40000" dist="23000" dir="5400000" rotWithShape="0">
-              <a:srgbClr val="000000">
-                <a:alpha val="35000"/>
-              </a:srgbClr>
-            </a:outerShdw>
-          </a:effectLst>
-          <a:scene3d>
-            <a:camera prst="orthographicFront">
-              <a:rot lat="0" lon="0" rev="0"/>
-            </a:camera>
-            <a:lightRig rig="threePt" dir="t">
-              <a:rot lat="0" lon="0" rev="1200000"/>
-            </a:lightRig>
-          </a:scene3d>
-          <a:sp3d>
-            <a:bevelT w="63500" h="25400"/>
-          </a:sp3d>
-        </a:effectStyle>
-      </a:effectStyleLst>
-      <a:bgFillStyleLst>
-        <a:solidFill>
-          <a:schemeClr val="phClr"/>
-        </a:solidFill>
-        <a:gradFill rotWithShape="1">
-          <a:gsLst>
-            <a:gs pos="0">
-              <a:schemeClr val="phClr">
-                <a:tint val="40000"/>
-                <a:satMod val="350000"/>
-              </a:schemeClr>
-            </a:gs>
-            <a:gs pos="40000">
-              <a:schemeClr val="phClr">
-                <a:tint val="45000"/>
-                <a:shade val="99000"/>
-                <a:satMod val="350000"/>
-              </a:schemeClr>
-            </a:gs>
-            <a:gs pos="100000">
-              <a:schemeClr val="phClr">
-                <a:shade val="20000"/>
-                <a:satMod val="255000"/>
-              </a:schemeClr>
-            </a:gs>
-          </a:gsLst>
-          <a:path path="circle">
-            <a:fillToRect l="50000" t="-80000" r="50000" b="180000"/>
-          </a:path>
-        </a:gradFill>
-        <a:gradFill rotWithShape="1">
-          <a:gsLst>
-            <a:gs pos="0">
-              <a:schemeClr val="phClr">
-                <a:tint val="80000"/>
-                <a:satMod val="300000"/>
-              </a:schemeClr>
-            </a:gs>
-            <a:gs pos="100000">
-              <a:schemeClr val="phClr">
-                <a:shade val="30000"/>
-                <a:satMod val="200000"/>
-              </a:schemeClr>
-            </a:gs>
-          </a:gsLst>
-          <a:path path="circle">
-            <a:fillToRect l="50000" t="50000" r="50000" b="50000"/>
-          </a:path>
-        </a:gradFill>
-      </a:bgFillStyleLst>
-    </a:fmtScheme>
-  </a:themeElements>
-</a:theme>
 </file>
--- a/Dust Attack .pptx
+++ b/Dust Attack .pptx
@@ -28,24 +28,23 @@
     <p:sldId id="273" r:id="rId23"/>
     <p:sldId id="274" r:id="rId24"/>
     <p:sldId id="275" r:id="rId25"/>
-    <p:sldId id="276" r:id="rId26"/>
   </p:sldIdLst>
   <p:sldSz cy="5143500" cx="9144000"/>
   <p:notesSz cx="6858000" cy="9144000"/>
   <p:embeddedFontLst>
     <p:embeddedFont>
       <p:font typeface="Montserrat"/>
-      <p:regular r:id="rId27"/>
-      <p:bold r:id="rId28"/>
-      <p:italic r:id="rId29"/>
-      <p:boldItalic r:id="rId30"/>
+      <p:regular r:id="rId26"/>
+      <p:bold r:id="rId27"/>
+      <p:italic r:id="rId28"/>
+      <p:boldItalic r:id="rId29"/>
     </p:embeddedFont>
     <p:embeddedFont>
       <p:font typeface="Karla"/>
-      <p:regular r:id="rId31"/>
-      <p:bold r:id="rId32"/>
-      <p:italic r:id="rId33"/>
-      <p:boldItalic r:id="rId34"/>
+      <p:regular r:id="rId30"/>
+      <p:bold r:id="rId31"/>
+      <p:italic r:id="rId32"/>
+      <p:boldItalic r:id="rId33"/>
     </p:embeddedFont>
   </p:embeddedFontLst>
   <p:defaultTextStyle>
@@ -1022,7 +1021,7 @@
       </p:grpSpPr>
       <p:sp>
         <p:nvSpPr>
-          <p:cNvPr id="203" name="Google Shape;203;g19a78019844_0_16:notes"/>
+          <p:cNvPr id="203" name="Google Shape;203;g19a78019844_0_21:notes"/>
           <p:cNvSpPr/>
           <p:nvPr>
             <p:ph idx="2" type="sldImg"/>
@@ -1057,7 +1056,7 @@
       </p:sp>
       <p:sp>
         <p:nvSpPr>
-          <p:cNvPr id="204" name="Google Shape;204;g19a78019844_0_16:notes"/>
+          <p:cNvPr id="204" name="Google Shape;204;g19a78019844_0_21:notes"/>
           <p:cNvSpPr txBox="1"/>
           <p:nvPr>
             <p:ph idx="1" type="body"/>
@@ -1121,7 +1120,7 @@
       </p:grpSpPr>
       <p:sp>
         <p:nvSpPr>
-          <p:cNvPr id="211" name="Google Shape;211;g19a78019844_0_21:notes"/>
+          <p:cNvPr id="211" name="Google Shape;211;g19a78019844_0_26:notes"/>
           <p:cNvSpPr/>
           <p:nvPr>
             <p:ph idx="2" type="sldImg"/>
@@ -1156,7 +1155,7 @@
       </p:sp>
       <p:sp>
         <p:nvSpPr>
-          <p:cNvPr id="212" name="Google Shape;212;g19a78019844_0_21:notes"/>
+          <p:cNvPr id="212" name="Google Shape;212;g19a78019844_0_26:notes"/>
           <p:cNvSpPr txBox="1"/>
           <p:nvPr>
             <p:ph idx="1" type="body"/>
@@ -1220,7 +1219,7 @@
       </p:grpSpPr>
       <p:sp>
         <p:nvSpPr>
-          <p:cNvPr id="219" name="Google Shape;219;g19a78019844_0_26:notes"/>
+          <p:cNvPr id="219" name="Google Shape;219;g19a78019844_0_31:notes"/>
           <p:cNvSpPr/>
           <p:nvPr>
             <p:ph idx="2" type="sldImg"/>
@@ -1255,7 +1254,7 @@
       </p:sp>
       <p:sp>
         <p:nvSpPr>
-          <p:cNvPr id="220" name="Google Shape;220;g19a78019844_0_26:notes"/>
+          <p:cNvPr id="220" name="Google Shape;220;g19a78019844_0_31:notes"/>
           <p:cNvSpPr txBox="1"/>
           <p:nvPr>
             <p:ph idx="1" type="body"/>
@@ -1319,7 +1318,7 @@
       </p:grpSpPr>
       <p:sp>
         <p:nvSpPr>
-          <p:cNvPr id="227" name="Google Shape;227;g19a78019844_0_31:notes"/>
+          <p:cNvPr id="227" name="Google Shape;227;g19a78019844_0_36:notes"/>
           <p:cNvSpPr/>
           <p:nvPr>
             <p:ph idx="2" type="sldImg"/>
@@ -1354,7 +1353,7 @@
       </p:sp>
       <p:sp>
         <p:nvSpPr>
-          <p:cNvPr id="228" name="Google Shape;228;g19a78019844_0_31:notes"/>
+          <p:cNvPr id="228" name="Google Shape;228;g19a78019844_0_36:notes"/>
           <p:cNvSpPr txBox="1"/>
           <p:nvPr>
             <p:ph idx="1" type="body"/>
@@ -1404,7 +1403,7 @@
   <p:cSld>
     <p:spTree>
       <p:nvGrpSpPr>
-        <p:cNvPr id="234" name="Shape 234"/>
+        <p:cNvPr id="236" name="Shape 236"/>
         <p:cNvGrpSpPr/>
         <p:nvPr/>
       </p:nvGrpSpPr>
@@ -1418,7 +1417,7 @@
       </p:grpSpPr>
       <p:sp>
         <p:nvSpPr>
-          <p:cNvPr id="235" name="Google Shape;235;g19a78019844_0_36:notes"/>
+          <p:cNvPr id="237" name="Google Shape;237;g19a78019844_0_51:notes"/>
           <p:cNvSpPr/>
           <p:nvPr>
             <p:ph idx="2" type="sldImg"/>
@@ -1453,7 +1452,7 @@
       </p:sp>
       <p:sp>
         <p:nvSpPr>
-          <p:cNvPr id="236" name="Google Shape;236;g19a78019844_0_36:notes"/>
+          <p:cNvPr id="238" name="Google Shape;238;g19a78019844_0_51:notes"/>
           <p:cNvSpPr txBox="1"/>
           <p:nvPr>
             <p:ph idx="1" type="body"/>
@@ -1517,7 +1516,7 @@
       </p:grpSpPr>
       <p:sp>
         <p:nvSpPr>
-          <p:cNvPr id="245" name="Google Shape;245;g19a78019844_0_51:notes"/>
+          <p:cNvPr id="245" name="Google Shape;245;g19a78019844_0_56:notes"/>
           <p:cNvSpPr/>
           <p:nvPr>
             <p:ph idx="2" type="sldImg"/>
@@ -1552,7 +1551,7 @@
       </p:sp>
       <p:sp>
         <p:nvSpPr>
-          <p:cNvPr id="246" name="Google Shape;246;g19a78019844_0_51:notes"/>
+          <p:cNvPr id="246" name="Google Shape;246;g19a78019844_0_56:notes"/>
           <p:cNvSpPr txBox="1"/>
           <p:nvPr>
             <p:ph idx="1" type="body"/>
@@ -1602,7 +1601,7 @@
   <p:cSld>
     <p:spTree>
       <p:nvGrpSpPr>
-        <p:cNvPr id="252" name="Shape 252"/>
+        <p:cNvPr id="277" name="Shape 277"/>
         <p:cNvGrpSpPr/>
         <p:nvPr/>
       </p:nvGrpSpPr>
@@ -1616,7 +1615,7 @@
       </p:grpSpPr>
       <p:sp>
         <p:nvSpPr>
-          <p:cNvPr id="253" name="Google Shape;253;g19a78019844_0_56:notes"/>
+          <p:cNvPr id="278" name="Google Shape;278;g19a78019844_0_61:notes"/>
           <p:cNvSpPr/>
           <p:nvPr>
             <p:ph idx="2" type="sldImg"/>
@@ -1651,7 +1650,7 @@
       </p:sp>
       <p:sp>
         <p:nvSpPr>
-          <p:cNvPr id="254" name="Google Shape;254;g19a78019844_0_56:notes"/>
+          <p:cNvPr id="279" name="Google Shape;279;g19a78019844_0_61:notes"/>
           <p:cNvSpPr txBox="1"/>
           <p:nvPr>
             <p:ph idx="1" type="body"/>
@@ -1701,7 +1700,7 @@
   <p:cSld>
     <p:spTree>
       <p:nvGrpSpPr>
-        <p:cNvPr id="285" name="Shape 285"/>
+        <p:cNvPr id="304" name="Shape 304"/>
         <p:cNvGrpSpPr/>
         <p:nvPr/>
       </p:nvGrpSpPr>
@@ -1715,7 +1714,7 @@
       </p:grpSpPr>
       <p:sp>
         <p:nvSpPr>
-          <p:cNvPr id="286" name="Google Shape;286;g19a78019844_0_61:notes"/>
+          <p:cNvPr id="305" name="Google Shape;305;g19d13835e5e_0_0:notes"/>
           <p:cNvSpPr/>
           <p:nvPr>
             <p:ph idx="2" type="sldImg"/>
@@ -1750,7 +1749,7 @@
       </p:sp>
       <p:sp>
         <p:nvSpPr>
-          <p:cNvPr id="287" name="Google Shape;287;g19a78019844_0_61:notes"/>
+          <p:cNvPr id="306" name="Google Shape;306;g19d13835e5e_0_0:notes"/>
           <p:cNvSpPr txBox="1"/>
           <p:nvPr>
             <p:ph idx="1" type="body"/>
@@ -1899,7 +1898,7 @@
   <p:cSld>
     <p:spTree>
       <p:nvGrpSpPr>
-        <p:cNvPr id="312" name="Shape 312"/>
+        <p:cNvPr id="311" name="Shape 311"/>
         <p:cNvGrpSpPr/>
         <p:nvPr/>
       </p:nvGrpSpPr>
@@ -1913,7 +1912,7 @@
       </p:grpSpPr>
       <p:sp>
         <p:nvSpPr>
-          <p:cNvPr id="313" name="Google Shape;313;g19d13835e5e_0_0:notes"/>
+          <p:cNvPr id="312" name="Google Shape;312;g19a78019844_0_481:notes"/>
           <p:cNvSpPr/>
           <p:nvPr>
             <p:ph idx="2" type="sldImg"/>
@@ -1948,106 +1947,7 @@
       </p:sp>
       <p:sp>
         <p:nvSpPr>
-          <p:cNvPr id="314" name="Google Shape;314;g19d13835e5e_0_0:notes"/>
-          <p:cNvSpPr txBox="1"/>
-          <p:nvPr>
-            <p:ph idx="1" type="body"/>
-          </p:nvPr>
-        </p:nvSpPr>
-        <p:spPr>
-          <a:xfrm>
-            <a:off x="685800" y="4343400"/>
-            <a:ext cx="5486400" cy="4114800"/>
-          </a:xfrm>
-          <a:prstGeom prst="rect">
-            <a:avLst/>
-          </a:prstGeom>
-        </p:spPr>
-        <p:txBody>
-          <a:bodyPr anchorCtr="0" anchor="t" bIns="91425" lIns="91425" spcFirstLastPara="1" rIns="91425" wrap="square" tIns="91425">
-            <a:noAutofit/>
-          </a:bodyPr>
-          <a:lstStyle/>
-          <a:p>
-            <a:pPr indent="0" lvl="0" marL="0" rtl="0" algn="l">
-              <a:spcBef>
-                <a:spcPts val="0"/>
-              </a:spcBef>
-              <a:spcAft>
-                <a:spcPts val="0"/>
-              </a:spcAft>
-              <a:buNone/>
-            </a:pPr>
-            <a:r>
-              <a:t/>
-            </a:r>
-            <a:endParaRPr/>
-          </a:p>
-        </p:txBody>
-      </p:sp>
-    </p:spTree>
-  </p:cSld>
-  <p:clrMapOvr>
-    <a:masterClrMapping/>
-  </p:clrMapOvr>
-</p:notes>
-</file>
-
-<file path=ppt/notesSlides/notesSlide21.xml><?xml version="1.0" encoding="utf-8"?>
-<p:notes xmlns:a="http://schemas.openxmlformats.org/drawingml/2006/main" xmlns:r="http://schemas.openxmlformats.org/officeDocument/2006/relationships" xmlns:mc="http://schemas.openxmlformats.org/markup-compatibility/2006" xmlns:mv="urn:schemas-microsoft-com:mac:vml" xmlns:p="http://schemas.openxmlformats.org/presentationml/2006/main" xmlns:c="http://schemas.openxmlformats.org/drawingml/2006/chart" xmlns:dgm="http://schemas.openxmlformats.org/drawingml/2006/diagram" xmlns:o="urn:schemas-microsoft-com:office:office" xmlns:v="urn:schemas-microsoft-com:vml" xmlns:pvml="urn:schemas-microsoft-com:office:powerpoint" xmlns:com="http://schemas.openxmlformats.org/drawingml/2006/compatibility" xmlns:p14="http://schemas.microsoft.com/office/powerpoint/2010/main" xmlns:p15="http://schemas.microsoft.com/office/powerpoint/2012/main" xmlns:ahyp="http://schemas.microsoft.com/office/drawing/2018/hyperlinkcolor" showMasterPhAnim="0" showMasterSp="0">
-  <p:cSld>
-    <p:spTree>
-      <p:nvGrpSpPr>
-        <p:cNvPr id="319" name="Shape 319"/>
-        <p:cNvGrpSpPr/>
-        <p:nvPr/>
-      </p:nvGrpSpPr>
-      <p:grpSpPr>
-        <a:xfrm>
-          <a:off x="0" y="0"/>
-          <a:ext cx="0" cy="0"/>
-          <a:chOff x="0" y="0"/>
-          <a:chExt cx="0" cy="0"/>
-        </a:xfrm>
-      </p:grpSpPr>
-      <p:sp>
-        <p:nvSpPr>
-          <p:cNvPr id="320" name="Google Shape;320;g19a78019844_0_481:notes"/>
-          <p:cNvSpPr/>
-          <p:nvPr>
-            <p:ph idx="2" type="sldImg"/>
-          </p:nvPr>
-        </p:nvSpPr>
-        <p:spPr>
-          <a:xfrm>
-            <a:off x="381175" y="685800"/>
-            <a:ext cx="6096300" cy="3429000"/>
-          </a:xfrm>
-          <a:custGeom>
-            <a:rect b="b" l="l" r="r" t="t"/>
-            <a:pathLst>
-              <a:path extrusionOk="0" h="120000" w="120000">
-                <a:moveTo>
-                  <a:pt x="0" y="0"/>
-                </a:moveTo>
-                <a:lnTo>
-                  <a:pt x="120000" y="0"/>
-                </a:lnTo>
-                <a:lnTo>
-                  <a:pt x="120000" y="120000"/>
-                </a:lnTo>
-                <a:lnTo>
-                  <a:pt x="0" y="120000"/>
-                </a:lnTo>
-                <a:close/>
-              </a:path>
-            </a:pathLst>
-          </a:custGeom>
-        </p:spPr>
-      </p:sp>
-      <p:sp>
-        <p:nvSpPr>
-          <p:cNvPr id="321" name="Google Shape;321;g19a78019844_0_481:notes"/>
+          <p:cNvPr id="313" name="Google Shape;313;g19a78019844_0_481:notes"/>
           <p:cNvSpPr txBox="1"/>
           <p:nvPr>
             <p:ph idx="1" type="body"/>
@@ -9781,8 +9681,8 @@
         </p:nvSpPr>
         <p:spPr>
           <a:xfrm>
-            <a:off x="872525" y="463025"/>
-            <a:ext cx="4801500" cy="409500"/>
+            <a:off x="872525" y="278213"/>
+            <a:ext cx="4801500" cy="594300"/>
           </a:xfrm>
           <a:prstGeom prst="rect">
             <a:avLst/>
@@ -9813,7 +9713,7 @@
                 <a:cs typeface="Times"/>
                 <a:sym typeface="Times"/>
               </a:rPr>
-              <a:t>Distribuzione del Dust</a:t>
+              <a:t>Dust negli anni</a:t>
             </a:r>
             <a:endParaRPr sz="3000">
               <a:solidFill>
@@ -9855,9 +9755,97 @@
           </a:ln>
         </p:spPr>
       </p:pic>
+      <p:sp>
+        <p:nvSpPr>
+          <p:cNvPr id="208" name="Google Shape;208;p25"/>
+          <p:cNvSpPr txBox="1"/>
+          <p:nvPr/>
+        </p:nvSpPr>
+        <p:spPr>
+          <a:xfrm>
+            <a:off x="0" y="872525"/>
+            <a:ext cx="3044700" cy="1623900"/>
+          </a:xfrm>
+          <a:prstGeom prst="rect">
+            <a:avLst/>
+          </a:prstGeom>
+          <a:noFill/>
+          <a:ln>
+            <a:noFill/>
+          </a:ln>
+        </p:spPr>
+        <p:txBody>
+          <a:bodyPr anchorCtr="0" anchor="t" bIns="91425" lIns="91425" spcFirstLastPara="1" rIns="91425" wrap="square" tIns="91425">
+            <a:spAutoFit/>
+          </a:bodyPr>
+          <a:lstStyle/>
+          <a:p>
+            <a:pPr indent="-336550" lvl="0" marL="457200" rtl="0" algn="l">
+              <a:lnSpc>
+                <a:spcPct val="150000"/>
+              </a:lnSpc>
+              <a:spcBef>
+                <a:spcPts val="0"/>
+              </a:spcBef>
+              <a:spcAft>
+                <a:spcPts val="0"/>
+              </a:spcAft>
+              <a:buSzPts val="1700"/>
+              <a:buFont typeface="Times"/>
+              <a:buChar char="●"/>
+            </a:pPr>
+            <a:r>
+              <a:rPr lang="en" sz="1700">
+                <a:latin typeface="Times"/>
+                <a:ea typeface="Times"/>
+                <a:cs typeface="Times"/>
+                <a:sym typeface="Times"/>
+              </a:rPr>
+              <a:t>Filtrati gli output con script OP_RETURN;</a:t>
+            </a:r>
+            <a:endParaRPr sz="1700">
+              <a:latin typeface="Times"/>
+              <a:ea typeface="Times"/>
+              <a:cs typeface="Times"/>
+              <a:sym typeface="Times"/>
+            </a:endParaRPr>
+          </a:p>
+          <a:p>
+            <a:pPr indent="-336550" lvl="0" marL="457200" rtl="0" algn="l">
+              <a:lnSpc>
+                <a:spcPct val="150000"/>
+              </a:lnSpc>
+              <a:spcBef>
+                <a:spcPts val="0"/>
+              </a:spcBef>
+              <a:spcAft>
+                <a:spcPts val="0"/>
+              </a:spcAft>
+              <a:buSzPts val="1700"/>
+              <a:buFont typeface="Times"/>
+              <a:buChar char="●"/>
+            </a:pPr>
+            <a:r>
+              <a:rPr lang="en" sz="1700">
+                <a:latin typeface="Times"/>
+                <a:ea typeface="Times"/>
+                <a:cs typeface="Times"/>
+                <a:sym typeface="Times"/>
+              </a:rPr>
+              <a:t>Totale output dust generati: 2 893 877;</a:t>
+            </a:r>
+            <a:endParaRPr sz="1700">
+              <a:latin typeface="Times"/>
+              <a:ea typeface="Times"/>
+              <a:cs typeface="Times"/>
+              <a:sym typeface="Times"/>
+            </a:endParaRPr>
+          </a:p>
+        </p:txBody>
+      </p:sp>
       <p:pic>
         <p:nvPicPr>
-          <p:cNvPr id="208" name="Google Shape;208;p25"/>
+          <p:cNvPr id="209" name="Google Shape;209;p25"/>
           <p:cNvPicPr preferRelativeResize="0"/>
           <p:nvPr/>
         </p:nvPicPr>
@@ -9871,8 +9859,8 @@
         </p:blipFill>
         <p:spPr>
           <a:xfrm>
-            <a:off x="264625" y="1567500"/>
-            <a:ext cx="6968825" cy="3481000"/>
+            <a:off x="3265350" y="1750675"/>
+            <a:ext cx="3990498" cy="3291024"/>
           </a:xfrm>
           <a:prstGeom prst="rect">
             <a:avLst/>
@@ -9883,95 +9871,6 @@
           </a:ln>
         </p:spPr>
       </p:pic>
-      <p:sp>
-        <p:nvSpPr>
-          <p:cNvPr id="209" name="Google Shape;209;p25"/>
-          <p:cNvSpPr txBox="1"/>
-          <p:nvPr/>
-        </p:nvSpPr>
-        <p:spPr>
-          <a:xfrm>
-            <a:off x="1067975" y="828600"/>
-            <a:ext cx="4410600" cy="738900"/>
-          </a:xfrm>
-          <a:prstGeom prst="rect">
-            <a:avLst/>
-          </a:prstGeom>
-          <a:noFill/>
-          <a:ln>
-            <a:noFill/>
-          </a:ln>
-        </p:spPr>
-        <p:txBody>
-          <a:bodyPr anchorCtr="0" anchor="t" bIns="91425" lIns="91425" spcFirstLastPara="1" rIns="91425" wrap="square" tIns="91425">
-            <a:spAutoFit/>
-          </a:bodyPr>
-          <a:lstStyle/>
-          <a:p>
-            <a:pPr indent="-317500" lvl="0" marL="457200" rtl="0" algn="l">
-              <a:spcBef>
-                <a:spcPts val="0"/>
-              </a:spcBef>
-              <a:spcAft>
-                <a:spcPts val="0"/>
-              </a:spcAft>
-              <a:buSzPts val="1400"/>
-              <a:buChar char="●"/>
-            </a:pPr>
-            <a:r>
-              <a:rPr lang="en" sz="1800">
-                <a:latin typeface="Times"/>
-                <a:ea typeface="Times"/>
-                <a:cs typeface="Times"/>
-                <a:sym typeface="Times"/>
-              </a:rPr>
-              <a:t>Intervalli di ampiezza 50;</a:t>
-            </a:r>
-            <a:endParaRPr sz="1800">
-              <a:latin typeface="Times"/>
-              <a:ea typeface="Times"/>
-              <a:cs typeface="Times"/>
-              <a:sym typeface="Times"/>
-            </a:endParaRPr>
-          </a:p>
-          <a:p>
-            <a:pPr indent="-317500" lvl="0" marL="457200" rtl="0" algn="l">
-              <a:spcBef>
-                <a:spcPts val="0"/>
-              </a:spcBef>
-              <a:spcAft>
-                <a:spcPts val="0"/>
-              </a:spcAft>
-              <a:buSzPts val="1400"/>
-              <a:buChar char="●"/>
-            </a:pPr>
-            <a:r>
-              <a:rPr lang="en" sz="1800">
-                <a:latin typeface="Times"/>
-                <a:ea typeface="Times"/>
-                <a:cs typeface="Times"/>
-                <a:sym typeface="Times"/>
-              </a:rPr>
-              <a:t>Primo intervallo [1, 50]</a:t>
-            </a:r>
-            <a:r>
-              <a:rPr lang="en">
-                <a:latin typeface="Karla"/>
-                <a:ea typeface="Karla"/>
-                <a:cs typeface="Karla"/>
-                <a:sym typeface="Karla"/>
-              </a:rPr>
-              <a:t> .</a:t>
-            </a:r>
-            <a:endParaRPr>
-              <a:latin typeface="Karla"/>
-              <a:ea typeface="Karla"/>
-              <a:cs typeface="Karla"/>
-              <a:sym typeface="Karla"/>
-            </a:endParaRPr>
-          </a:p>
-        </p:txBody>
-      </p:sp>
     </p:spTree>
   </p:cSld>
   <p:clrMapOvr>
@@ -10014,8 +9913,8 @@
         </p:nvSpPr>
         <p:spPr>
           <a:xfrm>
-            <a:off x="872525" y="278213"/>
-            <a:ext cx="4801500" cy="594300"/>
+            <a:off x="872525" y="463013"/>
+            <a:ext cx="4801500" cy="409500"/>
           </a:xfrm>
           <a:prstGeom prst="rect">
             <a:avLst/>
@@ -10046,7 +9945,7 @@
                 <a:cs typeface="Times"/>
                 <a:sym typeface="Times"/>
               </a:rPr>
-              <a:t>Dust negli anni</a:t>
+              <a:t>Classificazione del Dust</a:t>
             </a:r>
             <a:endParaRPr sz="3000">
               <a:solidFill>
@@ -10088,97 +9987,9 @@
           </a:ln>
         </p:spPr>
       </p:pic>
-      <p:sp>
-        <p:nvSpPr>
-          <p:cNvPr id="216" name="Google Shape;216;p26"/>
-          <p:cNvSpPr txBox="1"/>
-          <p:nvPr/>
-        </p:nvSpPr>
-        <p:spPr>
-          <a:xfrm>
-            <a:off x="0" y="872525"/>
-            <a:ext cx="3044700" cy="1623900"/>
-          </a:xfrm>
-          <a:prstGeom prst="rect">
-            <a:avLst/>
-          </a:prstGeom>
-          <a:noFill/>
-          <a:ln>
-            <a:noFill/>
-          </a:ln>
-        </p:spPr>
-        <p:txBody>
-          <a:bodyPr anchorCtr="0" anchor="t" bIns="91425" lIns="91425" spcFirstLastPara="1" rIns="91425" wrap="square" tIns="91425">
-            <a:spAutoFit/>
-          </a:bodyPr>
-          <a:lstStyle/>
-          <a:p>
-            <a:pPr indent="-336550" lvl="0" marL="457200" rtl="0" algn="l">
-              <a:lnSpc>
-                <a:spcPct val="150000"/>
-              </a:lnSpc>
-              <a:spcBef>
-                <a:spcPts val="0"/>
-              </a:spcBef>
-              <a:spcAft>
-                <a:spcPts val="0"/>
-              </a:spcAft>
-              <a:buSzPts val="1700"/>
-              <a:buFont typeface="Times"/>
-              <a:buChar char="●"/>
-            </a:pPr>
-            <a:r>
-              <a:rPr lang="en" sz="1700">
-                <a:latin typeface="Times"/>
-                <a:ea typeface="Times"/>
-                <a:cs typeface="Times"/>
-                <a:sym typeface="Times"/>
-              </a:rPr>
-              <a:t>Filtrati gli output con script OP_RETURN;</a:t>
-            </a:r>
-            <a:endParaRPr sz="1700">
-              <a:latin typeface="Times"/>
-              <a:ea typeface="Times"/>
-              <a:cs typeface="Times"/>
-              <a:sym typeface="Times"/>
-            </a:endParaRPr>
-          </a:p>
-          <a:p>
-            <a:pPr indent="-336550" lvl="0" marL="457200" rtl="0" algn="l">
-              <a:lnSpc>
-                <a:spcPct val="150000"/>
-              </a:lnSpc>
-              <a:spcBef>
-                <a:spcPts val="0"/>
-              </a:spcBef>
-              <a:spcAft>
-                <a:spcPts val="0"/>
-              </a:spcAft>
-              <a:buSzPts val="1700"/>
-              <a:buFont typeface="Times"/>
-              <a:buChar char="●"/>
-            </a:pPr>
-            <a:r>
-              <a:rPr lang="en" sz="1700">
-                <a:latin typeface="Times"/>
-                <a:ea typeface="Times"/>
-                <a:cs typeface="Times"/>
-                <a:sym typeface="Times"/>
-              </a:rPr>
-              <a:t>Totale output dust generati: 2 893 877;</a:t>
-            </a:r>
-            <a:endParaRPr sz="1700">
-              <a:latin typeface="Times"/>
-              <a:ea typeface="Times"/>
-              <a:cs typeface="Times"/>
-              <a:sym typeface="Times"/>
-            </a:endParaRPr>
-          </a:p>
-        </p:txBody>
-      </p:sp>
       <p:pic>
         <p:nvPicPr>
-          <p:cNvPr id="217" name="Google Shape;217;p26"/>
+          <p:cNvPr id="216" name="Google Shape;216;p26"/>
           <p:cNvPicPr preferRelativeResize="0"/>
           <p:nvPr/>
         </p:nvPicPr>
@@ -10192,8 +10003,8 @@
         </p:blipFill>
         <p:spPr>
           <a:xfrm>
-            <a:off x="3265350" y="1750675"/>
-            <a:ext cx="3990498" cy="3291024"/>
+            <a:off x="252625" y="1587850"/>
+            <a:ext cx="6974050" cy="3501375"/>
           </a:xfrm>
           <a:prstGeom prst="rect">
             <a:avLst/>
@@ -10204,6 +10015,88 @@
           </a:ln>
         </p:spPr>
       </p:pic>
+      <p:sp>
+        <p:nvSpPr>
+          <p:cNvPr id="217" name="Google Shape;217;p26"/>
+          <p:cNvSpPr txBox="1"/>
+          <p:nvPr/>
+        </p:nvSpPr>
+        <p:spPr>
+          <a:xfrm>
+            <a:off x="872513" y="848950"/>
+            <a:ext cx="2965200" cy="738900"/>
+          </a:xfrm>
+          <a:prstGeom prst="rect">
+            <a:avLst/>
+          </a:prstGeom>
+          <a:noFill/>
+          <a:ln>
+            <a:noFill/>
+          </a:ln>
+        </p:spPr>
+        <p:txBody>
+          <a:bodyPr anchorCtr="0" anchor="t" bIns="91425" lIns="91425" spcFirstLastPara="1" rIns="91425" wrap="square" tIns="91425">
+            <a:spAutoFit/>
+          </a:bodyPr>
+          <a:lstStyle/>
+          <a:p>
+            <a:pPr indent="-342900" lvl="0" marL="457200" rtl="0" algn="l">
+              <a:spcBef>
+                <a:spcPts val="0"/>
+              </a:spcBef>
+              <a:spcAft>
+                <a:spcPts val="0"/>
+              </a:spcAft>
+              <a:buSzPts val="1800"/>
+              <a:buFont typeface="Times"/>
+              <a:buChar char="●"/>
+            </a:pPr>
+            <a:r>
+              <a:rPr lang="en" sz="1800">
+                <a:latin typeface="Times"/>
+                <a:ea typeface="Times"/>
+                <a:cs typeface="Times"/>
+                <a:sym typeface="Times"/>
+              </a:rPr>
+              <a:t>Dust non speso: 51.5 %;</a:t>
+            </a:r>
+            <a:endParaRPr sz="1800">
+              <a:latin typeface="Times"/>
+              <a:ea typeface="Times"/>
+              <a:cs typeface="Times"/>
+              <a:sym typeface="Times"/>
+            </a:endParaRPr>
+          </a:p>
+          <a:p>
+            <a:pPr indent="-342900" lvl="0" marL="457200" rtl="0" algn="l">
+              <a:spcBef>
+                <a:spcPts val="0"/>
+              </a:spcBef>
+              <a:spcAft>
+                <a:spcPts val="0"/>
+              </a:spcAft>
+              <a:buSzPts val="1800"/>
+              <a:buFont typeface="Times"/>
+              <a:buChar char="●"/>
+            </a:pPr>
+            <a:r>
+              <a:rPr lang="en" sz="1800">
+                <a:latin typeface="Times"/>
+                <a:ea typeface="Times"/>
+                <a:cs typeface="Times"/>
+                <a:sym typeface="Times"/>
+              </a:rPr>
+              <a:t>Dust speso: 48.5 %.</a:t>
+            </a:r>
+            <a:endParaRPr sz="1800">
+              <a:latin typeface="Times"/>
+              <a:ea typeface="Times"/>
+              <a:cs typeface="Times"/>
+              <a:sym typeface="Times"/>
+            </a:endParaRPr>
+          </a:p>
+        </p:txBody>
+      </p:sp>
     </p:spTree>
   </p:cSld>
   <p:clrMapOvr>
@@ -10241,13 +10134,13 @@
           <p:cNvPr id="222" name="Google Shape;222;p27"/>
           <p:cNvSpPr txBox="1"/>
           <p:nvPr>
-            <p:ph idx="4294967295" type="title"/>
+            <p:ph type="title"/>
           </p:nvPr>
         </p:nvSpPr>
         <p:spPr>
           <a:xfrm>
-            <a:off x="872525" y="463013"/>
-            <a:ext cx="4801500" cy="409500"/>
+            <a:off x="872525" y="231513"/>
+            <a:ext cx="5499300" cy="409500"/>
           </a:xfrm>
           <a:prstGeom prst="rect">
             <a:avLst/>
@@ -10278,7 +10171,7 @@
                 <a:cs typeface="Times"/>
                 <a:sym typeface="Times"/>
               </a:rPr>
-              <a:t>Classificazione del Dust</a:t>
+              <a:t>Classificazione delle transazioni</a:t>
             </a:r>
             <a:endParaRPr sz="3000">
               <a:solidFill>
@@ -10320,235 +10213,9 @@
           </a:ln>
         </p:spPr>
       </p:pic>
-      <p:pic>
-        <p:nvPicPr>
+      <p:sp>
+        <p:nvSpPr>
           <p:cNvPr id="224" name="Google Shape;224;p27"/>
-          <p:cNvPicPr preferRelativeResize="0"/>
-          <p:nvPr/>
-        </p:nvPicPr>
-        <p:blipFill>
-          <a:blip r:embed="rId4">
-            <a:alphaModFix/>
-          </a:blip>
-          <a:stretch>
-            <a:fillRect/>
-          </a:stretch>
-        </p:blipFill>
-        <p:spPr>
-          <a:xfrm>
-            <a:off x="252625" y="1587850"/>
-            <a:ext cx="6974050" cy="3501375"/>
-          </a:xfrm>
-          <a:prstGeom prst="rect">
-            <a:avLst/>
-          </a:prstGeom>
-          <a:noFill/>
-          <a:ln>
-            <a:noFill/>
-          </a:ln>
-        </p:spPr>
-      </p:pic>
-      <p:sp>
-        <p:nvSpPr>
-          <p:cNvPr id="225" name="Google Shape;225;p27"/>
-          <p:cNvSpPr txBox="1"/>
-          <p:nvPr/>
-        </p:nvSpPr>
-        <p:spPr>
-          <a:xfrm>
-            <a:off x="872513" y="848950"/>
-            <a:ext cx="2965200" cy="738900"/>
-          </a:xfrm>
-          <a:prstGeom prst="rect">
-            <a:avLst/>
-          </a:prstGeom>
-          <a:noFill/>
-          <a:ln>
-            <a:noFill/>
-          </a:ln>
-        </p:spPr>
-        <p:txBody>
-          <a:bodyPr anchorCtr="0" anchor="t" bIns="91425" lIns="91425" spcFirstLastPara="1" rIns="91425" wrap="square" tIns="91425">
-            <a:spAutoFit/>
-          </a:bodyPr>
-          <a:lstStyle/>
-          <a:p>
-            <a:pPr indent="-342900" lvl="0" marL="457200" rtl="0" algn="l">
-              <a:spcBef>
-                <a:spcPts val="0"/>
-              </a:spcBef>
-              <a:spcAft>
-                <a:spcPts val="0"/>
-              </a:spcAft>
-              <a:buSzPts val="1800"/>
-              <a:buFont typeface="Times"/>
-              <a:buChar char="●"/>
-            </a:pPr>
-            <a:r>
-              <a:rPr lang="en" sz="1800">
-                <a:latin typeface="Times"/>
-                <a:ea typeface="Times"/>
-                <a:cs typeface="Times"/>
-                <a:sym typeface="Times"/>
-              </a:rPr>
-              <a:t>Dust non speso: 51.5 %;</a:t>
-            </a:r>
-            <a:endParaRPr sz="1800">
-              <a:latin typeface="Times"/>
-              <a:ea typeface="Times"/>
-              <a:cs typeface="Times"/>
-              <a:sym typeface="Times"/>
-            </a:endParaRPr>
-          </a:p>
-          <a:p>
-            <a:pPr indent="-342900" lvl="0" marL="457200" rtl="0" algn="l">
-              <a:spcBef>
-                <a:spcPts val="0"/>
-              </a:spcBef>
-              <a:spcAft>
-                <a:spcPts val="0"/>
-              </a:spcAft>
-              <a:buSzPts val="1800"/>
-              <a:buFont typeface="Times"/>
-              <a:buChar char="●"/>
-            </a:pPr>
-            <a:r>
-              <a:rPr lang="en" sz="1800">
-                <a:latin typeface="Times"/>
-                <a:ea typeface="Times"/>
-                <a:cs typeface="Times"/>
-                <a:sym typeface="Times"/>
-              </a:rPr>
-              <a:t>Dust speso: 48.5 %.</a:t>
-            </a:r>
-            <a:endParaRPr sz="1800">
-              <a:latin typeface="Times"/>
-              <a:ea typeface="Times"/>
-              <a:cs typeface="Times"/>
-              <a:sym typeface="Times"/>
-            </a:endParaRPr>
-          </a:p>
-        </p:txBody>
-      </p:sp>
-    </p:spTree>
-  </p:cSld>
-  <p:clrMapOvr>
-    <a:masterClrMapping/>
-  </p:clrMapOvr>
-</p:sld>
-</file>
-
-<file path=ppt/slides/slide15.xml><?xml version="1.0" encoding="utf-8"?>
-<p:sld xmlns:a="http://schemas.openxmlformats.org/drawingml/2006/main" xmlns:r="http://schemas.openxmlformats.org/officeDocument/2006/relationships" xmlns:mc="http://schemas.openxmlformats.org/markup-compatibility/2006" xmlns:mv="urn:schemas-microsoft-com:mac:vml" xmlns:p="http://schemas.openxmlformats.org/presentationml/2006/main" xmlns:c="http://schemas.openxmlformats.org/drawingml/2006/chart" xmlns:dgm="http://schemas.openxmlformats.org/drawingml/2006/diagram" xmlns:o="urn:schemas-microsoft-com:office:office" xmlns:v="urn:schemas-microsoft-com:vml" xmlns:pvml="urn:schemas-microsoft-com:office:powerpoint" xmlns:com="http://schemas.openxmlformats.org/drawingml/2006/compatibility" xmlns:p14="http://schemas.microsoft.com/office/powerpoint/2010/main" xmlns:p15="http://schemas.microsoft.com/office/powerpoint/2012/main" xmlns:ahyp="http://schemas.microsoft.com/office/drawing/2018/hyperlinkcolor">
-  <p:cSld>
-    <p:bg>
-      <p:bgPr>
-        <a:solidFill>
-          <a:srgbClr val="073763"/>
-        </a:solidFill>
-      </p:bgPr>
-    </p:bg>
-    <p:spTree>
-      <p:nvGrpSpPr>
-        <p:cNvPr id="229" name="Shape 229"/>
-        <p:cNvGrpSpPr/>
-        <p:nvPr/>
-      </p:nvGrpSpPr>
-      <p:grpSpPr>
-        <a:xfrm>
-          <a:off x="0" y="0"/>
-          <a:ext cx="0" cy="0"/>
-          <a:chOff x="0" y="0"/>
-          <a:chExt cx="0" cy="0"/>
-        </a:xfrm>
-      </p:grpSpPr>
-      <p:sp>
-        <p:nvSpPr>
-          <p:cNvPr id="230" name="Google Shape;230;p28"/>
-          <p:cNvSpPr txBox="1"/>
-          <p:nvPr>
-            <p:ph type="title"/>
-          </p:nvPr>
-        </p:nvSpPr>
-        <p:spPr>
-          <a:xfrm>
-            <a:off x="872525" y="231513"/>
-            <a:ext cx="5499300" cy="409500"/>
-          </a:xfrm>
-          <a:prstGeom prst="rect">
-            <a:avLst/>
-          </a:prstGeom>
-        </p:spPr>
-        <p:txBody>
-          <a:bodyPr anchorCtr="0" anchor="b" bIns="91425" lIns="91425" spcFirstLastPara="1" rIns="91425" wrap="square" tIns="91425">
-            <a:noAutofit/>
-          </a:bodyPr>
-          <a:lstStyle/>
-          <a:p>
-            <a:pPr indent="0" lvl="0" marL="0" rtl="0" algn="ctr">
-              <a:spcBef>
-                <a:spcPts val="0"/>
-              </a:spcBef>
-              <a:spcAft>
-                <a:spcPts val="0"/>
-              </a:spcAft>
-              <a:buNone/>
-            </a:pPr>
-            <a:r>
-              <a:rPr lang="en" sz="3000">
-                <a:solidFill>
-                  <a:srgbClr val="061D55"/>
-                </a:solidFill>
-                <a:latin typeface="Times"/>
-                <a:ea typeface="Times"/>
-                <a:cs typeface="Times"/>
-                <a:sym typeface="Times"/>
-              </a:rPr>
-              <a:t>Classificazione delle transazioni</a:t>
-            </a:r>
-            <a:endParaRPr sz="3000">
-              <a:solidFill>
-                <a:srgbClr val="061D55"/>
-              </a:solidFill>
-              <a:latin typeface="Times"/>
-              <a:ea typeface="Times"/>
-              <a:cs typeface="Times"/>
-              <a:sym typeface="Times"/>
-            </a:endParaRPr>
-          </a:p>
-        </p:txBody>
-      </p:sp>
-      <p:pic>
-        <p:nvPicPr>
-          <p:cNvPr id="231" name="Google Shape;231;p28"/>
-          <p:cNvPicPr preferRelativeResize="0"/>
-          <p:nvPr/>
-        </p:nvPicPr>
-        <p:blipFill>
-          <a:blip r:embed="rId3">
-            <a:alphaModFix/>
-          </a:blip>
-          <a:stretch>
-            <a:fillRect/>
-          </a:stretch>
-        </p:blipFill>
-        <p:spPr>
-          <a:xfrm>
-            <a:off x="0" y="2"/>
-            <a:ext cx="872525" cy="872525"/>
-          </a:xfrm>
-          <a:prstGeom prst="rect">
-            <a:avLst/>
-          </a:prstGeom>
-          <a:noFill/>
-          <a:ln>
-            <a:noFill/>
-          </a:ln>
-        </p:spPr>
-      </p:pic>
-      <p:sp>
-        <p:nvSpPr>
-          <p:cNvPr id="232" name="Google Shape;232;p28"/>
           <p:cNvSpPr txBox="1"/>
           <p:nvPr/>
         </p:nvSpPr>
@@ -10729,7 +10396,7 @@
       </p:sp>
       <p:graphicFrame>
         <p:nvGraphicFramePr>
-          <p:cNvPr id="233" name="Google Shape;233;p28"/>
+          <p:cNvPr id="225" name="Google Shape;225;p27"/>
           <p:cNvGraphicFramePr/>
           <p:nvPr/>
         </p:nvGraphicFramePr>
@@ -10742,7 +10409,7 @@
             <a:tbl>
               <a:tblPr>
                 <a:noFill/>
-                <a:tableStyleId>{66F85D34-76A9-40EE-A21F-E01E33F813F3}</a:tableStyleId>
+                <a:tableStyleId>{4C9A6283-7BA0-4B32-841D-BF81B238D31B}</a:tableStyleId>
               </a:tblPr>
               <a:tblGrid>
                 <a:gridCol w="2342125"/>
@@ -11186,6 +10853,412 @@
 </p:sld>
 </file>
 
+<file path=ppt/slides/slide15.xml><?xml version="1.0" encoding="utf-8"?>
+<p:sld xmlns:a="http://schemas.openxmlformats.org/drawingml/2006/main" xmlns:r="http://schemas.openxmlformats.org/officeDocument/2006/relationships" xmlns:mc="http://schemas.openxmlformats.org/markup-compatibility/2006" xmlns:mv="urn:schemas-microsoft-com:mac:vml" xmlns:p="http://schemas.openxmlformats.org/presentationml/2006/main" xmlns:c="http://schemas.openxmlformats.org/drawingml/2006/chart" xmlns:dgm="http://schemas.openxmlformats.org/drawingml/2006/diagram" xmlns:o="urn:schemas-microsoft-com:office:office" xmlns:v="urn:schemas-microsoft-com:vml" xmlns:pvml="urn:schemas-microsoft-com:office:powerpoint" xmlns:com="http://schemas.openxmlformats.org/drawingml/2006/compatibility" xmlns:p14="http://schemas.microsoft.com/office/powerpoint/2010/main" xmlns:p15="http://schemas.microsoft.com/office/powerpoint/2012/main" xmlns:ahyp="http://schemas.microsoft.com/office/drawing/2018/hyperlinkcolor">
+  <p:cSld>
+    <p:bg>
+      <p:bgPr>
+        <a:solidFill>
+          <a:srgbClr val="073763"/>
+        </a:solidFill>
+      </p:bgPr>
+    </p:bg>
+    <p:spTree>
+      <p:nvGrpSpPr>
+        <p:cNvPr id="229" name="Shape 229"/>
+        <p:cNvGrpSpPr/>
+        <p:nvPr/>
+      </p:nvGrpSpPr>
+      <p:grpSpPr>
+        <a:xfrm>
+          <a:off x="0" y="0"/>
+          <a:ext cx="0" cy="0"/>
+          <a:chOff x="0" y="0"/>
+          <a:chExt cx="0" cy="0"/>
+        </a:xfrm>
+      </p:grpSpPr>
+      <p:sp>
+        <p:nvSpPr>
+          <p:cNvPr id="230" name="Google Shape;230;p28"/>
+          <p:cNvSpPr txBox="1"/>
+          <p:nvPr>
+            <p:ph idx="4294967295" type="title"/>
+          </p:nvPr>
+        </p:nvSpPr>
+        <p:spPr>
+          <a:xfrm>
+            <a:off x="872525" y="463025"/>
+            <a:ext cx="4801500" cy="409500"/>
+          </a:xfrm>
+          <a:prstGeom prst="rect">
+            <a:avLst/>
+          </a:prstGeom>
+        </p:spPr>
+        <p:txBody>
+          <a:bodyPr anchorCtr="0" anchor="b" bIns="91425" lIns="91425" spcFirstLastPara="1" rIns="91425" wrap="square" tIns="91425">
+            <a:noAutofit/>
+          </a:bodyPr>
+          <a:lstStyle/>
+          <a:p>
+            <a:pPr indent="0" lvl="0" marL="0" rtl="0" algn="ctr">
+              <a:spcBef>
+                <a:spcPts val="0"/>
+              </a:spcBef>
+              <a:spcAft>
+                <a:spcPts val="0"/>
+              </a:spcAft>
+              <a:buNone/>
+            </a:pPr>
+            <a:r>
+              <a:rPr lang="en" sz="3000">
+                <a:solidFill>
+                  <a:srgbClr val="061D55"/>
+                </a:solidFill>
+                <a:latin typeface="Times"/>
+                <a:ea typeface="Times"/>
+                <a:cs typeface="Times"/>
+                <a:sym typeface="Times"/>
+              </a:rPr>
+              <a:t>Categoria 2+ indirizzi</a:t>
+            </a:r>
+            <a:endParaRPr sz="3000">
+              <a:solidFill>
+                <a:srgbClr val="061D55"/>
+              </a:solidFill>
+              <a:latin typeface="Times"/>
+              <a:ea typeface="Times"/>
+              <a:cs typeface="Times"/>
+              <a:sym typeface="Times"/>
+            </a:endParaRPr>
+          </a:p>
+        </p:txBody>
+      </p:sp>
+      <p:pic>
+        <p:nvPicPr>
+          <p:cNvPr id="231" name="Google Shape;231;p28"/>
+          <p:cNvPicPr preferRelativeResize="0"/>
+          <p:nvPr/>
+        </p:nvPicPr>
+        <p:blipFill>
+          <a:blip r:embed="rId3">
+            <a:alphaModFix/>
+          </a:blip>
+          <a:stretch>
+            <a:fillRect/>
+          </a:stretch>
+        </p:blipFill>
+        <p:spPr>
+          <a:xfrm>
+            <a:off x="0" y="2"/>
+            <a:ext cx="872525" cy="872525"/>
+          </a:xfrm>
+          <a:prstGeom prst="rect">
+            <a:avLst/>
+          </a:prstGeom>
+          <a:noFill/>
+          <a:ln>
+            <a:noFill/>
+          </a:ln>
+        </p:spPr>
+      </p:pic>
+      <p:pic>
+        <p:nvPicPr>
+          <p:cNvPr id="232" name="Google Shape;232;p28"/>
+          <p:cNvPicPr preferRelativeResize="0"/>
+          <p:nvPr/>
+        </p:nvPicPr>
+        <p:blipFill>
+          <a:blip r:embed="rId4">
+            <a:alphaModFix/>
+          </a:blip>
+          <a:stretch>
+            <a:fillRect/>
+          </a:stretch>
+        </p:blipFill>
+        <p:spPr>
+          <a:xfrm>
+            <a:off x="2559002" y="1632050"/>
+            <a:ext cx="4742346" cy="3318200"/>
+          </a:xfrm>
+          <a:prstGeom prst="rect">
+            <a:avLst/>
+          </a:prstGeom>
+          <a:noFill/>
+          <a:ln>
+            <a:noFill/>
+          </a:ln>
+        </p:spPr>
+      </p:pic>
+      <p:sp>
+        <p:nvSpPr>
+          <p:cNvPr id="233" name="Google Shape;233;p28"/>
+          <p:cNvSpPr txBox="1"/>
+          <p:nvPr/>
+        </p:nvSpPr>
+        <p:spPr>
+          <a:xfrm>
+            <a:off x="1350350" y="753200"/>
+            <a:ext cx="1852500" cy="400200"/>
+          </a:xfrm>
+          <a:prstGeom prst="rect">
+            <a:avLst/>
+          </a:prstGeom>
+          <a:noFill/>
+          <a:ln>
+            <a:noFill/>
+          </a:ln>
+        </p:spPr>
+        <p:txBody>
+          <a:bodyPr anchorCtr="0" anchor="t" bIns="91425" lIns="91425" spcFirstLastPara="1" rIns="91425" wrap="square" tIns="91425">
+            <a:spAutoFit/>
+          </a:bodyPr>
+          <a:lstStyle/>
+          <a:p>
+            <a:pPr indent="0" lvl="0" marL="0" rtl="0" algn="l">
+              <a:spcBef>
+                <a:spcPts val="0"/>
+              </a:spcBef>
+              <a:spcAft>
+                <a:spcPts val="0"/>
+              </a:spcAft>
+              <a:buNone/>
+            </a:pPr>
+            <a:r>
+              <a:t/>
+            </a:r>
+            <a:endParaRPr>
+              <a:latin typeface="Karla"/>
+              <a:ea typeface="Karla"/>
+              <a:cs typeface="Karla"/>
+              <a:sym typeface="Karla"/>
+            </a:endParaRPr>
+          </a:p>
+        </p:txBody>
+      </p:sp>
+      <p:sp>
+        <p:nvSpPr>
+          <p:cNvPr id="234" name="Google Shape;234;p28"/>
+          <p:cNvSpPr txBox="1"/>
+          <p:nvPr/>
+        </p:nvSpPr>
+        <p:spPr>
+          <a:xfrm>
+            <a:off x="0" y="872513"/>
+            <a:ext cx="3908400" cy="1293000"/>
+          </a:xfrm>
+          <a:prstGeom prst="rect">
+            <a:avLst/>
+          </a:prstGeom>
+          <a:noFill/>
+          <a:ln>
+            <a:noFill/>
+          </a:ln>
+        </p:spPr>
+        <p:txBody>
+          <a:bodyPr anchorCtr="0" anchor="t" bIns="91425" lIns="91425" spcFirstLastPara="1" rIns="91425" wrap="square" tIns="91425">
+            <a:spAutoFit/>
+          </a:bodyPr>
+          <a:lstStyle/>
+          <a:p>
+            <a:pPr indent="-342900" lvl="0" marL="457200" rtl="0" algn="l">
+              <a:lnSpc>
+                <a:spcPct val="150000"/>
+              </a:lnSpc>
+              <a:spcBef>
+                <a:spcPts val="0"/>
+              </a:spcBef>
+              <a:spcAft>
+                <a:spcPts val="0"/>
+              </a:spcAft>
+              <a:buSzPts val="1800"/>
+              <a:buFont typeface="Times"/>
+              <a:buChar char="●"/>
+            </a:pPr>
+            <a:r>
+              <a:rPr lang="en" sz="1800">
+                <a:latin typeface="Times"/>
+                <a:ea typeface="Times"/>
+                <a:cs typeface="Times"/>
+                <a:sym typeface="Times"/>
+              </a:rPr>
+              <a:t>166 906 </a:t>
+            </a:r>
+            <a:r>
+              <a:rPr lang="en" sz="1800">
+                <a:latin typeface="Times"/>
+                <a:ea typeface="Times"/>
+                <a:cs typeface="Times"/>
+                <a:sym typeface="Times"/>
+              </a:rPr>
+              <a:t>transazioni totali:</a:t>
+            </a:r>
+            <a:endParaRPr sz="1800">
+              <a:latin typeface="Times"/>
+              <a:ea typeface="Times"/>
+              <a:cs typeface="Times"/>
+              <a:sym typeface="Times"/>
+            </a:endParaRPr>
+          </a:p>
+          <a:p>
+            <a:pPr indent="-342900" lvl="1" marL="914400" rtl="0" algn="l">
+              <a:lnSpc>
+                <a:spcPct val="150000"/>
+              </a:lnSpc>
+              <a:spcBef>
+                <a:spcPts val="0"/>
+              </a:spcBef>
+              <a:spcAft>
+                <a:spcPts val="0"/>
+              </a:spcAft>
+              <a:buSzPts val="1800"/>
+              <a:buFont typeface="Times"/>
+              <a:buChar char="○"/>
+            </a:pPr>
+            <a:r>
+              <a:rPr lang="en" sz="1800">
+                <a:latin typeface="Times"/>
+                <a:ea typeface="Times"/>
+                <a:cs typeface="Times"/>
+                <a:sym typeface="Times"/>
+              </a:rPr>
+              <a:t>NOD: 99.9 %;</a:t>
+            </a:r>
+            <a:endParaRPr sz="1800">
+              <a:latin typeface="Times"/>
+              <a:ea typeface="Times"/>
+              <a:cs typeface="Times"/>
+              <a:sym typeface="Times"/>
+            </a:endParaRPr>
+          </a:p>
+          <a:p>
+            <a:pPr indent="-342900" lvl="1" marL="914400" rtl="0" algn="l">
+              <a:lnSpc>
+                <a:spcPct val="115000"/>
+              </a:lnSpc>
+              <a:spcBef>
+                <a:spcPts val="0"/>
+              </a:spcBef>
+              <a:spcAft>
+                <a:spcPts val="0"/>
+              </a:spcAft>
+              <a:buSzPts val="1800"/>
+              <a:buFont typeface="Times"/>
+              <a:buChar char="○"/>
+            </a:pPr>
+            <a:r>
+              <a:rPr lang="en" sz="1800">
+                <a:latin typeface="Times"/>
+                <a:ea typeface="Times"/>
+                <a:cs typeface="Times"/>
+                <a:sym typeface="Times"/>
+              </a:rPr>
+              <a:t>OD: 0.1 %.</a:t>
+            </a:r>
+            <a:endParaRPr sz="1800">
+              <a:latin typeface="Times"/>
+              <a:ea typeface="Times"/>
+              <a:cs typeface="Times"/>
+              <a:sym typeface="Times"/>
+            </a:endParaRPr>
+          </a:p>
+        </p:txBody>
+      </p:sp>
+      <p:sp>
+        <p:nvSpPr>
+          <p:cNvPr id="235" name="Google Shape;235;p28"/>
+          <p:cNvSpPr txBox="1"/>
+          <p:nvPr/>
+        </p:nvSpPr>
+        <p:spPr>
+          <a:xfrm>
+            <a:off x="0" y="2164950"/>
+            <a:ext cx="2424300" cy="2252400"/>
+          </a:xfrm>
+          <a:prstGeom prst="rect">
+            <a:avLst/>
+          </a:prstGeom>
+          <a:noFill/>
+          <a:ln>
+            <a:noFill/>
+          </a:ln>
+        </p:spPr>
+        <p:txBody>
+          <a:bodyPr anchorCtr="0" anchor="t" bIns="91425" lIns="91425" spcFirstLastPara="1" rIns="91425" wrap="square" tIns="91425">
+            <a:spAutoFit/>
+          </a:bodyPr>
+          <a:lstStyle/>
+          <a:p>
+            <a:pPr indent="-342900" lvl="0" marL="457200" rtl="0" algn="l">
+              <a:lnSpc>
+                <a:spcPct val="100000"/>
+              </a:lnSpc>
+              <a:spcBef>
+                <a:spcPts val="0"/>
+              </a:spcBef>
+              <a:spcAft>
+                <a:spcPts val="0"/>
+              </a:spcAft>
+              <a:buSzPts val="1800"/>
+              <a:buFont typeface="Times"/>
+              <a:buChar char="●"/>
+            </a:pPr>
+            <a:r>
+              <a:rPr lang="en" sz="1800">
+                <a:latin typeface="Times"/>
+                <a:ea typeface="Times"/>
+                <a:cs typeface="Times"/>
+                <a:sym typeface="Times"/>
+              </a:rPr>
+              <a:t>Intervalli di ampiezza 50;</a:t>
+            </a:r>
+            <a:endParaRPr sz="1800">
+              <a:latin typeface="Times"/>
+              <a:ea typeface="Times"/>
+              <a:cs typeface="Times"/>
+              <a:sym typeface="Times"/>
+            </a:endParaRPr>
+          </a:p>
+          <a:p>
+            <a:pPr indent="-342900" lvl="0" marL="457200" rtl="0" algn="l">
+              <a:lnSpc>
+                <a:spcPct val="100000"/>
+              </a:lnSpc>
+              <a:spcBef>
+                <a:spcPts val="1000"/>
+              </a:spcBef>
+              <a:spcAft>
+                <a:spcPts val="0"/>
+              </a:spcAft>
+              <a:buSzPts val="1800"/>
+              <a:buFont typeface="Times"/>
+              <a:buChar char="●"/>
+            </a:pPr>
+            <a:r>
+              <a:rPr lang="en" sz="1800">
+                <a:latin typeface="Times"/>
+                <a:ea typeface="Times"/>
+                <a:cs typeface="Times"/>
+                <a:sym typeface="Times"/>
+              </a:rPr>
+              <a:t>Primo intervallo [1, 50], anche se non possono esistere transazioni con 1 indirizzo.  </a:t>
+            </a:r>
+            <a:endParaRPr sz="1800">
+              <a:latin typeface="Times"/>
+              <a:ea typeface="Times"/>
+              <a:cs typeface="Times"/>
+              <a:sym typeface="Times"/>
+            </a:endParaRPr>
+          </a:p>
+        </p:txBody>
+      </p:sp>
+    </p:spTree>
+  </p:cSld>
+  <p:clrMapOvr>
+    <a:masterClrMapping/>
+  </p:clrMapOvr>
+</p:sld>
+</file>
+
 <file path=ppt/slides/slide16.xml><?xml version="1.0" encoding="utf-8"?>
 <p:sld xmlns:a="http://schemas.openxmlformats.org/drawingml/2006/main" xmlns:r="http://schemas.openxmlformats.org/officeDocument/2006/relationships" xmlns:mc="http://schemas.openxmlformats.org/markup-compatibility/2006" xmlns:mv="urn:schemas-microsoft-com:mac:vml" xmlns:p="http://schemas.openxmlformats.org/presentationml/2006/main" xmlns:c="http://schemas.openxmlformats.org/drawingml/2006/chart" xmlns:dgm="http://schemas.openxmlformats.org/drawingml/2006/diagram" xmlns:o="urn:schemas-microsoft-com:office:office" xmlns:v="urn:schemas-microsoft-com:vml" xmlns:pvml="urn:schemas-microsoft-com:office:powerpoint" xmlns:com="http://schemas.openxmlformats.org/drawingml/2006/compatibility" xmlns:p14="http://schemas.microsoft.com/office/powerpoint/2010/main" xmlns:p15="http://schemas.microsoft.com/office/powerpoint/2012/main" xmlns:ahyp="http://schemas.microsoft.com/office/drawing/2018/hyperlinkcolor">
   <p:cSld>
@@ -11198,7 +11271,7 @@
     </p:bg>
     <p:spTree>
       <p:nvGrpSpPr>
-        <p:cNvPr id="237" name="Shape 237"/>
+        <p:cNvPr id="239" name="Shape 239"/>
         <p:cNvGrpSpPr/>
         <p:nvPr/>
       </p:nvGrpSpPr>
@@ -11212,10 +11285,10 @@
       </p:grpSpPr>
       <p:sp>
         <p:nvSpPr>
-          <p:cNvPr id="238" name="Google Shape;238;p29"/>
+          <p:cNvPr id="240" name="Google Shape;240;p29"/>
           <p:cNvSpPr txBox="1"/>
           <p:nvPr>
-            <p:ph idx="4294967295" type="title"/>
+            <p:ph type="title"/>
           </p:nvPr>
         </p:nvSpPr>
         <p:spPr>
@@ -11252,7 +11325,7 @@
                 <a:cs typeface="Times"/>
                 <a:sym typeface="Times"/>
               </a:rPr>
-              <a:t>Categoria 2+ indirizzi</a:t>
+              <a:t>Analisi Indirizzi</a:t>
             </a:r>
             <a:endParaRPr sz="3000">
               <a:solidFill>
@@ -11268,7 +11341,7 @@
       </p:sp>
       <p:pic>
         <p:nvPicPr>
-          <p:cNvPr id="239" name="Google Shape;239;p29"/>
+          <p:cNvPr id="241" name="Google Shape;241;p29"/>
           <p:cNvPicPr preferRelativeResize="0"/>
           <p:nvPr/>
         </p:nvPicPr>
@@ -11294,80 +11367,6 @@
           </a:ln>
         </p:spPr>
       </p:pic>
-      <p:pic>
-        <p:nvPicPr>
-          <p:cNvPr id="240" name="Google Shape;240;p29"/>
-          <p:cNvPicPr preferRelativeResize="0"/>
-          <p:nvPr/>
-        </p:nvPicPr>
-        <p:blipFill>
-          <a:blip r:embed="rId4">
-            <a:alphaModFix/>
-          </a:blip>
-          <a:stretch>
-            <a:fillRect/>
-          </a:stretch>
-        </p:blipFill>
-        <p:spPr>
-          <a:xfrm>
-            <a:off x="2559002" y="1632050"/>
-            <a:ext cx="4742346" cy="3318200"/>
-          </a:xfrm>
-          <a:prstGeom prst="rect">
-            <a:avLst/>
-          </a:prstGeom>
-          <a:noFill/>
-          <a:ln>
-            <a:noFill/>
-          </a:ln>
-        </p:spPr>
-      </p:pic>
-      <p:sp>
-        <p:nvSpPr>
-          <p:cNvPr id="241" name="Google Shape;241;p29"/>
-          <p:cNvSpPr txBox="1"/>
-          <p:nvPr/>
-        </p:nvSpPr>
-        <p:spPr>
-          <a:xfrm>
-            <a:off x="1350350" y="753200"/>
-            <a:ext cx="1852500" cy="400200"/>
-          </a:xfrm>
-          <a:prstGeom prst="rect">
-            <a:avLst/>
-          </a:prstGeom>
-          <a:noFill/>
-          <a:ln>
-            <a:noFill/>
-          </a:ln>
-        </p:spPr>
-        <p:txBody>
-          <a:bodyPr anchorCtr="0" anchor="t" bIns="91425" lIns="91425" spcFirstLastPara="1" rIns="91425" wrap="square" tIns="91425">
-            <a:spAutoFit/>
-          </a:bodyPr>
-          <a:lstStyle/>
-          <a:p>
-            <a:pPr indent="0" lvl="0" marL="0" rtl="0" algn="l">
-              <a:spcBef>
-                <a:spcPts val="0"/>
-              </a:spcBef>
-              <a:spcAft>
-                <a:spcPts val="0"/>
-              </a:spcAft>
-              <a:buNone/>
-            </a:pPr>
-            <a:r>
-              <a:t/>
-            </a:r>
-            <a:endParaRPr>
-              <a:latin typeface="Karla"/>
-              <a:ea typeface="Karla"/>
-              <a:cs typeface="Karla"/>
-              <a:sym typeface="Karla"/>
-            </a:endParaRPr>
-          </a:p>
-        </p:txBody>
-      </p:sp>
       <p:sp>
         <p:nvSpPr>
           <p:cNvPr id="242" name="Google Shape;242;p29"/>
@@ -11376,8 +11375,8 @@
         </p:nvSpPr>
         <p:spPr>
           <a:xfrm>
-            <a:off x="0" y="872513"/>
-            <a:ext cx="3908400" cy="1293000"/>
+            <a:off x="872525" y="951925"/>
+            <a:ext cx="6489900" cy="2248800"/>
           </a:xfrm>
           <a:prstGeom prst="rect">
             <a:avLst/>
@@ -11414,8 +11413,30 @@
                 <a:cs typeface="Times"/>
                 <a:sym typeface="Times"/>
               </a:rPr>
-              <a:t>166 906 </a:t>
-            </a:r>
+              <a:t>Output dust generati: 2 893 877;</a:t>
+            </a:r>
+            <a:endParaRPr sz="1800">
+              <a:latin typeface="Times"/>
+              <a:ea typeface="Times"/>
+              <a:cs typeface="Times"/>
+              <a:sym typeface="Times"/>
+            </a:endParaRPr>
+          </a:p>
+          <a:p>
+            <a:pPr indent="-342900" lvl="0" marL="457200" rtl="0" algn="l">
+              <a:lnSpc>
+                <a:spcPct val="150000"/>
+              </a:lnSpc>
+              <a:spcBef>
+                <a:spcPts val="0"/>
+              </a:spcBef>
+              <a:spcAft>
+                <a:spcPts val="0"/>
+              </a:spcAft>
+              <a:buSzPts val="1800"/>
+              <a:buFont typeface="Times"/>
+              <a:buChar char="●"/>
+            </a:pPr>
             <a:r>
               <a:rPr lang="en" sz="1800">
                 <a:latin typeface="Times"/>
@@ -11423,7 +11444,7 @@
                 <a:cs typeface="Times"/>
                 <a:sym typeface="Times"/>
               </a:rPr>
-              <a:t>transazioni totali:</a:t>
+              <a:t>Gli indirizzi destinatari sono 1 059 836:</a:t>
             </a:r>
             <a:endParaRPr sz="1800">
               <a:latin typeface="Times"/>
@@ -11435,7 +11456,7 @@
           <a:p>
             <a:pPr indent="-342900" lvl="1" marL="914400" rtl="0" algn="l">
               <a:lnSpc>
-                <a:spcPct val="150000"/>
+                <a:spcPct val="115000"/>
               </a:lnSpc>
               <a:spcBef>
                 <a:spcPts val="0"/>
@@ -11454,7 +11475,7 @@
                 <a:cs typeface="Times"/>
                 <a:sym typeface="Times"/>
               </a:rPr>
-              <a:t>NOD: 99.9 %;</a:t>
+              <a:t>312 114 indirizzi (29 % dei destinatari) hanno speso il dust;</a:t>
             </a:r>
             <a:endParaRPr sz="1800">
               <a:latin typeface="Times"/>
@@ -11485,7 +11506,7 @@
                 <a:cs typeface="Times"/>
                 <a:sym typeface="Times"/>
               </a:rPr>
-              <a:t>OD: 0.1 %.</a:t>
+              <a:t>259 252 indirizzi (83 % di chi ha speso il dust) lo hanno speso nella categoria “2+ Indirizzi”.</a:t>
             </a:r>
             <a:endParaRPr sz="1800">
               <a:latin typeface="Times"/>
@@ -11504,8 +11525,8 @@
         </p:nvSpPr>
         <p:spPr>
           <a:xfrm>
-            <a:off x="0" y="2164950"/>
-            <a:ext cx="2424300" cy="2252400"/>
+            <a:off x="872525" y="3331750"/>
+            <a:ext cx="6659400" cy="1417500"/>
           </a:xfrm>
           <a:prstGeom prst="rect">
             <a:avLst/>
@@ -11523,7 +11544,7 @@
           <a:p>
             <a:pPr indent="-342900" lvl="0" marL="457200" rtl="0" algn="l">
               <a:lnSpc>
-                <a:spcPct val="100000"/>
+                <a:spcPct val="115000"/>
               </a:lnSpc>
               <a:spcBef>
                 <a:spcPts val="0"/>
@@ -11542,7 +11563,34 @@
                 <a:cs typeface="Times"/>
                 <a:sym typeface="Times"/>
               </a:rPr>
-              <a:t>Intervalli di ampiezza 50;</a:t>
+              <a:t>T</a:t>
+            </a:r>
+            <a:r>
+              <a:rPr lang="en" sz="1800">
+                <a:latin typeface="Times"/>
+                <a:ea typeface="Times"/>
+                <a:cs typeface="Times"/>
+                <a:sym typeface="Times"/>
+              </a:rPr>
+              <a:t>ransazioni che generano almeno un dust della categoria “Successo” sono</a:t>
+            </a:r>
+            <a:r>
+              <a:rPr lang="en" sz="1800">
+                <a:latin typeface="Times"/>
+                <a:ea typeface="Times"/>
+                <a:cs typeface="Times"/>
+                <a:sym typeface="Times"/>
+              </a:rPr>
+              <a:t> 98 198</a:t>
+            </a:r>
+            <a:r>
+              <a:rPr lang="en" sz="1800">
+                <a:latin typeface="Times"/>
+                <a:ea typeface="Times"/>
+                <a:cs typeface="Times"/>
+                <a:sym typeface="Times"/>
+              </a:rPr>
+              <a:t>:</a:t>
             </a:r>
             <a:endParaRPr sz="1800">
               <a:latin typeface="Times"/>
@@ -11552,19 +11600,19 @@
             </a:endParaRPr>
           </a:p>
           <a:p>
-            <a:pPr indent="-342900" lvl="0" marL="457200" rtl="0" algn="l">
+            <a:pPr indent="-342900" lvl="1" marL="914400" rtl="0" algn="l">
               <a:lnSpc>
-                <a:spcPct val="100000"/>
+                <a:spcPct val="115000"/>
               </a:lnSpc>
               <a:spcBef>
-                <a:spcPts val="1000"/>
+                <a:spcPts val="0"/>
               </a:spcBef>
               <a:spcAft>
                 <a:spcPts val="0"/>
               </a:spcAft>
               <a:buSzPts val="1800"/>
               <a:buFont typeface="Times"/>
-              <a:buChar char="●"/>
+              <a:buChar char="○"/>
             </a:pPr>
             <a:r>
               <a:rPr lang="en" sz="1800">
@@ -11573,7 +11621,7 @@
                 <a:cs typeface="Times"/>
                 <a:sym typeface="Times"/>
               </a:rPr>
-              <a:t>Primo intervallo [1, 50], anche se non possono esistere transazioni con 1 indirizzo.  </a:t>
+              <a:t>58 146 transazioni (59 %) non presentano indirizzi nuovi tra gli output dust.</a:t>
             </a:r>
             <a:endParaRPr sz="1800">
               <a:latin typeface="Times"/>
@@ -11626,8 +11674,8 @@
         </p:nvSpPr>
         <p:spPr>
           <a:xfrm>
-            <a:off x="872525" y="463025"/>
-            <a:ext cx="4801500" cy="409500"/>
+            <a:off x="883650" y="98288"/>
+            <a:ext cx="4801500" cy="974400"/>
           </a:xfrm>
           <a:prstGeom prst="rect">
             <a:avLst/>
@@ -11658,7 +11706,7 @@
                 <a:cs typeface="Times"/>
                 <a:sym typeface="Times"/>
               </a:rPr>
-              <a:t>Analisi Indirizzi</a:t>
+              <a:t>Pattern: Un finanziatore - un attaccante</a:t>
             </a:r>
             <a:endParaRPr sz="3000">
               <a:solidFill>
@@ -11703,13 +11751,1387 @@
       <p:sp>
         <p:nvSpPr>
           <p:cNvPr id="250" name="Google Shape;250;p30"/>
+          <p:cNvSpPr/>
+          <p:nvPr/>
+        </p:nvSpPr>
+        <p:spPr>
+          <a:xfrm>
+            <a:off x="237500" y="2320675"/>
+            <a:ext cx="743700" cy="641100"/>
+          </a:xfrm>
+          <a:prstGeom prst="ellipse">
+            <a:avLst/>
+          </a:prstGeom>
+          <a:solidFill>
+            <a:srgbClr val="073763"/>
+          </a:solidFill>
+          <a:ln cap="flat" cmpd="sng" w="9525">
+            <a:solidFill>
+              <a:srgbClr val="000000"/>
+            </a:solidFill>
+            <a:prstDash val="solid"/>
+            <a:round/>
+            <a:headEnd len="sm" w="sm" type="none"/>
+            <a:tailEnd len="sm" w="sm" type="none"/>
+          </a:ln>
+        </p:spPr>
+        <p:txBody>
+          <a:bodyPr anchorCtr="0" anchor="ctr" bIns="91425" lIns="91425" spcFirstLastPara="1" rIns="91425" wrap="square" tIns="91425">
+            <a:noAutofit/>
+          </a:bodyPr>
+          <a:lstStyle/>
+          <a:p>
+            <a:pPr indent="0" lvl="0" marL="0" rtl="0" algn="ctr">
+              <a:spcBef>
+                <a:spcPts val="0"/>
+              </a:spcBef>
+              <a:spcAft>
+                <a:spcPts val="0"/>
+              </a:spcAft>
+              <a:buNone/>
+            </a:pPr>
+            <a:r>
+              <a:rPr lang="en" sz="1800">
+                <a:solidFill>
+                  <a:schemeClr val="lt1"/>
+                </a:solidFill>
+                <a:latin typeface="Times"/>
+                <a:ea typeface="Times"/>
+                <a:cs typeface="Times"/>
+                <a:sym typeface="Times"/>
+              </a:rPr>
+              <a:t>F</a:t>
+            </a:r>
+            <a:endParaRPr sz="2200">
+              <a:solidFill>
+                <a:schemeClr val="lt1"/>
+              </a:solidFill>
+              <a:latin typeface="Times"/>
+              <a:ea typeface="Times"/>
+              <a:cs typeface="Times"/>
+              <a:sym typeface="Times"/>
+            </a:endParaRPr>
+          </a:p>
+        </p:txBody>
+      </p:sp>
+      <p:sp>
+        <p:nvSpPr>
+          <p:cNvPr id="251" name="Google Shape;251;p30"/>
+          <p:cNvSpPr/>
+          <p:nvPr/>
+        </p:nvSpPr>
+        <p:spPr>
+          <a:xfrm>
+            <a:off x="1324275" y="2525936"/>
+            <a:ext cx="500100" cy="230700"/>
+          </a:xfrm>
+          <a:prstGeom prst="rightArrow">
+            <a:avLst>
+              <a:gd fmla="val 50000" name="adj1"/>
+              <a:gd fmla="val 50000" name="adj2"/>
+            </a:avLst>
+          </a:prstGeom>
+          <a:solidFill>
+            <a:srgbClr val="4A86E8"/>
+          </a:solidFill>
+          <a:ln cap="flat" cmpd="sng" w="9525">
+            <a:solidFill>
+              <a:srgbClr val="000000"/>
+            </a:solidFill>
+            <a:prstDash val="solid"/>
+            <a:round/>
+            <a:headEnd len="sm" w="sm" type="none"/>
+            <a:tailEnd len="sm" w="sm" type="none"/>
+          </a:ln>
+        </p:spPr>
+        <p:txBody>
+          <a:bodyPr anchorCtr="0" anchor="ctr" bIns="91425" lIns="91425" spcFirstLastPara="1" rIns="91425" wrap="square" tIns="91425">
+            <a:noAutofit/>
+          </a:bodyPr>
+          <a:lstStyle/>
+          <a:p>
+            <a:pPr indent="0" lvl="0" marL="0" rtl="0" algn="l">
+              <a:spcBef>
+                <a:spcPts val="0"/>
+              </a:spcBef>
+              <a:spcAft>
+                <a:spcPts val="0"/>
+              </a:spcAft>
+              <a:buNone/>
+            </a:pPr>
+            <a:r>
+              <a:t/>
+            </a:r>
+            <a:endParaRPr/>
+          </a:p>
+        </p:txBody>
+      </p:sp>
+      <p:sp>
+        <p:nvSpPr>
+          <p:cNvPr id="252" name="Google Shape;252;p30"/>
+          <p:cNvSpPr/>
+          <p:nvPr/>
+        </p:nvSpPr>
+        <p:spPr>
+          <a:xfrm>
+            <a:off x="628099" y="3536022"/>
+            <a:ext cx="1157100" cy="466200"/>
+          </a:xfrm>
+          <a:prstGeom prst="ellipse">
+            <a:avLst/>
+          </a:prstGeom>
+          <a:solidFill>
+            <a:srgbClr val="CC0000"/>
+          </a:solidFill>
+          <a:ln cap="flat" cmpd="sng" w="9525">
+            <a:solidFill>
+              <a:srgbClr val="000000"/>
+            </a:solidFill>
+            <a:prstDash val="solid"/>
+            <a:round/>
+            <a:headEnd len="sm" w="sm" type="none"/>
+            <a:tailEnd len="sm" w="sm" type="none"/>
+          </a:ln>
+        </p:spPr>
+        <p:txBody>
+          <a:bodyPr anchorCtr="0" anchor="ctr" bIns="91425" lIns="91425" spcFirstLastPara="1" rIns="91425" wrap="square" tIns="91425">
+            <a:noAutofit/>
+          </a:bodyPr>
+          <a:lstStyle/>
+          <a:p>
+            <a:pPr indent="0" lvl="0" marL="0" rtl="0" algn="ctr">
+              <a:spcBef>
+                <a:spcPts val="0"/>
+              </a:spcBef>
+              <a:spcAft>
+                <a:spcPts val="0"/>
+              </a:spcAft>
+              <a:buNone/>
+            </a:pPr>
+            <a:r>
+              <a:rPr lang="en" sz="1800">
+                <a:solidFill>
+                  <a:schemeClr val="lt1"/>
+                </a:solidFill>
+                <a:latin typeface="Times"/>
+                <a:ea typeface="Times"/>
+                <a:cs typeface="Times"/>
+                <a:sym typeface="Times"/>
+              </a:rPr>
+              <a:t>A</a:t>
+            </a:r>
+            <a:endParaRPr sz="1800">
+              <a:solidFill>
+                <a:schemeClr val="lt1"/>
+              </a:solidFill>
+              <a:latin typeface="Times"/>
+              <a:ea typeface="Times"/>
+              <a:cs typeface="Times"/>
+              <a:sym typeface="Times"/>
+            </a:endParaRPr>
+          </a:p>
+        </p:txBody>
+      </p:sp>
+      <p:sp>
+        <p:nvSpPr>
+          <p:cNvPr id="253" name="Google Shape;253;p30"/>
+          <p:cNvSpPr/>
+          <p:nvPr/>
+        </p:nvSpPr>
+        <p:spPr>
+          <a:xfrm>
+            <a:off x="694742" y="4109038"/>
+            <a:ext cx="104400" cy="724800"/>
+          </a:xfrm>
+          <a:prstGeom prst="downArrow">
+            <a:avLst>
+              <a:gd fmla="val 50000" name="adj1"/>
+              <a:gd fmla="val 50000" name="adj2"/>
+            </a:avLst>
+          </a:prstGeom>
+          <a:solidFill>
+            <a:srgbClr val="CC0000"/>
+          </a:solidFill>
+          <a:ln cap="flat" cmpd="sng" w="9525">
+            <a:solidFill>
+              <a:srgbClr val="000000"/>
+            </a:solidFill>
+            <a:prstDash val="solid"/>
+            <a:round/>
+            <a:headEnd len="sm" w="sm" type="none"/>
+            <a:tailEnd len="sm" w="sm" type="none"/>
+          </a:ln>
+        </p:spPr>
+        <p:txBody>
+          <a:bodyPr anchorCtr="0" anchor="ctr" bIns="91425" lIns="91425" spcFirstLastPara="1" rIns="91425" wrap="square" tIns="91425">
+            <a:noAutofit/>
+          </a:bodyPr>
+          <a:lstStyle/>
+          <a:p>
+            <a:pPr indent="0" lvl="0" marL="0" rtl="0" algn="l">
+              <a:spcBef>
+                <a:spcPts val="0"/>
+              </a:spcBef>
+              <a:spcAft>
+                <a:spcPts val="0"/>
+              </a:spcAft>
+              <a:buNone/>
+            </a:pPr>
+            <a:r>
+              <a:t/>
+            </a:r>
+            <a:endParaRPr/>
+          </a:p>
+        </p:txBody>
+      </p:sp>
+      <p:sp>
+        <p:nvSpPr>
+          <p:cNvPr id="254" name="Google Shape;254;p30"/>
+          <p:cNvSpPr/>
+          <p:nvPr/>
+        </p:nvSpPr>
+        <p:spPr>
+          <a:xfrm>
+            <a:off x="934509" y="4226139"/>
+            <a:ext cx="104400" cy="724800"/>
+          </a:xfrm>
+          <a:prstGeom prst="downArrow">
+            <a:avLst>
+              <a:gd fmla="val 50000" name="adj1"/>
+              <a:gd fmla="val 50000" name="adj2"/>
+            </a:avLst>
+          </a:prstGeom>
+          <a:solidFill>
+            <a:srgbClr val="CC0000"/>
+          </a:solidFill>
+          <a:ln cap="flat" cmpd="sng" w="9525">
+            <a:solidFill>
+              <a:srgbClr val="000000"/>
+            </a:solidFill>
+            <a:prstDash val="solid"/>
+            <a:round/>
+            <a:headEnd len="sm" w="sm" type="none"/>
+            <a:tailEnd len="sm" w="sm" type="none"/>
+          </a:ln>
+        </p:spPr>
+        <p:txBody>
+          <a:bodyPr anchorCtr="0" anchor="ctr" bIns="91425" lIns="91425" spcFirstLastPara="1" rIns="91425" wrap="square" tIns="91425">
+            <a:noAutofit/>
+          </a:bodyPr>
+          <a:lstStyle/>
+          <a:p>
+            <a:pPr indent="0" lvl="0" marL="0" rtl="0" algn="l">
+              <a:spcBef>
+                <a:spcPts val="0"/>
+              </a:spcBef>
+              <a:spcAft>
+                <a:spcPts val="0"/>
+              </a:spcAft>
+              <a:buNone/>
+            </a:pPr>
+            <a:r>
+              <a:t/>
+            </a:r>
+            <a:endParaRPr/>
+          </a:p>
+        </p:txBody>
+      </p:sp>
+      <p:sp>
+        <p:nvSpPr>
+          <p:cNvPr id="255" name="Google Shape;255;p30"/>
+          <p:cNvSpPr/>
+          <p:nvPr/>
+        </p:nvSpPr>
+        <p:spPr>
+          <a:xfrm>
+            <a:off x="1333397" y="4226139"/>
+            <a:ext cx="104400" cy="724800"/>
+          </a:xfrm>
+          <a:prstGeom prst="downArrow">
+            <a:avLst>
+              <a:gd fmla="val 50000" name="adj1"/>
+              <a:gd fmla="val 50000" name="adj2"/>
+            </a:avLst>
+          </a:prstGeom>
+          <a:solidFill>
+            <a:srgbClr val="CC0000"/>
+          </a:solidFill>
+          <a:ln cap="flat" cmpd="sng" w="9525">
+            <a:solidFill>
+              <a:srgbClr val="000000"/>
+            </a:solidFill>
+            <a:prstDash val="solid"/>
+            <a:round/>
+            <a:headEnd len="sm" w="sm" type="none"/>
+            <a:tailEnd len="sm" w="sm" type="none"/>
+          </a:ln>
+        </p:spPr>
+        <p:txBody>
+          <a:bodyPr anchorCtr="0" anchor="ctr" bIns="91425" lIns="91425" spcFirstLastPara="1" rIns="91425" wrap="square" tIns="91425">
+            <a:noAutofit/>
+          </a:bodyPr>
+          <a:lstStyle/>
+          <a:p>
+            <a:pPr indent="0" lvl="0" marL="0" rtl="0" algn="l">
+              <a:spcBef>
+                <a:spcPts val="0"/>
+              </a:spcBef>
+              <a:spcAft>
+                <a:spcPts val="0"/>
+              </a:spcAft>
+              <a:buNone/>
+            </a:pPr>
+            <a:r>
+              <a:t/>
+            </a:r>
+            <a:endParaRPr/>
+          </a:p>
+        </p:txBody>
+      </p:sp>
+      <p:sp>
+        <p:nvSpPr>
+          <p:cNvPr id="256" name="Google Shape;256;p30"/>
+          <p:cNvSpPr/>
+          <p:nvPr/>
+        </p:nvSpPr>
+        <p:spPr>
+          <a:xfrm>
+            <a:off x="1614167" y="4109038"/>
+            <a:ext cx="104400" cy="724800"/>
+          </a:xfrm>
+          <a:prstGeom prst="downArrow">
+            <a:avLst>
+              <a:gd fmla="val 50000" name="adj1"/>
+              <a:gd fmla="val 50000" name="adj2"/>
+            </a:avLst>
+          </a:prstGeom>
+          <a:solidFill>
+            <a:srgbClr val="CC0000"/>
+          </a:solidFill>
+          <a:ln cap="flat" cmpd="sng" w="9525">
+            <a:solidFill>
+              <a:srgbClr val="000000"/>
+            </a:solidFill>
+            <a:prstDash val="solid"/>
+            <a:round/>
+            <a:headEnd len="sm" w="sm" type="none"/>
+            <a:tailEnd len="sm" w="sm" type="none"/>
+          </a:ln>
+        </p:spPr>
+        <p:txBody>
+          <a:bodyPr anchorCtr="0" anchor="ctr" bIns="91425" lIns="91425" spcFirstLastPara="1" rIns="91425" wrap="square" tIns="91425">
+            <a:noAutofit/>
+          </a:bodyPr>
+          <a:lstStyle/>
+          <a:p>
+            <a:pPr indent="0" lvl="0" marL="0" rtl="0" algn="l">
+              <a:spcBef>
+                <a:spcPts val="0"/>
+              </a:spcBef>
+              <a:spcAft>
+                <a:spcPts val="0"/>
+              </a:spcAft>
+              <a:buNone/>
+            </a:pPr>
+            <a:r>
+              <a:t/>
+            </a:r>
+            <a:endParaRPr/>
+          </a:p>
+        </p:txBody>
+      </p:sp>
+      <p:sp>
+        <p:nvSpPr>
+          <p:cNvPr id="257" name="Google Shape;257;p30"/>
+          <p:cNvSpPr/>
+          <p:nvPr/>
+        </p:nvSpPr>
+        <p:spPr>
+          <a:xfrm>
+            <a:off x="2183403" y="2320675"/>
+            <a:ext cx="743700" cy="641100"/>
+          </a:xfrm>
+          <a:prstGeom prst="ellipse">
+            <a:avLst/>
+          </a:prstGeom>
+          <a:solidFill>
+            <a:srgbClr val="073763"/>
+          </a:solidFill>
+          <a:ln cap="flat" cmpd="sng" w="9525">
+            <a:solidFill>
+              <a:srgbClr val="000000"/>
+            </a:solidFill>
+            <a:prstDash val="solid"/>
+            <a:round/>
+            <a:headEnd len="sm" w="sm" type="none"/>
+            <a:tailEnd len="sm" w="sm" type="none"/>
+          </a:ln>
+        </p:spPr>
+        <p:txBody>
+          <a:bodyPr anchorCtr="0" anchor="ctr" bIns="91425" lIns="91425" spcFirstLastPara="1" rIns="91425" wrap="square" tIns="91425">
+            <a:noAutofit/>
+          </a:bodyPr>
+          <a:lstStyle/>
+          <a:p>
+            <a:pPr indent="0" lvl="0" marL="0" rtl="0" algn="ctr">
+              <a:spcBef>
+                <a:spcPts val="0"/>
+              </a:spcBef>
+              <a:spcAft>
+                <a:spcPts val="0"/>
+              </a:spcAft>
+              <a:buNone/>
+            </a:pPr>
+            <a:r>
+              <a:rPr lang="en" sz="1800">
+                <a:solidFill>
+                  <a:schemeClr val="lt1"/>
+                </a:solidFill>
+                <a:latin typeface="Times"/>
+                <a:ea typeface="Times"/>
+                <a:cs typeface="Times"/>
+                <a:sym typeface="Times"/>
+              </a:rPr>
+              <a:t>F</a:t>
+            </a:r>
+            <a:endParaRPr/>
+          </a:p>
+        </p:txBody>
+      </p:sp>
+      <p:sp>
+        <p:nvSpPr>
+          <p:cNvPr id="258" name="Google Shape;258;p30"/>
+          <p:cNvSpPr/>
+          <p:nvPr/>
+        </p:nvSpPr>
+        <p:spPr>
+          <a:xfrm rot="3914124">
+            <a:off x="633671" y="3123157"/>
+            <a:ext cx="341616" cy="224195"/>
+          </a:xfrm>
+          <a:prstGeom prst="rightArrow">
+            <a:avLst>
+              <a:gd fmla="val 50000" name="adj1"/>
+              <a:gd fmla="val 50000" name="adj2"/>
+            </a:avLst>
+          </a:prstGeom>
+          <a:solidFill>
+            <a:srgbClr val="1155CC"/>
+          </a:solidFill>
+          <a:ln cap="flat" cmpd="sng" w="9525">
+            <a:solidFill>
+              <a:srgbClr val="000000"/>
+            </a:solidFill>
+            <a:prstDash val="solid"/>
+            <a:round/>
+            <a:headEnd len="sm" w="sm" type="none"/>
+            <a:tailEnd len="sm" w="sm" type="none"/>
+          </a:ln>
+        </p:spPr>
+        <p:txBody>
+          <a:bodyPr anchorCtr="0" anchor="ctr" bIns="91425" lIns="91425" spcFirstLastPara="1" rIns="91425" wrap="square" tIns="91425">
+            <a:noAutofit/>
+          </a:bodyPr>
+          <a:lstStyle/>
+          <a:p>
+            <a:pPr indent="0" lvl="0" marL="0" rtl="0" algn="l">
+              <a:spcBef>
+                <a:spcPts val="0"/>
+              </a:spcBef>
+              <a:spcAft>
+                <a:spcPts val="0"/>
+              </a:spcAft>
+              <a:buNone/>
+            </a:pPr>
+            <a:r>
+              <a:t/>
+            </a:r>
+            <a:endParaRPr/>
+          </a:p>
+        </p:txBody>
+      </p:sp>
+      <p:sp>
+        <p:nvSpPr>
+          <p:cNvPr id="259" name="Google Shape;259;p30"/>
+          <p:cNvSpPr/>
+          <p:nvPr/>
+        </p:nvSpPr>
+        <p:spPr>
+          <a:xfrm>
+            <a:off x="3285834" y="2525936"/>
+            <a:ext cx="500100" cy="230700"/>
+          </a:xfrm>
+          <a:prstGeom prst="rightArrow">
+            <a:avLst>
+              <a:gd fmla="val 50000" name="adj1"/>
+              <a:gd fmla="val 50000" name="adj2"/>
+            </a:avLst>
+          </a:prstGeom>
+          <a:solidFill>
+            <a:srgbClr val="4A86E8"/>
+          </a:solidFill>
+          <a:ln cap="flat" cmpd="sng" w="9525">
+            <a:solidFill>
+              <a:srgbClr val="000000"/>
+            </a:solidFill>
+            <a:prstDash val="solid"/>
+            <a:round/>
+            <a:headEnd len="sm" w="sm" type="none"/>
+            <a:tailEnd len="sm" w="sm" type="none"/>
+          </a:ln>
+        </p:spPr>
+        <p:txBody>
+          <a:bodyPr anchorCtr="0" anchor="ctr" bIns="91425" lIns="91425" spcFirstLastPara="1" rIns="91425" wrap="square" tIns="91425">
+            <a:noAutofit/>
+          </a:bodyPr>
+          <a:lstStyle/>
+          <a:p>
+            <a:pPr indent="0" lvl="0" marL="0" rtl="0" algn="l">
+              <a:spcBef>
+                <a:spcPts val="0"/>
+              </a:spcBef>
+              <a:spcAft>
+                <a:spcPts val="0"/>
+              </a:spcAft>
+              <a:buNone/>
+            </a:pPr>
+            <a:r>
+              <a:t/>
+            </a:r>
+            <a:endParaRPr/>
+          </a:p>
+        </p:txBody>
+      </p:sp>
+      <p:sp>
+        <p:nvSpPr>
+          <p:cNvPr id="260" name="Google Shape;260;p30"/>
+          <p:cNvSpPr/>
+          <p:nvPr/>
+        </p:nvSpPr>
+        <p:spPr>
+          <a:xfrm>
+            <a:off x="4144963" y="2320675"/>
+            <a:ext cx="743700" cy="641100"/>
+          </a:xfrm>
+          <a:prstGeom prst="ellipse">
+            <a:avLst/>
+          </a:prstGeom>
+          <a:solidFill>
+            <a:srgbClr val="073763"/>
+          </a:solidFill>
+          <a:ln cap="flat" cmpd="sng" w="9525">
+            <a:solidFill>
+              <a:srgbClr val="000000"/>
+            </a:solidFill>
+            <a:prstDash val="solid"/>
+            <a:round/>
+            <a:headEnd len="sm" w="sm" type="none"/>
+            <a:tailEnd len="sm" w="sm" type="none"/>
+          </a:ln>
+        </p:spPr>
+        <p:txBody>
+          <a:bodyPr anchorCtr="0" anchor="ctr" bIns="91425" lIns="91425" spcFirstLastPara="1" rIns="91425" wrap="square" tIns="91425">
+            <a:noAutofit/>
+          </a:bodyPr>
+          <a:lstStyle/>
+          <a:p>
+            <a:pPr indent="0" lvl="0" marL="0" rtl="0" algn="ctr">
+              <a:spcBef>
+                <a:spcPts val="0"/>
+              </a:spcBef>
+              <a:spcAft>
+                <a:spcPts val="0"/>
+              </a:spcAft>
+              <a:buNone/>
+            </a:pPr>
+            <a:r>
+              <a:rPr lang="en" sz="1800">
+                <a:solidFill>
+                  <a:schemeClr val="lt1"/>
+                </a:solidFill>
+                <a:latin typeface="Times"/>
+                <a:ea typeface="Times"/>
+                <a:cs typeface="Times"/>
+                <a:sym typeface="Times"/>
+              </a:rPr>
+              <a:t>F</a:t>
+            </a:r>
+            <a:endParaRPr/>
+          </a:p>
+        </p:txBody>
+      </p:sp>
+      <p:sp>
+        <p:nvSpPr>
+          <p:cNvPr id="261" name="Google Shape;261;p30"/>
+          <p:cNvSpPr/>
+          <p:nvPr/>
+        </p:nvSpPr>
+        <p:spPr>
+          <a:xfrm>
+            <a:off x="5247394" y="2525936"/>
+            <a:ext cx="500100" cy="230700"/>
+          </a:xfrm>
+          <a:prstGeom prst="rightArrow">
+            <a:avLst>
+              <a:gd fmla="val 50000" name="adj1"/>
+              <a:gd fmla="val 50000" name="adj2"/>
+            </a:avLst>
+          </a:prstGeom>
+          <a:solidFill>
+            <a:srgbClr val="4A86E8"/>
+          </a:solidFill>
+          <a:ln cap="flat" cmpd="sng" w="9525">
+            <a:solidFill>
+              <a:srgbClr val="000000"/>
+            </a:solidFill>
+            <a:prstDash val="solid"/>
+            <a:round/>
+            <a:headEnd len="sm" w="sm" type="none"/>
+            <a:tailEnd len="sm" w="sm" type="none"/>
+          </a:ln>
+        </p:spPr>
+        <p:txBody>
+          <a:bodyPr anchorCtr="0" anchor="ctr" bIns="91425" lIns="91425" spcFirstLastPara="1" rIns="91425" wrap="square" tIns="91425">
+            <a:noAutofit/>
+          </a:bodyPr>
+          <a:lstStyle/>
+          <a:p>
+            <a:pPr indent="0" lvl="0" marL="0" rtl="0" algn="l">
+              <a:spcBef>
+                <a:spcPts val="0"/>
+              </a:spcBef>
+              <a:spcAft>
+                <a:spcPts val="0"/>
+              </a:spcAft>
+              <a:buNone/>
+            </a:pPr>
+            <a:r>
+              <a:t/>
+            </a:r>
+            <a:endParaRPr/>
+          </a:p>
+        </p:txBody>
+      </p:sp>
+      <p:sp>
+        <p:nvSpPr>
+          <p:cNvPr id="262" name="Google Shape;262;p30"/>
+          <p:cNvSpPr/>
+          <p:nvPr/>
+        </p:nvSpPr>
+        <p:spPr>
+          <a:xfrm>
+            <a:off x="6106522" y="2320675"/>
+            <a:ext cx="743700" cy="641100"/>
+          </a:xfrm>
+          <a:prstGeom prst="ellipse">
+            <a:avLst/>
+          </a:prstGeom>
+          <a:solidFill>
+            <a:srgbClr val="073763"/>
+          </a:solidFill>
+          <a:ln cap="flat" cmpd="sng" w="9525">
+            <a:solidFill>
+              <a:srgbClr val="000000"/>
+            </a:solidFill>
+            <a:prstDash val="solid"/>
+            <a:round/>
+            <a:headEnd len="sm" w="sm" type="none"/>
+            <a:tailEnd len="sm" w="sm" type="none"/>
+          </a:ln>
+        </p:spPr>
+        <p:txBody>
+          <a:bodyPr anchorCtr="0" anchor="ctr" bIns="91425" lIns="91425" spcFirstLastPara="1" rIns="91425" wrap="square" tIns="91425">
+            <a:noAutofit/>
+          </a:bodyPr>
+          <a:lstStyle/>
+          <a:p>
+            <a:pPr indent="0" lvl="0" marL="0" rtl="0" algn="ctr">
+              <a:spcBef>
+                <a:spcPts val="0"/>
+              </a:spcBef>
+              <a:spcAft>
+                <a:spcPts val="0"/>
+              </a:spcAft>
+              <a:buNone/>
+            </a:pPr>
+            <a:r>
+              <a:rPr lang="en" sz="1800">
+                <a:solidFill>
+                  <a:schemeClr val="lt1"/>
+                </a:solidFill>
+                <a:latin typeface="Times"/>
+                <a:ea typeface="Times"/>
+                <a:cs typeface="Times"/>
+                <a:sym typeface="Times"/>
+              </a:rPr>
+              <a:t>F</a:t>
+            </a:r>
+            <a:endParaRPr/>
+          </a:p>
+        </p:txBody>
+      </p:sp>
+      <p:sp>
+        <p:nvSpPr>
+          <p:cNvPr id="263" name="Google Shape;263;p30"/>
+          <p:cNvSpPr/>
+          <p:nvPr/>
+        </p:nvSpPr>
+        <p:spPr>
+          <a:xfrm rot="3914124">
+            <a:off x="2579574" y="3123157"/>
+            <a:ext cx="341616" cy="224195"/>
+          </a:xfrm>
+          <a:prstGeom prst="rightArrow">
+            <a:avLst>
+              <a:gd fmla="val 50000" name="adj1"/>
+              <a:gd fmla="val 50000" name="adj2"/>
+            </a:avLst>
+          </a:prstGeom>
+          <a:solidFill>
+            <a:srgbClr val="1155CC"/>
+          </a:solidFill>
+          <a:ln cap="flat" cmpd="sng" w="9525">
+            <a:solidFill>
+              <a:srgbClr val="000000"/>
+            </a:solidFill>
+            <a:prstDash val="solid"/>
+            <a:round/>
+            <a:headEnd len="sm" w="sm" type="none"/>
+            <a:tailEnd len="sm" w="sm" type="none"/>
+          </a:ln>
+        </p:spPr>
+        <p:txBody>
+          <a:bodyPr anchorCtr="0" anchor="ctr" bIns="91425" lIns="91425" spcFirstLastPara="1" rIns="91425" wrap="square" tIns="91425">
+            <a:noAutofit/>
+          </a:bodyPr>
+          <a:lstStyle/>
+          <a:p>
+            <a:pPr indent="0" lvl="0" marL="0" rtl="0" algn="l">
+              <a:spcBef>
+                <a:spcPts val="0"/>
+              </a:spcBef>
+              <a:spcAft>
+                <a:spcPts val="0"/>
+              </a:spcAft>
+              <a:buNone/>
+            </a:pPr>
+            <a:r>
+              <a:t/>
+            </a:r>
+            <a:endParaRPr/>
+          </a:p>
+        </p:txBody>
+      </p:sp>
+      <p:sp>
+        <p:nvSpPr>
+          <p:cNvPr id="264" name="Google Shape;264;p30"/>
+          <p:cNvSpPr/>
+          <p:nvPr/>
+        </p:nvSpPr>
+        <p:spPr>
+          <a:xfrm rot="3914124">
+            <a:off x="4541134" y="3123157"/>
+            <a:ext cx="341616" cy="224195"/>
+          </a:xfrm>
+          <a:prstGeom prst="rightArrow">
+            <a:avLst>
+              <a:gd fmla="val 50000" name="adj1"/>
+              <a:gd fmla="val 50000" name="adj2"/>
+            </a:avLst>
+          </a:prstGeom>
+          <a:solidFill>
+            <a:srgbClr val="1155CC"/>
+          </a:solidFill>
+          <a:ln cap="flat" cmpd="sng" w="9525">
+            <a:solidFill>
+              <a:srgbClr val="000000"/>
+            </a:solidFill>
+            <a:prstDash val="solid"/>
+            <a:round/>
+            <a:headEnd len="sm" w="sm" type="none"/>
+            <a:tailEnd len="sm" w="sm" type="none"/>
+          </a:ln>
+        </p:spPr>
+        <p:txBody>
+          <a:bodyPr anchorCtr="0" anchor="ctr" bIns="91425" lIns="91425" spcFirstLastPara="1" rIns="91425" wrap="square" tIns="91425">
+            <a:noAutofit/>
+          </a:bodyPr>
+          <a:lstStyle/>
+          <a:p>
+            <a:pPr indent="0" lvl="0" marL="0" rtl="0" algn="l">
+              <a:spcBef>
+                <a:spcPts val="0"/>
+              </a:spcBef>
+              <a:spcAft>
+                <a:spcPts val="0"/>
+              </a:spcAft>
+              <a:buNone/>
+            </a:pPr>
+            <a:r>
+              <a:t/>
+            </a:r>
+            <a:endParaRPr/>
+          </a:p>
+        </p:txBody>
+      </p:sp>
+      <p:sp>
+        <p:nvSpPr>
+          <p:cNvPr id="265" name="Google Shape;265;p30"/>
+          <p:cNvSpPr/>
+          <p:nvPr/>
+        </p:nvSpPr>
+        <p:spPr>
+          <a:xfrm>
+            <a:off x="2609428" y="3536022"/>
+            <a:ext cx="1157100" cy="466200"/>
+          </a:xfrm>
+          <a:prstGeom prst="ellipse">
+            <a:avLst/>
+          </a:prstGeom>
+          <a:solidFill>
+            <a:srgbClr val="CC0000"/>
+          </a:solidFill>
+          <a:ln cap="flat" cmpd="sng" w="9525">
+            <a:solidFill>
+              <a:srgbClr val="000000"/>
+            </a:solidFill>
+            <a:prstDash val="solid"/>
+            <a:round/>
+            <a:headEnd len="sm" w="sm" type="none"/>
+            <a:tailEnd len="sm" w="sm" type="none"/>
+          </a:ln>
+        </p:spPr>
+        <p:txBody>
+          <a:bodyPr anchorCtr="0" anchor="ctr" bIns="91425" lIns="91425" spcFirstLastPara="1" rIns="91425" wrap="square" tIns="91425">
+            <a:noAutofit/>
+          </a:bodyPr>
+          <a:lstStyle/>
+          <a:p>
+            <a:pPr indent="0" lvl="0" marL="0" rtl="0" algn="ctr">
+              <a:spcBef>
+                <a:spcPts val="0"/>
+              </a:spcBef>
+              <a:spcAft>
+                <a:spcPts val="0"/>
+              </a:spcAft>
+              <a:buNone/>
+            </a:pPr>
+            <a:r>
+              <a:rPr lang="en" sz="1800">
+                <a:solidFill>
+                  <a:schemeClr val="lt1"/>
+                </a:solidFill>
+                <a:latin typeface="Times"/>
+                <a:ea typeface="Times"/>
+                <a:cs typeface="Times"/>
+                <a:sym typeface="Times"/>
+              </a:rPr>
+              <a:t>A</a:t>
+            </a:r>
+            <a:endParaRPr sz="1800">
+              <a:solidFill>
+                <a:schemeClr val="lt1"/>
+              </a:solidFill>
+              <a:latin typeface="Times"/>
+              <a:ea typeface="Times"/>
+              <a:cs typeface="Times"/>
+              <a:sym typeface="Times"/>
+            </a:endParaRPr>
+          </a:p>
+        </p:txBody>
+      </p:sp>
+      <p:sp>
+        <p:nvSpPr>
+          <p:cNvPr id="266" name="Google Shape;266;p30"/>
+          <p:cNvSpPr/>
+          <p:nvPr/>
+        </p:nvSpPr>
+        <p:spPr>
+          <a:xfrm>
+            <a:off x="2676070" y="4092638"/>
+            <a:ext cx="104400" cy="724800"/>
+          </a:xfrm>
+          <a:prstGeom prst="downArrow">
+            <a:avLst>
+              <a:gd fmla="val 50000" name="adj1"/>
+              <a:gd fmla="val 50000" name="adj2"/>
+            </a:avLst>
+          </a:prstGeom>
+          <a:solidFill>
+            <a:srgbClr val="CC0000"/>
+          </a:solidFill>
+          <a:ln cap="flat" cmpd="sng" w="9525">
+            <a:solidFill>
+              <a:srgbClr val="000000"/>
+            </a:solidFill>
+            <a:prstDash val="solid"/>
+            <a:round/>
+            <a:headEnd len="sm" w="sm" type="none"/>
+            <a:tailEnd len="sm" w="sm" type="none"/>
+          </a:ln>
+        </p:spPr>
+        <p:txBody>
+          <a:bodyPr anchorCtr="0" anchor="ctr" bIns="91425" lIns="91425" spcFirstLastPara="1" rIns="91425" wrap="square" tIns="91425">
+            <a:noAutofit/>
+          </a:bodyPr>
+          <a:lstStyle/>
+          <a:p>
+            <a:pPr indent="0" lvl="0" marL="0" rtl="0" algn="l">
+              <a:spcBef>
+                <a:spcPts val="0"/>
+              </a:spcBef>
+              <a:spcAft>
+                <a:spcPts val="0"/>
+              </a:spcAft>
+              <a:buNone/>
+            </a:pPr>
+            <a:r>
+              <a:t/>
+            </a:r>
+            <a:endParaRPr/>
+          </a:p>
+        </p:txBody>
+      </p:sp>
+      <p:sp>
+        <p:nvSpPr>
+          <p:cNvPr id="267" name="Google Shape;267;p30"/>
+          <p:cNvSpPr/>
+          <p:nvPr/>
+        </p:nvSpPr>
+        <p:spPr>
+          <a:xfrm>
+            <a:off x="2915838" y="4209739"/>
+            <a:ext cx="104400" cy="724800"/>
+          </a:xfrm>
+          <a:prstGeom prst="downArrow">
+            <a:avLst>
+              <a:gd fmla="val 50000" name="adj1"/>
+              <a:gd fmla="val 50000" name="adj2"/>
+            </a:avLst>
+          </a:prstGeom>
+          <a:solidFill>
+            <a:srgbClr val="CC0000"/>
+          </a:solidFill>
+          <a:ln cap="flat" cmpd="sng" w="9525">
+            <a:solidFill>
+              <a:srgbClr val="000000"/>
+            </a:solidFill>
+            <a:prstDash val="solid"/>
+            <a:round/>
+            <a:headEnd len="sm" w="sm" type="none"/>
+            <a:tailEnd len="sm" w="sm" type="none"/>
+          </a:ln>
+        </p:spPr>
+        <p:txBody>
+          <a:bodyPr anchorCtr="0" anchor="ctr" bIns="91425" lIns="91425" spcFirstLastPara="1" rIns="91425" wrap="square" tIns="91425">
+            <a:noAutofit/>
+          </a:bodyPr>
+          <a:lstStyle/>
+          <a:p>
+            <a:pPr indent="0" lvl="0" marL="0" rtl="0" algn="l">
+              <a:spcBef>
+                <a:spcPts val="0"/>
+              </a:spcBef>
+              <a:spcAft>
+                <a:spcPts val="0"/>
+              </a:spcAft>
+              <a:buNone/>
+            </a:pPr>
+            <a:r>
+              <a:t/>
+            </a:r>
+            <a:endParaRPr/>
+          </a:p>
+        </p:txBody>
+      </p:sp>
+      <p:sp>
+        <p:nvSpPr>
+          <p:cNvPr id="268" name="Google Shape;268;p30"/>
+          <p:cNvSpPr/>
+          <p:nvPr/>
+        </p:nvSpPr>
+        <p:spPr>
+          <a:xfrm>
+            <a:off x="3314726" y="4209739"/>
+            <a:ext cx="104400" cy="724800"/>
+          </a:xfrm>
+          <a:prstGeom prst="downArrow">
+            <a:avLst>
+              <a:gd fmla="val 50000" name="adj1"/>
+              <a:gd fmla="val 50000" name="adj2"/>
+            </a:avLst>
+          </a:prstGeom>
+          <a:solidFill>
+            <a:srgbClr val="CC0000"/>
+          </a:solidFill>
+          <a:ln cap="flat" cmpd="sng" w="9525">
+            <a:solidFill>
+              <a:srgbClr val="000000"/>
+            </a:solidFill>
+            <a:prstDash val="solid"/>
+            <a:round/>
+            <a:headEnd len="sm" w="sm" type="none"/>
+            <a:tailEnd len="sm" w="sm" type="none"/>
+          </a:ln>
+        </p:spPr>
+        <p:txBody>
+          <a:bodyPr anchorCtr="0" anchor="ctr" bIns="91425" lIns="91425" spcFirstLastPara="1" rIns="91425" wrap="square" tIns="91425">
+            <a:noAutofit/>
+          </a:bodyPr>
+          <a:lstStyle/>
+          <a:p>
+            <a:pPr indent="0" lvl="0" marL="0" rtl="0" algn="l">
+              <a:spcBef>
+                <a:spcPts val="0"/>
+              </a:spcBef>
+              <a:spcAft>
+                <a:spcPts val="0"/>
+              </a:spcAft>
+              <a:buNone/>
+            </a:pPr>
+            <a:r>
+              <a:t/>
+            </a:r>
+            <a:endParaRPr/>
+          </a:p>
+        </p:txBody>
+      </p:sp>
+      <p:sp>
+        <p:nvSpPr>
+          <p:cNvPr id="269" name="Google Shape;269;p30"/>
+          <p:cNvSpPr/>
+          <p:nvPr/>
+        </p:nvSpPr>
+        <p:spPr>
+          <a:xfrm>
+            <a:off x="3595496" y="4092638"/>
+            <a:ext cx="104400" cy="724800"/>
+          </a:xfrm>
+          <a:prstGeom prst="downArrow">
+            <a:avLst>
+              <a:gd fmla="val 50000" name="adj1"/>
+              <a:gd fmla="val 50000" name="adj2"/>
+            </a:avLst>
+          </a:prstGeom>
+          <a:solidFill>
+            <a:srgbClr val="CC0000"/>
+          </a:solidFill>
+          <a:ln cap="flat" cmpd="sng" w="9525">
+            <a:solidFill>
+              <a:srgbClr val="000000"/>
+            </a:solidFill>
+            <a:prstDash val="solid"/>
+            <a:round/>
+            <a:headEnd len="sm" w="sm" type="none"/>
+            <a:tailEnd len="sm" w="sm" type="none"/>
+          </a:ln>
+        </p:spPr>
+        <p:txBody>
+          <a:bodyPr anchorCtr="0" anchor="ctr" bIns="91425" lIns="91425" spcFirstLastPara="1" rIns="91425" wrap="square" tIns="91425">
+            <a:noAutofit/>
+          </a:bodyPr>
+          <a:lstStyle/>
+          <a:p>
+            <a:pPr indent="0" lvl="0" marL="0" rtl="0" algn="l">
+              <a:spcBef>
+                <a:spcPts val="0"/>
+              </a:spcBef>
+              <a:spcAft>
+                <a:spcPts val="0"/>
+              </a:spcAft>
+              <a:buNone/>
+            </a:pPr>
+            <a:r>
+              <a:t/>
+            </a:r>
+            <a:endParaRPr/>
+          </a:p>
+        </p:txBody>
+      </p:sp>
+      <p:sp>
+        <p:nvSpPr>
+          <p:cNvPr id="270" name="Google Shape;270;p30"/>
+          <p:cNvSpPr/>
+          <p:nvPr/>
+        </p:nvSpPr>
+        <p:spPr>
+          <a:xfrm>
+            <a:off x="4590762" y="3536022"/>
+            <a:ext cx="1157100" cy="466200"/>
+          </a:xfrm>
+          <a:prstGeom prst="ellipse">
+            <a:avLst/>
+          </a:prstGeom>
+          <a:solidFill>
+            <a:srgbClr val="CC0000"/>
+          </a:solidFill>
+          <a:ln cap="flat" cmpd="sng" w="9525">
+            <a:solidFill>
+              <a:srgbClr val="000000"/>
+            </a:solidFill>
+            <a:prstDash val="solid"/>
+            <a:round/>
+            <a:headEnd len="sm" w="sm" type="none"/>
+            <a:tailEnd len="sm" w="sm" type="none"/>
+          </a:ln>
+        </p:spPr>
+        <p:txBody>
+          <a:bodyPr anchorCtr="0" anchor="ctr" bIns="91425" lIns="91425" spcFirstLastPara="1" rIns="91425" wrap="square" tIns="91425">
+            <a:noAutofit/>
+          </a:bodyPr>
+          <a:lstStyle/>
+          <a:p>
+            <a:pPr indent="0" lvl="0" marL="0" rtl="0" algn="ctr">
+              <a:spcBef>
+                <a:spcPts val="0"/>
+              </a:spcBef>
+              <a:spcAft>
+                <a:spcPts val="0"/>
+              </a:spcAft>
+              <a:buNone/>
+            </a:pPr>
+            <a:r>
+              <a:rPr lang="en" sz="1800">
+                <a:solidFill>
+                  <a:schemeClr val="lt1"/>
+                </a:solidFill>
+                <a:latin typeface="Times"/>
+                <a:ea typeface="Times"/>
+                <a:cs typeface="Times"/>
+                <a:sym typeface="Times"/>
+              </a:rPr>
+              <a:t>A</a:t>
+            </a:r>
+            <a:endParaRPr sz="1800">
+              <a:solidFill>
+                <a:schemeClr val="lt1"/>
+              </a:solidFill>
+              <a:latin typeface="Times"/>
+              <a:ea typeface="Times"/>
+              <a:cs typeface="Times"/>
+              <a:sym typeface="Times"/>
+            </a:endParaRPr>
+          </a:p>
+        </p:txBody>
+      </p:sp>
+      <p:sp>
+        <p:nvSpPr>
+          <p:cNvPr id="271" name="Google Shape;271;p30"/>
+          <p:cNvSpPr/>
+          <p:nvPr/>
+        </p:nvSpPr>
+        <p:spPr>
+          <a:xfrm>
+            <a:off x="4657392" y="4109038"/>
+            <a:ext cx="104400" cy="724800"/>
+          </a:xfrm>
+          <a:prstGeom prst="downArrow">
+            <a:avLst>
+              <a:gd fmla="val 50000" name="adj1"/>
+              <a:gd fmla="val 50000" name="adj2"/>
+            </a:avLst>
+          </a:prstGeom>
+          <a:solidFill>
+            <a:srgbClr val="CC0000"/>
+          </a:solidFill>
+          <a:ln cap="flat" cmpd="sng" w="9525">
+            <a:solidFill>
+              <a:srgbClr val="000000"/>
+            </a:solidFill>
+            <a:prstDash val="solid"/>
+            <a:round/>
+            <a:headEnd len="sm" w="sm" type="none"/>
+            <a:tailEnd len="sm" w="sm" type="none"/>
+          </a:ln>
+        </p:spPr>
+        <p:txBody>
+          <a:bodyPr anchorCtr="0" anchor="ctr" bIns="91425" lIns="91425" spcFirstLastPara="1" rIns="91425" wrap="square" tIns="91425">
+            <a:noAutofit/>
+          </a:bodyPr>
+          <a:lstStyle/>
+          <a:p>
+            <a:pPr indent="0" lvl="0" marL="0" rtl="0" algn="l">
+              <a:spcBef>
+                <a:spcPts val="0"/>
+              </a:spcBef>
+              <a:spcAft>
+                <a:spcPts val="0"/>
+              </a:spcAft>
+              <a:buNone/>
+            </a:pPr>
+            <a:r>
+              <a:t/>
+            </a:r>
+            <a:endParaRPr/>
+          </a:p>
+        </p:txBody>
+      </p:sp>
+      <p:sp>
+        <p:nvSpPr>
+          <p:cNvPr id="272" name="Google Shape;272;p30"/>
+          <p:cNvSpPr/>
+          <p:nvPr/>
+        </p:nvSpPr>
+        <p:spPr>
+          <a:xfrm>
+            <a:off x="4897160" y="4226139"/>
+            <a:ext cx="104400" cy="724800"/>
+          </a:xfrm>
+          <a:prstGeom prst="downArrow">
+            <a:avLst>
+              <a:gd fmla="val 50000" name="adj1"/>
+              <a:gd fmla="val 50000" name="adj2"/>
+            </a:avLst>
+          </a:prstGeom>
+          <a:solidFill>
+            <a:srgbClr val="CC0000"/>
+          </a:solidFill>
+          <a:ln cap="flat" cmpd="sng" w="9525">
+            <a:solidFill>
+              <a:srgbClr val="000000"/>
+            </a:solidFill>
+            <a:prstDash val="solid"/>
+            <a:round/>
+            <a:headEnd len="sm" w="sm" type="none"/>
+            <a:tailEnd len="sm" w="sm" type="none"/>
+          </a:ln>
+        </p:spPr>
+        <p:txBody>
+          <a:bodyPr anchorCtr="0" anchor="ctr" bIns="91425" lIns="91425" spcFirstLastPara="1" rIns="91425" wrap="square" tIns="91425">
+            <a:noAutofit/>
+          </a:bodyPr>
+          <a:lstStyle/>
+          <a:p>
+            <a:pPr indent="0" lvl="0" marL="0" rtl="0" algn="l">
+              <a:spcBef>
+                <a:spcPts val="0"/>
+              </a:spcBef>
+              <a:spcAft>
+                <a:spcPts val="0"/>
+              </a:spcAft>
+              <a:buNone/>
+            </a:pPr>
+            <a:r>
+              <a:t/>
+            </a:r>
+            <a:endParaRPr/>
+          </a:p>
+        </p:txBody>
+      </p:sp>
+      <p:sp>
+        <p:nvSpPr>
+          <p:cNvPr id="273" name="Google Shape;273;p30"/>
+          <p:cNvSpPr/>
+          <p:nvPr/>
+        </p:nvSpPr>
+        <p:spPr>
+          <a:xfrm>
+            <a:off x="5296048" y="4226139"/>
+            <a:ext cx="104400" cy="724800"/>
+          </a:xfrm>
+          <a:prstGeom prst="downArrow">
+            <a:avLst>
+              <a:gd fmla="val 50000" name="adj1"/>
+              <a:gd fmla="val 50000" name="adj2"/>
+            </a:avLst>
+          </a:prstGeom>
+          <a:solidFill>
+            <a:srgbClr val="CC0000"/>
+          </a:solidFill>
+          <a:ln cap="flat" cmpd="sng" w="9525">
+            <a:solidFill>
+              <a:srgbClr val="000000"/>
+            </a:solidFill>
+            <a:prstDash val="solid"/>
+            <a:round/>
+            <a:headEnd len="sm" w="sm" type="none"/>
+            <a:tailEnd len="sm" w="sm" type="none"/>
+          </a:ln>
+        </p:spPr>
+        <p:txBody>
+          <a:bodyPr anchorCtr="0" anchor="ctr" bIns="91425" lIns="91425" spcFirstLastPara="1" rIns="91425" wrap="square" tIns="91425">
+            <a:noAutofit/>
+          </a:bodyPr>
+          <a:lstStyle/>
+          <a:p>
+            <a:pPr indent="0" lvl="0" marL="0" rtl="0" algn="l">
+              <a:spcBef>
+                <a:spcPts val="0"/>
+              </a:spcBef>
+              <a:spcAft>
+                <a:spcPts val="0"/>
+              </a:spcAft>
+              <a:buNone/>
+            </a:pPr>
+            <a:r>
+              <a:t/>
+            </a:r>
+            <a:endParaRPr/>
+          </a:p>
+        </p:txBody>
+      </p:sp>
+      <p:sp>
+        <p:nvSpPr>
+          <p:cNvPr id="274" name="Google Shape;274;p30"/>
+          <p:cNvSpPr/>
+          <p:nvPr/>
+        </p:nvSpPr>
+        <p:spPr>
+          <a:xfrm>
+            <a:off x="5576818" y="4109038"/>
+            <a:ext cx="104400" cy="724800"/>
+          </a:xfrm>
+          <a:prstGeom prst="downArrow">
+            <a:avLst>
+              <a:gd fmla="val 50000" name="adj1"/>
+              <a:gd fmla="val 50000" name="adj2"/>
+            </a:avLst>
+          </a:prstGeom>
+          <a:solidFill>
+            <a:srgbClr val="CC0000"/>
+          </a:solidFill>
+          <a:ln cap="flat" cmpd="sng" w="9525">
+            <a:solidFill>
+              <a:srgbClr val="000000"/>
+            </a:solidFill>
+            <a:prstDash val="solid"/>
+            <a:round/>
+            <a:headEnd len="sm" w="sm" type="none"/>
+            <a:tailEnd len="sm" w="sm" type="none"/>
+          </a:ln>
+        </p:spPr>
+        <p:txBody>
+          <a:bodyPr anchorCtr="0" anchor="ctr" bIns="91425" lIns="91425" spcFirstLastPara="1" rIns="91425" wrap="square" tIns="91425">
+            <a:noAutofit/>
+          </a:bodyPr>
+          <a:lstStyle/>
+          <a:p>
+            <a:pPr indent="0" lvl="0" marL="0" rtl="0" algn="l">
+              <a:spcBef>
+                <a:spcPts val="0"/>
+              </a:spcBef>
+              <a:spcAft>
+                <a:spcPts val="0"/>
+              </a:spcAft>
+              <a:buNone/>
+            </a:pPr>
+            <a:r>
+              <a:t/>
+            </a:r>
+            <a:endParaRPr/>
+          </a:p>
+        </p:txBody>
+      </p:sp>
+      <p:sp>
+        <p:nvSpPr>
+          <p:cNvPr id="275" name="Google Shape;275;p30"/>
           <p:cNvSpPr txBox="1"/>
           <p:nvPr/>
         </p:nvSpPr>
         <p:spPr>
           <a:xfrm>
-            <a:off x="872525" y="951925"/>
-            <a:ext cx="6489900" cy="2248800"/>
+            <a:off x="6989350" y="2432657"/>
+            <a:ext cx="658200" cy="461700"/>
           </a:xfrm>
           <a:prstGeom prst="rect">
             <a:avLst/>
@@ -11725,19 +13147,14 @@
           </a:bodyPr>
           <a:lstStyle/>
           <a:p>
-            <a:pPr indent="-342900" lvl="0" marL="457200" rtl="0" algn="l">
-              <a:lnSpc>
-                <a:spcPct val="150000"/>
-              </a:lnSpc>
-              <a:spcBef>
-                <a:spcPts val="0"/>
-              </a:spcBef>
-              <a:spcAft>
-                <a:spcPts val="0"/>
-              </a:spcAft>
-              <a:buSzPts val="1800"/>
-              <a:buFont typeface="Times"/>
-              <a:buChar char="●"/>
+            <a:pPr indent="0" lvl="0" marL="0" rtl="0" algn="l">
+              <a:spcBef>
+                <a:spcPts val="0"/>
+              </a:spcBef>
+              <a:spcAft>
+                <a:spcPts val="0"/>
+              </a:spcAft>
+              <a:buNone/>
             </a:pPr>
             <a:r>
               <a:rPr lang="en" sz="1800">
@@ -11746,7 +13163,7 @@
                 <a:cs typeface="Times"/>
                 <a:sym typeface="Times"/>
               </a:rPr>
-              <a:t>Output dust generati: 2 893 877;</a:t>
+              <a:t>.  .  .</a:t>
             </a:r>
             <a:endParaRPr sz="1800">
               <a:latin typeface="Times"/>
@@ -11755,10 +13172,36 @@
               <a:sym typeface="Times"/>
             </a:endParaRPr>
           </a:p>
+        </p:txBody>
+      </p:sp>
+      <p:sp>
+        <p:nvSpPr>
+          <p:cNvPr id="276" name="Google Shape;276;p30"/>
+          <p:cNvSpPr txBox="1"/>
+          <p:nvPr/>
+        </p:nvSpPr>
+        <p:spPr>
+          <a:xfrm>
+            <a:off x="627775" y="1206450"/>
+            <a:ext cx="6596400" cy="780300"/>
+          </a:xfrm>
+          <a:prstGeom prst="rect">
+            <a:avLst/>
+          </a:prstGeom>
+          <a:noFill/>
+          <a:ln>
+            <a:noFill/>
+          </a:ln>
+        </p:spPr>
+        <p:txBody>
+          <a:bodyPr anchorCtr="0" anchor="t" bIns="91425" lIns="91425" spcFirstLastPara="1" rIns="91425" wrap="square" tIns="91425">
+            <a:spAutoFit/>
+          </a:bodyPr>
+          <a:lstStyle/>
           <a:p>
             <a:pPr indent="-342900" lvl="0" marL="457200" rtl="0" algn="l">
               <a:lnSpc>
-                <a:spcPct val="150000"/>
+                <a:spcPct val="115000"/>
               </a:lnSpc>
               <a:spcBef>
                 <a:spcPts val="0"/>
@@ -11767,7 +13210,7 @@
                 <a:spcPts val="0"/>
               </a:spcAft>
               <a:buSzPts val="1800"/>
-              <a:buFont typeface="Times"/>
+              <a:buFont typeface="Karla"/>
               <a:buChar char="●"/>
             </a:pPr>
             <a:r>
@@ -11777,17 +13220,35 @@
                 <a:cs typeface="Times"/>
                 <a:sym typeface="Times"/>
               </a:rPr>
-              <a:t>Gli indirizzi destinatari sono 1 059 836:</a:t>
+              <a:t>Attaccante</a:t>
+            </a:r>
+            <a:r>
+              <a:rPr i="1" lang="en" sz="1800">
+                <a:latin typeface="Karla"/>
+                <a:ea typeface="Karla"/>
+                <a:cs typeface="Karla"/>
+                <a:sym typeface="Karla"/>
+              </a:rPr>
+              <a:t>: 1DiRy9Giiq1GCkAD7VMSrXoKVe2dimnovm</a:t>
+            </a:r>
+            <a:r>
+              <a:rPr lang="en" sz="1800">
+                <a:latin typeface="Karla"/>
+                <a:ea typeface="Karla"/>
+                <a:cs typeface="Karla"/>
+                <a:sym typeface="Karla"/>
+              </a:rPr>
+              <a:t>;</a:t>
             </a:r>
             <a:endParaRPr sz="1800">
-              <a:latin typeface="Times"/>
-              <a:ea typeface="Times"/>
-              <a:cs typeface="Times"/>
-              <a:sym typeface="Times"/>
+              <a:latin typeface="Karla"/>
+              <a:ea typeface="Karla"/>
+              <a:cs typeface="Karla"/>
+              <a:sym typeface="Karla"/>
             </a:endParaRPr>
           </a:p>
           <a:p>
-            <a:pPr indent="-342900" lvl="1" marL="914400" rtl="0" algn="l">
+            <a:pPr indent="-342900" lvl="0" marL="457200" rtl="0" algn="l">
               <a:lnSpc>
                 <a:spcPct val="115000"/>
               </a:lnSpc>
@@ -11798,8 +13259,8 @@
                 <a:spcPts val="0"/>
               </a:spcAft>
               <a:buSzPts val="1800"/>
-              <a:buFont typeface="Times"/>
-              <a:buChar char="○"/>
+              <a:buFont typeface="Karla"/>
+              <a:buChar char="●"/>
             </a:pPr>
             <a:r>
               <a:rPr lang="en" sz="1800">
@@ -11808,30 +13269,26 @@
                 <a:cs typeface="Times"/>
                 <a:sym typeface="Times"/>
               </a:rPr>
-              <a:t>312 114 indirizzi (29 % dei destinatari) hanno speso il dust;</a:t>
-            </a:r>
-            <a:endParaRPr sz="1800">
-              <a:latin typeface="Times"/>
-              <a:ea typeface="Times"/>
-              <a:cs typeface="Times"/>
-              <a:sym typeface="Times"/>
-            </a:endParaRPr>
-          </a:p>
-          <a:p>
-            <a:pPr indent="-342900" lvl="1" marL="914400" rtl="0" algn="l">
-              <a:lnSpc>
-                <a:spcPct val="115000"/>
-              </a:lnSpc>
-              <a:spcBef>
-                <a:spcPts val="0"/>
-              </a:spcBef>
-              <a:spcAft>
-                <a:spcPts val="0"/>
-              </a:spcAft>
-              <a:buSzPts val="1800"/>
-              <a:buFont typeface="Times"/>
-              <a:buChar char="○"/>
-            </a:pPr>
+              <a:t>Finanziatore</a:t>
+            </a:r>
+            <a:r>
+              <a:rPr i="1" lang="en" sz="1800">
+                <a:latin typeface="Karla"/>
+                <a:ea typeface="Karla"/>
+                <a:cs typeface="Karla"/>
+                <a:sym typeface="Karla"/>
+              </a:rPr>
+              <a:t>: </a:t>
+            </a:r>
+            <a:r>
+              <a:rPr i="1" lang="en" sz="1800">
+                <a:latin typeface="Times"/>
+                <a:ea typeface="Times"/>
+                <a:cs typeface="Times"/>
+                <a:sym typeface="Times"/>
+              </a:rPr>
+              <a:t>1Nj3AsYfhHC4zVv1HHH4FzsYWeZSeVC8vj</a:t>
+            </a:r>
             <a:r>
               <a:rPr lang="en" sz="1800">
                 <a:latin typeface="Times"/>
@@ -11839,122 +13296,7 @@
                 <a:cs typeface="Times"/>
                 <a:sym typeface="Times"/>
               </a:rPr>
-              <a:t>259 252 indirizzi (83 % di chi ha speso il dust) lo hanno speso nella categoria “2+ Indirizzi”.</a:t>
-            </a:r>
-            <a:endParaRPr sz="1800">
-              <a:latin typeface="Times"/>
-              <a:ea typeface="Times"/>
-              <a:cs typeface="Times"/>
-              <a:sym typeface="Times"/>
-            </a:endParaRPr>
-          </a:p>
-        </p:txBody>
-      </p:sp>
-      <p:sp>
-        <p:nvSpPr>
-          <p:cNvPr id="251" name="Google Shape;251;p30"/>
-          <p:cNvSpPr txBox="1"/>
-          <p:nvPr/>
-        </p:nvSpPr>
-        <p:spPr>
-          <a:xfrm>
-            <a:off x="872525" y="3331750"/>
-            <a:ext cx="6659400" cy="1417500"/>
-          </a:xfrm>
-          <a:prstGeom prst="rect">
-            <a:avLst/>
-          </a:prstGeom>
-          <a:noFill/>
-          <a:ln>
-            <a:noFill/>
-          </a:ln>
-        </p:spPr>
-        <p:txBody>
-          <a:bodyPr anchorCtr="0" anchor="t" bIns="91425" lIns="91425" spcFirstLastPara="1" rIns="91425" wrap="square" tIns="91425">
-            <a:spAutoFit/>
-          </a:bodyPr>
-          <a:lstStyle/>
-          <a:p>
-            <a:pPr indent="-342900" lvl="0" marL="457200" rtl="0" algn="l">
-              <a:lnSpc>
-                <a:spcPct val="115000"/>
-              </a:lnSpc>
-              <a:spcBef>
-                <a:spcPts val="0"/>
-              </a:spcBef>
-              <a:spcAft>
-                <a:spcPts val="0"/>
-              </a:spcAft>
-              <a:buSzPts val="1800"/>
-              <a:buFont typeface="Times"/>
-              <a:buChar char="●"/>
-            </a:pPr>
-            <a:r>
-              <a:rPr lang="en" sz="1800">
-                <a:latin typeface="Times"/>
-                <a:ea typeface="Times"/>
-                <a:cs typeface="Times"/>
-                <a:sym typeface="Times"/>
-              </a:rPr>
-              <a:t>T</a:t>
-            </a:r>
-            <a:r>
-              <a:rPr lang="en" sz="1800">
-                <a:latin typeface="Times"/>
-                <a:ea typeface="Times"/>
-                <a:cs typeface="Times"/>
-                <a:sym typeface="Times"/>
-              </a:rPr>
-              <a:t>ransazioni che generano almeno un dust della categoria “Successo” sono</a:t>
-            </a:r>
-            <a:r>
-              <a:rPr lang="en" sz="1800">
-                <a:latin typeface="Times"/>
-                <a:ea typeface="Times"/>
-                <a:cs typeface="Times"/>
-                <a:sym typeface="Times"/>
-              </a:rPr>
-              <a:t> 98 198</a:t>
-            </a:r>
-            <a:r>
-              <a:rPr lang="en" sz="1800">
-                <a:latin typeface="Times"/>
-                <a:ea typeface="Times"/>
-                <a:cs typeface="Times"/>
-                <a:sym typeface="Times"/>
-              </a:rPr>
-              <a:t>:</a:t>
-            </a:r>
-            <a:endParaRPr sz="1800">
-              <a:latin typeface="Times"/>
-              <a:ea typeface="Times"/>
-              <a:cs typeface="Times"/>
-              <a:sym typeface="Times"/>
-            </a:endParaRPr>
-          </a:p>
-          <a:p>
-            <a:pPr indent="-342900" lvl="1" marL="914400" rtl="0" algn="l">
-              <a:lnSpc>
-                <a:spcPct val="115000"/>
-              </a:lnSpc>
-              <a:spcBef>
-                <a:spcPts val="0"/>
-              </a:spcBef>
-              <a:spcAft>
-                <a:spcPts val="0"/>
-              </a:spcAft>
-              <a:buSzPts val="1800"/>
-              <a:buFont typeface="Times"/>
-              <a:buChar char="○"/>
-            </a:pPr>
-            <a:r>
-              <a:rPr lang="en" sz="1800">
-                <a:latin typeface="Times"/>
-                <a:ea typeface="Times"/>
-                <a:cs typeface="Times"/>
-                <a:sym typeface="Times"/>
-              </a:rPr>
-              <a:t>58 146 transazioni (59 %) non presentano indirizzi nuovi tra gli output dust.</a:t>
+              <a:t>.</a:t>
             </a:r>
             <a:endParaRPr sz="1800">
               <a:latin typeface="Times"/>
@@ -11985,7 +13327,7 @@
     </p:bg>
     <p:spTree>
       <p:nvGrpSpPr>
-        <p:cNvPr id="255" name="Shape 255"/>
+        <p:cNvPr id="280" name="Shape 280"/>
         <p:cNvGrpSpPr/>
         <p:nvPr/>
       </p:nvGrpSpPr>
@@ -11999,7 +13341,7 @@
       </p:grpSpPr>
       <p:sp>
         <p:nvSpPr>
-          <p:cNvPr id="256" name="Google Shape;256;p31"/>
+          <p:cNvPr id="281" name="Google Shape;281;p31"/>
           <p:cNvSpPr txBox="1"/>
           <p:nvPr>
             <p:ph type="title"/>
@@ -12007,8 +13349,8 @@
         </p:nvSpPr>
         <p:spPr>
           <a:xfrm>
-            <a:off x="883650" y="98288"/>
-            <a:ext cx="4801500" cy="974400"/>
+            <a:off x="872525" y="142500"/>
+            <a:ext cx="4801500" cy="954000"/>
           </a:xfrm>
           <a:prstGeom prst="rect">
             <a:avLst/>
@@ -12039,7 +13381,7 @@
                 <a:cs typeface="Times"/>
                 <a:sym typeface="Times"/>
               </a:rPr>
-              <a:t>Pattern: Un finanziatore - un attaccante</a:t>
+              <a:t>Pattern: Un finanziatore - più attaccanti</a:t>
             </a:r>
             <a:endParaRPr sz="3000">
               <a:solidFill>
@@ -12055,7 +13397,7 @@
       </p:sp>
       <p:pic>
         <p:nvPicPr>
-          <p:cNvPr id="257" name="Google Shape;257;p31"/>
+          <p:cNvPr id="282" name="Google Shape;282;p31"/>
           <p:cNvPicPr preferRelativeResize="0"/>
           <p:nvPr/>
         </p:nvPicPr>
@@ -12083,13 +13425,13 @@
       </p:pic>
       <p:sp>
         <p:nvSpPr>
-          <p:cNvPr id="258" name="Google Shape;258;p31"/>
+          <p:cNvPr id="283" name="Google Shape;283;p31"/>
           <p:cNvSpPr/>
           <p:nvPr/>
         </p:nvSpPr>
         <p:spPr>
           <a:xfrm>
-            <a:off x="237500" y="2320675"/>
+            <a:off x="265475" y="1817450"/>
             <a:ext cx="743700" cy="641100"/>
           </a:xfrm>
           <a:prstGeom prst="ellipse">
@@ -12149,23 +13491,20 @@
       </p:sp>
       <p:sp>
         <p:nvSpPr>
-          <p:cNvPr id="259" name="Google Shape;259;p31"/>
+          <p:cNvPr id="284" name="Google Shape;284;p31"/>
           <p:cNvSpPr/>
           <p:nvPr/>
         </p:nvSpPr>
         <p:spPr>
           <a:xfrm>
-            <a:off x="1324275" y="2525936"/>
-            <a:ext cx="500100" cy="230700"/>
-          </a:xfrm>
-          <a:prstGeom prst="rightArrow">
-            <a:avLst>
-              <a:gd fmla="val 50000" name="adj1"/>
-              <a:gd fmla="val 50000" name="adj2"/>
-            </a:avLst>
+            <a:off x="656074" y="3032797"/>
+            <a:ext cx="1157100" cy="466200"/>
+          </a:xfrm>
+          <a:prstGeom prst="ellipse">
+            <a:avLst/>
           </a:prstGeom>
           <a:solidFill>
-            <a:srgbClr val="4A86E8"/>
+            <a:srgbClr val="E69138"/>
           </a:solidFill>
           <a:ln cap="flat" cmpd="sng" w="9525">
             <a:solidFill>
@@ -12183,35 +13522,55 @@
           </a:bodyPr>
           <a:lstStyle/>
           <a:p>
-            <a:pPr indent="0" lvl="0" marL="0" rtl="0" algn="l">
-              <a:spcBef>
-                <a:spcPts val="0"/>
-              </a:spcBef>
-              <a:spcAft>
-                <a:spcPts val="0"/>
-              </a:spcAft>
-              <a:buNone/>
-            </a:pPr>
-            <a:r>
-              <a:t/>
-            </a:r>
-            <a:endParaRPr/>
+            <a:pPr indent="0" lvl="0" marL="0" rtl="0" algn="ctr">
+              <a:spcBef>
+                <a:spcPts val="0"/>
+              </a:spcBef>
+              <a:spcAft>
+                <a:spcPts val="0"/>
+              </a:spcAft>
+              <a:buNone/>
+            </a:pPr>
+            <a:r>
+              <a:rPr lang="en" sz="1800">
+                <a:solidFill>
+                  <a:schemeClr val="lt1"/>
+                </a:solidFill>
+                <a:latin typeface="Times"/>
+                <a:ea typeface="Times"/>
+                <a:cs typeface="Times"/>
+                <a:sym typeface="Times"/>
+              </a:rPr>
+              <a:t>A1</a:t>
+            </a:r>
+            <a:endParaRPr sz="1800">
+              <a:solidFill>
+                <a:schemeClr val="lt1"/>
+              </a:solidFill>
+              <a:latin typeface="Times"/>
+              <a:ea typeface="Times"/>
+              <a:cs typeface="Times"/>
+              <a:sym typeface="Times"/>
+            </a:endParaRPr>
           </a:p>
         </p:txBody>
       </p:sp>
       <p:sp>
         <p:nvSpPr>
-          <p:cNvPr id="260" name="Google Shape;260;p31"/>
+          <p:cNvPr id="285" name="Google Shape;285;p31"/>
           <p:cNvSpPr/>
           <p:nvPr/>
         </p:nvSpPr>
         <p:spPr>
           <a:xfrm>
-            <a:off x="628099" y="3536022"/>
-            <a:ext cx="1157100" cy="466200"/>
-          </a:xfrm>
-          <a:prstGeom prst="ellipse">
-            <a:avLst/>
+            <a:off x="722704" y="3605813"/>
+            <a:ext cx="104400" cy="724800"/>
+          </a:xfrm>
+          <a:prstGeom prst="downArrow">
+            <a:avLst>
+              <a:gd fmla="val 50000" name="adj1"/>
+              <a:gd fmla="val 50000" name="adj2"/>
+            </a:avLst>
           </a:prstGeom>
           <a:solidFill>
             <a:srgbClr val="CC0000"/>
@@ -12232,48 +13591,31 @@
           </a:bodyPr>
           <a:lstStyle/>
           <a:p>
-            <a:pPr indent="0" lvl="0" marL="0" rtl="0" algn="ctr">
-              <a:spcBef>
-                <a:spcPts val="0"/>
-              </a:spcBef>
-              <a:spcAft>
-                <a:spcPts val="0"/>
-              </a:spcAft>
-              <a:buNone/>
-            </a:pPr>
-            <a:r>
-              <a:rPr lang="en" sz="1800">
-                <a:solidFill>
-                  <a:schemeClr val="lt1"/>
-                </a:solidFill>
-                <a:latin typeface="Times"/>
-                <a:ea typeface="Times"/>
-                <a:cs typeface="Times"/>
-                <a:sym typeface="Times"/>
-              </a:rPr>
-              <a:t>A</a:t>
-            </a:r>
-            <a:endParaRPr sz="1800">
-              <a:solidFill>
-                <a:schemeClr val="lt1"/>
-              </a:solidFill>
-              <a:latin typeface="Times"/>
-              <a:ea typeface="Times"/>
-              <a:cs typeface="Times"/>
-              <a:sym typeface="Times"/>
-            </a:endParaRPr>
+            <a:pPr indent="0" lvl="0" marL="0" rtl="0" algn="l">
+              <a:spcBef>
+                <a:spcPts val="0"/>
+              </a:spcBef>
+              <a:spcAft>
+                <a:spcPts val="0"/>
+              </a:spcAft>
+              <a:buNone/>
+            </a:pPr>
+            <a:r>
+              <a:t/>
+            </a:r>
+            <a:endParaRPr/>
           </a:p>
         </p:txBody>
       </p:sp>
       <p:sp>
         <p:nvSpPr>
-          <p:cNvPr id="261" name="Google Shape;261;p31"/>
+          <p:cNvPr id="286" name="Google Shape;286;p31"/>
           <p:cNvSpPr/>
           <p:nvPr/>
         </p:nvSpPr>
         <p:spPr>
           <a:xfrm>
-            <a:off x="694742" y="4109038"/>
+            <a:off x="962472" y="3722914"/>
             <a:ext cx="104400" cy="724800"/>
           </a:xfrm>
           <a:prstGeom prst="downArrow">
@@ -12319,13 +13661,13 @@
       </p:sp>
       <p:sp>
         <p:nvSpPr>
-          <p:cNvPr id="262" name="Google Shape;262;p31"/>
+          <p:cNvPr id="287" name="Google Shape;287;p31"/>
           <p:cNvSpPr/>
           <p:nvPr/>
         </p:nvSpPr>
         <p:spPr>
           <a:xfrm>
-            <a:off x="934509" y="4226139"/>
+            <a:off x="1361359" y="3722914"/>
             <a:ext cx="104400" cy="724800"/>
           </a:xfrm>
           <a:prstGeom prst="downArrow">
@@ -12371,13 +13713,13 @@
       </p:sp>
       <p:sp>
         <p:nvSpPr>
-          <p:cNvPr id="263" name="Google Shape;263;p31"/>
+          <p:cNvPr id="288" name="Google Shape;288;p31"/>
           <p:cNvSpPr/>
           <p:nvPr/>
         </p:nvSpPr>
         <p:spPr>
           <a:xfrm>
-            <a:off x="1333397" y="4226139"/>
+            <a:off x="1642129" y="3605813"/>
             <a:ext cx="104400" cy="724800"/>
           </a:xfrm>
           <a:prstGeom prst="downArrow">
@@ -12423,20 +13765,69 @@
       </p:sp>
       <p:sp>
         <p:nvSpPr>
-          <p:cNvPr id="264" name="Google Shape;264;p31"/>
+          <p:cNvPr id="289" name="Google Shape;289;p31"/>
           <p:cNvSpPr/>
           <p:nvPr/>
         </p:nvSpPr>
         <p:spPr>
-          <a:xfrm>
-            <a:off x="1614167" y="4109038"/>
-            <a:ext cx="104400" cy="724800"/>
-          </a:xfrm>
-          <a:prstGeom prst="downArrow">
+          <a:xfrm rot="3914124">
+            <a:off x="661646" y="2619932"/>
+            <a:ext cx="341616" cy="224195"/>
+          </a:xfrm>
+          <a:prstGeom prst="rightArrow">
             <a:avLst>
               <a:gd fmla="val 50000" name="adj1"/>
               <a:gd fmla="val 50000" name="adj2"/>
             </a:avLst>
+          </a:prstGeom>
+          <a:solidFill>
+            <a:srgbClr val="1155CC"/>
+          </a:solidFill>
+          <a:ln cap="flat" cmpd="sng" w="9525">
+            <a:solidFill>
+              <a:srgbClr val="000000"/>
+            </a:solidFill>
+            <a:prstDash val="solid"/>
+            <a:round/>
+            <a:headEnd len="sm" w="sm" type="none"/>
+            <a:tailEnd len="sm" w="sm" type="none"/>
+          </a:ln>
+        </p:spPr>
+        <p:txBody>
+          <a:bodyPr anchorCtr="0" anchor="ctr" bIns="91425" lIns="91425" spcFirstLastPara="1" rIns="91425" wrap="square" tIns="91425">
+            <a:noAutofit/>
+          </a:bodyPr>
+          <a:lstStyle/>
+          <a:p>
+            <a:pPr indent="0" lvl="0" marL="0" rtl="0" algn="l">
+              <a:spcBef>
+                <a:spcPts val="0"/>
+              </a:spcBef>
+              <a:spcAft>
+                <a:spcPts val="0"/>
+              </a:spcAft>
+              <a:buNone/>
+            </a:pPr>
+            <a:r>
+              <a:t/>
+            </a:r>
+            <a:endParaRPr/>
+          </a:p>
+        </p:txBody>
+      </p:sp>
+      <p:sp>
+        <p:nvSpPr>
+          <p:cNvPr id="290" name="Google Shape;290;p31"/>
+          <p:cNvSpPr/>
+          <p:nvPr/>
+        </p:nvSpPr>
+        <p:spPr>
+          <a:xfrm>
+            <a:off x="2785091" y="3032797"/>
+            <a:ext cx="1157100" cy="466200"/>
+          </a:xfrm>
+          <a:prstGeom prst="ellipse">
+            <a:avLst/>
           </a:prstGeom>
           <a:solidFill>
             <a:srgbClr val="CC0000"/>
@@ -12457,55 +13848,6 @@
           </a:bodyPr>
           <a:lstStyle/>
           <a:p>
-            <a:pPr indent="0" lvl="0" marL="0" rtl="0" algn="l">
-              <a:spcBef>
-                <a:spcPts val="0"/>
-              </a:spcBef>
-              <a:spcAft>
-                <a:spcPts val="0"/>
-              </a:spcAft>
-              <a:buNone/>
-            </a:pPr>
-            <a:r>
-              <a:t/>
-            </a:r>
-            <a:endParaRPr/>
-          </a:p>
-        </p:txBody>
-      </p:sp>
-      <p:sp>
-        <p:nvSpPr>
-          <p:cNvPr id="265" name="Google Shape;265;p31"/>
-          <p:cNvSpPr/>
-          <p:nvPr/>
-        </p:nvSpPr>
-        <p:spPr>
-          <a:xfrm>
-            <a:off x="2183403" y="2320675"/>
-            <a:ext cx="743700" cy="641100"/>
-          </a:xfrm>
-          <a:prstGeom prst="ellipse">
-            <a:avLst/>
-          </a:prstGeom>
-          <a:solidFill>
-            <a:srgbClr val="073763"/>
-          </a:solidFill>
-          <a:ln cap="flat" cmpd="sng" w="9525">
-            <a:solidFill>
-              <a:srgbClr val="000000"/>
-            </a:solidFill>
-            <a:prstDash val="solid"/>
-            <a:round/>
-            <a:headEnd len="sm" w="sm" type="none"/>
-            <a:tailEnd len="sm" w="sm" type="none"/>
-          </a:ln>
-        </p:spPr>
-        <p:txBody>
-          <a:bodyPr anchorCtr="0" anchor="ctr" bIns="91425" lIns="91425" spcFirstLastPara="1" rIns="91425" wrap="square" tIns="91425">
-            <a:noAutofit/>
-          </a:bodyPr>
-          <a:lstStyle/>
-          <a:p>
             <a:pPr indent="0" lvl="0" marL="0" rtl="0" algn="ctr">
               <a:spcBef>
                 <a:spcPts val="0"/>
@@ -12525,401 +13867,36 @@
                 <a:cs typeface="Times"/>
                 <a:sym typeface="Times"/>
               </a:rPr>
-              <a:t>F</a:t>
-            </a:r>
-            <a:endParaRPr/>
+              <a:t>A2</a:t>
+            </a:r>
+            <a:endParaRPr sz="1800">
+              <a:solidFill>
+                <a:schemeClr val="lt1"/>
+              </a:solidFill>
+              <a:latin typeface="Times"/>
+              <a:ea typeface="Times"/>
+              <a:cs typeface="Times"/>
+              <a:sym typeface="Times"/>
+            </a:endParaRPr>
           </a:p>
         </p:txBody>
       </p:sp>
       <p:sp>
         <p:nvSpPr>
-          <p:cNvPr id="266" name="Google Shape;266;p31"/>
+          <p:cNvPr id="291" name="Google Shape;291;p31"/>
           <p:cNvSpPr/>
           <p:nvPr/>
         </p:nvSpPr>
         <p:spPr>
-          <a:xfrm rot="3914124">
-            <a:off x="633671" y="3123157"/>
-            <a:ext cx="341616" cy="224195"/>
-          </a:xfrm>
-          <a:prstGeom prst="rightArrow">
+          <a:xfrm>
+            <a:off x="2863170" y="3605813"/>
+            <a:ext cx="104400" cy="724800"/>
+          </a:xfrm>
+          <a:prstGeom prst="downArrow">
             <a:avLst>
               <a:gd fmla="val 50000" name="adj1"/>
               <a:gd fmla="val 50000" name="adj2"/>
             </a:avLst>
-          </a:prstGeom>
-          <a:solidFill>
-            <a:srgbClr val="1155CC"/>
-          </a:solidFill>
-          <a:ln cap="flat" cmpd="sng" w="9525">
-            <a:solidFill>
-              <a:srgbClr val="000000"/>
-            </a:solidFill>
-            <a:prstDash val="solid"/>
-            <a:round/>
-            <a:headEnd len="sm" w="sm" type="none"/>
-            <a:tailEnd len="sm" w="sm" type="none"/>
-          </a:ln>
-        </p:spPr>
-        <p:txBody>
-          <a:bodyPr anchorCtr="0" anchor="ctr" bIns="91425" lIns="91425" spcFirstLastPara="1" rIns="91425" wrap="square" tIns="91425">
-            <a:noAutofit/>
-          </a:bodyPr>
-          <a:lstStyle/>
-          <a:p>
-            <a:pPr indent="0" lvl="0" marL="0" rtl="0" algn="l">
-              <a:spcBef>
-                <a:spcPts val="0"/>
-              </a:spcBef>
-              <a:spcAft>
-                <a:spcPts val="0"/>
-              </a:spcAft>
-              <a:buNone/>
-            </a:pPr>
-            <a:r>
-              <a:t/>
-            </a:r>
-            <a:endParaRPr/>
-          </a:p>
-        </p:txBody>
-      </p:sp>
-      <p:sp>
-        <p:nvSpPr>
-          <p:cNvPr id="267" name="Google Shape;267;p31"/>
-          <p:cNvSpPr/>
-          <p:nvPr/>
-        </p:nvSpPr>
-        <p:spPr>
-          <a:xfrm>
-            <a:off x="3285834" y="2525936"/>
-            <a:ext cx="500100" cy="230700"/>
-          </a:xfrm>
-          <a:prstGeom prst="rightArrow">
-            <a:avLst>
-              <a:gd fmla="val 50000" name="adj1"/>
-              <a:gd fmla="val 50000" name="adj2"/>
-            </a:avLst>
-          </a:prstGeom>
-          <a:solidFill>
-            <a:srgbClr val="4A86E8"/>
-          </a:solidFill>
-          <a:ln cap="flat" cmpd="sng" w="9525">
-            <a:solidFill>
-              <a:srgbClr val="000000"/>
-            </a:solidFill>
-            <a:prstDash val="solid"/>
-            <a:round/>
-            <a:headEnd len="sm" w="sm" type="none"/>
-            <a:tailEnd len="sm" w="sm" type="none"/>
-          </a:ln>
-        </p:spPr>
-        <p:txBody>
-          <a:bodyPr anchorCtr="0" anchor="ctr" bIns="91425" lIns="91425" spcFirstLastPara="1" rIns="91425" wrap="square" tIns="91425">
-            <a:noAutofit/>
-          </a:bodyPr>
-          <a:lstStyle/>
-          <a:p>
-            <a:pPr indent="0" lvl="0" marL="0" rtl="0" algn="l">
-              <a:spcBef>
-                <a:spcPts val="0"/>
-              </a:spcBef>
-              <a:spcAft>
-                <a:spcPts val="0"/>
-              </a:spcAft>
-              <a:buNone/>
-            </a:pPr>
-            <a:r>
-              <a:t/>
-            </a:r>
-            <a:endParaRPr/>
-          </a:p>
-        </p:txBody>
-      </p:sp>
-      <p:sp>
-        <p:nvSpPr>
-          <p:cNvPr id="268" name="Google Shape;268;p31"/>
-          <p:cNvSpPr/>
-          <p:nvPr/>
-        </p:nvSpPr>
-        <p:spPr>
-          <a:xfrm>
-            <a:off x="4144963" y="2320675"/>
-            <a:ext cx="743700" cy="641100"/>
-          </a:xfrm>
-          <a:prstGeom prst="ellipse">
-            <a:avLst/>
-          </a:prstGeom>
-          <a:solidFill>
-            <a:srgbClr val="073763"/>
-          </a:solidFill>
-          <a:ln cap="flat" cmpd="sng" w="9525">
-            <a:solidFill>
-              <a:srgbClr val="000000"/>
-            </a:solidFill>
-            <a:prstDash val="solid"/>
-            <a:round/>
-            <a:headEnd len="sm" w="sm" type="none"/>
-            <a:tailEnd len="sm" w="sm" type="none"/>
-          </a:ln>
-        </p:spPr>
-        <p:txBody>
-          <a:bodyPr anchorCtr="0" anchor="ctr" bIns="91425" lIns="91425" spcFirstLastPara="1" rIns="91425" wrap="square" tIns="91425">
-            <a:noAutofit/>
-          </a:bodyPr>
-          <a:lstStyle/>
-          <a:p>
-            <a:pPr indent="0" lvl="0" marL="0" rtl="0" algn="ctr">
-              <a:spcBef>
-                <a:spcPts val="0"/>
-              </a:spcBef>
-              <a:spcAft>
-                <a:spcPts val="0"/>
-              </a:spcAft>
-              <a:buNone/>
-            </a:pPr>
-            <a:r>
-              <a:rPr lang="en" sz="1800">
-                <a:solidFill>
-                  <a:schemeClr val="lt1"/>
-                </a:solidFill>
-                <a:latin typeface="Times"/>
-                <a:ea typeface="Times"/>
-                <a:cs typeface="Times"/>
-                <a:sym typeface="Times"/>
-              </a:rPr>
-              <a:t>F</a:t>
-            </a:r>
-            <a:endParaRPr/>
-          </a:p>
-        </p:txBody>
-      </p:sp>
-      <p:sp>
-        <p:nvSpPr>
-          <p:cNvPr id="269" name="Google Shape;269;p31"/>
-          <p:cNvSpPr/>
-          <p:nvPr/>
-        </p:nvSpPr>
-        <p:spPr>
-          <a:xfrm>
-            <a:off x="5247394" y="2525936"/>
-            <a:ext cx="500100" cy="230700"/>
-          </a:xfrm>
-          <a:prstGeom prst="rightArrow">
-            <a:avLst>
-              <a:gd fmla="val 50000" name="adj1"/>
-              <a:gd fmla="val 50000" name="adj2"/>
-            </a:avLst>
-          </a:prstGeom>
-          <a:solidFill>
-            <a:srgbClr val="4A86E8"/>
-          </a:solidFill>
-          <a:ln cap="flat" cmpd="sng" w="9525">
-            <a:solidFill>
-              <a:srgbClr val="000000"/>
-            </a:solidFill>
-            <a:prstDash val="solid"/>
-            <a:round/>
-            <a:headEnd len="sm" w="sm" type="none"/>
-            <a:tailEnd len="sm" w="sm" type="none"/>
-          </a:ln>
-        </p:spPr>
-        <p:txBody>
-          <a:bodyPr anchorCtr="0" anchor="ctr" bIns="91425" lIns="91425" spcFirstLastPara="1" rIns="91425" wrap="square" tIns="91425">
-            <a:noAutofit/>
-          </a:bodyPr>
-          <a:lstStyle/>
-          <a:p>
-            <a:pPr indent="0" lvl="0" marL="0" rtl="0" algn="l">
-              <a:spcBef>
-                <a:spcPts val="0"/>
-              </a:spcBef>
-              <a:spcAft>
-                <a:spcPts val="0"/>
-              </a:spcAft>
-              <a:buNone/>
-            </a:pPr>
-            <a:r>
-              <a:t/>
-            </a:r>
-            <a:endParaRPr/>
-          </a:p>
-        </p:txBody>
-      </p:sp>
-      <p:sp>
-        <p:nvSpPr>
-          <p:cNvPr id="270" name="Google Shape;270;p31"/>
-          <p:cNvSpPr/>
-          <p:nvPr/>
-        </p:nvSpPr>
-        <p:spPr>
-          <a:xfrm>
-            <a:off x="6106522" y="2320675"/>
-            <a:ext cx="743700" cy="641100"/>
-          </a:xfrm>
-          <a:prstGeom prst="ellipse">
-            <a:avLst/>
-          </a:prstGeom>
-          <a:solidFill>
-            <a:srgbClr val="073763"/>
-          </a:solidFill>
-          <a:ln cap="flat" cmpd="sng" w="9525">
-            <a:solidFill>
-              <a:srgbClr val="000000"/>
-            </a:solidFill>
-            <a:prstDash val="solid"/>
-            <a:round/>
-            <a:headEnd len="sm" w="sm" type="none"/>
-            <a:tailEnd len="sm" w="sm" type="none"/>
-          </a:ln>
-        </p:spPr>
-        <p:txBody>
-          <a:bodyPr anchorCtr="0" anchor="ctr" bIns="91425" lIns="91425" spcFirstLastPara="1" rIns="91425" wrap="square" tIns="91425">
-            <a:noAutofit/>
-          </a:bodyPr>
-          <a:lstStyle/>
-          <a:p>
-            <a:pPr indent="0" lvl="0" marL="0" rtl="0" algn="ctr">
-              <a:spcBef>
-                <a:spcPts val="0"/>
-              </a:spcBef>
-              <a:spcAft>
-                <a:spcPts val="0"/>
-              </a:spcAft>
-              <a:buNone/>
-            </a:pPr>
-            <a:r>
-              <a:rPr lang="en" sz="1800">
-                <a:solidFill>
-                  <a:schemeClr val="lt1"/>
-                </a:solidFill>
-                <a:latin typeface="Times"/>
-                <a:ea typeface="Times"/>
-                <a:cs typeface="Times"/>
-                <a:sym typeface="Times"/>
-              </a:rPr>
-              <a:t>F</a:t>
-            </a:r>
-            <a:endParaRPr/>
-          </a:p>
-        </p:txBody>
-      </p:sp>
-      <p:sp>
-        <p:nvSpPr>
-          <p:cNvPr id="271" name="Google Shape;271;p31"/>
-          <p:cNvSpPr/>
-          <p:nvPr/>
-        </p:nvSpPr>
-        <p:spPr>
-          <a:xfrm rot="3914124">
-            <a:off x="2579574" y="3123157"/>
-            <a:ext cx="341616" cy="224195"/>
-          </a:xfrm>
-          <a:prstGeom prst="rightArrow">
-            <a:avLst>
-              <a:gd fmla="val 50000" name="adj1"/>
-              <a:gd fmla="val 50000" name="adj2"/>
-            </a:avLst>
-          </a:prstGeom>
-          <a:solidFill>
-            <a:srgbClr val="1155CC"/>
-          </a:solidFill>
-          <a:ln cap="flat" cmpd="sng" w="9525">
-            <a:solidFill>
-              <a:srgbClr val="000000"/>
-            </a:solidFill>
-            <a:prstDash val="solid"/>
-            <a:round/>
-            <a:headEnd len="sm" w="sm" type="none"/>
-            <a:tailEnd len="sm" w="sm" type="none"/>
-          </a:ln>
-        </p:spPr>
-        <p:txBody>
-          <a:bodyPr anchorCtr="0" anchor="ctr" bIns="91425" lIns="91425" spcFirstLastPara="1" rIns="91425" wrap="square" tIns="91425">
-            <a:noAutofit/>
-          </a:bodyPr>
-          <a:lstStyle/>
-          <a:p>
-            <a:pPr indent="0" lvl="0" marL="0" rtl="0" algn="l">
-              <a:spcBef>
-                <a:spcPts val="0"/>
-              </a:spcBef>
-              <a:spcAft>
-                <a:spcPts val="0"/>
-              </a:spcAft>
-              <a:buNone/>
-            </a:pPr>
-            <a:r>
-              <a:t/>
-            </a:r>
-            <a:endParaRPr/>
-          </a:p>
-        </p:txBody>
-      </p:sp>
-      <p:sp>
-        <p:nvSpPr>
-          <p:cNvPr id="272" name="Google Shape;272;p31"/>
-          <p:cNvSpPr/>
-          <p:nvPr/>
-        </p:nvSpPr>
-        <p:spPr>
-          <a:xfrm rot="3914124">
-            <a:off x="4541134" y="3123157"/>
-            <a:ext cx="341616" cy="224195"/>
-          </a:xfrm>
-          <a:prstGeom prst="rightArrow">
-            <a:avLst>
-              <a:gd fmla="val 50000" name="adj1"/>
-              <a:gd fmla="val 50000" name="adj2"/>
-            </a:avLst>
-          </a:prstGeom>
-          <a:solidFill>
-            <a:srgbClr val="1155CC"/>
-          </a:solidFill>
-          <a:ln cap="flat" cmpd="sng" w="9525">
-            <a:solidFill>
-              <a:srgbClr val="000000"/>
-            </a:solidFill>
-            <a:prstDash val="solid"/>
-            <a:round/>
-            <a:headEnd len="sm" w="sm" type="none"/>
-            <a:tailEnd len="sm" w="sm" type="none"/>
-          </a:ln>
-        </p:spPr>
-        <p:txBody>
-          <a:bodyPr anchorCtr="0" anchor="ctr" bIns="91425" lIns="91425" spcFirstLastPara="1" rIns="91425" wrap="square" tIns="91425">
-            <a:noAutofit/>
-          </a:bodyPr>
-          <a:lstStyle/>
-          <a:p>
-            <a:pPr indent="0" lvl="0" marL="0" rtl="0" algn="l">
-              <a:spcBef>
-                <a:spcPts val="0"/>
-              </a:spcBef>
-              <a:spcAft>
-                <a:spcPts val="0"/>
-              </a:spcAft>
-              <a:buNone/>
-            </a:pPr>
-            <a:r>
-              <a:t/>
-            </a:r>
-            <a:endParaRPr/>
-          </a:p>
-        </p:txBody>
-      </p:sp>
-      <p:sp>
-        <p:nvSpPr>
-          <p:cNvPr id="273" name="Google Shape;273;p31"/>
-          <p:cNvSpPr/>
-          <p:nvPr/>
-        </p:nvSpPr>
-        <p:spPr>
-          <a:xfrm>
-            <a:off x="2609428" y="3536022"/>
-            <a:ext cx="1157100" cy="466200"/>
-          </a:xfrm>
-          <a:prstGeom prst="ellipse">
-            <a:avLst/>
           </a:prstGeom>
           <a:solidFill>
             <a:srgbClr val="CC0000"/>
@@ -12940,48 +13917,31 @@
           </a:bodyPr>
           <a:lstStyle/>
           <a:p>
-            <a:pPr indent="0" lvl="0" marL="0" rtl="0" algn="ctr">
-              <a:spcBef>
-                <a:spcPts val="0"/>
-              </a:spcBef>
-              <a:spcAft>
-                <a:spcPts val="0"/>
-              </a:spcAft>
-              <a:buNone/>
-            </a:pPr>
-            <a:r>
-              <a:rPr lang="en" sz="1800">
-                <a:solidFill>
-                  <a:schemeClr val="lt1"/>
-                </a:solidFill>
-                <a:latin typeface="Times"/>
-                <a:ea typeface="Times"/>
-                <a:cs typeface="Times"/>
-                <a:sym typeface="Times"/>
-              </a:rPr>
-              <a:t>A</a:t>
-            </a:r>
-            <a:endParaRPr sz="1800">
-              <a:solidFill>
-                <a:schemeClr val="lt1"/>
-              </a:solidFill>
-              <a:latin typeface="Times"/>
-              <a:ea typeface="Times"/>
-              <a:cs typeface="Times"/>
-              <a:sym typeface="Times"/>
-            </a:endParaRPr>
+            <a:pPr indent="0" lvl="0" marL="0" rtl="0" algn="l">
+              <a:spcBef>
+                <a:spcPts val="0"/>
+              </a:spcBef>
+              <a:spcAft>
+                <a:spcPts val="0"/>
+              </a:spcAft>
+              <a:buNone/>
+            </a:pPr>
+            <a:r>
+              <a:t/>
+            </a:r>
+            <a:endParaRPr/>
           </a:p>
         </p:txBody>
       </p:sp>
       <p:sp>
         <p:nvSpPr>
-          <p:cNvPr id="274" name="Google Shape;274;p31"/>
+          <p:cNvPr id="292" name="Google Shape;292;p31"/>
           <p:cNvSpPr/>
           <p:nvPr/>
         </p:nvSpPr>
         <p:spPr>
           <a:xfrm>
-            <a:off x="2676070" y="4092638"/>
+            <a:off x="3102938" y="3722914"/>
             <a:ext cx="104400" cy="724800"/>
           </a:xfrm>
           <a:prstGeom prst="downArrow">
@@ -13027,13 +13987,13 @@
       </p:sp>
       <p:sp>
         <p:nvSpPr>
-          <p:cNvPr id="275" name="Google Shape;275;p31"/>
+          <p:cNvPr id="293" name="Google Shape;293;p31"/>
           <p:cNvSpPr/>
           <p:nvPr/>
         </p:nvSpPr>
         <p:spPr>
           <a:xfrm>
-            <a:off x="2915838" y="4209739"/>
+            <a:off x="3501826" y="3722914"/>
             <a:ext cx="104400" cy="724800"/>
           </a:xfrm>
           <a:prstGeom prst="downArrow">
@@ -13079,13 +14039,13 @@
       </p:sp>
       <p:sp>
         <p:nvSpPr>
-          <p:cNvPr id="276" name="Google Shape;276;p31"/>
+          <p:cNvPr id="294" name="Google Shape;294;p31"/>
           <p:cNvSpPr/>
           <p:nvPr/>
         </p:nvSpPr>
         <p:spPr>
           <a:xfrm>
-            <a:off x="3314726" y="4209739"/>
+            <a:off x="3782596" y="3605813"/>
             <a:ext cx="104400" cy="724800"/>
           </a:xfrm>
           <a:prstGeom prst="downArrow">
@@ -13131,20 +14091,17 @@
       </p:sp>
       <p:sp>
         <p:nvSpPr>
-          <p:cNvPr id="277" name="Google Shape;277;p31"/>
+          <p:cNvPr id="295" name="Google Shape;295;p31"/>
           <p:cNvSpPr/>
           <p:nvPr/>
         </p:nvSpPr>
         <p:spPr>
           <a:xfrm>
-            <a:off x="3595496" y="4092638"/>
-            <a:ext cx="104400" cy="724800"/>
-          </a:xfrm>
-          <a:prstGeom prst="downArrow">
-            <a:avLst>
-              <a:gd fmla="val 50000" name="adj1"/>
-              <a:gd fmla="val 50000" name="adj2"/>
-            </a:avLst>
+            <a:off x="4878587" y="3032797"/>
+            <a:ext cx="1157100" cy="466200"/>
+          </a:xfrm>
+          <a:prstGeom prst="ellipse">
+            <a:avLst/>
           </a:prstGeom>
           <a:solidFill>
             <a:srgbClr val="CC0000"/>
@@ -13165,35 +14122,55 @@
           </a:bodyPr>
           <a:lstStyle/>
           <a:p>
-            <a:pPr indent="0" lvl="0" marL="0" rtl="0" algn="l">
-              <a:spcBef>
-                <a:spcPts val="0"/>
-              </a:spcBef>
-              <a:spcAft>
-                <a:spcPts val="0"/>
-              </a:spcAft>
-              <a:buNone/>
-            </a:pPr>
-            <a:r>
-              <a:t/>
-            </a:r>
-            <a:endParaRPr/>
+            <a:pPr indent="0" lvl="0" marL="0" rtl="0" algn="ctr">
+              <a:spcBef>
+                <a:spcPts val="0"/>
+              </a:spcBef>
+              <a:spcAft>
+                <a:spcPts val="0"/>
+              </a:spcAft>
+              <a:buNone/>
+            </a:pPr>
+            <a:r>
+              <a:rPr lang="en" sz="1800">
+                <a:solidFill>
+                  <a:schemeClr val="lt1"/>
+                </a:solidFill>
+                <a:latin typeface="Times"/>
+                <a:ea typeface="Times"/>
+                <a:cs typeface="Times"/>
+                <a:sym typeface="Times"/>
+              </a:rPr>
+              <a:t>A3</a:t>
+            </a:r>
+            <a:endParaRPr sz="1800">
+              <a:solidFill>
+                <a:schemeClr val="lt1"/>
+              </a:solidFill>
+              <a:latin typeface="Times"/>
+              <a:ea typeface="Times"/>
+              <a:cs typeface="Times"/>
+              <a:sym typeface="Times"/>
+            </a:endParaRPr>
           </a:p>
         </p:txBody>
       </p:sp>
       <p:sp>
         <p:nvSpPr>
-          <p:cNvPr id="278" name="Google Shape;278;p31"/>
+          <p:cNvPr id="296" name="Google Shape;296;p31"/>
           <p:cNvSpPr/>
           <p:nvPr/>
         </p:nvSpPr>
         <p:spPr>
           <a:xfrm>
-            <a:off x="4590762" y="3536022"/>
-            <a:ext cx="1157100" cy="466200"/>
-          </a:xfrm>
-          <a:prstGeom prst="ellipse">
-            <a:avLst/>
+            <a:off x="4945217" y="3605813"/>
+            <a:ext cx="104400" cy="724800"/>
+          </a:xfrm>
+          <a:prstGeom prst="downArrow">
+            <a:avLst>
+              <a:gd fmla="val 50000" name="adj1"/>
+              <a:gd fmla="val 50000" name="adj2"/>
+            </a:avLst>
           </a:prstGeom>
           <a:solidFill>
             <a:srgbClr val="CC0000"/>
@@ -13214,48 +14191,31 @@
           </a:bodyPr>
           <a:lstStyle/>
           <a:p>
-            <a:pPr indent="0" lvl="0" marL="0" rtl="0" algn="ctr">
-              <a:spcBef>
-                <a:spcPts val="0"/>
-              </a:spcBef>
-              <a:spcAft>
-                <a:spcPts val="0"/>
-              </a:spcAft>
-              <a:buNone/>
-            </a:pPr>
-            <a:r>
-              <a:rPr lang="en" sz="1800">
-                <a:solidFill>
-                  <a:schemeClr val="lt1"/>
-                </a:solidFill>
-                <a:latin typeface="Times"/>
-                <a:ea typeface="Times"/>
-                <a:cs typeface="Times"/>
-                <a:sym typeface="Times"/>
-              </a:rPr>
-              <a:t>A</a:t>
-            </a:r>
-            <a:endParaRPr sz="1800">
-              <a:solidFill>
-                <a:schemeClr val="lt1"/>
-              </a:solidFill>
-              <a:latin typeface="Times"/>
-              <a:ea typeface="Times"/>
-              <a:cs typeface="Times"/>
-              <a:sym typeface="Times"/>
-            </a:endParaRPr>
+            <a:pPr indent="0" lvl="0" marL="0" rtl="0" algn="l">
+              <a:spcBef>
+                <a:spcPts val="0"/>
+              </a:spcBef>
+              <a:spcAft>
+                <a:spcPts val="0"/>
+              </a:spcAft>
+              <a:buNone/>
+            </a:pPr>
+            <a:r>
+              <a:t/>
+            </a:r>
+            <a:endParaRPr/>
           </a:p>
         </p:txBody>
       </p:sp>
       <p:sp>
         <p:nvSpPr>
-          <p:cNvPr id="279" name="Google Shape;279;p31"/>
+          <p:cNvPr id="297" name="Google Shape;297;p31"/>
           <p:cNvSpPr/>
           <p:nvPr/>
         </p:nvSpPr>
         <p:spPr>
           <a:xfrm>
-            <a:off x="4657392" y="4109038"/>
+            <a:off x="5184985" y="3722914"/>
             <a:ext cx="104400" cy="724800"/>
           </a:xfrm>
           <a:prstGeom prst="downArrow">
@@ -13301,13 +14261,13 @@
       </p:sp>
       <p:sp>
         <p:nvSpPr>
-          <p:cNvPr id="280" name="Google Shape;280;p31"/>
+          <p:cNvPr id="298" name="Google Shape;298;p31"/>
           <p:cNvSpPr/>
           <p:nvPr/>
         </p:nvSpPr>
         <p:spPr>
           <a:xfrm>
-            <a:off x="4897160" y="4226139"/>
+            <a:off x="5583873" y="3722914"/>
             <a:ext cx="104400" cy="724800"/>
           </a:xfrm>
           <a:prstGeom prst="downArrow">
@@ -13353,13 +14313,13 @@
       </p:sp>
       <p:sp>
         <p:nvSpPr>
-          <p:cNvPr id="281" name="Google Shape;281;p31"/>
+          <p:cNvPr id="299" name="Google Shape;299;p31"/>
           <p:cNvSpPr/>
           <p:nvPr/>
         </p:nvSpPr>
         <p:spPr>
           <a:xfrm>
-            <a:off x="5296048" y="4226139"/>
+            <a:off x="5864643" y="3605813"/>
             <a:ext cx="104400" cy="724800"/>
           </a:xfrm>
           <a:prstGeom prst="downArrow">
@@ -13405,16 +14365,16 @@
       </p:sp>
       <p:sp>
         <p:nvSpPr>
-          <p:cNvPr id="282" name="Google Shape;282;p31"/>
+          <p:cNvPr id="300" name="Google Shape;300;p31"/>
           <p:cNvSpPr/>
           <p:nvPr/>
         </p:nvSpPr>
         <p:spPr>
           <a:xfrm>
-            <a:off x="5576818" y="4109038"/>
-            <a:ext cx="104400" cy="724800"/>
-          </a:xfrm>
-          <a:prstGeom prst="downArrow">
+            <a:off x="2049100" y="3150561"/>
+            <a:ext cx="500100" cy="230700"/>
+          </a:xfrm>
+          <a:prstGeom prst="rightArrow">
             <a:avLst>
               <a:gd fmla="val 50000" name="adj1"/>
               <a:gd fmla="val 50000" name="adj2"/>
@@ -13457,14 +14417,66 @@
       </p:sp>
       <p:sp>
         <p:nvSpPr>
-          <p:cNvPr id="283" name="Google Shape;283;p31"/>
+          <p:cNvPr id="301" name="Google Shape;301;p31"/>
+          <p:cNvSpPr/>
+          <p:nvPr/>
+        </p:nvSpPr>
+        <p:spPr>
+          <a:xfrm>
+            <a:off x="4160350" y="3150561"/>
+            <a:ext cx="500100" cy="230700"/>
+          </a:xfrm>
+          <a:prstGeom prst="rightArrow">
+            <a:avLst>
+              <a:gd fmla="val 50000" name="adj1"/>
+              <a:gd fmla="val 50000" name="adj2"/>
+            </a:avLst>
+          </a:prstGeom>
+          <a:solidFill>
+            <a:srgbClr val="CC0000"/>
+          </a:solidFill>
+          <a:ln cap="flat" cmpd="sng" w="9525">
+            <a:solidFill>
+              <a:srgbClr val="000000"/>
+            </a:solidFill>
+            <a:prstDash val="solid"/>
+            <a:round/>
+            <a:headEnd len="sm" w="sm" type="none"/>
+            <a:tailEnd len="sm" w="sm" type="none"/>
+          </a:ln>
+        </p:spPr>
+        <p:txBody>
+          <a:bodyPr anchorCtr="0" anchor="ctr" bIns="91425" lIns="91425" spcFirstLastPara="1" rIns="91425" wrap="square" tIns="91425">
+            <a:noAutofit/>
+          </a:bodyPr>
+          <a:lstStyle/>
+          <a:p>
+            <a:pPr indent="0" lvl="0" marL="0" rtl="0" algn="l">
+              <a:spcBef>
+                <a:spcPts val="0"/>
+              </a:spcBef>
+              <a:spcAft>
+                <a:spcPts val="0"/>
+              </a:spcAft>
+              <a:buNone/>
+            </a:pPr>
+            <a:r>
+              <a:t/>
+            </a:r>
+            <a:endParaRPr/>
+          </a:p>
+        </p:txBody>
+      </p:sp>
+      <p:sp>
+        <p:nvSpPr>
+          <p:cNvPr id="302" name="Google Shape;302;p31"/>
           <p:cNvSpPr txBox="1"/>
           <p:nvPr/>
         </p:nvSpPr>
         <p:spPr>
           <a:xfrm>
-            <a:off x="6989350" y="2432657"/>
-            <a:ext cx="658200" cy="461700"/>
+            <a:off x="6317425" y="3032800"/>
+            <a:ext cx="872400" cy="400200"/>
           </a:xfrm>
           <a:prstGeom prst="rect">
             <a:avLst/>
@@ -13480,14 +14492,71 @@
           </a:bodyPr>
           <a:lstStyle/>
           <a:p>
-            <a:pPr indent="0" lvl="0" marL="0" rtl="0" algn="l">
-              <a:spcBef>
-                <a:spcPts val="0"/>
-              </a:spcBef>
-              <a:spcAft>
-                <a:spcPts val="0"/>
-              </a:spcAft>
-              <a:buNone/>
+            <a:pPr indent="0" lvl="0" marL="0" rtl="0" algn="ctr">
+              <a:spcBef>
+                <a:spcPts val="0"/>
+              </a:spcBef>
+              <a:spcAft>
+                <a:spcPts val="0"/>
+              </a:spcAft>
+              <a:buNone/>
+            </a:pPr>
+            <a:r>
+              <a:rPr lang="en">
+                <a:latin typeface="Karla"/>
+                <a:ea typeface="Karla"/>
+                <a:cs typeface="Karla"/>
+                <a:sym typeface="Karla"/>
+              </a:rPr>
+              <a:t>.   .   .</a:t>
+            </a:r>
+            <a:endParaRPr sz="1800">
+              <a:latin typeface="Times"/>
+              <a:ea typeface="Times"/>
+              <a:cs typeface="Times"/>
+              <a:sym typeface="Times"/>
+            </a:endParaRPr>
+          </a:p>
+        </p:txBody>
+      </p:sp>
+      <p:sp>
+        <p:nvSpPr>
+          <p:cNvPr id="303" name="Google Shape;303;p31"/>
+          <p:cNvSpPr txBox="1"/>
+          <p:nvPr/>
+        </p:nvSpPr>
+        <p:spPr>
+          <a:xfrm>
+            <a:off x="965075" y="1355750"/>
+            <a:ext cx="6596400" cy="461700"/>
+          </a:xfrm>
+          <a:prstGeom prst="rect">
+            <a:avLst/>
+          </a:prstGeom>
+          <a:noFill/>
+          <a:ln>
+            <a:noFill/>
+          </a:ln>
+        </p:spPr>
+        <p:txBody>
+          <a:bodyPr anchorCtr="0" anchor="t" bIns="91425" lIns="91425" spcFirstLastPara="1" rIns="91425" wrap="square" tIns="91425">
+            <a:spAutoFit/>
+          </a:bodyPr>
+          <a:lstStyle/>
+          <a:p>
+            <a:pPr indent="-342900" lvl="0" marL="457200" rtl="0" algn="l">
+              <a:lnSpc>
+                <a:spcPct val="115000"/>
+              </a:lnSpc>
+              <a:spcBef>
+                <a:spcPts val="0"/>
+              </a:spcBef>
+              <a:spcAft>
+                <a:spcPts val="0"/>
+              </a:spcAft>
+              <a:buSzPts val="1800"/>
+              <a:buFont typeface="Karla"/>
+              <a:buChar char="●"/>
             </a:pPr>
             <a:r>
               <a:rPr lang="en" sz="1800">
@@ -13496,113 +14565,7 @@
                 <a:cs typeface="Times"/>
                 <a:sym typeface="Times"/>
               </a:rPr>
-              <a:t>.  .  .</a:t>
-            </a:r>
-            <a:endParaRPr sz="1800">
-              <a:latin typeface="Times"/>
-              <a:ea typeface="Times"/>
-              <a:cs typeface="Times"/>
-              <a:sym typeface="Times"/>
-            </a:endParaRPr>
-          </a:p>
-        </p:txBody>
-      </p:sp>
-      <p:sp>
-        <p:nvSpPr>
-          <p:cNvPr id="284" name="Google Shape;284;p31"/>
-          <p:cNvSpPr txBox="1"/>
-          <p:nvPr/>
-        </p:nvSpPr>
-        <p:spPr>
-          <a:xfrm>
-            <a:off x="627775" y="1206450"/>
-            <a:ext cx="6596400" cy="780300"/>
-          </a:xfrm>
-          <a:prstGeom prst="rect">
-            <a:avLst/>
-          </a:prstGeom>
-          <a:noFill/>
-          <a:ln>
-            <a:noFill/>
-          </a:ln>
-        </p:spPr>
-        <p:txBody>
-          <a:bodyPr anchorCtr="0" anchor="t" bIns="91425" lIns="91425" spcFirstLastPara="1" rIns="91425" wrap="square" tIns="91425">
-            <a:spAutoFit/>
-          </a:bodyPr>
-          <a:lstStyle/>
-          <a:p>
-            <a:pPr indent="-342900" lvl="0" marL="457200" rtl="0" algn="l">
-              <a:lnSpc>
-                <a:spcPct val="115000"/>
-              </a:lnSpc>
-              <a:spcBef>
-                <a:spcPts val="0"/>
-              </a:spcBef>
-              <a:spcAft>
-                <a:spcPts val="0"/>
-              </a:spcAft>
-              <a:buSzPts val="1800"/>
-              <a:buFont typeface="Karla"/>
-              <a:buChar char="●"/>
-            </a:pPr>
-            <a:r>
-              <a:rPr lang="en" sz="1800">
-                <a:latin typeface="Times"/>
-                <a:ea typeface="Times"/>
-                <a:cs typeface="Times"/>
-                <a:sym typeface="Times"/>
-              </a:rPr>
-              <a:t>Attaccante</a:t>
-            </a:r>
-            <a:r>
-              <a:rPr i="1" lang="en" sz="1800">
-                <a:latin typeface="Karla"/>
-                <a:ea typeface="Karla"/>
-                <a:cs typeface="Karla"/>
-                <a:sym typeface="Karla"/>
-              </a:rPr>
-              <a:t>: 1DiRy9Giiq1GCkAD7VMSrXoKVe2dimnovm</a:t>
-            </a:r>
-            <a:r>
-              <a:rPr lang="en" sz="1800">
-                <a:latin typeface="Karla"/>
-                <a:ea typeface="Karla"/>
-                <a:cs typeface="Karla"/>
-                <a:sym typeface="Karla"/>
-              </a:rPr>
-              <a:t>;</a:t>
-            </a:r>
-            <a:endParaRPr sz="1800">
-              <a:latin typeface="Karla"/>
-              <a:ea typeface="Karla"/>
-              <a:cs typeface="Karla"/>
-              <a:sym typeface="Karla"/>
-            </a:endParaRPr>
-          </a:p>
-          <a:p>
-            <a:pPr indent="-342900" lvl="0" marL="457200" rtl="0" algn="l">
-              <a:lnSpc>
-                <a:spcPct val="115000"/>
-              </a:lnSpc>
-              <a:spcBef>
-                <a:spcPts val="0"/>
-              </a:spcBef>
-              <a:spcAft>
-                <a:spcPts val="0"/>
-              </a:spcAft>
-              <a:buSzPts val="1800"/>
-              <a:buFont typeface="Karla"/>
-              <a:buChar char="●"/>
-            </a:pPr>
-            <a:r>
-              <a:rPr lang="en" sz="1800">
-                <a:latin typeface="Times"/>
-                <a:ea typeface="Times"/>
-                <a:cs typeface="Times"/>
-                <a:sym typeface="Times"/>
-              </a:rPr>
-              <a:t>Finanziatore</a:t>
+              <a:t>Primo attaccante</a:t>
             </a:r>
             <a:r>
               <a:rPr i="1" lang="en" sz="1800">
@@ -13615,19 +14578,19 @@
             </a:r>
             <a:r>
               <a:rPr i="1" lang="en" sz="1800">
-                <a:latin typeface="Times"/>
-                <a:ea typeface="Times"/>
-                <a:cs typeface="Times"/>
-                <a:sym typeface="Times"/>
+                <a:latin typeface="Karla"/>
+                <a:ea typeface="Karla"/>
+                <a:cs typeface="Karla"/>
+                <a:sym typeface="Karla"/>
               </a:rPr>
-              <a:t>1Nj3AsYfhHC4zVv1HHH4FzsYWeZSeVC8vj</a:t>
+              <a:t>1JYvvL67LrSGCG77cy4rmpUXCFfSub4JkG</a:t>
             </a:r>
             <a:r>
               <a:rPr lang="en" sz="1800">
-                <a:latin typeface="Times"/>
-                <a:ea typeface="Times"/>
-                <a:cs typeface="Times"/>
-                <a:sym typeface="Times"/>
+                <a:latin typeface="Karla"/>
+                <a:ea typeface="Karla"/>
+                <a:cs typeface="Karla"/>
+                <a:sym typeface="Karla"/>
               </a:rPr>
               <a:t>.</a:t>
             </a:r>
@@ -13660,7 +14623,7 @@
     </p:bg>
     <p:spTree>
       <p:nvGrpSpPr>
-        <p:cNvPr id="288" name="Shape 288"/>
+        <p:cNvPr id="307" name="Shape 307"/>
         <p:cNvGrpSpPr/>
         <p:nvPr/>
       </p:nvGrpSpPr>
@@ -13674,7 +14637,7 @@
       </p:grpSpPr>
       <p:sp>
         <p:nvSpPr>
-          <p:cNvPr id="289" name="Google Shape;289;p32"/>
+          <p:cNvPr id="308" name="Google Shape;308;p32"/>
           <p:cNvSpPr txBox="1"/>
           <p:nvPr>
             <p:ph type="title"/>
@@ -13682,12 +14645,18 @@
         </p:nvSpPr>
         <p:spPr>
           <a:xfrm>
-            <a:off x="872525" y="142500"/>
-            <a:ext cx="4801500" cy="954000"/>
+            <a:off x="872525" y="386825"/>
+            <a:ext cx="5324100" cy="485700"/>
           </a:xfrm>
           <a:prstGeom prst="rect">
             <a:avLst/>
           </a:prstGeom>
+          <a:solidFill>
+            <a:schemeClr val="lt1"/>
+          </a:solidFill>
+          <a:ln>
+            <a:noFill/>
+          </a:ln>
         </p:spPr>
         <p:txBody>
           <a:bodyPr anchorCtr="0" anchor="b" bIns="91425" lIns="91425" spcFirstLastPara="1" rIns="91425" wrap="square" tIns="91425">
@@ -13695,7 +14664,7 @@
           </a:bodyPr>
           <a:lstStyle/>
           <a:p>
-            <a:pPr indent="0" lvl="0" marL="0" rtl="0" algn="ctr">
+            <a:pPr indent="0" lvl="0" marL="0" rtl="0" algn="l">
               <a:spcBef>
                 <a:spcPts val="0"/>
               </a:spcBef>
@@ -13714,7 +14683,7 @@
                 <a:cs typeface="Times"/>
                 <a:sym typeface="Times"/>
               </a:rPr>
-              <a:t>Pattern: Un finanziatore - più attaccanti</a:t>
+              <a:t>Conclusioni e Sviluppi futuri</a:t>
             </a:r>
             <a:endParaRPr sz="3000">
               <a:solidFill>
@@ -13728,9 +14697,315 @@
           </a:p>
         </p:txBody>
       </p:sp>
+      <p:sp>
+        <p:nvSpPr>
+          <p:cNvPr id="309" name="Google Shape;309;p32"/>
+          <p:cNvSpPr txBox="1"/>
+          <p:nvPr>
+            <p:ph idx="1" type="body"/>
+          </p:nvPr>
+        </p:nvSpPr>
+        <p:spPr>
+          <a:xfrm>
+            <a:off x="0" y="1151125"/>
+            <a:ext cx="7109100" cy="3238800"/>
+          </a:xfrm>
+          <a:prstGeom prst="rect">
+            <a:avLst/>
+          </a:prstGeom>
+        </p:spPr>
+        <p:txBody>
+          <a:bodyPr anchorCtr="0" anchor="t" bIns="91425" lIns="91425" spcFirstLastPara="1" rIns="91425" wrap="square" tIns="91425">
+            <a:noAutofit/>
+          </a:bodyPr>
+          <a:lstStyle/>
+          <a:p>
+            <a:pPr indent="-342900" lvl="0" marL="457200" rtl="0" algn="l">
+              <a:lnSpc>
+                <a:spcPct val="100000"/>
+              </a:lnSpc>
+              <a:spcBef>
+                <a:spcPts val="600"/>
+              </a:spcBef>
+              <a:spcAft>
+                <a:spcPts val="0"/>
+              </a:spcAft>
+              <a:buClr>
+                <a:srgbClr val="000000"/>
+              </a:buClr>
+              <a:buSzPts val="1800"/>
+              <a:buFont typeface="Times"/>
+              <a:buChar char="●"/>
+            </a:pPr>
+            <a:r>
+              <a:rPr lang="en" sz="1800">
+                <a:solidFill>
+                  <a:srgbClr val="000000"/>
+                </a:solidFill>
+                <a:latin typeface="Times"/>
+                <a:ea typeface="Times"/>
+                <a:cs typeface="Times"/>
+                <a:sym typeface="Times"/>
+              </a:rPr>
+              <a:t>Conclusioni:</a:t>
+            </a:r>
+            <a:endParaRPr sz="1800">
+              <a:solidFill>
+                <a:srgbClr val="000000"/>
+              </a:solidFill>
+              <a:latin typeface="Times"/>
+              <a:ea typeface="Times"/>
+              <a:cs typeface="Times"/>
+              <a:sym typeface="Times"/>
+            </a:endParaRPr>
+          </a:p>
+          <a:p>
+            <a:pPr indent="-342900" lvl="1" marL="914400" rtl="0" algn="l">
+              <a:spcBef>
+                <a:spcPts val="0"/>
+              </a:spcBef>
+              <a:spcAft>
+                <a:spcPts val="0"/>
+              </a:spcAft>
+              <a:buSzPts val="1800"/>
+              <a:buFont typeface="Times"/>
+              <a:buChar char="○"/>
+            </a:pPr>
+            <a:r>
+              <a:rPr lang="en" sz="1800">
+                <a:solidFill>
+                  <a:srgbClr val="000000"/>
+                </a:solidFill>
+                <a:latin typeface="Times"/>
+                <a:ea typeface="Times"/>
+                <a:cs typeface="Times"/>
+                <a:sym typeface="Times"/>
+              </a:rPr>
+              <a:t>È stata mostrata la de-anonimizzazione causata dal dust;</a:t>
+            </a:r>
+            <a:endParaRPr sz="1800">
+              <a:solidFill>
+                <a:srgbClr val="000000"/>
+              </a:solidFill>
+              <a:latin typeface="Times"/>
+              <a:ea typeface="Times"/>
+              <a:cs typeface="Times"/>
+              <a:sym typeface="Times"/>
+            </a:endParaRPr>
+          </a:p>
+          <a:p>
+            <a:pPr indent="-342900" lvl="1" marL="914400" rtl="0" algn="l">
+              <a:spcBef>
+                <a:spcPts val="0"/>
+              </a:spcBef>
+              <a:spcAft>
+                <a:spcPts val="0"/>
+              </a:spcAft>
+              <a:buClr>
+                <a:srgbClr val="000000"/>
+              </a:buClr>
+              <a:buSzPts val="1800"/>
+              <a:buFont typeface="Times"/>
+              <a:buChar char="○"/>
+            </a:pPr>
+            <a:r>
+              <a:rPr lang="en" sz="1800">
+                <a:solidFill>
+                  <a:srgbClr val="000000"/>
+                </a:solidFill>
+                <a:latin typeface="Times"/>
+                <a:ea typeface="Times"/>
+                <a:cs typeface="Times"/>
+                <a:sym typeface="Times"/>
+              </a:rPr>
+              <a:t>Sono stati individuati due pattern di possibili Dust Attack.</a:t>
+            </a:r>
+            <a:endParaRPr sz="1800">
+              <a:solidFill>
+                <a:srgbClr val="000000"/>
+              </a:solidFill>
+              <a:latin typeface="Times"/>
+              <a:ea typeface="Times"/>
+              <a:cs typeface="Times"/>
+              <a:sym typeface="Times"/>
+            </a:endParaRPr>
+          </a:p>
+          <a:p>
+            <a:pPr indent="0" lvl="0" marL="0" rtl="0" algn="l">
+              <a:spcBef>
+                <a:spcPts val="600"/>
+              </a:spcBef>
+              <a:spcAft>
+                <a:spcPts val="0"/>
+              </a:spcAft>
+              <a:buNone/>
+            </a:pPr>
+            <a:r>
+              <a:t/>
+            </a:r>
+            <a:endParaRPr sz="1800">
+              <a:solidFill>
+                <a:srgbClr val="000000"/>
+              </a:solidFill>
+              <a:latin typeface="Times"/>
+              <a:ea typeface="Times"/>
+              <a:cs typeface="Times"/>
+              <a:sym typeface="Times"/>
+            </a:endParaRPr>
+          </a:p>
+          <a:p>
+            <a:pPr indent="-342900" lvl="0" marL="457200" rtl="0" algn="l">
+              <a:spcBef>
+                <a:spcPts val="600"/>
+              </a:spcBef>
+              <a:spcAft>
+                <a:spcPts val="0"/>
+              </a:spcAft>
+              <a:buClr>
+                <a:srgbClr val="000000"/>
+              </a:buClr>
+              <a:buSzPts val="1800"/>
+              <a:buFont typeface="Times"/>
+              <a:buChar char="●"/>
+            </a:pPr>
+            <a:r>
+              <a:rPr lang="en" sz="1800">
+                <a:solidFill>
+                  <a:srgbClr val="000000"/>
+                </a:solidFill>
+                <a:latin typeface="Times"/>
+                <a:ea typeface="Times"/>
+                <a:cs typeface="Times"/>
+                <a:sym typeface="Times"/>
+              </a:rPr>
+              <a:t>Sviluppi futuri:</a:t>
+            </a:r>
+            <a:endParaRPr sz="1800">
+              <a:solidFill>
+                <a:srgbClr val="000000"/>
+              </a:solidFill>
+              <a:latin typeface="Times"/>
+              <a:ea typeface="Times"/>
+              <a:cs typeface="Times"/>
+              <a:sym typeface="Times"/>
+            </a:endParaRPr>
+          </a:p>
+          <a:p>
+            <a:pPr indent="-342900" lvl="1" marL="914400" rtl="0" algn="l">
+              <a:spcBef>
+                <a:spcPts val="0"/>
+              </a:spcBef>
+              <a:spcAft>
+                <a:spcPts val="0"/>
+              </a:spcAft>
+              <a:buClr>
+                <a:srgbClr val="000000"/>
+              </a:buClr>
+              <a:buSzPts val="1800"/>
+              <a:buFont typeface="Times"/>
+              <a:buChar char="○"/>
+            </a:pPr>
+            <a:r>
+              <a:rPr lang="en" sz="1800">
+                <a:solidFill>
+                  <a:srgbClr val="000000"/>
+                </a:solidFill>
+                <a:latin typeface="Times"/>
+                <a:ea typeface="Times"/>
+                <a:cs typeface="Times"/>
+                <a:sym typeface="Times"/>
+              </a:rPr>
+              <a:t>Aggiornamento dataset;</a:t>
+            </a:r>
+            <a:endParaRPr sz="1800">
+              <a:solidFill>
+                <a:srgbClr val="000000"/>
+              </a:solidFill>
+              <a:latin typeface="Times"/>
+              <a:ea typeface="Times"/>
+              <a:cs typeface="Times"/>
+              <a:sym typeface="Times"/>
+            </a:endParaRPr>
+          </a:p>
+          <a:p>
+            <a:pPr indent="-342900" lvl="1" marL="914400" rtl="0" algn="l">
+              <a:spcBef>
+                <a:spcPts val="0"/>
+              </a:spcBef>
+              <a:spcAft>
+                <a:spcPts val="0"/>
+              </a:spcAft>
+              <a:buClr>
+                <a:srgbClr val="000000"/>
+              </a:buClr>
+              <a:buSzPts val="1800"/>
+              <a:buFont typeface="Times"/>
+              <a:buChar char="○"/>
+            </a:pPr>
+            <a:r>
+              <a:rPr lang="en" sz="1800">
+                <a:solidFill>
+                  <a:srgbClr val="000000"/>
+                </a:solidFill>
+                <a:latin typeface="Times"/>
+                <a:ea typeface="Times"/>
+                <a:cs typeface="Times"/>
+                <a:sym typeface="Times"/>
+              </a:rPr>
+              <a:t>Analisi approfondita dei pattern individuati;</a:t>
+            </a:r>
+            <a:endParaRPr sz="1800">
+              <a:solidFill>
+                <a:srgbClr val="000000"/>
+              </a:solidFill>
+              <a:latin typeface="Times"/>
+              <a:ea typeface="Times"/>
+              <a:cs typeface="Times"/>
+              <a:sym typeface="Times"/>
+            </a:endParaRPr>
+          </a:p>
+          <a:p>
+            <a:pPr indent="-342900" lvl="1" marL="914400" rtl="0" algn="l">
+              <a:spcBef>
+                <a:spcPts val="0"/>
+              </a:spcBef>
+              <a:spcAft>
+                <a:spcPts val="0"/>
+              </a:spcAft>
+              <a:buClr>
+                <a:srgbClr val="000000"/>
+              </a:buClr>
+              <a:buSzPts val="1800"/>
+              <a:buFont typeface="Times"/>
+              <a:buChar char="○"/>
+            </a:pPr>
+            <a:r>
+              <a:rPr lang="en" sz="1800">
+                <a:solidFill>
+                  <a:srgbClr val="000000"/>
+                </a:solidFill>
+                <a:latin typeface="Times"/>
+                <a:ea typeface="Times"/>
+                <a:cs typeface="Times"/>
+                <a:sym typeface="Times"/>
+              </a:rPr>
+              <a:t>Confronto con altri attacchi.</a:t>
+            </a:r>
+            <a:endParaRPr sz="1800">
+              <a:solidFill>
+                <a:srgbClr val="000000"/>
+              </a:solidFill>
+              <a:latin typeface="Times"/>
+              <a:ea typeface="Times"/>
+              <a:cs typeface="Times"/>
+              <a:sym typeface="Times"/>
+            </a:endParaRPr>
+          </a:p>
+        </p:txBody>
+      </p:sp>
       <p:pic>
         <p:nvPicPr>
-          <p:cNvPr id="290" name="Google Shape;290;p32"/>
+          <p:cNvPr id="310" name="Google Shape;310;p32"/>
           <p:cNvPicPr preferRelativeResize="0"/>
           <p:nvPr/>
         </p:nvPicPr>
@@ -13756,1186 +15031,6 @@
           </a:ln>
         </p:spPr>
       </p:pic>
-      <p:sp>
-        <p:nvSpPr>
-          <p:cNvPr id="291" name="Google Shape;291;p32"/>
-          <p:cNvSpPr/>
-          <p:nvPr/>
-        </p:nvSpPr>
-        <p:spPr>
-          <a:xfrm>
-            <a:off x="265475" y="1817450"/>
-            <a:ext cx="743700" cy="641100"/>
-          </a:xfrm>
-          <a:prstGeom prst="ellipse">
-            <a:avLst/>
-          </a:prstGeom>
-          <a:solidFill>
-            <a:srgbClr val="073763"/>
-          </a:solidFill>
-          <a:ln cap="flat" cmpd="sng" w="9525">
-            <a:solidFill>
-              <a:srgbClr val="000000"/>
-            </a:solidFill>
-            <a:prstDash val="solid"/>
-            <a:round/>
-            <a:headEnd len="sm" w="sm" type="none"/>
-            <a:tailEnd len="sm" w="sm" type="none"/>
-          </a:ln>
-        </p:spPr>
-        <p:txBody>
-          <a:bodyPr anchorCtr="0" anchor="ctr" bIns="91425" lIns="91425" spcFirstLastPara="1" rIns="91425" wrap="square" tIns="91425">
-            <a:noAutofit/>
-          </a:bodyPr>
-          <a:lstStyle/>
-          <a:p>
-            <a:pPr indent="0" lvl="0" marL="0" rtl="0" algn="ctr">
-              <a:spcBef>
-                <a:spcPts val="0"/>
-              </a:spcBef>
-              <a:spcAft>
-                <a:spcPts val="0"/>
-              </a:spcAft>
-              <a:buNone/>
-            </a:pPr>
-            <a:r>
-              <a:rPr lang="en" sz="1800">
-                <a:solidFill>
-                  <a:schemeClr val="lt1"/>
-                </a:solidFill>
-                <a:latin typeface="Times"/>
-                <a:ea typeface="Times"/>
-                <a:cs typeface="Times"/>
-                <a:sym typeface="Times"/>
-              </a:rPr>
-              <a:t>F</a:t>
-            </a:r>
-            <a:endParaRPr sz="2200">
-              <a:solidFill>
-                <a:schemeClr val="lt1"/>
-              </a:solidFill>
-              <a:latin typeface="Times"/>
-              <a:ea typeface="Times"/>
-              <a:cs typeface="Times"/>
-              <a:sym typeface="Times"/>
-            </a:endParaRPr>
-          </a:p>
-        </p:txBody>
-      </p:sp>
-      <p:sp>
-        <p:nvSpPr>
-          <p:cNvPr id="292" name="Google Shape;292;p32"/>
-          <p:cNvSpPr/>
-          <p:nvPr/>
-        </p:nvSpPr>
-        <p:spPr>
-          <a:xfrm>
-            <a:off x="656074" y="3032797"/>
-            <a:ext cx="1157100" cy="466200"/>
-          </a:xfrm>
-          <a:prstGeom prst="ellipse">
-            <a:avLst/>
-          </a:prstGeom>
-          <a:solidFill>
-            <a:srgbClr val="E69138"/>
-          </a:solidFill>
-          <a:ln cap="flat" cmpd="sng" w="9525">
-            <a:solidFill>
-              <a:srgbClr val="000000"/>
-            </a:solidFill>
-            <a:prstDash val="solid"/>
-            <a:round/>
-            <a:headEnd len="sm" w="sm" type="none"/>
-            <a:tailEnd len="sm" w="sm" type="none"/>
-          </a:ln>
-        </p:spPr>
-        <p:txBody>
-          <a:bodyPr anchorCtr="0" anchor="ctr" bIns="91425" lIns="91425" spcFirstLastPara="1" rIns="91425" wrap="square" tIns="91425">
-            <a:noAutofit/>
-          </a:bodyPr>
-          <a:lstStyle/>
-          <a:p>
-            <a:pPr indent="0" lvl="0" marL="0" rtl="0" algn="ctr">
-              <a:spcBef>
-                <a:spcPts val="0"/>
-              </a:spcBef>
-              <a:spcAft>
-                <a:spcPts val="0"/>
-              </a:spcAft>
-              <a:buNone/>
-            </a:pPr>
-            <a:r>
-              <a:rPr lang="en" sz="1800">
-                <a:solidFill>
-                  <a:schemeClr val="lt1"/>
-                </a:solidFill>
-                <a:latin typeface="Times"/>
-                <a:ea typeface="Times"/>
-                <a:cs typeface="Times"/>
-                <a:sym typeface="Times"/>
-              </a:rPr>
-              <a:t>A1</a:t>
-            </a:r>
-            <a:endParaRPr sz="1800">
-              <a:solidFill>
-                <a:schemeClr val="lt1"/>
-              </a:solidFill>
-              <a:latin typeface="Times"/>
-              <a:ea typeface="Times"/>
-              <a:cs typeface="Times"/>
-              <a:sym typeface="Times"/>
-            </a:endParaRPr>
-          </a:p>
-        </p:txBody>
-      </p:sp>
-      <p:sp>
-        <p:nvSpPr>
-          <p:cNvPr id="293" name="Google Shape;293;p32"/>
-          <p:cNvSpPr/>
-          <p:nvPr/>
-        </p:nvSpPr>
-        <p:spPr>
-          <a:xfrm>
-            <a:off x="722704" y="3605813"/>
-            <a:ext cx="104400" cy="724800"/>
-          </a:xfrm>
-          <a:prstGeom prst="downArrow">
-            <a:avLst>
-              <a:gd fmla="val 50000" name="adj1"/>
-              <a:gd fmla="val 50000" name="adj2"/>
-            </a:avLst>
-          </a:prstGeom>
-          <a:solidFill>
-            <a:srgbClr val="CC0000"/>
-          </a:solidFill>
-          <a:ln cap="flat" cmpd="sng" w="9525">
-            <a:solidFill>
-              <a:srgbClr val="000000"/>
-            </a:solidFill>
-            <a:prstDash val="solid"/>
-            <a:round/>
-            <a:headEnd len="sm" w="sm" type="none"/>
-            <a:tailEnd len="sm" w="sm" type="none"/>
-          </a:ln>
-        </p:spPr>
-        <p:txBody>
-          <a:bodyPr anchorCtr="0" anchor="ctr" bIns="91425" lIns="91425" spcFirstLastPara="1" rIns="91425" wrap="square" tIns="91425">
-            <a:noAutofit/>
-          </a:bodyPr>
-          <a:lstStyle/>
-          <a:p>
-            <a:pPr indent="0" lvl="0" marL="0" rtl="0" algn="l">
-              <a:spcBef>
-                <a:spcPts val="0"/>
-              </a:spcBef>
-              <a:spcAft>
-                <a:spcPts val="0"/>
-              </a:spcAft>
-              <a:buNone/>
-            </a:pPr>
-            <a:r>
-              <a:t/>
-            </a:r>
-            <a:endParaRPr/>
-          </a:p>
-        </p:txBody>
-      </p:sp>
-      <p:sp>
-        <p:nvSpPr>
-          <p:cNvPr id="294" name="Google Shape;294;p32"/>
-          <p:cNvSpPr/>
-          <p:nvPr/>
-        </p:nvSpPr>
-        <p:spPr>
-          <a:xfrm>
-            <a:off x="962472" y="3722914"/>
-            <a:ext cx="104400" cy="724800"/>
-          </a:xfrm>
-          <a:prstGeom prst="downArrow">
-            <a:avLst>
-              <a:gd fmla="val 50000" name="adj1"/>
-              <a:gd fmla="val 50000" name="adj2"/>
-            </a:avLst>
-          </a:prstGeom>
-          <a:solidFill>
-            <a:srgbClr val="CC0000"/>
-          </a:solidFill>
-          <a:ln cap="flat" cmpd="sng" w="9525">
-            <a:solidFill>
-              <a:srgbClr val="000000"/>
-            </a:solidFill>
-            <a:prstDash val="solid"/>
-            <a:round/>
-            <a:headEnd len="sm" w="sm" type="none"/>
-            <a:tailEnd len="sm" w="sm" type="none"/>
-          </a:ln>
-        </p:spPr>
-        <p:txBody>
-          <a:bodyPr anchorCtr="0" anchor="ctr" bIns="91425" lIns="91425" spcFirstLastPara="1" rIns="91425" wrap="square" tIns="91425">
-            <a:noAutofit/>
-          </a:bodyPr>
-          <a:lstStyle/>
-          <a:p>
-            <a:pPr indent="0" lvl="0" marL="0" rtl="0" algn="l">
-              <a:spcBef>
-                <a:spcPts val="0"/>
-              </a:spcBef>
-              <a:spcAft>
-                <a:spcPts val="0"/>
-              </a:spcAft>
-              <a:buNone/>
-            </a:pPr>
-            <a:r>
-              <a:t/>
-            </a:r>
-            <a:endParaRPr/>
-          </a:p>
-        </p:txBody>
-      </p:sp>
-      <p:sp>
-        <p:nvSpPr>
-          <p:cNvPr id="295" name="Google Shape;295;p32"/>
-          <p:cNvSpPr/>
-          <p:nvPr/>
-        </p:nvSpPr>
-        <p:spPr>
-          <a:xfrm>
-            <a:off x="1361359" y="3722914"/>
-            <a:ext cx="104400" cy="724800"/>
-          </a:xfrm>
-          <a:prstGeom prst="downArrow">
-            <a:avLst>
-              <a:gd fmla="val 50000" name="adj1"/>
-              <a:gd fmla="val 50000" name="adj2"/>
-            </a:avLst>
-          </a:prstGeom>
-          <a:solidFill>
-            <a:srgbClr val="CC0000"/>
-          </a:solidFill>
-          <a:ln cap="flat" cmpd="sng" w="9525">
-            <a:solidFill>
-              <a:srgbClr val="000000"/>
-            </a:solidFill>
-            <a:prstDash val="solid"/>
-            <a:round/>
-            <a:headEnd len="sm" w="sm" type="none"/>
-            <a:tailEnd len="sm" w="sm" type="none"/>
-          </a:ln>
-        </p:spPr>
-        <p:txBody>
-          <a:bodyPr anchorCtr="0" anchor="ctr" bIns="91425" lIns="91425" spcFirstLastPara="1" rIns="91425" wrap="square" tIns="91425">
-            <a:noAutofit/>
-          </a:bodyPr>
-          <a:lstStyle/>
-          <a:p>
-            <a:pPr indent="0" lvl="0" marL="0" rtl="0" algn="l">
-              <a:spcBef>
-                <a:spcPts val="0"/>
-              </a:spcBef>
-              <a:spcAft>
-                <a:spcPts val="0"/>
-              </a:spcAft>
-              <a:buNone/>
-            </a:pPr>
-            <a:r>
-              <a:t/>
-            </a:r>
-            <a:endParaRPr/>
-          </a:p>
-        </p:txBody>
-      </p:sp>
-      <p:sp>
-        <p:nvSpPr>
-          <p:cNvPr id="296" name="Google Shape;296;p32"/>
-          <p:cNvSpPr/>
-          <p:nvPr/>
-        </p:nvSpPr>
-        <p:spPr>
-          <a:xfrm>
-            <a:off x="1642129" y="3605813"/>
-            <a:ext cx="104400" cy="724800"/>
-          </a:xfrm>
-          <a:prstGeom prst="downArrow">
-            <a:avLst>
-              <a:gd fmla="val 50000" name="adj1"/>
-              <a:gd fmla="val 50000" name="adj2"/>
-            </a:avLst>
-          </a:prstGeom>
-          <a:solidFill>
-            <a:srgbClr val="CC0000"/>
-          </a:solidFill>
-          <a:ln cap="flat" cmpd="sng" w="9525">
-            <a:solidFill>
-              <a:srgbClr val="000000"/>
-            </a:solidFill>
-            <a:prstDash val="solid"/>
-            <a:round/>
-            <a:headEnd len="sm" w="sm" type="none"/>
-            <a:tailEnd len="sm" w="sm" type="none"/>
-          </a:ln>
-        </p:spPr>
-        <p:txBody>
-          <a:bodyPr anchorCtr="0" anchor="ctr" bIns="91425" lIns="91425" spcFirstLastPara="1" rIns="91425" wrap="square" tIns="91425">
-            <a:noAutofit/>
-          </a:bodyPr>
-          <a:lstStyle/>
-          <a:p>
-            <a:pPr indent="0" lvl="0" marL="0" rtl="0" algn="l">
-              <a:spcBef>
-                <a:spcPts val="0"/>
-              </a:spcBef>
-              <a:spcAft>
-                <a:spcPts val="0"/>
-              </a:spcAft>
-              <a:buNone/>
-            </a:pPr>
-            <a:r>
-              <a:t/>
-            </a:r>
-            <a:endParaRPr/>
-          </a:p>
-        </p:txBody>
-      </p:sp>
-      <p:sp>
-        <p:nvSpPr>
-          <p:cNvPr id="297" name="Google Shape;297;p32"/>
-          <p:cNvSpPr/>
-          <p:nvPr/>
-        </p:nvSpPr>
-        <p:spPr>
-          <a:xfrm rot="3914124">
-            <a:off x="661646" y="2619932"/>
-            <a:ext cx="341616" cy="224195"/>
-          </a:xfrm>
-          <a:prstGeom prst="rightArrow">
-            <a:avLst>
-              <a:gd fmla="val 50000" name="adj1"/>
-              <a:gd fmla="val 50000" name="adj2"/>
-            </a:avLst>
-          </a:prstGeom>
-          <a:solidFill>
-            <a:srgbClr val="1155CC"/>
-          </a:solidFill>
-          <a:ln cap="flat" cmpd="sng" w="9525">
-            <a:solidFill>
-              <a:srgbClr val="000000"/>
-            </a:solidFill>
-            <a:prstDash val="solid"/>
-            <a:round/>
-            <a:headEnd len="sm" w="sm" type="none"/>
-            <a:tailEnd len="sm" w="sm" type="none"/>
-          </a:ln>
-        </p:spPr>
-        <p:txBody>
-          <a:bodyPr anchorCtr="0" anchor="ctr" bIns="91425" lIns="91425" spcFirstLastPara="1" rIns="91425" wrap="square" tIns="91425">
-            <a:noAutofit/>
-          </a:bodyPr>
-          <a:lstStyle/>
-          <a:p>
-            <a:pPr indent="0" lvl="0" marL="0" rtl="0" algn="l">
-              <a:spcBef>
-                <a:spcPts val="0"/>
-              </a:spcBef>
-              <a:spcAft>
-                <a:spcPts val="0"/>
-              </a:spcAft>
-              <a:buNone/>
-            </a:pPr>
-            <a:r>
-              <a:t/>
-            </a:r>
-            <a:endParaRPr/>
-          </a:p>
-        </p:txBody>
-      </p:sp>
-      <p:sp>
-        <p:nvSpPr>
-          <p:cNvPr id="298" name="Google Shape;298;p32"/>
-          <p:cNvSpPr/>
-          <p:nvPr/>
-        </p:nvSpPr>
-        <p:spPr>
-          <a:xfrm>
-            <a:off x="2785091" y="3032797"/>
-            <a:ext cx="1157100" cy="466200"/>
-          </a:xfrm>
-          <a:prstGeom prst="ellipse">
-            <a:avLst/>
-          </a:prstGeom>
-          <a:solidFill>
-            <a:srgbClr val="CC0000"/>
-          </a:solidFill>
-          <a:ln cap="flat" cmpd="sng" w="9525">
-            <a:solidFill>
-              <a:srgbClr val="000000"/>
-            </a:solidFill>
-            <a:prstDash val="solid"/>
-            <a:round/>
-            <a:headEnd len="sm" w="sm" type="none"/>
-            <a:tailEnd len="sm" w="sm" type="none"/>
-          </a:ln>
-        </p:spPr>
-        <p:txBody>
-          <a:bodyPr anchorCtr="0" anchor="ctr" bIns="91425" lIns="91425" spcFirstLastPara="1" rIns="91425" wrap="square" tIns="91425">
-            <a:noAutofit/>
-          </a:bodyPr>
-          <a:lstStyle/>
-          <a:p>
-            <a:pPr indent="0" lvl="0" marL="0" rtl="0" algn="ctr">
-              <a:spcBef>
-                <a:spcPts val="0"/>
-              </a:spcBef>
-              <a:spcAft>
-                <a:spcPts val="0"/>
-              </a:spcAft>
-              <a:buNone/>
-            </a:pPr>
-            <a:r>
-              <a:rPr lang="en" sz="1800">
-                <a:solidFill>
-                  <a:schemeClr val="lt1"/>
-                </a:solidFill>
-                <a:latin typeface="Times"/>
-                <a:ea typeface="Times"/>
-                <a:cs typeface="Times"/>
-                <a:sym typeface="Times"/>
-              </a:rPr>
-              <a:t>A2</a:t>
-            </a:r>
-            <a:endParaRPr sz="1800">
-              <a:solidFill>
-                <a:schemeClr val="lt1"/>
-              </a:solidFill>
-              <a:latin typeface="Times"/>
-              <a:ea typeface="Times"/>
-              <a:cs typeface="Times"/>
-              <a:sym typeface="Times"/>
-            </a:endParaRPr>
-          </a:p>
-        </p:txBody>
-      </p:sp>
-      <p:sp>
-        <p:nvSpPr>
-          <p:cNvPr id="299" name="Google Shape;299;p32"/>
-          <p:cNvSpPr/>
-          <p:nvPr/>
-        </p:nvSpPr>
-        <p:spPr>
-          <a:xfrm>
-            <a:off x="2863170" y="3605813"/>
-            <a:ext cx="104400" cy="724800"/>
-          </a:xfrm>
-          <a:prstGeom prst="downArrow">
-            <a:avLst>
-              <a:gd fmla="val 50000" name="adj1"/>
-              <a:gd fmla="val 50000" name="adj2"/>
-            </a:avLst>
-          </a:prstGeom>
-          <a:solidFill>
-            <a:srgbClr val="CC0000"/>
-          </a:solidFill>
-          <a:ln cap="flat" cmpd="sng" w="9525">
-            <a:solidFill>
-              <a:srgbClr val="000000"/>
-            </a:solidFill>
-            <a:prstDash val="solid"/>
-            <a:round/>
-            <a:headEnd len="sm" w="sm" type="none"/>
-            <a:tailEnd len="sm" w="sm" type="none"/>
-          </a:ln>
-        </p:spPr>
-        <p:txBody>
-          <a:bodyPr anchorCtr="0" anchor="ctr" bIns="91425" lIns="91425" spcFirstLastPara="1" rIns="91425" wrap="square" tIns="91425">
-            <a:noAutofit/>
-          </a:bodyPr>
-          <a:lstStyle/>
-          <a:p>
-            <a:pPr indent="0" lvl="0" marL="0" rtl="0" algn="l">
-              <a:spcBef>
-                <a:spcPts val="0"/>
-              </a:spcBef>
-              <a:spcAft>
-                <a:spcPts val="0"/>
-              </a:spcAft>
-              <a:buNone/>
-            </a:pPr>
-            <a:r>
-              <a:t/>
-            </a:r>
-            <a:endParaRPr/>
-          </a:p>
-        </p:txBody>
-      </p:sp>
-      <p:sp>
-        <p:nvSpPr>
-          <p:cNvPr id="300" name="Google Shape;300;p32"/>
-          <p:cNvSpPr/>
-          <p:nvPr/>
-        </p:nvSpPr>
-        <p:spPr>
-          <a:xfrm>
-            <a:off x="3102938" y="3722914"/>
-            <a:ext cx="104400" cy="724800"/>
-          </a:xfrm>
-          <a:prstGeom prst="downArrow">
-            <a:avLst>
-              <a:gd fmla="val 50000" name="adj1"/>
-              <a:gd fmla="val 50000" name="adj2"/>
-            </a:avLst>
-          </a:prstGeom>
-          <a:solidFill>
-            <a:srgbClr val="CC0000"/>
-          </a:solidFill>
-          <a:ln cap="flat" cmpd="sng" w="9525">
-            <a:solidFill>
-              <a:srgbClr val="000000"/>
-            </a:solidFill>
-            <a:prstDash val="solid"/>
-            <a:round/>
-            <a:headEnd len="sm" w="sm" type="none"/>
-            <a:tailEnd len="sm" w="sm" type="none"/>
-          </a:ln>
-        </p:spPr>
-        <p:txBody>
-          <a:bodyPr anchorCtr="0" anchor="ctr" bIns="91425" lIns="91425" spcFirstLastPara="1" rIns="91425" wrap="square" tIns="91425">
-            <a:noAutofit/>
-          </a:bodyPr>
-          <a:lstStyle/>
-          <a:p>
-            <a:pPr indent="0" lvl="0" marL="0" rtl="0" algn="l">
-              <a:spcBef>
-                <a:spcPts val="0"/>
-              </a:spcBef>
-              <a:spcAft>
-                <a:spcPts val="0"/>
-              </a:spcAft>
-              <a:buNone/>
-            </a:pPr>
-            <a:r>
-              <a:t/>
-            </a:r>
-            <a:endParaRPr/>
-          </a:p>
-        </p:txBody>
-      </p:sp>
-      <p:sp>
-        <p:nvSpPr>
-          <p:cNvPr id="301" name="Google Shape;301;p32"/>
-          <p:cNvSpPr/>
-          <p:nvPr/>
-        </p:nvSpPr>
-        <p:spPr>
-          <a:xfrm>
-            <a:off x="3501826" y="3722914"/>
-            <a:ext cx="104400" cy="724800"/>
-          </a:xfrm>
-          <a:prstGeom prst="downArrow">
-            <a:avLst>
-              <a:gd fmla="val 50000" name="adj1"/>
-              <a:gd fmla="val 50000" name="adj2"/>
-            </a:avLst>
-          </a:prstGeom>
-          <a:solidFill>
-            <a:srgbClr val="CC0000"/>
-          </a:solidFill>
-          <a:ln cap="flat" cmpd="sng" w="9525">
-            <a:solidFill>
-              <a:srgbClr val="000000"/>
-            </a:solidFill>
-            <a:prstDash val="solid"/>
-            <a:round/>
-            <a:headEnd len="sm" w="sm" type="none"/>
-            <a:tailEnd len="sm" w="sm" type="none"/>
-          </a:ln>
-        </p:spPr>
-        <p:txBody>
-          <a:bodyPr anchorCtr="0" anchor="ctr" bIns="91425" lIns="91425" spcFirstLastPara="1" rIns="91425" wrap="square" tIns="91425">
-            <a:noAutofit/>
-          </a:bodyPr>
-          <a:lstStyle/>
-          <a:p>
-            <a:pPr indent="0" lvl="0" marL="0" rtl="0" algn="l">
-              <a:spcBef>
-                <a:spcPts val="0"/>
-              </a:spcBef>
-              <a:spcAft>
-                <a:spcPts val="0"/>
-              </a:spcAft>
-              <a:buNone/>
-            </a:pPr>
-            <a:r>
-              <a:t/>
-            </a:r>
-            <a:endParaRPr/>
-          </a:p>
-        </p:txBody>
-      </p:sp>
-      <p:sp>
-        <p:nvSpPr>
-          <p:cNvPr id="302" name="Google Shape;302;p32"/>
-          <p:cNvSpPr/>
-          <p:nvPr/>
-        </p:nvSpPr>
-        <p:spPr>
-          <a:xfrm>
-            <a:off x="3782596" y="3605813"/>
-            <a:ext cx="104400" cy="724800"/>
-          </a:xfrm>
-          <a:prstGeom prst="downArrow">
-            <a:avLst>
-              <a:gd fmla="val 50000" name="adj1"/>
-              <a:gd fmla="val 50000" name="adj2"/>
-            </a:avLst>
-          </a:prstGeom>
-          <a:solidFill>
-            <a:srgbClr val="CC0000"/>
-          </a:solidFill>
-          <a:ln cap="flat" cmpd="sng" w="9525">
-            <a:solidFill>
-              <a:srgbClr val="000000"/>
-            </a:solidFill>
-            <a:prstDash val="solid"/>
-            <a:round/>
-            <a:headEnd len="sm" w="sm" type="none"/>
-            <a:tailEnd len="sm" w="sm" type="none"/>
-          </a:ln>
-        </p:spPr>
-        <p:txBody>
-          <a:bodyPr anchorCtr="0" anchor="ctr" bIns="91425" lIns="91425" spcFirstLastPara="1" rIns="91425" wrap="square" tIns="91425">
-            <a:noAutofit/>
-          </a:bodyPr>
-          <a:lstStyle/>
-          <a:p>
-            <a:pPr indent="0" lvl="0" marL="0" rtl="0" algn="l">
-              <a:spcBef>
-                <a:spcPts val="0"/>
-              </a:spcBef>
-              <a:spcAft>
-                <a:spcPts val="0"/>
-              </a:spcAft>
-              <a:buNone/>
-            </a:pPr>
-            <a:r>
-              <a:t/>
-            </a:r>
-            <a:endParaRPr/>
-          </a:p>
-        </p:txBody>
-      </p:sp>
-      <p:sp>
-        <p:nvSpPr>
-          <p:cNvPr id="303" name="Google Shape;303;p32"/>
-          <p:cNvSpPr/>
-          <p:nvPr/>
-        </p:nvSpPr>
-        <p:spPr>
-          <a:xfrm>
-            <a:off x="4878587" y="3032797"/>
-            <a:ext cx="1157100" cy="466200"/>
-          </a:xfrm>
-          <a:prstGeom prst="ellipse">
-            <a:avLst/>
-          </a:prstGeom>
-          <a:solidFill>
-            <a:srgbClr val="CC0000"/>
-          </a:solidFill>
-          <a:ln cap="flat" cmpd="sng" w="9525">
-            <a:solidFill>
-              <a:srgbClr val="000000"/>
-            </a:solidFill>
-            <a:prstDash val="solid"/>
-            <a:round/>
-            <a:headEnd len="sm" w="sm" type="none"/>
-            <a:tailEnd len="sm" w="sm" type="none"/>
-          </a:ln>
-        </p:spPr>
-        <p:txBody>
-          <a:bodyPr anchorCtr="0" anchor="ctr" bIns="91425" lIns="91425" spcFirstLastPara="1" rIns="91425" wrap="square" tIns="91425">
-            <a:noAutofit/>
-          </a:bodyPr>
-          <a:lstStyle/>
-          <a:p>
-            <a:pPr indent="0" lvl="0" marL="0" rtl="0" algn="ctr">
-              <a:spcBef>
-                <a:spcPts val="0"/>
-              </a:spcBef>
-              <a:spcAft>
-                <a:spcPts val="0"/>
-              </a:spcAft>
-              <a:buNone/>
-            </a:pPr>
-            <a:r>
-              <a:rPr lang="en" sz="1800">
-                <a:solidFill>
-                  <a:schemeClr val="lt1"/>
-                </a:solidFill>
-                <a:latin typeface="Times"/>
-                <a:ea typeface="Times"/>
-                <a:cs typeface="Times"/>
-                <a:sym typeface="Times"/>
-              </a:rPr>
-              <a:t>A3</a:t>
-            </a:r>
-            <a:endParaRPr sz="1800">
-              <a:solidFill>
-                <a:schemeClr val="lt1"/>
-              </a:solidFill>
-              <a:latin typeface="Times"/>
-              <a:ea typeface="Times"/>
-              <a:cs typeface="Times"/>
-              <a:sym typeface="Times"/>
-            </a:endParaRPr>
-          </a:p>
-        </p:txBody>
-      </p:sp>
-      <p:sp>
-        <p:nvSpPr>
-          <p:cNvPr id="304" name="Google Shape;304;p32"/>
-          <p:cNvSpPr/>
-          <p:nvPr/>
-        </p:nvSpPr>
-        <p:spPr>
-          <a:xfrm>
-            <a:off x="4945217" y="3605813"/>
-            <a:ext cx="104400" cy="724800"/>
-          </a:xfrm>
-          <a:prstGeom prst="downArrow">
-            <a:avLst>
-              <a:gd fmla="val 50000" name="adj1"/>
-              <a:gd fmla="val 50000" name="adj2"/>
-            </a:avLst>
-          </a:prstGeom>
-          <a:solidFill>
-            <a:srgbClr val="CC0000"/>
-          </a:solidFill>
-          <a:ln cap="flat" cmpd="sng" w="9525">
-            <a:solidFill>
-              <a:srgbClr val="000000"/>
-            </a:solidFill>
-            <a:prstDash val="solid"/>
-            <a:round/>
-            <a:headEnd len="sm" w="sm" type="none"/>
-            <a:tailEnd len="sm" w="sm" type="none"/>
-          </a:ln>
-        </p:spPr>
-        <p:txBody>
-          <a:bodyPr anchorCtr="0" anchor="ctr" bIns="91425" lIns="91425" spcFirstLastPara="1" rIns="91425" wrap="square" tIns="91425">
-            <a:noAutofit/>
-          </a:bodyPr>
-          <a:lstStyle/>
-          <a:p>
-            <a:pPr indent="0" lvl="0" marL="0" rtl="0" algn="l">
-              <a:spcBef>
-                <a:spcPts val="0"/>
-              </a:spcBef>
-              <a:spcAft>
-                <a:spcPts val="0"/>
-              </a:spcAft>
-              <a:buNone/>
-            </a:pPr>
-            <a:r>
-              <a:t/>
-            </a:r>
-            <a:endParaRPr/>
-          </a:p>
-        </p:txBody>
-      </p:sp>
-      <p:sp>
-        <p:nvSpPr>
-          <p:cNvPr id="305" name="Google Shape;305;p32"/>
-          <p:cNvSpPr/>
-          <p:nvPr/>
-        </p:nvSpPr>
-        <p:spPr>
-          <a:xfrm>
-            <a:off x="5184985" y="3722914"/>
-            <a:ext cx="104400" cy="724800"/>
-          </a:xfrm>
-          <a:prstGeom prst="downArrow">
-            <a:avLst>
-              <a:gd fmla="val 50000" name="adj1"/>
-              <a:gd fmla="val 50000" name="adj2"/>
-            </a:avLst>
-          </a:prstGeom>
-          <a:solidFill>
-            <a:srgbClr val="CC0000"/>
-          </a:solidFill>
-          <a:ln cap="flat" cmpd="sng" w="9525">
-            <a:solidFill>
-              <a:srgbClr val="000000"/>
-            </a:solidFill>
-            <a:prstDash val="solid"/>
-            <a:round/>
-            <a:headEnd len="sm" w="sm" type="none"/>
-            <a:tailEnd len="sm" w="sm" type="none"/>
-          </a:ln>
-        </p:spPr>
-        <p:txBody>
-          <a:bodyPr anchorCtr="0" anchor="ctr" bIns="91425" lIns="91425" spcFirstLastPara="1" rIns="91425" wrap="square" tIns="91425">
-            <a:noAutofit/>
-          </a:bodyPr>
-          <a:lstStyle/>
-          <a:p>
-            <a:pPr indent="0" lvl="0" marL="0" rtl="0" algn="l">
-              <a:spcBef>
-                <a:spcPts val="0"/>
-              </a:spcBef>
-              <a:spcAft>
-                <a:spcPts val="0"/>
-              </a:spcAft>
-              <a:buNone/>
-            </a:pPr>
-            <a:r>
-              <a:t/>
-            </a:r>
-            <a:endParaRPr/>
-          </a:p>
-        </p:txBody>
-      </p:sp>
-      <p:sp>
-        <p:nvSpPr>
-          <p:cNvPr id="306" name="Google Shape;306;p32"/>
-          <p:cNvSpPr/>
-          <p:nvPr/>
-        </p:nvSpPr>
-        <p:spPr>
-          <a:xfrm>
-            <a:off x="5583873" y="3722914"/>
-            <a:ext cx="104400" cy="724800"/>
-          </a:xfrm>
-          <a:prstGeom prst="downArrow">
-            <a:avLst>
-              <a:gd fmla="val 50000" name="adj1"/>
-              <a:gd fmla="val 50000" name="adj2"/>
-            </a:avLst>
-          </a:prstGeom>
-          <a:solidFill>
-            <a:srgbClr val="CC0000"/>
-          </a:solidFill>
-          <a:ln cap="flat" cmpd="sng" w="9525">
-            <a:solidFill>
-              <a:srgbClr val="000000"/>
-            </a:solidFill>
-            <a:prstDash val="solid"/>
-            <a:round/>
-            <a:headEnd len="sm" w="sm" type="none"/>
-            <a:tailEnd len="sm" w="sm" type="none"/>
-          </a:ln>
-        </p:spPr>
-        <p:txBody>
-          <a:bodyPr anchorCtr="0" anchor="ctr" bIns="91425" lIns="91425" spcFirstLastPara="1" rIns="91425" wrap="square" tIns="91425">
-            <a:noAutofit/>
-          </a:bodyPr>
-          <a:lstStyle/>
-          <a:p>
-            <a:pPr indent="0" lvl="0" marL="0" rtl="0" algn="l">
-              <a:spcBef>
-                <a:spcPts val="0"/>
-              </a:spcBef>
-              <a:spcAft>
-                <a:spcPts val="0"/>
-              </a:spcAft>
-              <a:buNone/>
-            </a:pPr>
-            <a:r>
-              <a:t/>
-            </a:r>
-            <a:endParaRPr/>
-          </a:p>
-        </p:txBody>
-      </p:sp>
-      <p:sp>
-        <p:nvSpPr>
-          <p:cNvPr id="307" name="Google Shape;307;p32"/>
-          <p:cNvSpPr/>
-          <p:nvPr/>
-        </p:nvSpPr>
-        <p:spPr>
-          <a:xfrm>
-            <a:off x="5864643" y="3605813"/>
-            <a:ext cx="104400" cy="724800"/>
-          </a:xfrm>
-          <a:prstGeom prst="downArrow">
-            <a:avLst>
-              <a:gd fmla="val 50000" name="adj1"/>
-              <a:gd fmla="val 50000" name="adj2"/>
-            </a:avLst>
-          </a:prstGeom>
-          <a:solidFill>
-            <a:srgbClr val="CC0000"/>
-          </a:solidFill>
-          <a:ln cap="flat" cmpd="sng" w="9525">
-            <a:solidFill>
-              <a:srgbClr val="000000"/>
-            </a:solidFill>
-            <a:prstDash val="solid"/>
-            <a:round/>
-            <a:headEnd len="sm" w="sm" type="none"/>
-            <a:tailEnd len="sm" w="sm" type="none"/>
-          </a:ln>
-        </p:spPr>
-        <p:txBody>
-          <a:bodyPr anchorCtr="0" anchor="ctr" bIns="91425" lIns="91425" spcFirstLastPara="1" rIns="91425" wrap="square" tIns="91425">
-            <a:noAutofit/>
-          </a:bodyPr>
-          <a:lstStyle/>
-          <a:p>
-            <a:pPr indent="0" lvl="0" marL="0" rtl="0" algn="l">
-              <a:spcBef>
-                <a:spcPts val="0"/>
-              </a:spcBef>
-              <a:spcAft>
-                <a:spcPts val="0"/>
-              </a:spcAft>
-              <a:buNone/>
-            </a:pPr>
-            <a:r>
-              <a:t/>
-            </a:r>
-            <a:endParaRPr/>
-          </a:p>
-        </p:txBody>
-      </p:sp>
-      <p:sp>
-        <p:nvSpPr>
-          <p:cNvPr id="308" name="Google Shape;308;p32"/>
-          <p:cNvSpPr/>
-          <p:nvPr/>
-        </p:nvSpPr>
-        <p:spPr>
-          <a:xfrm>
-            <a:off x="2049100" y="3150561"/>
-            <a:ext cx="500100" cy="230700"/>
-          </a:xfrm>
-          <a:prstGeom prst="rightArrow">
-            <a:avLst>
-              <a:gd fmla="val 50000" name="adj1"/>
-              <a:gd fmla="val 50000" name="adj2"/>
-            </a:avLst>
-          </a:prstGeom>
-          <a:solidFill>
-            <a:srgbClr val="CC0000"/>
-          </a:solidFill>
-          <a:ln cap="flat" cmpd="sng" w="9525">
-            <a:solidFill>
-              <a:srgbClr val="000000"/>
-            </a:solidFill>
-            <a:prstDash val="solid"/>
-            <a:round/>
-            <a:headEnd len="sm" w="sm" type="none"/>
-            <a:tailEnd len="sm" w="sm" type="none"/>
-          </a:ln>
-        </p:spPr>
-        <p:txBody>
-          <a:bodyPr anchorCtr="0" anchor="ctr" bIns="91425" lIns="91425" spcFirstLastPara="1" rIns="91425" wrap="square" tIns="91425">
-            <a:noAutofit/>
-          </a:bodyPr>
-          <a:lstStyle/>
-          <a:p>
-            <a:pPr indent="0" lvl="0" marL="0" rtl="0" algn="l">
-              <a:spcBef>
-                <a:spcPts val="0"/>
-              </a:spcBef>
-              <a:spcAft>
-                <a:spcPts val="0"/>
-              </a:spcAft>
-              <a:buNone/>
-            </a:pPr>
-            <a:r>
-              <a:t/>
-            </a:r>
-            <a:endParaRPr/>
-          </a:p>
-        </p:txBody>
-      </p:sp>
-      <p:sp>
-        <p:nvSpPr>
-          <p:cNvPr id="309" name="Google Shape;309;p32"/>
-          <p:cNvSpPr/>
-          <p:nvPr/>
-        </p:nvSpPr>
-        <p:spPr>
-          <a:xfrm>
-            <a:off x="4160350" y="3150561"/>
-            <a:ext cx="500100" cy="230700"/>
-          </a:xfrm>
-          <a:prstGeom prst="rightArrow">
-            <a:avLst>
-              <a:gd fmla="val 50000" name="adj1"/>
-              <a:gd fmla="val 50000" name="adj2"/>
-            </a:avLst>
-          </a:prstGeom>
-          <a:solidFill>
-            <a:srgbClr val="CC0000"/>
-          </a:solidFill>
-          <a:ln cap="flat" cmpd="sng" w="9525">
-            <a:solidFill>
-              <a:srgbClr val="000000"/>
-            </a:solidFill>
-            <a:prstDash val="solid"/>
-            <a:round/>
-            <a:headEnd len="sm" w="sm" type="none"/>
-            <a:tailEnd len="sm" w="sm" type="none"/>
-          </a:ln>
-        </p:spPr>
-        <p:txBody>
-          <a:bodyPr anchorCtr="0" anchor="ctr" bIns="91425" lIns="91425" spcFirstLastPara="1" rIns="91425" wrap="square" tIns="91425">
-            <a:noAutofit/>
-          </a:bodyPr>
-          <a:lstStyle/>
-          <a:p>
-            <a:pPr indent="0" lvl="0" marL="0" rtl="0" algn="l">
-              <a:spcBef>
-                <a:spcPts val="0"/>
-              </a:spcBef>
-              <a:spcAft>
-                <a:spcPts val="0"/>
-              </a:spcAft>
-              <a:buNone/>
-            </a:pPr>
-            <a:r>
-              <a:t/>
-            </a:r>
-            <a:endParaRPr/>
-          </a:p>
-        </p:txBody>
-      </p:sp>
-      <p:sp>
-        <p:nvSpPr>
-          <p:cNvPr id="310" name="Google Shape;310;p32"/>
-          <p:cNvSpPr txBox="1"/>
-          <p:nvPr/>
-        </p:nvSpPr>
-        <p:spPr>
-          <a:xfrm>
-            <a:off x="6317425" y="3032800"/>
-            <a:ext cx="872400" cy="400200"/>
-          </a:xfrm>
-          <a:prstGeom prst="rect">
-            <a:avLst/>
-          </a:prstGeom>
-          <a:noFill/>
-          <a:ln>
-            <a:noFill/>
-          </a:ln>
-        </p:spPr>
-        <p:txBody>
-          <a:bodyPr anchorCtr="0" anchor="t" bIns="91425" lIns="91425" spcFirstLastPara="1" rIns="91425" wrap="square" tIns="91425">
-            <a:spAutoFit/>
-          </a:bodyPr>
-          <a:lstStyle/>
-          <a:p>
-            <a:pPr indent="0" lvl="0" marL="0" rtl="0" algn="ctr">
-              <a:spcBef>
-                <a:spcPts val="0"/>
-              </a:spcBef>
-              <a:spcAft>
-                <a:spcPts val="0"/>
-              </a:spcAft>
-              <a:buNone/>
-            </a:pPr>
-            <a:r>
-              <a:rPr lang="en">
-                <a:latin typeface="Karla"/>
-                <a:ea typeface="Karla"/>
-                <a:cs typeface="Karla"/>
-                <a:sym typeface="Karla"/>
-              </a:rPr>
-              <a:t>.   .   .</a:t>
-            </a:r>
-            <a:endParaRPr sz="1800">
-              <a:latin typeface="Times"/>
-              <a:ea typeface="Times"/>
-              <a:cs typeface="Times"/>
-              <a:sym typeface="Times"/>
-            </a:endParaRPr>
-          </a:p>
-        </p:txBody>
-      </p:sp>
-      <p:sp>
-        <p:nvSpPr>
-          <p:cNvPr id="311" name="Google Shape;311;p32"/>
-          <p:cNvSpPr txBox="1"/>
-          <p:nvPr/>
-        </p:nvSpPr>
-        <p:spPr>
-          <a:xfrm>
-            <a:off x="965075" y="1355750"/>
-            <a:ext cx="6596400" cy="461700"/>
-          </a:xfrm>
-          <a:prstGeom prst="rect">
-            <a:avLst/>
-          </a:prstGeom>
-          <a:noFill/>
-          <a:ln>
-            <a:noFill/>
-          </a:ln>
-        </p:spPr>
-        <p:txBody>
-          <a:bodyPr anchorCtr="0" anchor="t" bIns="91425" lIns="91425" spcFirstLastPara="1" rIns="91425" wrap="square" tIns="91425">
-            <a:spAutoFit/>
-          </a:bodyPr>
-          <a:lstStyle/>
-          <a:p>
-            <a:pPr indent="-342900" lvl="0" marL="457200" rtl="0" algn="l">
-              <a:lnSpc>
-                <a:spcPct val="115000"/>
-              </a:lnSpc>
-              <a:spcBef>
-                <a:spcPts val="0"/>
-              </a:spcBef>
-              <a:spcAft>
-                <a:spcPts val="0"/>
-              </a:spcAft>
-              <a:buSzPts val="1800"/>
-              <a:buFont typeface="Karla"/>
-              <a:buChar char="●"/>
-            </a:pPr>
-            <a:r>
-              <a:rPr lang="en" sz="1800">
-                <a:latin typeface="Times"/>
-                <a:ea typeface="Times"/>
-                <a:cs typeface="Times"/>
-                <a:sym typeface="Times"/>
-              </a:rPr>
-              <a:t>Primo attaccante</a:t>
-            </a:r>
-            <a:r>
-              <a:rPr i="1" lang="en" sz="1800">
-                <a:latin typeface="Karla"/>
-                <a:ea typeface="Karla"/>
-                <a:cs typeface="Karla"/>
-                <a:sym typeface="Karla"/>
-              </a:rPr>
-              <a:t>: </a:t>
-            </a:r>
-            <a:r>
-              <a:rPr i="1" lang="en" sz="1800">
-                <a:latin typeface="Karla"/>
-                <a:ea typeface="Karla"/>
-                <a:cs typeface="Karla"/>
-                <a:sym typeface="Karla"/>
-              </a:rPr>
-              <a:t>1JYvvL67LrSGCG77cy4rmpUXCFfSub4JkG</a:t>
-            </a:r>
-            <a:r>
-              <a:rPr lang="en" sz="1800">
-                <a:latin typeface="Karla"/>
-                <a:ea typeface="Karla"/>
-                <a:cs typeface="Karla"/>
-                <a:sym typeface="Karla"/>
-              </a:rPr>
-              <a:t>.</a:t>
-            </a:r>
-            <a:endParaRPr sz="1800">
-              <a:latin typeface="Times"/>
-              <a:ea typeface="Times"/>
-              <a:cs typeface="Times"/>
-              <a:sym typeface="Times"/>
-            </a:endParaRPr>
-          </a:p>
-        </p:txBody>
-      </p:sp>
     </p:spTree>
   </p:cSld>
   <p:clrMapOvr>
@@ -15111,7 +15206,7 @@
     </p:bg>
     <p:spTree>
       <p:nvGrpSpPr>
-        <p:cNvPr id="315" name="Shape 315"/>
+        <p:cNvPr id="314" name="Shape 314"/>
         <p:cNvGrpSpPr/>
         <p:nvPr/>
       </p:nvGrpSpPr>
@@ -15125,26 +15220,20 @@
       </p:grpSpPr>
       <p:sp>
         <p:nvSpPr>
-          <p:cNvPr id="316" name="Google Shape;316;p33"/>
+          <p:cNvPr id="315" name="Google Shape;315;p33"/>
           <p:cNvSpPr txBox="1"/>
           <p:nvPr>
-            <p:ph type="title"/>
+            <p:ph type="ctrTitle"/>
           </p:nvPr>
         </p:nvSpPr>
         <p:spPr>
           <a:xfrm>
-            <a:off x="872525" y="386825"/>
-            <a:ext cx="5324100" cy="485700"/>
+            <a:off x="499325" y="1980750"/>
+            <a:ext cx="3530700" cy="1182000"/>
           </a:xfrm>
           <a:prstGeom prst="rect">
             <a:avLst/>
           </a:prstGeom>
-          <a:solidFill>
-            <a:schemeClr val="lt1"/>
-          </a:solidFill>
-          <a:ln>
-            <a:noFill/>
-          </a:ln>
         </p:spPr>
         <p:txBody>
           <a:bodyPr anchorCtr="0" anchor="b" bIns="91425" lIns="91425" spcFirstLastPara="1" rIns="91425" wrap="square" tIns="91425">
@@ -15152,7 +15241,7 @@
           </a:bodyPr>
           <a:lstStyle/>
           <a:p>
-            <a:pPr indent="0" lvl="0" marL="0" rtl="0" algn="l">
+            <a:pPr indent="0" lvl="0" marL="0" rtl="0" algn="ctr">
               <a:spcBef>
                 <a:spcPts val="0"/>
               </a:spcBef>
@@ -15171,7 +15260,7 @@
                 <a:cs typeface="Times"/>
                 <a:sym typeface="Times"/>
               </a:rPr>
-              <a:t>Conclusioni e Sviluppi futuri</a:t>
+              <a:t>Grazie a tutti per l’attenzione.</a:t>
             </a:r>
             <a:endParaRPr sz="3000">
               <a:solidFill>
@@ -15185,315 +15274,9 @@
           </a:p>
         </p:txBody>
       </p:sp>
-      <p:sp>
-        <p:nvSpPr>
-          <p:cNvPr id="317" name="Google Shape;317;p33"/>
-          <p:cNvSpPr txBox="1"/>
-          <p:nvPr>
-            <p:ph idx="1" type="body"/>
-          </p:nvPr>
-        </p:nvSpPr>
-        <p:spPr>
-          <a:xfrm>
-            <a:off x="0" y="1151125"/>
-            <a:ext cx="7109100" cy="3238800"/>
-          </a:xfrm>
-          <a:prstGeom prst="rect">
-            <a:avLst/>
-          </a:prstGeom>
-        </p:spPr>
-        <p:txBody>
-          <a:bodyPr anchorCtr="0" anchor="t" bIns="91425" lIns="91425" spcFirstLastPara="1" rIns="91425" wrap="square" tIns="91425">
-            <a:noAutofit/>
-          </a:bodyPr>
-          <a:lstStyle/>
-          <a:p>
-            <a:pPr indent="-342900" lvl="0" marL="457200" rtl="0" algn="l">
-              <a:lnSpc>
-                <a:spcPct val="100000"/>
-              </a:lnSpc>
-              <a:spcBef>
-                <a:spcPts val="600"/>
-              </a:spcBef>
-              <a:spcAft>
-                <a:spcPts val="0"/>
-              </a:spcAft>
-              <a:buClr>
-                <a:srgbClr val="000000"/>
-              </a:buClr>
-              <a:buSzPts val="1800"/>
-              <a:buFont typeface="Times"/>
-              <a:buChar char="●"/>
-            </a:pPr>
-            <a:r>
-              <a:rPr lang="en" sz="1800">
-                <a:solidFill>
-                  <a:srgbClr val="000000"/>
-                </a:solidFill>
-                <a:latin typeface="Times"/>
-                <a:ea typeface="Times"/>
-                <a:cs typeface="Times"/>
-                <a:sym typeface="Times"/>
-              </a:rPr>
-              <a:t>Conclusioni:</a:t>
-            </a:r>
-            <a:endParaRPr sz="1800">
-              <a:solidFill>
-                <a:srgbClr val="000000"/>
-              </a:solidFill>
-              <a:latin typeface="Times"/>
-              <a:ea typeface="Times"/>
-              <a:cs typeface="Times"/>
-              <a:sym typeface="Times"/>
-            </a:endParaRPr>
-          </a:p>
-          <a:p>
-            <a:pPr indent="-342900" lvl="1" marL="914400" rtl="0" algn="l">
-              <a:spcBef>
-                <a:spcPts val="0"/>
-              </a:spcBef>
-              <a:spcAft>
-                <a:spcPts val="0"/>
-              </a:spcAft>
-              <a:buSzPts val="1800"/>
-              <a:buFont typeface="Times"/>
-              <a:buChar char="○"/>
-            </a:pPr>
-            <a:r>
-              <a:rPr lang="en" sz="1800">
-                <a:solidFill>
-                  <a:srgbClr val="000000"/>
-                </a:solidFill>
-                <a:latin typeface="Times"/>
-                <a:ea typeface="Times"/>
-                <a:cs typeface="Times"/>
-                <a:sym typeface="Times"/>
-              </a:rPr>
-              <a:t>È stata mostrata la de-anonimizzazione causata dal dust;</a:t>
-            </a:r>
-            <a:endParaRPr sz="1800">
-              <a:solidFill>
-                <a:srgbClr val="000000"/>
-              </a:solidFill>
-              <a:latin typeface="Times"/>
-              <a:ea typeface="Times"/>
-              <a:cs typeface="Times"/>
-              <a:sym typeface="Times"/>
-            </a:endParaRPr>
-          </a:p>
-          <a:p>
-            <a:pPr indent="-342900" lvl="1" marL="914400" rtl="0" algn="l">
-              <a:spcBef>
-                <a:spcPts val="0"/>
-              </a:spcBef>
-              <a:spcAft>
-                <a:spcPts val="0"/>
-              </a:spcAft>
-              <a:buClr>
-                <a:srgbClr val="000000"/>
-              </a:buClr>
-              <a:buSzPts val="1800"/>
-              <a:buFont typeface="Times"/>
-              <a:buChar char="○"/>
-            </a:pPr>
-            <a:r>
-              <a:rPr lang="en" sz="1800">
-                <a:solidFill>
-                  <a:srgbClr val="000000"/>
-                </a:solidFill>
-                <a:latin typeface="Times"/>
-                <a:ea typeface="Times"/>
-                <a:cs typeface="Times"/>
-                <a:sym typeface="Times"/>
-              </a:rPr>
-              <a:t>Sono stati individuati due pattern di possibili Dust Attack.</a:t>
-            </a:r>
-            <a:endParaRPr sz="1800">
-              <a:solidFill>
-                <a:srgbClr val="000000"/>
-              </a:solidFill>
-              <a:latin typeface="Times"/>
-              <a:ea typeface="Times"/>
-              <a:cs typeface="Times"/>
-              <a:sym typeface="Times"/>
-            </a:endParaRPr>
-          </a:p>
-          <a:p>
-            <a:pPr indent="0" lvl="0" marL="0" rtl="0" algn="l">
-              <a:spcBef>
-                <a:spcPts val="600"/>
-              </a:spcBef>
-              <a:spcAft>
-                <a:spcPts val="0"/>
-              </a:spcAft>
-              <a:buNone/>
-            </a:pPr>
-            <a:r>
-              <a:t/>
-            </a:r>
-            <a:endParaRPr sz="1800">
-              <a:solidFill>
-                <a:srgbClr val="000000"/>
-              </a:solidFill>
-              <a:latin typeface="Times"/>
-              <a:ea typeface="Times"/>
-              <a:cs typeface="Times"/>
-              <a:sym typeface="Times"/>
-            </a:endParaRPr>
-          </a:p>
-          <a:p>
-            <a:pPr indent="-342900" lvl="0" marL="457200" rtl="0" algn="l">
-              <a:spcBef>
-                <a:spcPts val="600"/>
-              </a:spcBef>
-              <a:spcAft>
-                <a:spcPts val="0"/>
-              </a:spcAft>
-              <a:buClr>
-                <a:srgbClr val="000000"/>
-              </a:buClr>
-              <a:buSzPts val="1800"/>
-              <a:buFont typeface="Times"/>
-              <a:buChar char="●"/>
-            </a:pPr>
-            <a:r>
-              <a:rPr lang="en" sz="1800">
-                <a:solidFill>
-                  <a:srgbClr val="000000"/>
-                </a:solidFill>
-                <a:latin typeface="Times"/>
-                <a:ea typeface="Times"/>
-                <a:cs typeface="Times"/>
-                <a:sym typeface="Times"/>
-              </a:rPr>
-              <a:t>Sviluppi futuri:</a:t>
-            </a:r>
-            <a:endParaRPr sz="1800">
-              <a:solidFill>
-                <a:srgbClr val="000000"/>
-              </a:solidFill>
-              <a:latin typeface="Times"/>
-              <a:ea typeface="Times"/>
-              <a:cs typeface="Times"/>
-              <a:sym typeface="Times"/>
-            </a:endParaRPr>
-          </a:p>
-          <a:p>
-            <a:pPr indent="-342900" lvl="1" marL="914400" rtl="0" algn="l">
-              <a:spcBef>
-                <a:spcPts val="0"/>
-              </a:spcBef>
-              <a:spcAft>
-                <a:spcPts val="0"/>
-              </a:spcAft>
-              <a:buClr>
-                <a:srgbClr val="000000"/>
-              </a:buClr>
-              <a:buSzPts val="1800"/>
-              <a:buFont typeface="Times"/>
-              <a:buChar char="○"/>
-            </a:pPr>
-            <a:r>
-              <a:rPr lang="en" sz="1800">
-                <a:solidFill>
-                  <a:srgbClr val="000000"/>
-                </a:solidFill>
-                <a:latin typeface="Times"/>
-                <a:ea typeface="Times"/>
-                <a:cs typeface="Times"/>
-                <a:sym typeface="Times"/>
-              </a:rPr>
-              <a:t>Aggiornamento dataset;</a:t>
-            </a:r>
-            <a:endParaRPr sz="1800">
-              <a:solidFill>
-                <a:srgbClr val="000000"/>
-              </a:solidFill>
-              <a:latin typeface="Times"/>
-              <a:ea typeface="Times"/>
-              <a:cs typeface="Times"/>
-              <a:sym typeface="Times"/>
-            </a:endParaRPr>
-          </a:p>
-          <a:p>
-            <a:pPr indent="-342900" lvl="1" marL="914400" rtl="0" algn="l">
-              <a:spcBef>
-                <a:spcPts val="0"/>
-              </a:spcBef>
-              <a:spcAft>
-                <a:spcPts val="0"/>
-              </a:spcAft>
-              <a:buClr>
-                <a:srgbClr val="000000"/>
-              </a:buClr>
-              <a:buSzPts val="1800"/>
-              <a:buFont typeface="Times"/>
-              <a:buChar char="○"/>
-            </a:pPr>
-            <a:r>
-              <a:rPr lang="en" sz="1800">
-                <a:solidFill>
-                  <a:srgbClr val="000000"/>
-                </a:solidFill>
-                <a:latin typeface="Times"/>
-                <a:ea typeface="Times"/>
-                <a:cs typeface="Times"/>
-                <a:sym typeface="Times"/>
-              </a:rPr>
-              <a:t>Analisi approfondita dei pattern individuati;</a:t>
-            </a:r>
-            <a:endParaRPr sz="1800">
-              <a:solidFill>
-                <a:srgbClr val="000000"/>
-              </a:solidFill>
-              <a:latin typeface="Times"/>
-              <a:ea typeface="Times"/>
-              <a:cs typeface="Times"/>
-              <a:sym typeface="Times"/>
-            </a:endParaRPr>
-          </a:p>
-          <a:p>
-            <a:pPr indent="-342900" lvl="1" marL="914400" rtl="0" algn="l">
-              <a:spcBef>
-                <a:spcPts val="0"/>
-              </a:spcBef>
-              <a:spcAft>
-                <a:spcPts val="0"/>
-              </a:spcAft>
-              <a:buClr>
-                <a:srgbClr val="000000"/>
-              </a:buClr>
-              <a:buSzPts val="1800"/>
-              <a:buFont typeface="Times"/>
-              <a:buChar char="○"/>
-            </a:pPr>
-            <a:r>
-              <a:rPr lang="en" sz="1800">
-                <a:solidFill>
-                  <a:srgbClr val="000000"/>
-                </a:solidFill>
-                <a:latin typeface="Times"/>
-                <a:ea typeface="Times"/>
-                <a:cs typeface="Times"/>
-                <a:sym typeface="Times"/>
-              </a:rPr>
-              <a:t>Confronto con altri attacchi.</a:t>
-            </a:r>
-            <a:endParaRPr sz="1800">
-              <a:solidFill>
-                <a:srgbClr val="000000"/>
-              </a:solidFill>
-              <a:latin typeface="Times"/>
-              <a:ea typeface="Times"/>
-              <a:cs typeface="Times"/>
-              <a:sym typeface="Times"/>
-            </a:endParaRPr>
-          </a:p>
-        </p:txBody>
-      </p:sp>
       <p:pic>
         <p:nvPicPr>
-          <p:cNvPr id="318" name="Google Shape;318;p33"/>
+          <p:cNvPr id="316" name="Google Shape;316;p33"/>
           <p:cNvPicPr preferRelativeResize="0"/>
           <p:nvPr/>
         </p:nvPicPr>
@@ -15519,125 +15302,9 @@
           </a:ln>
         </p:spPr>
       </p:pic>
-    </p:spTree>
-  </p:cSld>
-  <p:clrMapOvr>
-    <a:masterClrMapping/>
-  </p:clrMapOvr>
-</p:sld>
-</file>
-
-<file path=ppt/slides/slide21.xml><?xml version="1.0" encoding="utf-8"?>
-<p:sld xmlns:a="http://schemas.openxmlformats.org/drawingml/2006/main" xmlns:r="http://schemas.openxmlformats.org/officeDocument/2006/relationships" xmlns:mc="http://schemas.openxmlformats.org/markup-compatibility/2006" xmlns:mv="urn:schemas-microsoft-com:mac:vml" xmlns:p="http://schemas.openxmlformats.org/presentationml/2006/main" xmlns:c="http://schemas.openxmlformats.org/drawingml/2006/chart" xmlns:dgm="http://schemas.openxmlformats.org/drawingml/2006/diagram" xmlns:o="urn:schemas-microsoft-com:office:office" xmlns:v="urn:schemas-microsoft-com:vml" xmlns:pvml="urn:schemas-microsoft-com:office:powerpoint" xmlns:com="http://schemas.openxmlformats.org/drawingml/2006/compatibility" xmlns:p14="http://schemas.microsoft.com/office/powerpoint/2010/main" xmlns:p15="http://schemas.microsoft.com/office/powerpoint/2012/main" xmlns:ahyp="http://schemas.microsoft.com/office/drawing/2018/hyperlinkcolor">
-  <p:cSld>
-    <p:bg>
-      <p:bgPr>
-        <a:solidFill>
-          <a:srgbClr val="073763"/>
-        </a:solidFill>
-      </p:bgPr>
-    </p:bg>
-    <p:spTree>
-      <p:nvGrpSpPr>
-        <p:cNvPr id="322" name="Shape 322"/>
-        <p:cNvGrpSpPr/>
-        <p:nvPr/>
-      </p:nvGrpSpPr>
-      <p:grpSpPr>
-        <a:xfrm>
-          <a:off x="0" y="0"/>
-          <a:ext cx="0" cy="0"/>
-          <a:chOff x="0" y="0"/>
-          <a:chExt cx="0" cy="0"/>
-        </a:xfrm>
-      </p:grpSpPr>
-      <p:sp>
-        <p:nvSpPr>
-          <p:cNvPr id="323" name="Google Shape;323;p34"/>
-          <p:cNvSpPr txBox="1"/>
-          <p:nvPr>
-            <p:ph type="ctrTitle"/>
-          </p:nvPr>
-        </p:nvSpPr>
-        <p:spPr>
-          <a:xfrm>
-            <a:off x="499325" y="1980750"/>
-            <a:ext cx="3530700" cy="1182000"/>
-          </a:xfrm>
-          <a:prstGeom prst="rect">
-            <a:avLst/>
-          </a:prstGeom>
-        </p:spPr>
-        <p:txBody>
-          <a:bodyPr anchorCtr="0" anchor="b" bIns="91425" lIns="91425" spcFirstLastPara="1" rIns="91425" wrap="square" tIns="91425">
-            <a:noAutofit/>
-          </a:bodyPr>
-          <a:lstStyle/>
-          <a:p>
-            <a:pPr indent="0" lvl="0" marL="0" rtl="0" algn="ctr">
-              <a:spcBef>
-                <a:spcPts val="0"/>
-              </a:spcBef>
-              <a:spcAft>
-                <a:spcPts val="0"/>
-              </a:spcAft>
-              <a:buNone/>
-            </a:pPr>
-            <a:r>
-              <a:rPr lang="en" sz="3000">
-                <a:solidFill>
-                  <a:srgbClr val="061D55"/>
-                </a:solidFill>
-                <a:latin typeface="Times"/>
-                <a:ea typeface="Times"/>
-                <a:cs typeface="Times"/>
-                <a:sym typeface="Times"/>
-              </a:rPr>
-              <a:t>Grazie a tutti per l’attenzione.</a:t>
-            </a:r>
-            <a:endParaRPr sz="3000">
-              <a:solidFill>
-                <a:srgbClr val="061D55"/>
-              </a:solidFill>
-              <a:latin typeface="Times"/>
-              <a:ea typeface="Times"/>
-              <a:cs typeface="Times"/>
-              <a:sym typeface="Times"/>
-            </a:endParaRPr>
-          </a:p>
-        </p:txBody>
-      </p:sp>
-      <p:pic>
-        <p:nvPicPr>
-          <p:cNvPr id="324" name="Google Shape;324;p34"/>
-          <p:cNvPicPr preferRelativeResize="0"/>
-          <p:nvPr/>
-        </p:nvPicPr>
-        <p:blipFill>
-          <a:blip r:embed="rId3">
-            <a:alphaModFix/>
-          </a:blip>
-          <a:stretch>
-            <a:fillRect/>
-          </a:stretch>
-        </p:blipFill>
-        <p:spPr>
-          <a:xfrm>
-            <a:off x="0" y="2"/>
-            <a:ext cx="872525" cy="872525"/>
-          </a:xfrm>
-          <a:prstGeom prst="rect">
-            <a:avLst/>
-          </a:prstGeom>
-          <a:noFill/>
-          <a:ln>
-            <a:noFill/>
-          </a:ln>
-        </p:spPr>
-      </p:pic>
-      <p:sp>
-        <p:nvSpPr>
-          <p:cNvPr id="325" name="Google Shape;325;p34"/>
+      <p:sp>
+        <p:nvSpPr>
+          <p:cNvPr id="317" name="Google Shape;317;p33"/>
           <p:cNvSpPr txBox="1"/>
           <p:nvPr/>
         </p:nvSpPr>
